--- a/硕士毕业论文答辩PPT.pptx
+++ b/硕士毕业论文答辩PPT.pptx
@@ -796,7 +796,68 @@
           <a:p>
             <a:r>
               <a:rPr lang="zh-CN" altLang="en-US"/>
-              <a:t>实现智能服务调用的第一步要根据用户意图匹配系统内相应的服务</a:t>
+              <a:t>第一个是服务分类模型</a:t>
+            </a:r>
+            <a:endParaRPr lang="zh-CN" altLang="en-US"/>
+          </a:p>
+          <a:p>
+            <a:r>
+              <a:rPr lang="zh-CN" altLang="en-US"/>
+              <a:t>它的作用是</a:t>
+            </a:r>
+            <a:r>
+              <a:rPr lang="zh-CN" altLang="en-US"/>
+              <a:t>根据用户意图匹配系统内相应的服务</a:t>
+            </a:r>
+            <a:endParaRPr lang="zh-CN" altLang="en-US"/>
+          </a:p>
+          <a:p>
+            <a:r>
+              <a:rPr lang="zh-CN" altLang="en-US"/>
+              <a:t>输入语句经过</a:t>
+            </a:r>
+            <a:r>
+              <a:rPr lang="en-US" altLang="zh-CN"/>
+              <a:t>word2vec</a:t>
+            </a:r>
+            <a:r>
+              <a:rPr lang="zh-CN" altLang="en-US"/>
+              <a:t>编码，自注意力计算后，卷积池化传入</a:t>
+            </a:r>
+            <a:r>
+              <a:rPr lang="en-US" altLang="zh-CN"/>
+              <a:t>LSTM</a:t>
+            </a:r>
+            <a:r>
+              <a:rPr lang="zh-CN" altLang="en-US"/>
+              <a:t>，最后决策得出结果</a:t>
+            </a:r>
+            <a:r>
+              <a:rPr lang="en-US" altLang="zh-CN"/>
+              <a:t>gan</a:t>
+            </a:r>
+            <a:endParaRPr lang="zh-CN" altLang="en-US"/>
+          </a:p>
+          <a:p>
+            <a:r>
+              <a:rPr lang="zh-CN" altLang="en-US"/>
+              <a:t>注意力层通过感知器计算词语之间相似度得到权重，求和得到词语的加权表示向量</a:t>
+            </a:r>
+            <a:r>
+              <a:rPr lang="en-US" altLang="zh-CN"/>
+              <a:t>g</a:t>
+            </a:r>
+            <a:r>
+              <a:rPr lang="zh-CN" altLang="en-US"/>
+              <a:t>，在将</a:t>
+            </a:r>
+            <a:r>
+              <a:rPr lang="en-US" altLang="zh-CN"/>
+              <a:t>g</a:t>
+            </a:r>
+            <a:r>
+              <a:rPr lang="zh-CN" altLang="en-US"/>
+              <a:t>和原词拼接得到引入注意力的向量表示</a:t>
             </a:r>
             <a:endParaRPr lang="zh-CN" altLang="en-US"/>
           </a:p>
@@ -846,42 +907,55 @@
         <p:cNvGrpSpPr/>
         <p:nvPr/>
       </p:nvGrpSpPr>
-      <p:grpSpPr>
-        <a:xfrm>
-          <a:off x="0" y="0"/>
-          <a:ext cx="0" cy="0"/>
-          <a:chOff x="0" y="0"/>
-          <a:chExt cx="0" cy="0"/>
-        </a:xfrm>
-      </p:grpSpPr>
+      <p:grpSpPr/>
       <p:sp>
         <p:nvSpPr>
           <p:cNvPr id="2" name="幻灯片图像占位符 1"/>
-          <p:cNvSpPr>
-            <a:spLocks noGrp="1" noRot="1" noChangeAspect="1"/>
-          </p:cNvSpPr>
+          <p:cNvSpPr/>
           <p:nvPr>
-            <p:ph type="sldImg"/>
+            <p:ph type="sldImg" idx="2"/>
           </p:nvPr>
         </p:nvSpPr>
         <p:spPr/>
       </p:sp>
       <p:sp>
         <p:nvSpPr>
-          <p:cNvPr id="3" name="备注占位符 2"/>
-          <p:cNvSpPr>
-            <a:spLocks noGrp="1"/>
-          </p:cNvSpPr>
+          <p:cNvPr id="3" name="文本占位符 2"/>
+          <p:cNvSpPr/>
           <p:nvPr>
-            <p:ph type="body" idx="1"/>
+            <p:ph type="body" idx="3"/>
           </p:nvPr>
         </p:nvSpPr>
         <p:spPr/>
         <p:txBody>
           <a:bodyPr/>
-          <a:lstStyle/>
           <a:p>
-            <a:endParaRPr lang="zh-CN" altLang="en-US" dirty="0"/>
+            <a:r>
+              <a:rPr lang="zh-CN" altLang="en-US"/>
+              <a:t>第二个模型是解决接口分类问题</a:t>
+            </a:r>
+            <a:endParaRPr lang="zh-CN" altLang="en-US"/>
+          </a:p>
+          <a:p>
+            <a:r>
+              <a:rPr lang="zh-CN" altLang="en-US"/>
+              <a:t>输入语句经过编码传入可变换卷积层，经池化层到达最终的决策层</a:t>
+            </a:r>
+            <a:endParaRPr lang="zh-CN" altLang="en-US"/>
+          </a:p>
+          <a:p>
+            <a:r>
+              <a:rPr lang="zh-CN" altLang="en-US"/>
+              <a:t>我们也是做了局部优化</a:t>
+            </a:r>
+            <a:endParaRPr lang="zh-CN" altLang="en-US"/>
+          </a:p>
+          <a:p>
+            <a:r>
+              <a:rPr lang="zh-CN" altLang="en-US"/>
+              <a:t>这里是将传统卷积层的固定采样改为可变换卷积可变采样，原理是通过增加采样位置信息偏移量实现的</a:t>
+            </a:r>
+            <a:endParaRPr lang="zh-CN" altLang="en-US"/>
           </a:p>
         </p:txBody>
       </p:sp>
@@ -892,13 +966,12 @@
             <a:spLocks noGrp="1"/>
           </p:cNvSpPr>
           <p:nvPr>
-            <p:ph type="sldNum" sz="quarter" idx="10"/>
+            <p:ph type="sldNum" sz="quarter" idx="5"/>
           </p:nvPr>
         </p:nvSpPr>
         <p:spPr/>
         <p:txBody>
           <a:bodyPr/>
-          <a:lstStyle/>
           <a:p>
             <a:fld id="{D712715C-60D8-4442-95C1-470452B8606C}" type="slidenum">
               <a:rPr kumimoji="1" lang="zh-CN" altLang="en-US" smtClean="0"/>
@@ -924,42 +997,55 @@
         <p:cNvGrpSpPr/>
         <p:nvPr/>
       </p:nvGrpSpPr>
-      <p:grpSpPr>
-        <a:xfrm>
-          <a:off x="0" y="0"/>
-          <a:ext cx="0" cy="0"/>
-          <a:chOff x="0" y="0"/>
-          <a:chExt cx="0" cy="0"/>
-        </a:xfrm>
-      </p:grpSpPr>
+      <p:grpSpPr/>
       <p:sp>
         <p:nvSpPr>
           <p:cNvPr id="2" name="幻灯片图像占位符 1"/>
-          <p:cNvSpPr>
-            <a:spLocks noGrp="1" noRot="1" noChangeAspect="1"/>
-          </p:cNvSpPr>
+          <p:cNvSpPr/>
           <p:nvPr>
-            <p:ph type="sldImg"/>
+            <p:ph type="sldImg" idx="2"/>
           </p:nvPr>
         </p:nvSpPr>
         <p:spPr/>
       </p:sp>
       <p:sp>
         <p:nvSpPr>
-          <p:cNvPr id="3" name="备注占位符 2"/>
-          <p:cNvSpPr>
-            <a:spLocks noGrp="1"/>
-          </p:cNvSpPr>
+          <p:cNvPr id="3" name="文本占位符 2"/>
+          <p:cNvSpPr/>
           <p:nvPr>
-            <p:ph type="body" idx="1"/>
+            <p:ph type="body" idx="3"/>
           </p:nvPr>
         </p:nvSpPr>
         <p:spPr/>
         <p:txBody>
           <a:bodyPr/>
-          <a:lstStyle/>
           <a:p>
-            <a:endParaRPr lang="zh-CN" altLang="en-US" dirty="0"/>
+            <a:r>
+              <a:rPr lang="zh-CN" altLang="en-US"/>
+              <a:t>这一章最后一个模型是在双向</a:t>
+            </a:r>
+            <a:r>
+              <a:rPr lang="en-US" altLang="zh-CN"/>
+              <a:t>lstm+</a:t>
+            </a:r>
+            <a:r>
+              <a:rPr lang="zh-CN" altLang="en-US"/>
+              <a:t>条件随机场的结构上增加注意力模块，用于解决语义槽填充问题</a:t>
+            </a:r>
+            <a:endParaRPr lang="zh-CN" altLang="en-US"/>
+          </a:p>
+          <a:p>
+            <a:r>
+              <a:rPr lang="zh-CN" altLang="en-US"/>
+              <a:t>我们把这三个模型结合在一起使用就可以达到语义理解的目的</a:t>
+            </a:r>
+            <a:endParaRPr lang="zh-CN" altLang="en-US"/>
+          </a:p>
+          <a:p>
+            <a:endParaRPr lang="zh-CN" altLang="en-US"/>
+          </a:p>
+          <a:p>
+            <a:endParaRPr lang="zh-CN" altLang="en-US"/>
           </a:p>
         </p:txBody>
       </p:sp>
@@ -970,13 +1056,12 @@
             <a:spLocks noGrp="1"/>
           </p:cNvSpPr>
           <p:nvPr>
-            <p:ph type="sldNum" sz="quarter" idx="10"/>
+            <p:ph type="sldNum" sz="quarter" idx="5"/>
           </p:nvPr>
         </p:nvSpPr>
         <p:spPr/>
         <p:txBody>
           <a:bodyPr/>
-          <a:lstStyle/>
           <a:p>
             <a:fld id="{D712715C-60D8-4442-95C1-470452B8606C}" type="slidenum">
               <a:rPr kumimoji="1" lang="zh-CN" altLang="en-US" smtClean="0"/>
@@ -1036,6 +1121,68 @@
         <p:txBody>
           <a:bodyPr/>
           <a:lstStyle/>
+          <a:p>
+            <a:r>
+              <a:rPr lang="zh-CN" altLang="en-US" dirty="0"/>
+              <a:t>但是在进行实验以后模型在各项指标上并不理想，仅能起到</a:t>
+            </a:r>
+            <a:r>
+              <a:rPr lang="en-US" altLang="zh-CN" dirty="0"/>
+              <a:t>baseline</a:t>
+            </a:r>
+            <a:r>
+              <a:rPr lang="zh-CN" altLang="en-US" dirty="0"/>
+              <a:t>和对照的作用</a:t>
+            </a:r>
+            <a:endParaRPr lang="zh-CN" altLang="en-US" dirty="0"/>
+          </a:p>
+          <a:p>
+            <a:r>
+              <a:rPr lang="zh-CN" altLang="en-US" dirty="0"/>
+              <a:t>经过分析发现该方法存在以下问题</a:t>
+            </a:r>
+            <a:endParaRPr lang="zh-CN" altLang="en-US" dirty="0"/>
+          </a:p>
+          <a:p>
+            <a:r>
+              <a:rPr lang="zh-CN" altLang="en-US" dirty="0"/>
+              <a:t>首先它没有考虑任务之间的关联性，而是分开来独立解决，这可能会影响最终的实验结果</a:t>
+            </a:r>
+            <a:endParaRPr lang="zh-CN" altLang="en-US" dirty="0"/>
+          </a:p>
+          <a:p>
+            <a:r>
+              <a:rPr lang="zh-CN" altLang="en-US" dirty="0"/>
+              <a:t>第二</a:t>
+            </a:r>
+            <a:r>
+              <a:rPr lang="zh-CN" altLang="en-US" dirty="0"/>
+              <a:t>该方法的编码采用</a:t>
+            </a:r>
+            <a:r>
+              <a:rPr lang="en-US" altLang="zh-CN" dirty="0"/>
+              <a:t>word2vec</a:t>
+            </a:r>
+            <a:r>
+              <a:rPr lang="zh-CN" altLang="en-US" dirty="0"/>
+              <a:t>，编码能力不如一些表达能力更强的预训练模型，因此对词嵌入层优化可能会有性能上的提升</a:t>
+            </a:r>
+            <a:endParaRPr lang="zh-CN" altLang="en-US" dirty="0"/>
+          </a:p>
+          <a:p>
+            <a:r>
+              <a:rPr lang="zh-CN" altLang="en-US" dirty="0"/>
+              <a:t>同时对于有些用户输入的较为简短且语义模糊的句子，需要引入外部知识来对短文本进行语义丰富，目前也没有这个能力</a:t>
+            </a:r>
+            <a:endParaRPr lang="zh-CN" altLang="en-US" dirty="0"/>
+          </a:p>
+          <a:p>
+            <a:r>
+              <a:rPr lang="zh-CN" altLang="en-US" dirty="0"/>
+              <a:t>目前模型数量较多，训练起来也很麻烦耗时</a:t>
+            </a:r>
+            <a:endParaRPr lang="zh-CN" altLang="en-US" dirty="0"/>
+          </a:p>
           <a:p>
             <a:endParaRPr lang="zh-CN" altLang="en-US" dirty="0"/>
           </a:p>
@@ -1115,6 +1262,10 @@
           <a:bodyPr/>
           <a:lstStyle/>
           <a:p>
+            <a:r>
+              <a:rPr lang="zh-CN" altLang="en-US" dirty="0"/>
+              <a:t>因此在论文的第四章根据针对以上提出的问题做了改进，这也是本文较核心的一章</a:t>
+            </a:r>
             <a:endParaRPr lang="zh-CN" altLang="en-US" dirty="0"/>
           </a:p>
         </p:txBody>
@@ -1158,42 +1309,84 @@
         <p:cNvGrpSpPr/>
         <p:nvPr/>
       </p:nvGrpSpPr>
-      <p:grpSpPr>
-        <a:xfrm>
-          <a:off x="0" y="0"/>
-          <a:ext cx="0" cy="0"/>
-          <a:chOff x="0" y="0"/>
-          <a:chExt cx="0" cy="0"/>
-        </a:xfrm>
-      </p:grpSpPr>
+      <p:grpSpPr/>
       <p:sp>
         <p:nvSpPr>
           <p:cNvPr id="2" name="幻灯片图像占位符 1"/>
-          <p:cNvSpPr>
-            <a:spLocks noGrp="1" noRot="1" noChangeAspect="1"/>
-          </p:cNvSpPr>
+          <p:cNvSpPr/>
           <p:nvPr>
-            <p:ph type="sldImg"/>
+            <p:ph type="sldImg" idx="2"/>
           </p:nvPr>
         </p:nvSpPr>
         <p:spPr/>
       </p:sp>
       <p:sp>
         <p:nvSpPr>
-          <p:cNvPr id="3" name="备注占位符 2"/>
-          <p:cNvSpPr>
-            <a:spLocks noGrp="1"/>
-          </p:cNvSpPr>
+          <p:cNvPr id="3" name="文本占位符 2"/>
+          <p:cNvSpPr/>
           <p:nvPr>
-            <p:ph type="body" idx="1"/>
+            <p:ph type="body" idx="3"/>
           </p:nvPr>
         </p:nvSpPr>
         <p:spPr/>
         <p:txBody>
           <a:bodyPr/>
-          <a:lstStyle/>
           <a:p>
-            <a:endParaRPr lang="zh-CN" altLang="en-US" dirty="0"/>
+            <a:r>
+              <a:rPr lang="zh-CN" altLang="en-US"/>
+              <a:t>首先对任务间独立这个问题做了改进提出门控联合识别模型，他是训练同一模型同时</a:t>
+            </a:r>
+            <a:r>
+              <a:rPr lang="zh-CN" altLang="en-US"/>
+              <a:t>解决</a:t>
+            </a:r>
+            <a:r>
+              <a:rPr lang="zh-CN" altLang="en-US">
+                <a:sym typeface="+mn-ea"/>
+              </a:rPr>
+              <a:t>三个子任务</a:t>
+            </a:r>
+            <a:endParaRPr lang="zh-CN" altLang="en-US"/>
+          </a:p>
+          <a:p>
+            <a:r>
+              <a:rPr lang="zh-CN" altLang="en-US"/>
+              <a:t>它在服务和接口分类的结构和之前差异不大，主要是在参数提取中引入门控结构，</a:t>
+            </a:r>
+            <a:endParaRPr lang="zh-CN" altLang="en-US"/>
+          </a:p>
+          <a:p>
+            <a:r>
+              <a:rPr lang="zh-CN" altLang="en-US">
+                <a:sym typeface="+mn-ea"/>
+              </a:rPr>
+              <a:t>门控结构会将服务和接口的决策信息处理后作为输入传入最终的分类器</a:t>
+            </a:r>
+            <a:endParaRPr lang="zh-CN" altLang="en-US">
+              <a:sym typeface="+mn-ea"/>
+            </a:endParaRPr>
+          </a:p>
+          <a:p>
+            <a:r>
+              <a:rPr lang="zh-CN" altLang="en-US">
+                <a:sym typeface="+mn-ea"/>
+              </a:rPr>
+              <a:t>这样做的依据是参数填充通常高度依赖于前两个任务，进行显示的关系建模有利于提高语义槽填充的准确率</a:t>
+            </a:r>
+            <a:endParaRPr lang="zh-CN" altLang="en-US">
+              <a:sym typeface="+mn-ea"/>
+            </a:endParaRPr>
+          </a:p>
+          <a:p>
+            <a:endParaRPr lang="zh-CN" altLang="en-US">
+              <a:sym typeface="+mn-ea"/>
+            </a:endParaRPr>
+          </a:p>
+          <a:p>
+            <a:endParaRPr lang="zh-CN" altLang="en-US"/>
+          </a:p>
+          <a:p>
+            <a:endParaRPr lang="zh-CN" altLang="en-US"/>
           </a:p>
         </p:txBody>
       </p:sp>
@@ -1204,13 +1397,12 @@
             <a:spLocks noGrp="1"/>
           </p:cNvSpPr>
           <p:nvPr>
-            <p:ph type="sldNum" sz="quarter" idx="10"/>
+            <p:ph type="sldNum" sz="quarter" idx="5"/>
           </p:nvPr>
         </p:nvSpPr>
         <p:spPr/>
         <p:txBody>
           <a:bodyPr/>
-          <a:lstStyle/>
           <a:p>
             <a:fld id="{D712715C-60D8-4442-95C1-470452B8606C}" type="slidenum">
               <a:rPr kumimoji="1" lang="zh-CN" altLang="en-US" smtClean="0"/>
@@ -1236,42 +1428,65 @@
         <p:cNvGrpSpPr/>
         <p:nvPr/>
       </p:nvGrpSpPr>
-      <p:grpSpPr>
-        <a:xfrm>
-          <a:off x="0" y="0"/>
-          <a:ext cx="0" cy="0"/>
-          <a:chOff x="0" y="0"/>
-          <a:chExt cx="0" cy="0"/>
-        </a:xfrm>
-      </p:grpSpPr>
+      <p:grpSpPr/>
       <p:sp>
         <p:nvSpPr>
           <p:cNvPr id="2" name="幻灯片图像占位符 1"/>
-          <p:cNvSpPr>
-            <a:spLocks noGrp="1" noRot="1" noChangeAspect="1"/>
-          </p:cNvSpPr>
+          <p:cNvSpPr/>
           <p:nvPr>
-            <p:ph type="sldImg"/>
+            <p:ph type="sldImg" idx="2"/>
           </p:nvPr>
         </p:nvSpPr>
         <p:spPr/>
       </p:sp>
       <p:sp>
         <p:nvSpPr>
-          <p:cNvPr id="3" name="备注占位符 2"/>
-          <p:cNvSpPr>
-            <a:spLocks noGrp="1"/>
-          </p:cNvSpPr>
+          <p:cNvPr id="3" name="文本占位符 2"/>
+          <p:cNvSpPr/>
           <p:nvPr>
-            <p:ph type="body" idx="1"/>
+            <p:ph type="body" idx="3"/>
           </p:nvPr>
         </p:nvSpPr>
         <p:spPr/>
         <p:txBody>
           <a:bodyPr/>
-          <a:lstStyle/>
           <a:p>
-            <a:endParaRPr lang="zh-CN" altLang="en-US" dirty="0"/>
+            <a:r>
+              <a:rPr lang="zh-CN" altLang="en-US"/>
+              <a:t>进一步研究发现，信息流的传递不应该局限于单向它应该是多向的，因此本文又提出了交互式联合识别模型，它同样是同一模型解决三个任务</a:t>
+            </a:r>
+            <a:endParaRPr lang="zh-CN" altLang="en-US"/>
+          </a:p>
+          <a:p>
+            <a:r>
+              <a:rPr lang="zh-CN" altLang="en-US"/>
+              <a:t>从左往右经过共享编码层，独立的自注意力层到达交互层，这一层是本模型的核心</a:t>
+            </a:r>
+            <a:endParaRPr lang="zh-CN" altLang="en-US"/>
+          </a:p>
+          <a:p>
+            <a:r>
+              <a:rPr lang="zh-CN" altLang="en-US"/>
+              <a:t>交互层将其他任意两项任务的中间决策信息传入第三项任务中来影响最终的结果，同时他是可堆叠的结构保证了信息流的充分融合</a:t>
+            </a:r>
+            <a:endParaRPr lang="zh-CN" altLang="en-US"/>
+          </a:p>
+          <a:p>
+            <a:r>
+              <a:rPr lang="zh-CN" altLang="en-US"/>
+              <a:t>最终通过独立解码层得到结果</a:t>
+            </a:r>
+            <a:endParaRPr lang="zh-CN" altLang="en-US"/>
+          </a:p>
+          <a:p>
+            <a:r>
+              <a:rPr lang="zh-CN" altLang="en-US"/>
+              <a:t>交互式联合识别也是在实验数据集上表现最优的模型</a:t>
+            </a:r>
+            <a:endParaRPr lang="zh-CN" altLang="en-US"/>
+          </a:p>
+          <a:p>
+            <a:endParaRPr lang="zh-CN" altLang="en-US"/>
           </a:p>
         </p:txBody>
       </p:sp>
@@ -1282,13 +1497,12 @@
             <a:spLocks noGrp="1"/>
           </p:cNvSpPr>
           <p:nvPr>
-            <p:ph type="sldNum" sz="quarter" idx="10"/>
+            <p:ph type="sldNum" sz="quarter" idx="5"/>
           </p:nvPr>
         </p:nvSpPr>
         <p:spPr/>
         <p:txBody>
           <a:bodyPr/>
-          <a:lstStyle/>
           <a:p>
             <a:fld id="{D712715C-60D8-4442-95C1-470452B8606C}" type="slidenum">
               <a:rPr kumimoji="1" lang="zh-CN" altLang="en-US" smtClean="0"/>
@@ -1427,10 +1641,6 @@
           <a:bodyPr/>
           <a:lstStyle/>
           <a:p>
-            <a:r>
-              <a:rPr lang="zh-CN" altLang="en-US" dirty="0"/>
-              <a:t>最后进行总结与展望</a:t>
-            </a:r>
             <a:endParaRPr lang="zh-CN" altLang="en-US" dirty="0"/>
           </a:p>
         </p:txBody>
@@ -1644,36 +1854,19 @@
       </p:grpSpPr>
       <p:sp>
         <p:nvSpPr>
-          <p:cNvPr id="4098" name="幻灯片图像占位符 1"/>
+          <p:cNvPr id="2" name="幻灯片图像占位符 1"/>
           <p:cNvSpPr>
-            <a:spLocks noGrp="1" noRot="1" noChangeAspect="1" noTextEdit="1"/>
+            <a:spLocks noGrp="1" noRot="1" noChangeAspect="1"/>
           </p:cNvSpPr>
           <p:nvPr>
             <p:ph type="sldImg"/>
           </p:nvPr>
         </p:nvSpPr>
-        <p:spPr bwMode="auto">
-          <a:noFill/>
-          <a:ln>
-            <a:solidFill>
-              <a:srgbClr val="000000"/>
-            </a:solidFill>
-            <a:miter lim="800000"/>
-          </a:ln>
-          <a:extLst>
-            <a:ext uri="{909E8E84-426E-40DD-AFC4-6F175D3DCCD1}">
-              <a14:hiddenFill xmlns:a14="http://schemas.microsoft.com/office/drawing/2010/main">
-                <a:solidFill>
-                  <a:srgbClr val="FFFFFF"/>
-                </a:solidFill>
-              </a14:hiddenFill>
-            </a:ext>
-          </a:extLst>
-        </p:spPr>
+        <p:spPr/>
       </p:sp>
       <p:sp>
         <p:nvSpPr>
-          <p:cNvPr id="4099" name="备注占位符 2"/>
+          <p:cNvPr id="3" name="备注占位符 2"/>
           <p:cNvSpPr>
             <a:spLocks noGrp="1"/>
           </p:cNvSpPr>
@@ -1681,191 +1874,34 @@
             <p:ph type="body" idx="1"/>
           </p:nvPr>
         </p:nvSpPr>
-        <p:spPr bwMode="auto">
-          <a:noFill/>
-          <a:extLst>
-            <a:ext uri="{909E8E84-426E-40DD-AFC4-6F175D3DCCD1}">
-              <a14:hiddenFill xmlns:a14="http://schemas.microsoft.com/office/drawing/2010/main">
-                <a:solidFill>
-                  <a:srgbClr val="FFFFFF"/>
-                </a:solidFill>
-              </a14:hiddenFill>
-            </a:ext>
-            <a:ext uri="{91240B29-F687-4F45-9708-019B960494DF}">
-              <a14:hiddenLine xmlns:a14="http://schemas.microsoft.com/office/drawing/2010/main" w="9525">
-                <a:solidFill>
-                  <a:srgbClr val="000000"/>
-                </a:solidFill>
-                <a:miter lim="800000"/>
-                <a:headEnd/>
-                <a:tailEnd/>
-              </a14:hiddenLine>
-            </a:ext>
-          </a:extLst>
-        </p:spPr>
+        <p:spPr/>
         <p:txBody>
-          <a:bodyPr wrap="square" numCol="1" anchor="t" anchorCtr="0" compatLnSpc="1"/>
+          <a:bodyPr/>
           <a:lstStyle/>
           <a:p>
-            <a:pPr eaLnBrk="1" hangingPunct="1">
-              <a:spcBef>
-                <a:spcPct val="0"/>
-              </a:spcBef>
-            </a:pPr>
             <a:endParaRPr lang="zh-CN" altLang="en-US" dirty="0"/>
           </a:p>
         </p:txBody>
       </p:sp>
       <p:sp>
         <p:nvSpPr>
-          <p:cNvPr id="4100" name="灯片编号占位符 3"/>
+          <p:cNvPr id="4" name="灯片编号占位符 3"/>
           <p:cNvSpPr>
             <a:spLocks noGrp="1"/>
           </p:cNvSpPr>
           <p:nvPr>
-            <p:ph type="sldNum" sz="quarter" idx="5"/>
+            <p:ph type="sldNum" sz="quarter" idx="10"/>
           </p:nvPr>
         </p:nvSpPr>
-        <p:spPr bwMode="auto">
-          <a:noFill/>
-          <a:extLst>
-            <a:ext uri="{909E8E84-426E-40DD-AFC4-6F175D3DCCD1}">
-              <a14:hiddenFill xmlns:a14="http://schemas.microsoft.com/office/drawing/2010/main">
-                <a:solidFill>
-                  <a:srgbClr val="FFFFFF"/>
-                </a:solidFill>
-              </a14:hiddenFill>
-            </a:ext>
-            <a:ext uri="{91240B29-F687-4F45-9708-019B960494DF}">
-              <a14:hiddenLine xmlns:a14="http://schemas.microsoft.com/office/drawing/2010/main" w="9525">
-                <a:solidFill>
-                  <a:srgbClr val="000000"/>
-                </a:solidFill>
-                <a:miter lim="800000"/>
-                <a:headEnd/>
-                <a:tailEnd/>
-              </a14:hiddenLine>
-            </a:ext>
-          </a:extLst>
-        </p:spPr>
+        <p:spPr/>
         <p:txBody>
           <a:bodyPr/>
-          <a:lstStyle>
-            <a:lvl1pPr>
-              <a:defRPr>
-                <a:solidFill>
-                  <a:schemeClr val="tx1"/>
-                </a:solidFill>
-                <a:latin typeface="Arial Narrow" panose="020B0606020202030204" pitchFamily="34" charset="0"/>
-                <a:ea typeface="宋体" panose="02010600030101010101" pitchFamily="2" charset="-122"/>
-              </a:defRPr>
-            </a:lvl1pPr>
-            <a:lvl2pPr marL="742950" indent="-285750">
-              <a:defRPr>
-                <a:solidFill>
-                  <a:schemeClr val="tx1"/>
-                </a:solidFill>
-                <a:latin typeface="Arial Narrow" panose="020B0606020202030204" pitchFamily="34" charset="0"/>
-                <a:ea typeface="宋体" panose="02010600030101010101" pitchFamily="2" charset="-122"/>
-              </a:defRPr>
-            </a:lvl2pPr>
-            <a:lvl3pPr marL="1143000" indent="-228600">
-              <a:defRPr>
-                <a:solidFill>
-                  <a:schemeClr val="tx1"/>
-                </a:solidFill>
-                <a:latin typeface="Arial Narrow" panose="020B0606020202030204" pitchFamily="34" charset="0"/>
-                <a:ea typeface="宋体" panose="02010600030101010101" pitchFamily="2" charset="-122"/>
-              </a:defRPr>
-            </a:lvl3pPr>
-            <a:lvl4pPr marL="1600200" indent="-228600">
-              <a:defRPr>
-                <a:solidFill>
-                  <a:schemeClr val="tx1"/>
-                </a:solidFill>
-                <a:latin typeface="Arial Narrow" panose="020B0606020202030204" pitchFamily="34" charset="0"/>
-                <a:ea typeface="宋体" panose="02010600030101010101" pitchFamily="2" charset="-122"/>
-              </a:defRPr>
-            </a:lvl4pPr>
-            <a:lvl5pPr marL="2057400" indent="-228600">
-              <a:defRPr>
-                <a:solidFill>
-                  <a:schemeClr val="tx1"/>
-                </a:solidFill>
-                <a:latin typeface="Arial Narrow" panose="020B0606020202030204" pitchFamily="34" charset="0"/>
-                <a:ea typeface="宋体" panose="02010600030101010101" pitchFamily="2" charset="-122"/>
-              </a:defRPr>
-            </a:lvl5pPr>
-            <a:lvl6pPr marL="2514600" indent="-228600" eaLnBrk="0" fontAlgn="base" hangingPunct="0">
-              <a:spcBef>
-                <a:spcPct val="0"/>
-              </a:spcBef>
-              <a:spcAft>
-                <a:spcPct val="0"/>
-              </a:spcAft>
-              <a:defRPr>
-                <a:solidFill>
-                  <a:schemeClr val="tx1"/>
-                </a:solidFill>
-                <a:latin typeface="Arial Narrow" panose="020B0606020202030204" pitchFamily="34" charset="0"/>
-                <a:ea typeface="宋体" panose="02010600030101010101" pitchFamily="2" charset="-122"/>
-              </a:defRPr>
-            </a:lvl6pPr>
-            <a:lvl7pPr marL="2971800" indent="-228600" eaLnBrk="0" fontAlgn="base" hangingPunct="0">
-              <a:spcBef>
-                <a:spcPct val="0"/>
-              </a:spcBef>
-              <a:spcAft>
-                <a:spcPct val="0"/>
-              </a:spcAft>
-              <a:defRPr>
-                <a:solidFill>
-                  <a:schemeClr val="tx1"/>
-                </a:solidFill>
-                <a:latin typeface="Arial Narrow" panose="020B0606020202030204" pitchFamily="34" charset="0"/>
-                <a:ea typeface="宋体" panose="02010600030101010101" pitchFamily="2" charset="-122"/>
-              </a:defRPr>
-            </a:lvl7pPr>
-            <a:lvl8pPr marL="3429000" indent="-228600" eaLnBrk="0" fontAlgn="base" hangingPunct="0">
-              <a:spcBef>
-                <a:spcPct val="0"/>
-              </a:spcBef>
-              <a:spcAft>
-                <a:spcPct val="0"/>
-              </a:spcAft>
-              <a:defRPr>
-                <a:solidFill>
-                  <a:schemeClr val="tx1"/>
-                </a:solidFill>
-                <a:latin typeface="Arial Narrow" panose="020B0606020202030204" pitchFamily="34" charset="0"/>
-                <a:ea typeface="宋体" panose="02010600030101010101" pitchFamily="2" charset="-122"/>
-              </a:defRPr>
-            </a:lvl8pPr>
-            <a:lvl9pPr marL="3886200" indent="-228600" eaLnBrk="0" fontAlgn="base" hangingPunct="0">
-              <a:spcBef>
-                <a:spcPct val="0"/>
-              </a:spcBef>
-              <a:spcAft>
-                <a:spcPct val="0"/>
-              </a:spcAft>
-              <a:defRPr>
-                <a:solidFill>
-                  <a:schemeClr val="tx1"/>
-                </a:solidFill>
-                <a:latin typeface="Arial Narrow" panose="020B0606020202030204" pitchFamily="34" charset="0"/>
-                <a:ea typeface="宋体" panose="02010600030101010101" pitchFamily="2" charset="-122"/>
-              </a:defRPr>
-            </a:lvl9pPr>
-          </a:lstStyle>
+          <a:lstStyle/>
           <a:p>
-            <a:fld id="{C9054CEC-105C-4A6A-9456-DBE647A13BE1}" type="slidenum">
-              <a:rPr lang="zh-CN" altLang="en-US" smtClean="0">
-                <a:latin typeface="Calibri" panose="020F0502020204030204" pitchFamily="34" charset="0"/>
-              </a:rPr>
+            <a:fld id="{D712715C-60D8-4442-95C1-470452B8606C}" type="slidenum">
+              <a:rPr kumimoji="1" lang="zh-CN" altLang="en-US" smtClean="0"/>
             </a:fld>
-            <a:endParaRPr lang="zh-CN" altLang="en-US">
-              <a:latin typeface="Calibri" panose="020F0502020204030204" pitchFamily="34" charset="0"/>
-            </a:endParaRPr>
+            <a:endParaRPr kumimoji="1" lang="zh-CN" altLang="en-US"/>
           </a:p>
         </p:txBody>
       </p:sp>
@@ -1921,14 +1957,6 @@
           <a:bodyPr/>
           <a:lstStyle/>
           <a:p>
-            <a:r>
-              <a:rPr lang="zh-CN" altLang="en-US"/>
-              <a:t>我的答辩展示</a:t>
-            </a:r>
-            <a:r>
-              <a:rPr lang="zh-CN" altLang="en-US" dirty="0"/>
-              <a:t>到此结束，恳请各位专家批评指正</a:t>
-            </a:r>
             <a:endParaRPr lang="zh-CN" altLang="en-US" dirty="0"/>
           </a:p>
         </p:txBody>
@@ -2009,7 +2037,7 @@
           <a:p>
             <a:r>
               <a:rPr lang="zh-CN" altLang="en-US" dirty="0"/>
-              <a:t>问题的难点就是语义理解</a:t>
+              <a:t>最后进行总结与展望</a:t>
             </a:r>
             <a:endParaRPr lang="zh-CN" altLang="en-US" dirty="0"/>
           </a:p>
@@ -2142,6 +2170,504 @@
       </p:grpSpPr>
       <p:sp>
         <p:nvSpPr>
+          <p:cNvPr id="4098" name="幻灯片图像占位符 1"/>
+          <p:cNvSpPr>
+            <a:spLocks noGrp="1" noRot="1" noChangeAspect="1" noTextEdit="1"/>
+          </p:cNvSpPr>
+          <p:nvPr>
+            <p:ph type="sldImg"/>
+          </p:nvPr>
+        </p:nvSpPr>
+        <p:spPr bwMode="auto">
+          <a:noFill/>
+          <a:ln>
+            <a:solidFill>
+              <a:srgbClr val="000000"/>
+            </a:solidFill>
+            <a:miter lim="800000"/>
+          </a:ln>
+          <a:extLst>
+            <a:ext uri="{909E8E84-426E-40DD-AFC4-6F175D3DCCD1}">
+              <a14:hiddenFill xmlns:a14="http://schemas.microsoft.com/office/drawing/2010/main">
+                <a:solidFill>
+                  <a:srgbClr val="FFFFFF"/>
+                </a:solidFill>
+              </a14:hiddenFill>
+            </a:ext>
+          </a:extLst>
+        </p:spPr>
+      </p:sp>
+      <p:sp>
+        <p:nvSpPr>
+          <p:cNvPr id="4099" name="备注占位符 2"/>
+          <p:cNvSpPr>
+            <a:spLocks noGrp="1"/>
+          </p:cNvSpPr>
+          <p:nvPr>
+            <p:ph type="body" idx="1"/>
+          </p:nvPr>
+        </p:nvSpPr>
+        <p:spPr bwMode="auto">
+          <a:noFill/>
+          <a:extLst>
+            <a:ext uri="{909E8E84-426E-40DD-AFC4-6F175D3DCCD1}">
+              <a14:hiddenFill xmlns:a14="http://schemas.microsoft.com/office/drawing/2010/main">
+                <a:solidFill>
+                  <a:srgbClr val="FFFFFF"/>
+                </a:solidFill>
+              </a14:hiddenFill>
+            </a:ext>
+            <a:ext uri="{91240B29-F687-4F45-9708-019B960494DF}">
+              <a14:hiddenLine xmlns:a14="http://schemas.microsoft.com/office/drawing/2010/main" w="9525">
+                <a:solidFill>
+                  <a:srgbClr val="000000"/>
+                </a:solidFill>
+                <a:miter lim="800000"/>
+                <a:headEnd/>
+                <a:tailEnd/>
+              </a14:hiddenLine>
+            </a:ext>
+          </a:extLst>
+        </p:spPr>
+        <p:txBody>
+          <a:bodyPr wrap="square" numCol="1" anchor="t" anchorCtr="0" compatLnSpc="1"/>
+          <a:lstStyle/>
+          <a:p>
+            <a:pPr eaLnBrk="1" hangingPunct="1">
+              <a:spcBef>
+                <a:spcPct val="0"/>
+              </a:spcBef>
+            </a:pPr>
+            <a:endParaRPr lang="zh-CN" altLang="en-US" dirty="0"/>
+          </a:p>
+        </p:txBody>
+      </p:sp>
+      <p:sp>
+        <p:nvSpPr>
+          <p:cNvPr id="4100" name="灯片编号占位符 3"/>
+          <p:cNvSpPr>
+            <a:spLocks noGrp="1"/>
+          </p:cNvSpPr>
+          <p:nvPr>
+            <p:ph type="sldNum" sz="quarter" idx="5"/>
+          </p:nvPr>
+        </p:nvSpPr>
+        <p:spPr bwMode="auto">
+          <a:noFill/>
+          <a:extLst>
+            <a:ext uri="{909E8E84-426E-40DD-AFC4-6F175D3DCCD1}">
+              <a14:hiddenFill xmlns:a14="http://schemas.microsoft.com/office/drawing/2010/main">
+                <a:solidFill>
+                  <a:srgbClr val="FFFFFF"/>
+                </a:solidFill>
+              </a14:hiddenFill>
+            </a:ext>
+            <a:ext uri="{91240B29-F687-4F45-9708-019B960494DF}">
+              <a14:hiddenLine xmlns:a14="http://schemas.microsoft.com/office/drawing/2010/main" w="9525">
+                <a:solidFill>
+                  <a:srgbClr val="000000"/>
+                </a:solidFill>
+                <a:miter lim="800000"/>
+                <a:headEnd/>
+                <a:tailEnd/>
+              </a14:hiddenLine>
+            </a:ext>
+          </a:extLst>
+        </p:spPr>
+        <p:txBody>
+          <a:bodyPr/>
+          <a:lstStyle>
+            <a:lvl1pPr>
+              <a:defRPr>
+                <a:solidFill>
+                  <a:schemeClr val="tx1"/>
+                </a:solidFill>
+                <a:latin typeface="Arial Narrow" panose="020B0606020202030204" pitchFamily="34" charset="0"/>
+                <a:ea typeface="宋体" panose="02010600030101010101" pitchFamily="2" charset="-122"/>
+              </a:defRPr>
+            </a:lvl1pPr>
+            <a:lvl2pPr marL="742950" indent="-285750">
+              <a:defRPr>
+                <a:solidFill>
+                  <a:schemeClr val="tx1"/>
+                </a:solidFill>
+                <a:latin typeface="Arial Narrow" panose="020B0606020202030204" pitchFamily="34" charset="0"/>
+                <a:ea typeface="宋体" panose="02010600030101010101" pitchFamily="2" charset="-122"/>
+              </a:defRPr>
+            </a:lvl2pPr>
+            <a:lvl3pPr marL="1143000" indent="-228600">
+              <a:defRPr>
+                <a:solidFill>
+                  <a:schemeClr val="tx1"/>
+                </a:solidFill>
+                <a:latin typeface="Arial Narrow" panose="020B0606020202030204" pitchFamily="34" charset="0"/>
+                <a:ea typeface="宋体" panose="02010600030101010101" pitchFamily="2" charset="-122"/>
+              </a:defRPr>
+            </a:lvl3pPr>
+            <a:lvl4pPr marL="1600200" indent="-228600">
+              <a:defRPr>
+                <a:solidFill>
+                  <a:schemeClr val="tx1"/>
+                </a:solidFill>
+                <a:latin typeface="Arial Narrow" panose="020B0606020202030204" pitchFamily="34" charset="0"/>
+                <a:ea typeface="宋体" panose="02010600030101010101" pitchFamily="2" charset="-122"/>
+              </a:defRPr>
+            </a:lvl4pPr>
+            <a:lvl5pPr marL="2057400" indent="-228600">
+              <a:defRPr>
+                <a:solidFill>
+                  <a:schemeClr val="tx1"/>
+                </a:solidFill>
+                <a:latin typeface="Arial Narrow" panose="020B0606020202030204" pitchFamily="34" charset="0"/>
+                <a:ea typeface="宋体" panose="02010600030101010101" pitchFamily="2" charset="-122"/>
+              </a:defRPr>
+            </a:lvl5pPr>
+            <a:lvl6pPr marL="2514600" indent="-228600" eaLnBrk="0" fontAlgn="base" hangingPunct="0">
+              <a:spcBef>
+                <a:spcPct val="0"/>
+              </a:spcBef>
+              <a:spcAft>
+                <a:spcPct val="0"/>
+              </a:spcAft>
+              <a:defRPr>
+                <a:solidFill>
+                  <a:schemeClr val="tx1"/>
+                </a:solidFill>
+                <a:latin typeface="Arial Narrow" panose="020B0606020202030204" pitchFamily="34" charset="0"/>
+                <a:ea typeface="宋体" panose="02010600030101010101" pitchFamily="2" charset="-122"/>
+              </a:defRPr>
+            </a:lvl6pPr>
+            <a:lvl7pPr marL="2971800" indent="-228600" eaLnBrk="0" fontAlgn="base" hangingPunct="0">
+              <a:spcBef>
+                <a:spcPct val="0"/>
+              </a:spcBef>
+              <a:spcAft>
+                <a:spcPct val="0"/>
+              </a:spcAft>
+              <a:defRPr>
+                <a:solidFill>
+                  <a:schemeClr val="tx1"/>
+                </a:solidFill>
+                <a:latin typeface="Arial Narrow" panose="020B0606020202030204" pitchFamily="34" charset="0"/>
+                <a:ea typeface="宋体" panose="02010600030101010101" pitchFamily="2" charset="-122"/>
+              </a:defRPr>
+            </a:lvl7pPr>
+            <a:lvl8pPr marL="3429000" indent="-228600" eaLnBrk="0" fontAlgn="base" hangingPunct="0">
+              <a:spcBef>
+                <a:spcPct val="0"/>
+              </a:spcBef>
+              <a:spcAft>
+                <a:spcPct val="0"/>
+              </a:spcAft>
+              <a:defRPr>
+                <a:solidFill>
+                  <a:schemeClr val="tx1"/>
+                </a:solidFill>
+                <a:latin typeface="Arial Narrow" panose="020B0606020202030204" pitchFamily="34" charset="0"/>
+                <a:ea typeface="宋体" panose="02010600030101010101" pitchFamily="2" charset="-122"/>
+              </a:defRPr>
+            </a:lvl8pPr>
+            <a:lvl9pPr marL="3886200" indent="-228600" eaLnBrk="0" fontAlgn="base" hangingPunct="0">
+              <a:spcBef>
+                <a:spcPct val="0"/>
+              </a:spcBef>
+              <a:spcAft>
+                <a:spcPct val="0"/>
+              </a:spcAft>
+              <a:defRPr>
+                <a:solidFill>
+                  <a:schemeClr val="tx1"/>
+                </a:solidFill>
+                <a:latin typeface="Arial Narrow" panose="020B0606020202030204" pitchFamily="34" charset="0"/>
+                <a:ea typeface="宋体" panose="02010600030101010101" pitchFamily="2" charset="-122"/>
+              </a:defRPr>
+            </a:lvl9pPr>
+          </a:lstStyle>
+          <a:p>
+            <a:fld id="{C9054CEC-105C-4A6A-9456-DBE647A13BE1}" type="slidenum">
+              <a:rPr lang="zh-CN" altLang="en-US" smtClean="0">
+                <a:latin typeface="Calibri" panose="020F0502020204030204" pitchFamily="34" charset="0"/>
+              </a:rPr>
+            </a:fld>
+            <a:endParaRPr lang="zh-CN" altLang="en-US">
+              <a:latin typeface="Calibri" panose="020F0502020204030204" pitchFamily="34" charset="0"/>
+            </a:endParaRPr>
+          </a:p>
+        </p:txBody>
+      </p:sp>
+    </p:spTree>
+  </p:cSld>
+  <p:clrMapOvr>
+    <a:masterClrMapping/>
+  </p:clrMapOvr>
+</p:notes>
+</file>
+
+<file path=ppt/notesSlides/notesSlide25.xml><?xml version="1.0" encoding="utf-8"?>
+<p:notes xmlns:a="http://schemas.openxmlformats.org/drawingml/2006/main" xmlns:r="http://schemas.openxmlformats.org/officeDocument/2006/relationships" xmlns:p="http://schemas.openxmlformats.org/presentationml/2006/main">
+  <p:cSld>
+    <p:spTree>
+      <p:nvGrpSpPr>
+        <p:cNvPr id="1" name=""/>
+        <p:cNvGrpSpPr/>
+        <p:nvPr/>
+      </p:nvGrpSpPr>
+      <p:grpSpPr>
+        <a:xfrm>
+          <a:off x="0" y="0"/>
+          <a:ext cx="0" cy="0"/>
+          <a:chOff x="0" y="0"/>
+          <a:chExt cx="0" cy="0"/>
+        </a:xfrm>
+      </p:grpSpPr>
+      <p:sp>
+        <p:nvSpPr>
+          <p:cNvPr id="2" name="幻灯片图像占位符 1"/>
+          <p:cNvSpPr>
+            <a:spLocks noGrp="1" noRot="1" noChangeAspect="1"/>
+          </p:cNvSpPr>
+          <p:nvPr>
+            <p:ph type="sldImg"/>
+          </p:nvPr>
+        </p:nvSpPr>
+        <p:spPr/>
+      </p:sp>
+      <p:sp>
+        <p:nvSpPr>
+          <p:cNvPr id="3" name="备注占位符 2"/>
+          <p:cNvSpPr>
+            <a:spLocks noGrp="1"/>
+          </p:cNvSpPr>
+          <p:nvPr>
+            <p:ph type="body" idx="1"/>
+          </p:nvPr>
+        </p:nvSpPr>
+        <p:spPr/>
+        <p:txBody>
+          <a:bodyPr/>
+          <a:lstStyle/>
+          <a:p>
+            <a:r>
+              <a:rPr lang="zh-CN" altLang="en-US"/>
+              <a:t>我的答辩展示</a:t>
+            </a:r>
+            <a:r>
+              <a:rPr lang="zh-CN" altLang="en-US" dirty="0"/>
+              <a:t>到此结束，恳请各位专家批评指正</a:t>
+            </a:r>
+            <a:endParaRPr lang="zh-CN" altLang="en-US" dirty="0"/>
+          </a:p>
+        </p:txBody>
+      </p:sp>
+      <p:sp>
+        <p:nvSpPr>
+          <p:cNvPr id="4" name="灯片编号占位符 3"/>
+          <p:cNvSpPr>
+            <a:spLocks noGrp="1"/>
+          </p:cNvSpPr>
+          <p:nvPr>
+            <p:ph type="sldNum" sz="quarter" idx="10"/>
+          </p:nvPr>
+        </p:nvSpPr>
+        <p:spPr/>
+        <p:txBody>
+          <a:bodyPr/>
+          <a:lstStyle/>
+          <a:p>
+            <a:fld id="{D712715C-60D8-4442-95C1-470452B8606C}" type="slidenum">
+              <a:rPr kumimoji="1" lang="zh-CN" altLang="en-US" smtClean="0"/>
+            </a:fld>
+            <a:endParaRPr kumimoji="1" lang="zh-CN" altLang="en-US"/>
+          </a:p>
+        </p:txBody>
+      </p:sp>
+    </p:spTree>
+  </p:cSld>
+  <p:clrMapOvr>
+    <a:masterClrMapping/>
+  </p:clrMapOvr>
+</p:notes>
+</file>
+
+<file path=ppt/notesSlides/notesSlide26.xml><?xml version="1.0" encoding="utf-8"?>
+<p:notes xmlns:a="http://schemas.openxmlformats.org/drawingml/2006/main" xmlns:r="http://schemas.openxmlformats.org/officeDocument/2006/relationships" xmlns:p="http://schemas.openxmlformats.org/presentationml/2006/main">
+  <p:cSld>
+    <p:spTree>
+      <p:nvGrpSpPr>
+        <p:cNvPr id="1" name=""/>
+        <p:cNvGrpSpPr/>
+        <p:nvPr/>
+      </p:nvGrpSpPr>
+      <p:grpSpPr>
+        <a:xfrm>
+          <a:off x="0" y="0"/>
+          <a:ext cx="0" cy="0"/>
+          <a:chOff x="0" y="0"/>
+          <a:chExt cx="0" cy="0"/>
+        </a:xfrm>
+      </p:grpSpPr>
+      <p:sp>
+        <p:nvSpPr>
+          <p:cNvPr id="2" name="幻灯片图像占位符 1"/>
+          <p:cNvSpPr>
+            <a:spLocks noGrp="1" noRot="1" noChangeAspect="1"/>
+          </p:cNvSpPr>
+          <p:nvPr>
+            <p:ph type="sldImg"/>
+          </p:nvPr>
+        </p:nvSpPr>
+        <p:spPr/>
+      </p:sp>
+      <p:sp>
+        <p:nvSpPr>
+          <p:cNvPr id="3" name="备注占位符 2"/>
+          <p:cNvSpPr>
+            <a:spLocks noGrp="1"/>
+          </p:cNvSpPr>
+          <p:nvPr>
+            <p:ph type="body" idx="1"/>
+          </p:nvPr>
+        </p:nvSpPr>
+        <p:spPr/>
+        <p:txBody>
+          <a:bodyPr/>
+          <a:lstStyle/>
+          <a:p>
+            <a:r>
+              <a:rPr lang="zh-CN" altLang="en-US" dirty="0"/>
+              <a:t>问题的难点就是语义理解</a:t>
+            </a:r>
+            <a:endParaRPr lang="zh-CN" altLang="en-US" dirty="0"/>
+          </a:p>
+        </p:txBody>
+      </p:sp>
+      <p:sp>
+        <p:nvSpPr>
+          <p:cNvPr id="4" name="灯片编号占位符 3"/>
+          <p:cNvSpPr>
+            <a:spLocks noGrp="1"/>
+          </p:cNvSpPr>
+          <p:nvPr>
+            <p:ph type="sldNum" sz="quarter" idx="10"/>
+          </p:nvPr>
+        </p:nvSpPr>
+        <p:spPr/>
+        <p:txBody>
+          <a:bodyPr/>
+          <a:lstStyle/>
+          <a:p>
+            <a:fld id="{D712715C-60D8-4442-95C1-470452B8606C}" type="slidenum">
+              <a:rPr kumimoji="1" lang="zh-CN" altLang="en-US" smtClean="0"/>
+            </a:fld>
+            <a:endParaRPr kumimoji="1" lang="zh-CN" altLang="en-US"/>
+          </a:p>
+        </p:txBody>
+      </p:sp>
+    </p:spTree>
+  </p:cSld>
+  <p:clrMapOvr>
+    <a:masterClrMapping/>
+  </p:clrMapOvr>
+</p:notes>
+</file>
+
+<file path=ppt/notesSlides/notesSlide27.xml><?xml version="1.0" encoding="utf-8"?>
+<p:notes xmlns:a="http://schemas.openxmlformats.org/drawingml/2006/main" xmlns:r="http://schemas.openxmlformats.org/officeDocument/2006/relationships" xmlns:p="http://schemas.openxmlformats.org/presentationml/2006/main">
+  <p:cSld>
+    <p:spTree>
+      <p:nvGrpSpPr>
+        <p:cNvPr id="1" name=""/>
+        <p:cNvGrpSpPr/>
+        <p:nvPr/>
+      </p:nvGrpSpPr>
+      <p:grpSpPr>
+        <a:xfrm>
+          <a:off x="0" y="0"/>
+          <a:ext cx="0" cy="0"/>
+          <a:chOff x="0" y="0"/>
+          <a:chExt cx="0" cy="0"/>
+        </a:xfrm>
+      </p:grpSpPr>
+      <p:sp>
+        <p:nvSpPr>
+          <p:cNvPr id="2" name="幻灯片图像占位符 1"/>
+          <p:cNvSpPr>
+            <a:spLocks noGrp="1" noRot="1" noChangeAspect="1"/>
+          </p:cNvSpPr>
+          <p:nvPr>
+            <p:ph type="sldImg"/>
+          </p:nvPr>
+        </p:nvSpPr>
+        <p:spPr/>
+      </p:sp>
+      <p:sp>
+        <p:nvSpPr>
+          <p:cNvPr id="3" name="备注占位符 2"/>
+          <p:cNvSpPr>
+            <a:spLocks noGrp="1"/>
+          </p:cNvSpPr>
+          <p:nvPr>
+            <p:ph type="body" idx="1"/>
+          </p:nvPr>
+        </p:nvSpPr>
+        <p:spPr/>
+        <p:txBody>
+          <a:bodyPr/>
+          <a:lstStyle/>
+          <a:p>
+            <a:endParaRPr lang="zh-CN" altLang="en-US" dirty="0"/>
+          </a:p>
+        </p:txBody>
+      </p:sp>
+      <p:sp>
+        <p:nvSpPr>
+          <p:cNvPr id="4" name="灯片编号占位符 3"/>
+          <p:cNvSpPr>
+            <a:spLocks noGrp="1"/>
+          </p:cNvSpPr>
+          <p:nvPr>
+            <p:ph type="sldNum" sz="quarter" idx="10"/>
+          </p:nvPr>
+        </p:nvSpPr>
+        <p:spPr/>
+        <p:txBody>
+          <a:bodyPr/>
+          <a:lstStyle/>
+          <a:p>
+            <a:fld id="{D712715C-60D8-4442-95C1-470452B8606C}" type="slidenum">
+              <a:rPr kumimoji="1" lang="zh-CN" altLang="en-US" smtClean="0"/>
+            </a:fld>
+            <a:endParaRPr kumimoji="1" lang="zh-CN" altLang="en-US"/>
+          </a:p>
+        </p:txBody>
+      </p:sp>
+    </p:spTree>
+  </p:cSld>
+  <p:clrMapOvr>
+    <a:masterClrMapping/>
+  </p:clrMapOvr>
+</p:notes>
+</file>
+
+<file path=ppt/notesSlides/notesSlide28.xml><?xml version="1.0" encoding="utf-8"?>
+<p:notes xmlns:a="http://schemas.openxmlformats.org/drawingml/2006/main" xmlns:r="http://schemas.openxmlformats.org/officeDocument/2006/relationships" xmlns:p="http://schemas.openxmlformats.org/presentationml/2006/main">
+  <p:cSld>
+    <p:spTree>
+      <p:nvGrpSpPr>
+        <p:cNvPr id="1" name=""/>
+        <p:cNvGrpSpPr/>
+        <p:nvPr/>
+      </p:nvGrpSpPr>
+      <p:grpSpPr>
+        <a:xfrm>
+          <a:off x="0" y="0"/>
+          <a:ext cx="0" cy="0"/>
+          <a:chOff x="0" y="0"/>
+          <a:chExt cx="0" cy="0"/>
+        </a:xfrm>
+      </p:grpSpPr>
+      <p:sp>
+        <p:nvSpPr>
           <p:cNvPr id="2" name="幻灯片图像占位符 1"/>
           <p:cNvSpPr>
             <a:spLocks noGrp="1" noRot="1" noChangeAspect="1"/>
@@ -2205,7 +2731,7 @@
 </p:notes>
 </file>
 
-<file path=ppt/notesSlides/notesSlide25.xml><?xml version="1.0" encoding="utf-8"?>
+<file path=ppt/notesSlides/notesSlide29.xml><?xml version="1.0" encoding="utf-8"?>
 <p:notes xmlns:a="http://schemas.openxmlformats.org/drawingml/2006/main" xmlns:r="http://schemas.openxmlformats.org/officeDocument/2006/relationships" xmlns:p="http://schemas.openxmlformats.org/presentationml/2006/main">
   <p:cSld>
     <p:spTree>
@@ -2405,7 +2931,7 @@
           <a:p>
             <a:r>
               <a:rPr lang="zh-CN" altLang="en-US" u="heavy"/>
-              <a:t>跨界服务是将跨越不同行业、组织、价值链等边界的服务进行深度融合和模式创新，为用户提供多维度、高质量、富价值的美好服务</a:t>
+              <a:t>跨界服务是将跨越不同行业、组织、价值链等边界的服务进行深度融合和模式创新，为用户提供多维度、高质量的美好服务</a:t>
             </a:r>
             <a:endParaRPr lang="zh-CN" altLang="en-US" u="heavy"/>
           </a:p>
@@ -2420,6 +2946,16 @@
             <a:r>
               <a:rPr lang="zh-CN" altLang="en-US" u="heavy"/>
               <a:t>企业级用户通过服务交换机接入网络进行服务的注册和开放，个人用户通过终端访问服务交换机获取服务</a:t>
+            </a:r>
+            <a:endParaRPr lang="zh-CN" altLang="en-US" u="heavy"/>
+          </a:p>
+          <a:p>
+            <a:endParaRPr lang="zh-CN" altLang="en-US" u="heavy"/>
+          </a:p>
+          <a:p>
+            <a:r>
+              <a:rPr lang="zh-CN" altLang="en-US" u="heavy"/>
+              <a:t>互联网医疗、农村淘宝</a:t>
             </a:r>
             <a:endParaRPr lang="zh-CN" altLang="en-US" u="heavy"/>
           </a:p>
@@ -2948,6 +3484,90 @@
             <a:r>
               <a:rPr lang="zh-CN" altLang="en-US" dirty="0"/>
               <a:t>我们对语义理解三个子问题做一个拆分，服务分类和接口分类可以视为文本分类问题</a:t>
+            </a:r>
+            <a:endParaRPr lang="zh-CN" altLang="en-US" dirty="0"/>
+          </a:p>
+          <a:p>
+            <a:r>
+              <a:rPr lang="zh-CN" altLang="en-US" dirty="0"/>
+              <a:t>参数提取可以视为语义槽填充问题</a:t>
+            </a:r>
+            <a:endParaRPr lang="zh-CN" altLang="en-US" dirty="0"/>
+          </a:p>
+          <a:p>
+            <a:r>
+              <a:rPr lang="en-US" altLang="zh-CN" dirty="0"/>
+              <a:t>11</a:t>
+            </a:r>
+            <a:r>
+              <a:rPr lang="zh-CN" altLang="en-US" dirty="0"/>
+              <a:t>年以前主要以</a:t>
+            </a:r>
+            <a:r>
+              <a:rPr lang="en-US" altLang="zh-CN" dirty="0"/>
+              <a:t>KNN,SVM</a:t>
+            </a:r>
+            <a:r>
+              <a:rPr lang="zh-CN" altLang="en-US" dirty="0"/>
+              <a:t>等机器学习方法为主，</a:t>
+            </a:r>
+            <a:r>
+              <a:rPr lang="en-US" altLang="zh-CN" dirty="0"/>
+              <a:t>11</a:t>
+            </a:r>
+            <a:r>
+              <a:rPr lang="zh-CN" altLang="en-US" dirty="0"/>
+              <a:t>年后以</a:t>
+            </a:r>
+            <a:r>
+              <a:rPr lang="en-US" altLang="zh-CN" dirty="0"/>
+              <a:t>TEXTCNN</a:t>
+            </a:r>
+            <a:r>
+              <a:rPr lang="zh-CN" altLang="en-US" dirty="0"/>
+              <a:t>，</a:t>
+            </a:r>
+            <a:r>
+              <a:rPr lang="en-US" altLang="zh-CN" dirty="0"/>
+              <a:t>GCN</a:t>
+            </a:r>
+            <a:r>
+              <a:rPr lang="zh-CN" altLang="en-US" dirty="0"/>
+              <a:t>等深度学习方法为主</a:t>
+            </a:r>
+            <a:endParaRPr lang="zh-CN" altLang="en-US" dirty="0"/>
+          </a:p>
+          <a:p>
+            <a:r>
+              <a:rPr lang="zh-CN" altLang="en-US" dirty="0"/>
+              <a:t>语义槽填充的方法也是有机器学习方法逐渐过渡到</a:t>
+            </a:r>
+            <a:r>
+              <a:rPr lang="en-US" altLang="zh-CN" dirty="0"/>
+              <a:t>LSTM+CRF</a:t>
+            </a:r>
+            <a:r>
+              <a:rPr lang="zh-CN" altLang="en-US" dirty="0"/>
+              <a:t>的深度学习方法</a:t>
+            </a:r>
+            <a:endParaRPr lang="zh-CN" altLang="en-US" dirty="0"/>
+          </a:p>
+          <a:p>
+            <a:r>
+              <a:rPr lang="zh-CN" altLang="en-US" dirty="0"/>
+              <a:t>论文第三章针对这三个子问题对深度学习做了局部优化提出了三个模型，目的主要起</a:t>
+            </a:r>
+            <a:r>
+              <a:rPr lang="en-US" altLang="zh-CN" dirty="0"/>
+              <a:t>baseline</a:t>
+            </a:r>
+            <a:r>
+              <a:rPr lang="zh-CN" altLang="en-US" dirty="0"/>
+              <a:t>和</a:t>
+            </a:r>
+            <a:r>
+              <a:rPr lang="zh-CN" altLang="en-US" dirty="0"/>
+              <a:t>对照作用</a:t>
             </a:r>
             <a:endParaRPr lang="zh-CN" altLang="en-US" dirty="0"/>
           </a:p>
@@ -5951,7 +6571,15 @@
                   <a:schemeClr val="tx1"/>
                 </a:solidFill>
               </a:rPr>
-              <a:t>引入字向量的 BLSTM-ATT-CRF 参数填充模型</a:t>
+              <a:t>引入字向量的 BLSTM-ATT-CRF 参数提取</a:t>
+            </a:r>
+            <a:r>
+              <a:rPr lang="zh-CN" altLang="en-US" sz="1800" b="1" dirty="0">
+                <a:solidFill>
+                  <a:schemeClr val="tx1"/>
+                </a:solidFill>
+              </a:rPr>
+              <a:t>模型</a:t>
             </a:r>
             <a:endParaRPr lang="zh-CN" altLang="en-US" sz="1800" b="1" dirty="0">
               <a:solidFill>
@@ -9422,162 +10050,6 @@
           </a:p>
         </p:txBody>
       </p:sp>
-      <p:grpSp>
-        <p:nvGrpSpPr>
-          <p:cNvPr id="2" name="组合 1"/>
-          <p:cNvGrpSpPr/>
-          <p:nvPr/>
-        </p:nvGrpSpPr>
-        <p:grpSpPr>
-          <a:xfrm>
-            <a:off x="6894000" y="1904212"/>
-            <a:ext cx="1569661" cy="902287"/>
-            <a:chOff x="6894298" y="2031845"/>
-            <a:chExt cx="1569661" cy="902287"/>
-          </a:xfrm>
-        </p:grpSpPr>
-        <p:sp>
-          <p:nvSpPr>
-            <p:cNvPr id="32" name="矩形 31"/>
-            <p:cNvSpPr/>
-            <p:nvPr/>
-          </p:nvSpPr>
-          <p:spPr>
-            <a:xfrm>
-              <a:off x="6894298" y="2031845"/>
-              <a:ext cx="1569660" cy="307777"/>
-            </a:xfrm>
-            <a:prstGeom prst="rect">
-              <a:avLst/>
-            </a:prstGeom>
-          </p:spPr>
-          <p:txBody>
-            <a:bodyPr wrap="none">
-              <a:spAutoFit/>
-            </a:bodyPr>
-            <a:lstStyle/>
-            <a:p>
-              <a:pPr>
-                <a:spcBef>
-                  <a:spcPct val="0"/>
-                </a:spcBef>
-              </a:pPr>
-              <a:r>
-                <a:rPr kumimoji="1" lang="en-US" altLang="zh-CN" dirty="0">
-                  <a:solidFill>
-                    <a:schemeClr val="bg1"/>
-                  </a:solidFill>
-                </a:rPr>
-                <a:t>3-1 </a:t>
-              </a:r>
-              <a:r>
-                <a:rPr kumimoji="1" lang="zh-CN" altLang="en-US" dirty="0">
-                  <a:solidFill>
-                    <a:schemeClr val="bg1"/>
-                  </a:solidFill>
-                </a:rPr>
-                <a:t>频繁项集挖掘</a:t>
-              </a:r>
-              <a:endParaRPr lang="zh-CN" altLang="en-US" dirty="0">
-                <a:solidFill>
-                  <a:schemeClr val="bg1"/>
-                </a:solidFill>
-                <a:sym typeface="微软雅黑" panose="020B0503020204020204" pitchFamily="34" charset="-122"/>
-              </a:endParaRPr>
-            </a:p>
-          </p:txBody>
-        </p:sp>
-        <p:sp>
-          <p:nvSpPr>
-            <p:cNvPr id="33" name="矩形 32"/>
-            <p:cNvSpPr/>
-            <p:nvPr/>
-          </p:nvSpPr>
-          <p:spPr>
-            <a:xfrm>
-              <a:off x="6894299" y="2322232"/>
-              <a:ext cx="1569660" cy="307777"/>
-            </a:xfrm>
-            <a:prstGeom prst="rect">
-              <a:avLst/>
-            </a:prstGeom>
-          </p:spPr>
-          <p:txBody>
-            <a:bodyPr wrap="none">
-              <a:spAutoFit/>
-            </a:bodyPr>
-            <a:lstStyle/>
-            <a:p>
-              <a:r>
-                <a:rPr lang="en-US" altLang="zh-CN" dirty="0">
-                  <a:solidFill>
-                    <a:schemeClr val="bg1"/>
-                  </a:solidFill>
-                </a:rPr>
-                <a:t>3-2 </a:t>
-              </a:r>
-              <a:r>
-                <a:rPr lang="zh-CN" altLang="en-US" dirty="0">
-                  <a:solidFill>
-                    <a:schemeClr val="bg1"/>
-                  </a:solidFill>
-                </a:rPr>
-                <a:t>标签空间增强</a:t>
-              </a:r>
-              <a:endParaRPr lang="zh-CN" altLang="en-US" dirty="0">
-                <a:solidFill>
-                  <a:schemeClr val="bg1"/>
-                </a:solidFill>
-              </a:endParaRPr>
-            </a:p>
-          </p:txBody>
-        </p:sp>
-        <p:sp>
-          <p:nvSpPr>
-            <p:cNvPr id="11" name="矩形 10"/>
-            <p:cNvSpPr/>
-            <p:nvPr/>
-          </p:nvSpPr>
-          <p:spPr>
-            <a:xfrm>
-              <a:off x="6894298" y="2626355"/>
-              <a:ext cx="1569660" cy="307777"/>
-            </a:xfrm>
-            <a:prstGeom prst="rect">
-              <a:avLst/>
-            </a:prstGeom>
-          </p:spPr>
-          <p:txBody>
-            <a:bodyPr wrap="none">
-              <a:spAutoFit/>
-            </a:bodyPr>
-            <a:lstStyle/>
-            <a:p>
-              <a:r>
-                <a:rPr lang="en-US" altLang="zh-CN" dirty="0">
-                  <a:solidFill>
-                    <a:schemeClr val="bg1"/>
-                  </a:solidFill>
-                </a:rPr>
-                <a:t>3-3 </a:t>
-              </a:r>
-              <a:r>
-                <a:rPr lang="zh-CN" altLang="en-US" dirty="0">
-                  <a:solidFill>
-                    <a:schemeClr val="bg1"/>
-                  </a:solidFill>
-                </a:rPr>
-                <a:t>算法特点分析</a:t>
-              </a:r>
-              <a:endParaRPr lang="zh-CN" altLang="en-US" dirty="0">
-                <a:solidFill>
-                  <a:schemeClr val="bg1"/>
-                </a:solidFill>
-              </a:endParaRPr>
-            </a:p>
-          </p:txBody>
-        </p:sp>
-      </p:grpSp>
     </p:spTree>
   </p:cSld>
   <p:clrMapOvr>
@@ -10135,7 +10607,14 @@
                 <a:latin typeface="Arial" panose="020B0604020202020204" pitchFamily="34" charset="0"/>
                 <a:ea typeface="微软雅黑" panose="020B0503020204020204" pitchFamily="34" charset="-122"/>
               </a:rPr>
-              <a:t>服务参数填充通常高度依赖于前两个任务，引入参数提取门控机制来对服务分类，接口分类和服务参数填充之间进行显式关系建模</a:t>
+              <a:t>服务参数提取</a:t>
+            </a:r>
+            <a:r>
+              <a:rPr lang="zh-CN" altLang="en-US" sz="1400" dirty="0" smtClean="0">
+                <a:latin typeface="Arial" panose="020B0604020202020204" pitchFamily="34" charset="0"/>
+                <a:ea typeface="微软雅黑" panose="020B0503020204020204" pitchFamily="34" charset="-122"/>
+              </a:rPr>
+              <a:t>通常高度依赖于前两个任务，引入参数提取门控机制来对服务分类，接口分类和服务参数填充之间进行显式关系建模</a:t>
             </a:r>
             <a:endParaRPr lang="zh-CN" altLang="en-US" sz="1400" dirty="0" smtClean="0">
               <a:latin typeface="Arial" panose="020B0604020202020204" pitchFamily="34" charset="0"/>
@@ -18325,162 +18804,6 @@
           </a:p>
         </p:txBody>
       </p:sp>
-      <p:grpSp>
-        <p:nvGrpSpPr>
-          <p:cNvPr id="2" name="组合 1"/>
-          <p:cNvGrpSpPr/>
-          <p:nvPr/>
-        </p:nvGrpSpPr>
-        <p:grpSpPr>
-          <a:xfrm>
-            <a:off x="6894000" y="1933283"/>
-            <a:ext cx="1210588" cy="605635"/>
-            <a:chOff x="7081222" y="1817121"/>
-            <a:chExt cx="1210588" cy="605635"/>
-          </a:xfrm>
-        </p:grpSpPr>
-        <p:sp>
-          <p:nvSpPr>
-            <p:cNvPr id="32" name="矩形 31"/>
-            <p:cNvSpPr/>
-            <p:nvPr/>
-          </p:nvSpPr>
-          <p:spPr>
-            <a:xfrm>
-              <a:off x="7081222" y="1817121"/>
-              <a:ext cx="1031051" cy="307777"/>
-            </a:xfrm>
-            <a:prstGeom prst="rect">
-              <a:avLst/>
-            </a:prstGeom>
-          </p:spPr>
-          <p:txBody>
-            <a:bodyPr wrap="none">
-              <a:spAutoFit/>
-            </a:bodyPr>
-            <a:lstStyle/>
-            <a:p>
-              <a:pPr>
-                <a:spcBef>
-                  <a:spcPct val="0"/>
-                </a:spcBef>
-              </a:pPr>
-              <a:r>
-                <a:rPr kumimoji="1" lang="en-US" altLang="zh-CN" dirty="0">
-                  <a:solidFill>
-                    <a:schemeClr val="bg1"/>
-                  </a:solidFill>
-                </a:rPr>
-                <a:t>4-1 </a:t>
-              </a:r>
-              <a:r>
-                <a:rPr kumimoji="1" lang="zh-CN" altLang="en-US" dirty="0">
-                  <a:solidFill>
-                    <a:schemeClr val="bg1"/>
-                  </a:solidFill>
-                </a:rPr>
-                <a:t>数据集</a:t>
-              </a:r>
-              <a:endParaRPr lang="zh-CN" altLang="en-US" dirty="0">
-                <a:solidFill>
-                  <a:schemeClr val="bg1"/>
-                </a:solidFill>
-                <a:sym typeface="微软雅黑" panose="020B0503020204020204" pitchFamily="34" charset="-122"/>
-              </a:endParaRPr>
-            </a:p>
-          </p:txBody>
-        </p:sp>
-        <p:sp>
-          <p:nvSpPr>
-            <p:cNvPr id="34" name="矩形 33"/>
-            <p:cNvSpPr/>
-            <p:nvPr/>
-          </p:nvSpPr>
-          <p:spPr>
-            <a:xfrm>
-              <a:off x="7081222" y="2114979"/>
-              <a:ext cx="1210588" cy="307777"/>
-            </a:xfrm>
-            <a:prstGeom prst="rect">
-              <a:avLst/>
-            </a:prstGeom>
-          </p:spPr>
-          <p:txBody>
-            <a:bodyPr wrap="none">
-              <a:spAutoFit/>
-            </a:bodyPr>
-            <a:lstStyle/>
-            <a:p>
-              <a:r>
-                <a:rPr kumimoji="1" lang="en-US" altLang="zh-CN" dirty="0">
-                  <a:solidFill>
-                    <a:schemeClr val="bg1"/>
-                  </a:solidFill>
-                </a:rPr>
-                <a:t>4-2 </a:t>
-              </a:r>
-              <a:r>
-                <a:rPr kumimoji="1" lang="zh-CN" altLang="en-US" dirty="0">
-                  <a:solidFill>
-                    <a:schemeClr val="bg1"/>
-                  </a:solidFill>
-                </a:rPr>
-                <a:t>实验设定</a:t>
-              </a:r>
-              <a:endParaRPr lang="zh-CN" altLang="en-US" dirty="0">
-                <a:solidFill>
-                  <a:schemeClr val="bg1"/>
-                </a:solidFill>
-              </a:endParaRPr>
-            </a:p>
-          </p:txBody>
-        </p:sp>
-      </p:grpSp>
-      <p:sp>
-        <p:nvSpPr>
-          <p:cNvPr id="10" name="矩形 9"/>
-          <p:cNvSpPr/>
-          <p:nvPr/>
-        </p:nvSpPr>
-        <p:spPr>
-          <a:xfrm>
-            <a:off x="6894000" y="2549812"/>
-            <a:ext cx="1210588" cy="307777"/>
-          </a:xfrm>
-          <a:prstGeom prst="rect">
-            <a:avLst/>
-          </a:prstGeom>
-        </p:spPr>
-        <p:txBody>
-          <a:bodyPr wrap="none">
-            <a:spAutoFit/>
-          </a:bodyPr>
-          <a:lstStyle/>
-          <a:p>
-            <a:r>
-              <a:rPr kumimoji="1" lang="en-US" altLang="zh-CN" dirty="0">
-                <a:solidFill>
-                  <a:schemeClr val="bg1"/>
-                </a:solidFill>
-              </a:rPr>
-              <a:t>4-3 </a:t>
-            </a:r>
-            <a:r>
-              <a:rPr kumimoji="1" lang="zh-CN" altLang="en-US" dirty="0">
-                <a:solidFill>
-                  <a:schemeClr val="bg1"/>
-                </a:solidFill>
-              </a:rPr>
-              <a:t>实验结果</a:t>
-            </a:r>
-            <a:endParaRPr lang="zh-CN" altLang="en-US" dirty="0">
-              <a:solidFill>
-                <a:schemeClr val="bg1"/>
-              </a:solidFill>
-            </a:endParaRPr>
-          </a:p>
-        </p:txBody>
-      </p:sp>
     </p:spTree>
   </p:cSld>
   <p:clrMapOvr>
@@ -24783,117 +25106,6 @@
           </a:p>
         </p:txBody>
       </p:sp>
-      <p:grpSp>
-        <p:nvGrpSpPr>
-          <p:cNvPr id="31" name="组合 30"/>
-          <p:cNvGrpSpPr/>
-          <p:nvPr/>
-        </p:nvGrpSpPr>
-        <p:grpSpPr>
-          <a:xfrm>
-            <a:off x="6894000" y="2055872"/>
-            <a:ext cx="851519" cy="598164"/>
-            <a:chOff x="9140238" y="2649839"/>
-            <a:chExt cx="1135358" cy="797551"/>
-          </a:xfrm>
-        </p:grpSpPr>
-        <p:sp>
-          <p:nvSpPr>
-            <p:cNvPr id="32" name="矩形 31"/>
-            <p:cNvSpPr/>
-            <p:nvPr/>
-          </p:nvSpPr>
-          <p:spPr>
-            <a:xfrm>
-              <a:off x="9140243" y="2649839"/>
-              <a:ext cx="1135353" cy="410369"/>
-            </a:xfrm>
-            <a:prstGeom prst="rect">
-              <a:avLst/>
-            </a:prstGeom>
-          </p:spPr>
-          <p:txBody>
-            <a:bodyPr wrap="none">
-              <a:spAutoFit/>
-            </a:bodyPr>
-            <a:lstStyle/>
-            <a:p>
-              <a:pPr>
-                <a:spcBef>
-                  <a:spcPct val="0"/>
-                </a:spcBef>
-              </a:pPr>
-              <a:r>
-                <a:rPr kumimoji="1" lang="en-US" altLang="zh-CN" dirty="0">
-                  <a:solidFill>
-                    <a:schemeClr val="bg1"/>
-                  </a:solidFill>
-                </a:rPr>
-                <a:t>5-1 </a:t>
-              </a:r>
-              <a:r>
-                <a:rPr kumimoji="1" lang="zh-CN" altLang="en-US" dirty="0">
-                  <a:solidFill>
-                    <a:schemeClr val="bg1"/>
-                  </a:solidFill>
-                </a:rPr>
-                <a:t>总结</a:t>
-              </a:r>
-              <a:endParaRPr lang="zh-CN" altLang="en-US" dirty="0">
-                <a:solidFill>
-                  <a:schemeClr val="bg1"/>
-                </a:solidFill>
-                <a:sym typeface="微软雅黑" panose="020B0503020204020204" pitchFamily="34" charset="-122"/>
-              </a:endParaRPr>
-            </a:p>
-          </p:txBody>
-        </p:sp>
-        <p:sp>
-          <p:nvSpPr>
-            <p:cNvPr id="33" name="矩形 32"/>
-            <p:cNvSpPr/>
-            <p:nvPr/>
-          </p:nvSpPr>
-          <p:spPr>
-            <a:xfrm>
-              <a:off x="9140238" y="3037021"/>
-              <a:ext cx="1135353" cy="410369"/>
-            </a:xfrm>
-            <a:prstGeom prst="rect">
-              <a:avLst/>
-            </a:prstGeom>
-          </p:spPr>
-          <p:txBody>
-            <a:bodyPr wrap="none">
-              <a:spAutoFit/>
-            </a:bodyPr>
-            <a:lstStyle/>
-            <a:p>
-              <a:r>
-                <a:rPr lang="en-US" altLang="zh-CN" dirty="0">
-                  <a:solidFill>
-                    <a:schemeClr val="bg1"/>
-                  </a:solidFill>
-                </a:rPr>
-                <a:t>5-2 </a:t>
-              </a:r>
-              <a:r>
-                <a:rPr lang="zh-CN" altLang="en-US" dirty="0">
-                  <a:solidFill>
-                    <a:schemeClr val="bg1"/>
-                  </a:solidFill>
-                </a:rPr>
-                <a:t>展望</a:t>
-              </a:r>
-              <a:endParaRPr lang="zh-CN" altLang="en-US" dirty="0">
-                <a:solidFill>
-                  <a:schemeClr val="bg1"/>
-                </a:solidFill>
-              </a:endParaRPr>
-            </a:p>
-          </p:txBody>
-        </p:sp>
-      </p:grpSp>
     </p:spTree>
   </p:cSld>
   <p:clrMapOvr>
@@ -29186,191 +29398,6 @@
               <a:t>绪论</a:t>
             </a:r>
             <a:endParaRPr lang="zh-CN" altLang="en-US" sz="3600" b="1" dirty="0">
-              <a:solidFill>
-                <a:schemeClr val="bg1"/>
-              </a:solidFill>
-            </a:endParaRPr>
-          </a:p>
-        </p:txBody>
-      </p:sp>
-      <p:grpSp>
-        <p:nvGrpSpPr>
-          <p:cNvPr id="31" name="组合 30"/>
-          <p:cNvGrpSpPr/>
-          <p:nvPr/>
-        </p:nvGrpSpPr>
-        <p:grpSpPr>
-          <a:xfrm>
-            <a:off x="6893996" y="1827508"/>
-            <a:ext cx="1210588" cy="1189508"/>
-            <a:chOff x="9140243" y="2570543"/>
-            <a:chExt cx="1614119" cy="1586010"/>
-          </a:xfrm>
-        </p:grpSpPr>
-        <p:sp>
-          <p:nvSpPr>
-            <p:cNvPr id="32" name="矩形 31"/>
-            <p:cNvSpPr/>
-            <p:nvPr/>
-          </p:nvSpPr>
-          <p:spPr>
-            <a:xfrm>
-              <a:off x="9140243" y="2570543"/>
-              <a:ext cx="1614119" cy="410369"/>
-            </a:xfrm>
-            <a:prstGeom prst="rect">
-              <a:avLst/>
-            </a:prstGeom>
-          </p:spPr>
-          <p:txBody>
-            <a:bodyPr wrap="none">
-              <a:spAutoFit/>
-            </a:bodyPr>
-            <a:lstStyle/>
-            <a:p>
-              <a:pPr>
-                <a:spcBef>
-                  <a:spcPct val="0"/>
-                </a:spcBef>
-              </a:pPr>
-              <a:r>
-                <a:rPr kumimoji="1" lang="en-US" altLang="zh-CN" dirty="0">
-                  <a:solidFill>
-                    <a:schemeClr val="bg1"/>
-                  </a:solidFill>
-                </a:rPr>
-                <a:t>1-1 </a:t>
-              </a:r>
-              <a:r>
-                <a:rPr kumimoji="1" lang="zh-CN" altLang="en-US" dirty="0">
-                  <a:solidFill>
-                    <a:schemeClr val="bg1"/>
-                  </a:solidFill>
-                </a:rPr>
-                <a:t>问题定义</a:t>
-              </a:r>
-              <a:endParaRPr lang="zh-CN" altLang="en-US" dirty="0">
-                <a:solidFill>
-                  <a:schemeClr val="bg1"/>
-                </a:solidFill>
-                <a:sym typeface="微软雅黑" panose="020B0503020204020204" pitchFamily="34" charset="-122"/>
-              </a:endParaRPr>
-            </a:p>
-          </p:txBody>
-        </p:sp>
-        <p:sp>
-          <p:nvSpPr>
-            <p:cNvPr id="33" name="矩形 32"/>
-            <p:cNvSpPr/>
-            <p:nvPr/>
-          </p:nvSpPr>
-          <p:spPr>
-            <a:xfrm>
-              <a:off x="9140243" y="2977549"/>
-              <a:ext cx="1614119" cy="410369"/>
-            </a:xfrm>
-            <a:prstGeom prst="rect">
-              <a:avLst/>
-            </a:prstGeom>
-          </p:spPr>
-          <p:txBody>
-            <a:bodyPr wrap="none">
-              <a:spAutoFit/>
-            </a:bodyPr>
-            <a:lstStyle/>
-            <a:p>
-              <a:r>
-                <a:rPr lang="en-US" altLang="zh-CN" dirty="0">
-                  <a:solidFill>
-                    <a:schemeClr val="bg1"/>
-                  </a:solidFill>
-                </a:rPr>
-                <a:t>1-2 </a:t>
-              </a:r>
-              <a:r>
-                <a:rPr lang="zh-CN" altLang="en-US" dirty="0">
-                  <a:solidFill>
-                    <a:schemeClr val="bg1"/>
-                  </a:solidFill>
-                </a:rPr>
-                <a:t>研究背景</a:t>
-              </a:r>
-              <a:endParaRPr lang="zh-CN" altLang="en-US" dirty="0">
-                <a:solidFill>
-                  <a:schemeClr val="bg1"/>
-                </a:solidFill>
-              </a:endParaRPr>
-            </a:p>
-          </p:txBody>
-        </p:sp>
-        <p:sp>
-          <p:nvSpPr>
-            <p:cNvPr id="34" name="矩形 33"/>
-            <p:cNvSpPr/>
-            <p:nvPr/>
-          </p:nvSpPr>
-          <p:spPr>
-            <a:xfrm>
-              <a:off x="9140243" y="3746184"/>
-              <a:ext cx="246308" cy="410369"/>
-            </a:xfrm>
-            <a:prstGeom prst="rect">
-              <a:avLst/>
-            </a:prstGeom>
-          </p:spPr>
-          <p:txBody>
-            <a:bodyPr wrap="none">
-              <a:spAutoFit/>
-            </a:bodyPr>
-            <a:lstStyle/>
-            <a:p>
-              <a:endParaRPr lang="zh-CN" altLang="en-US" dirty="0">
-                <a:solidFill>
-                  <a:schemeClr val="bg1"/>
-                </a:solidFill>
-              </a:endParaRPr>
-            </a:p>
-          </p:txBody>
-        </p:sp>
-      </p:grpSp>
-      <p:sp>
-        <p:nvSpPr>
-          <p:cNvPr id="11" name="矩形 10"/>
-          <p:cNvSpPr/>
-          <p:nvPr/>
-        </p:nvSpPr>
-        <p:spPr>
-          <a:xfrm>
-            <a:off x="6894001" y="2434261"/>
-            <a:ext cx="1210588" cy="307777"/>
-          </a:xfrm>
-          <a:prstGeom prst="rect">
-            <a:avLst/>
-          </a:prstGeom>
-        </p:spPr>
-        <p:txBody>
-          <a:bodyPr wrap="none">
-            <a:spAutoFit/>
-          </a:bodyPr>
-          <a:lstStyle/>
-          <a:p>
-            <a:r>
-              <a:rPr lang="en-US" altLang="zh-CN" dirty="0">
-                <a:solidFill>
-                  <a:schemeClr val="bg1"/>
-                </a:solidFill>
-              </a:rPr>
-              <a:t>1-3 </a:t>
-            </a:r>
-            <a:r>
-              <a:rPr lang="zh-CN" altLang="en-US" dirty="0">
-                <a:solidFill>
-                  <a:schemeClr val="bg1"/>
-                </a:solidFill>
-              </a:rPr>
-              <a:t>研究现状</a:t>
-            </a:r>
-            <a:endParaRPr lang="zh-CN" altLang="en-US" dirty="0">
               <a:solidFill>
                 <a:schemeClr val="bg1"/>
               </a:solidFill>
@@ -37867,162 +37894,6 @@
           </a:p>
         </p:txBody>
       </p:sp>
-      <p:grpSp>
-        <p:nvGrpSpPr>
-          <p:cNvPr id="2" name="组合 1"/>
-          <p:cNvGrpSpPr/>
-          <p:nvPr/>
-        </p:nvGrpSpPr>
-        <p:grpSpPr>
-          <a:xfrm>
-            <a:off x="6894000" y="1904212"/>
-            <a:ext cx="1928733" cy="902287"/>
-            <a:chOff x="6894298" y="2031845"/>
-            <a:chExt cx="1928733" cy="902287"/>
-          </a:xfrm>
-        </p:grpSpPr>
-        <p:sp>
-          <p:nvSpPr>
-            <p:cNvPr id="32" name="矩形 31"/>
-            <p:cNvSpPr/>
-            <p:nvPr/>
-          </p:nvSpPr>
-          <p:spPr>
-            <a:xfrm>
-              <a:off x="6894298" y="2031845"/>
-              <a:ext cx="1928733" cy="307777"/>
-            </a:xfrm>
-            <a:prstGeom prst="rect">
-              <a:avLst/>
-            </a:prstGeom>
-          </p:spPr>
-          <p:txBody>
-            <a:bodyPr wrap="none">
-              <a:spAutoFit/>
-            </a:bodyPr>
-            <a:lstStyle/>
-            <a:p>
-              <a:pPr>
-                <a:spcBef>
-                  <a:spcPct val="0"/>
-                </a:spcBef>
-              </a:pPr>
-              <a:r>
-                <a:rPr kumimoji="1" lang="en-US" altLang="zh-CN" dirty="0">
-                  <a:solidFill>
-                    <a:schemeClr val="bg1"/>
-                  </a:solidFill>
-                </a:rPr>
-                <a:t>2-1 </a:t>
-              </a:r>
-              <a:r>
-                <a:rPr kumimoji="1" lang="zh-CN" altLang="en-US" dirty="0">
-                  <a:solidFill>
-                    <a:schemeClr val="bg1"/>
-                  </a:solidFill>
-                </a:rPr>
-                <a:t>现有方法的局限性</a:t>
-              </a:r>
-              <a:endParaRPr lang="zh-CN" altLang="en-US" dirty="0">
-                <a:solidFill>
-                  <a:schemeClr val="bg1"/>
-                </a:solidFill>
-                <a:sym typeface="微软雅黑" panose="020B0503020204020204" pitchFamily="34" charset="-122"/>
-              </a:endParaRPr>
-            </a:p>
-          </p:txBody>
-        </p:sp>
-        <p:sp>
-          <p:nvSpPr>
-            <p:cNvPr id="33" name="矩形 32"/>
-            <p:cNvSpPr/>
-            <p:nvPr/>
-          </p:nvSpPr>
-          <p:spPr>
-            <a:xfrm>
-              <a:off x="6894299" y="2322232"/>
-              <a:ext cx="1210588" cy="307777"/>
-            </a:xfrm>
-            <a:prstGeom prst="rect">
-              <a:avLst/>
-            </a:prstGeom>
-          </p:spPr>
-          <p:txBody>
-            <a:bodyPr wrap="none">
-              <a:spAutoFit/>
-            </a:bodyPr>
-            <a:lstStyle/>
-            <a:p>
-              <a:r>
-                <a:rPr lang="en-US" altLang="zh-CN" dirty="0">
-                  <a:solidFill>
-                    <a:schemeClr val="bg1"/>
-                  </a:solidFill>
-                </a:rPr>
-                <a:t>2-2 </a:t>
-              </a:r>
-              <a:r>
-                <a:rPr lang="zh-CN" altLang="en-US" dirty="0">
-                  <a:solidFill>
-                    <a:schemeClr val="bg1"/>
-                  </a:solidFill>
-                </a:rPr>
-                <a:t>研究动机</a:t>
-              </a:r>
-              <a:endParaRPr lang="zh-CN" altLang="en-US" dirty="0">
-                <a:solidFill>
-                  <a:schemeClr val="bg1"/>
-                </a:solidFill>
-              </a:endParaRPr>
-            </a:p>
-          </p:txBody>
-        </p:sp>
-        <p:sp>
-          <p:nvSpPr>
-            <p:cNvPr id="11" name="矩形 10"/>
-            <p:cNvSpPr/>
-            <p:nvPr/>
-          </p:nvSpPr>
-          <p:spPr>
-            <a:xfrm>
-              <a:off x="6894298" y="2626355"/>
-              <a:ext cx="1210588" cy="307777"/>
-            </a:xfrm>
-            <a:prstGeom prst="rect">
-              <a:avLst/>
-            </a:prstGeom>
-          </p:spPr>
-          <p:txBody>
-            <a:bodyPr wrap="none">
-              <a:spAutoFit/>
-            </a:bodyPr>
-            <a:lstStyle/>
-            <a:p>
-              <a:r>
-                <a:rPr lang="en-US" altLang="zh-CN" dirty="0">
-                  <a:solidFill>
-                    <a:schemeClr val="bg1"/>
-                  </a:solidFill>
-                </a:rPr>
-                <a:t>2-3 </a:t>
-              </a:r>
-              <a:r>
-                <a:rPr lang="zh-CN" altLang="en-US" dirty="0">
-                  <a:solidFill>
-                    <a:schemeClr val="bg1"/>
-                  </a:solidFill>
-                </a:rPr>
-                <a:t>本文贡献</a:t>
-              </a:r>
-              <a:endParaRPr lang="zh-CN" altLang="en-US" dirty="0">
-                <a:solidFill>
-                  <a:schemeClr val="bg1"/>
-                </a:solidFill>
-              </a:endParaRPr>
-            </a:p>
-          </p:txBody>
-        </p:sp>
-      </p:grpSp>
     </p:spTree>
   </p:cSld>
   <p:clrMapOvr>

--- a/硕士毕业论文答辩PPT.pptx
+++ b/硕士毕业论文答辩PPT.pptx
@@ -1528,42 +1528,73 @@
         <p:cNvGrpSpPr/>
         <p:nvPr/>
       </p:nvGrpSpPr>
-      <p:grpSpPr>
-        <a:xfrm>
-          <a:off x="0" y="0"/>
-          <a:ext cx="0" cy="0"/>
-          <a:chOff x="0" y="0"/>
-          <a:chExt cx="0" cy="0"/>
-        </a:xfrm>
-      </p:grpSpPr>
+      <p:grpSpPr/>
       <p:sp>
         <p:nvSpPr>
           <p:cNvPr id="2" name="幻灯片图像占位符 1"/>
-          <p:cNvSpPr>
-            <a:spLocks noGrp="1" noRot="1" noChangeAspect="1"/>
-          </p:cNvSpPr>
+          <p:cNvSpPr/>
           <p:nvPr>
-            <p:ph type="sldImg"/>
+            <p:ph type="sldImg" idx="2"/>
           </p:nvPr>
         </p:nvSpPr>
         <p:spPr/>
       </p:sp>
       <p:sp>
         <p:nvSpPr>
-          <p:cNvPr id="3" name="备注占位符 2"/>
-          <p:cNvSpPr>
-            <a:spLocks noGrp="1"/>
-          </p:cNvSpPr>
+          <p:cNvPr id="3" name="文本占位符 2"/>
+          <p:cNvSpPr/>
           <p:nvPr>
-            <p:ph type="body" idx="1"/>
+            <p:ph type="body" idx="3"/>
           </p:nvPr>
         </p:nvSpPr>
         <p:spPr/>
         <p:txBody>
           <a:bodyPr/>
-          <a:lstStyle/>
           <a:p>
-            <a:endParaRPr lang="zh-CN" altLang="en-US" dirty="0"/>
+            <a:r>
+              <a:rPr lang="zh-CN" altLang="en-US"/>
+              <a:t>针对</a:t>
+            </a:r>
+            <a:r>
+              <a:rPr lang="en-US" altLang="zh-CN"/>
+              <a:t>word2vec</a:t>
+            </a:r>
+            <a:r>
+              <a:rPr lang="zh-CN" altLang="en-US"/>
+              <a:t>编码能力弱的问题，我们引入</a:t>
+            </a:r>
+            <a:r>
+              <a:rPr lang="en-US" altLang="zh-CN"/>
+              <a:t>bert</a:t>
+            </a:r>
+            <a:r>
+              <a:rPr lang="zh-CN" altLang="en-US"/>
+              <a:t>预训练模型</a:t>
+            </a:r>
+            <a:endParaRPr lang="zh-CN" altLang="en-US"/>
+          </a:p>
+          <a:p>
+            <a:r>
+              <a:rPr lang="en-US" altLang="zh-CN" dirty="0" smtClean="0">
+                <a:latin typeface="Arial" panose="020B0604020202020204" pitchFamily="34" charset="0"/>
+                <a:ea typeface="微软雅黑" panose="020B0503020204020204" pitchFamily="34" charset="-122"/>
+                <a:sym typeface="+mn-ea"/>
+              </a:rPr>
+              <a:t>bert</a:t>
+            </a:r>
+            <a:r>
+              <a:rPr lang="zh-CN" altLang="en-US" dirty="0" smtClean="0">
+                <a:latin typeface="Arial" panose="020B0604020202020204" pitchFamily="34" charset="0"/>
+                <a:ea typeface="微软雅黑" panose="020B0503020204020204" pitchFamily="34" charset="-122"/>
+                <a:sym typeface="+mn-ea"/>
+              </a:rPr>
+              <a:t>在大型语料库中训练得到的上下文相关的语义向量，具有很强的表达能力，特别适用于数据量较小的场景</a:t>
+            </a:r>
+            <a:endParaRPr lang="zh-CN" altLang="en-US" dirty="0" smtClean="0">
+              <a:latin typeface="Arial" panose="020B0604020202020204" pitchFamily="34" charset="0"/>
+              <a:ea typeface="微软雅黑" panose="020B0503020204020204" pitchFamily="34" charset="-122"/>
+              <a:sym typeface="+mn-ea"/>
+            </a:endParaRPr>
           </a:p>
         </p:txBody>
       </p:sp>
@@ -1574,13 +1605,12 @@
             <a:spLocks noGrp="1"/>
           </p:cNvSpPr>
           <p:nvPr>
-            <p:ph type="sldNum" sz="quarter" idx="10"/>
+            <p:ph type="sldNum" sz="quarter" idx="5"/>
           </p:nvPr>
         </p:nvSpPr>
         <p:spPr/>
         <p:txBody>
           <a:bodyPr/>
-          <a:lstStyle/>
           <a:p>
             <a:fld id="{D712715C-60D8-4442-95C1-470452B8606C}" type="slidenum">
               <a:rPr kumimoji="1" lang="zh-CN" altLang="en-US" smtClean="0"/>
@@ -1606,42 +1636,57 @@
         <p:cNvGrpSpPr/>
         <p:nvPr/>
       </p:nvGrpSpPr>
-      <p:grpSpPr>
-        <a:xfrm>
-          <a:off x="0" y="0"/>
-          <a:ext cx="0" cy="0"/>
-          <a:chOff x="0" y="0"/>
-          <a:chExt cx="0" cy="0"/>
-        </a:xfrm>
-      </p:grpSpPr>
+      <p:grpSpPr/>
       <p:sp>
         <p:nvSpPr>
           <p:cNvPr id="2" name="幻灯片图像占位符 1"/>
-          <p:cNvSpPr>
-            <a:spLocks noGrp="1" noRot="1" noChangeAspect="1"/>
-          </p:cNvSpPr>
+          <p:cNvSpPr/>
           <p:nvPr>
-            <p:ph type="sldImg"/>
+            <p:ph type="sldImg" idx="2"/>
           </p:nvPr>
         </p:nvSpPr>
         <p:spPr/>
       </p:sp>
       <p:sp>
         <p:nvSpPr>
-          <p:cNvPr id="3" name="备注占位符 2"/>
-          <p:cNvSpPr>
-            <a:spLocks noGrp="1"/>
-          </p:cNvSpPr>
+          <p:cNvPr id="3" name="文本占位符 2"/>
+          <p:cNvSpPr/>
           <p:nvPr>
-            <p:ph type="body" idx="1"/>
+            <p:ph type="body" idx="3"/>
           </p:nvPr>
         </p:nvSpPr>
         <p:spPr/>
         <p:txBody>
           <a:bodyPr/>
-          <a:lstStyle/>
           <a:p>
-            <a:endParaRPr lang="zh-CN" altLang="en-US" dirty="0"/>
+            <a:r>
+              <a:rPr lang="zh-CN" altLang="en-US"/>
+              <a:t>这是将编码层改为</a:t>
+            </a:r>
+            <a:r>
+              <a:rPr lang="en-US" altLang="zh-CN"/>
+              <a:t>bert</a:t>
+            </a:r>
+            <a:r>
+              <a:rPr lang="zh-CN" altLang="en-US"/>
+              <a:t>后的模型，就是做了一个简单的拼接</a:t>
+            </a:r>
+            <a:endParaRPr lang="zh-CN" altLang="en-US"/>
+          </a:p>
+          <a:p>
+            <a:r>
+              <a:rPr lang="zh-CN" altLang="en-US"/>
+              <a:t>我们在实验中发现引入</a:t>
+            </a:r>
+            <a:r>
+              <a:rPr lang="en-US" altLang="zh-CN"/>
+              <a:t>bert</a:t>
+            </a:r>
+            <a:r>
+              <a:rPr lang="zh-CN" altLang="en-US"/>
+              <a:t>后模型在收敛速度和准确率上都有很大提升</a:t>
+            </a:r>
+            <a:endParaRPr lang="zh-CN" altLang="en-US"/>
           </a:p>
         </p:txBody>
       </p:sp>
@@ -1652,13 +1697,12 @@
             <a:spLocks noGrp="1"/>
           </p:cNvSpPr>
           <p:nvPr>
-            <p:ph type="sldNum" sz="quarter" idx="10"/>
+            <p:ph type="sldNum" sz="quarter" idx="5"/>
           </p:nvPr>
         </p:nvSpPr>
         <p:spPr/>
         <p:txBody>
           <a:bodyPr/>
-          <a:lstStyle/>
           <a:p>
             <a:fld id="{D712715C-60D8-4442-95C1-470452B8606C}" type="slidenum">
               <a:rPr kumimoji="1" lang="zh-CN" altLang="en-US" smtClean="0"/>
@@ -1684,42 +1728,55 @@
         <p:cNvGrpSpPr/>
         <p:nvPr/>
       </p:nvGrpSpPr>
-      <p:grpSpPr>
-        <a:xfrm>
-          <a:off x="0" y="0"/>
-          <a:ext cx="0" cy="0"/>
-          <a:chOff x="0" y="0"/>
-          <a:chExt cx="0" cy="0"/>
-        </a:xfrm>
-      </p:grpSpPr>
+      <p:grpSpPr/>
       <p:sp>
         <p:nvSpPr>
           <p:cNvPr id="2" name="幻灯片图像占位符 1"/>
-          <p:cNvSpPr>
-            <a:spLocks noGrp="1" noRot="1" noChangeAspect="1"/>
-          </p:cNvSpPr>
+          <p:cNvSpPr/>
           <p:nvPr>
-            <p:ph type="sldImg"/>
+            <p:ph type="sldImg" idx="2"/>
           </p:nvPr>
         </p:nvSpPr>
         <p:spPr/>
       </p:sp>
       <p:sp>
         <p:nvSpPr>
-          <p:cNvPr id="3" name="备注占位符 2"/>
-          <p:cNvSpPr>
-            <a:spLocks noGrp="1"/>
-          </p:cNvSpPr>
+          <p:cNvPr id="3" name="文本占位符 2"/>
+          <p:cNvSpPr/>
           <p:nvPr>
-            <p:ph type="body" idx="1"/>
+            <p:ph type="body" idx="3"/>
           </p:nvPr>
         </p:nvSpPr>
         <p:spPr/>
         <p:txBody>
           <a:bodyPr/>
-          <a:lstStyle/>
           <a:p>
-            <a:endParaRPr lang="zh-CN" altLang="en-US" dirty="0"/>
+            <a:r>
+              <a:rPr lang="zh-CN" altLang="en-US"/>
+              <a:t>最后针对服务相关知识匮乏的问题，论文引入了知识图谱</a:t>
+            </a:r>
+            <a:endParaRPr lang="zh-CN" altLang="en-US"/>
+          </a:p>
+          <a:p>
+            <a:r>
+              <a:rPr lang="zh-CN" altLang="en-US"/>
+              <a:t>因为有些用户输入的文本会出现简短，语义模糊的问题</a:t>
+            </a:r>
+            <a:endParaRPr lang="zh-CN" altLang="en-US"/>
+          </a:p>
+          <a:p>
+            <a:r>
+              <a:rPr lang="zh-CN" altLang="en-US"/>
+              <a:t>引入知识图谱后可以将用户输入通过实体链接技术在知识库中找到输入相关的一些概念</a:t>
+            </a:r>
+            <a:endParaRPr lang="zh-CN" altLang="en-US"/>
+          </a:p>
+          <a:p>
+            <a:r>
+              <a:rPr lang="zh-CN" altLang="en-US"/>
+              <a:t>再将这些概念利用注意力计算方法进行词嵌入与原有输入拼接，就可以得到结果知识库语义丰富的词向量表示</a:t>
+            </a:r>
+            <a:endParaRPr lang="zh-CN" altLang="en-US"/>
           </a:p>
         </p:txBody>
       </p:sp>
@@ -1730,13 +1787,12 @@
             <a:spLocks noGrp="1"/>
           </p:cNvSpPr>
           <p:nvPr>
-            <p:ph type="sldNum" sz="quarter" idx="10"/>
+            <p:ph type="sldNum" sz="quarter" idx="5"/>
           </p:nvPr>
         </p:nvSpPr>
         <p:spPr/>
         <p:txBody>
           <a:bodyPr/>
-          <a:lstStyle/>
           <a:p>
             <a:fld id="{D712715C-60D8-4442-95C1-470452B8606C}" type="slidenum">
               <a:rPr kumimoji="1" lang="zh-CN" altLang="en-US" smtClean="0"/>
@@ -1879,6 +1935,10 @@
           <a:bodyPr/>
           <a:lstStyle/>
           <a:p>
+            <a:r>
+              <a:rPr lang="zh-CN" altLang="en-US" dirty="0"/>
+              <a:t>以上是对论文主要模型的介绍，下面说一下实验情况</a:t>
+            </a:r>
             <a:endParaRPr lang="zh-CN" altLang="en-US" dirty="0"/>
           </a:p>
         </p:txBody>
@@ -2035,10 +2095,6 @@
           <a:bodyPr/>
           <a:lstStyle/>
           <a:p>
-            <a:r>
-              <a:rPr lang="zh-CN" altLang="en-US" dirty="0"/>
-              <a:t>最后进行总结与展望</a:t>
-            </a:r>
             <a:endParaRPr lang="zh-CN" altLang="en-US" dirty="0"/>
           </a:p>
         </p:txBody>
@@ -2170,6 +2226,244 @@
       </p:grpSpPr>
       <p:sp>
         <p:nvSpPr>
+          <p:cNvPr id="2" name="幻灯片图像占位符 1"/>
+          <p:cNvSpPr>
+            <a:spLocks noGrp="1" noRot="1" noChangeAspect="1"/>
+          </p:cNvSpPr>
+          <p:nvPr>
+            <p:ph type="sldImg"/>
+          </p:nvPr>
+        </p:nvSpPr>
+        <p:spPr/>
+      </p:sp>
+      <p:sp>
+        <p:nvSpPr>
+          <p:cNvPr id="3" name="备注占位符 2"/>
+          <p:cNvSpPr>
+            <a:spLocks noGrp="1"/>
+          </p:cNvSpPr>
+          <p:nvPr>
+            <p:ph type="body" idx="1"/>
+          </p:nvPr>
+        </p:nvSpPr>
+        <p:spPr/>
+        <p:txBody>
+          <a:bodyPr/>
+          <a:lstStyle/>
+          <a:p>
+            <a:endParaRPr lang="zh-CN" altLang="en-US" dirty="0"/>
+          </a:p>
+        </p:txBody>
+      </p:sp>
+      <p:sp>
+        <p:nvSpPr>
+          <p:cNvPr id="4" name="灯片编号占位符 3"/>
+          <p:cNvSpPr>
+            <a:spLocks noGrp="1"/>
+          </p:cNvSpPr>
+          <p:nvPr>
+            <p:ph type="sldNum" sz="quarter" idx="10"/>
+          </p:nvPr>
+        </p:nvSpPr>
+        <p:spPr/>
+        <p:txBody>
+          <a:bodyPr/>
+          <a:lstStyle/>
+          <a:p>
+            <a:fld id="{D712715C-60D8-4442-95C1-470452B8606C}" type="slidenum">
+              <a:rPr kumimoji="1" lang="zh-CN" altLang="en-US" smtClean="0"/>
+            </a:fld>
+            <a:endParaRPr kumimoji="1" lang="zh-CN" altLang="en-US"/>
+          </a:p>
+        </p:txBody>
+      </p:sp>
+    </p:spTree>
+  </p:cSld>
+  <p:clrMapOvr>
+    <a:masterClrMapping/>
+  </p:clrMapOvr>
+</p:notes>
+</file>
+
+<file path=ppt/notesSlides/notesSlide25.xml><?xml version="1.0" encoding="utf-8"?>
+<p:notes xmlns:a="http://schemas.openxmlformats.org/drawingml/2006/main" xmlns:r="http://schemas.openxmlformats.org/officeDocument/2006/relationships" xmlns:p="http://schemas.openxmlformats.org/presentationml/2006/main">
+  <p:cSld>
+    <p:spTree>
+      <p:nvGrpSpPr>
+        <p:cNvPr id="1" name=""/>
+        <p:cNvGrpSpPr/>
+        <p:nvPr/>
+      </p:nvGrpSpPr>
+      <p:grpSpPr>
+        <a:xfrm>
+          <a:off x="0" y="0"/>
+          <a:ext cx="0" cy="0"/>
+          <a:chOff x="0" y="0"/>
+          <a:chExt cx="0" cy="0"/>
+        </a:xfrm>
+      </p:grpSpPr>
+      <p:sp>
+        <p:nvSpPr>
+          <p:cNvPr id="2" name="幻灯片图像占位符 1"/>
+          <p:cNvSpPr>
+            <a:spLocks noGrp="1" noRot="1" noChangeAspect="1"/>
+          </p:cNvSpPr>
+          <p:nvPr>
+            <p:ph type="sldImg"/>
+          </p:nvPr>
+        </p:nvSpPr>
+        <p:spPr/>
+      </p:sp>
+      <p:sp>
+        <p:nvSpPr>
+          <p:cNvPr id="3" name="备注占位符 2"/>
+          <p:cNvSpPr>
+            <a:spLocks noGrp="1"/>
+          </p:cNvSpPr>
+          <p:nvPr>
+            <p:ph type="body" idx="1"/>
+          </p:nvPr>
+        </p:nvSpPr>
+        <p:spPr/>
+        <p:txBody>
+          <a:bodyPr/>
+          <a:lstStyle/>
+          <a:p>
+            <a:r>
+              <a:rPr lang="zh-CN" altLang="en-US" dirty="0"/>
+              <a:t>最后进行总结与展望</a:t>
+            </a:r>
+            <a:endParaRPr lang="zh-CN" altLang="en-US" dirty="0"/>
+          </a:p>
+        </p:txBody>
+      </p:sp>
+      <p:sp>
+        <p:nvSpPr>
+          <p:cNvPr id="4" name="灯片编号占位符 3"/>
+          <p:cNvSpPr>
+            <a:spLocks noGrp="1"/>
+          </p:cNvSpPr>
+          <p:nvPr>
+            <p:ph type="sldNum" sz="quarter" idx="10"/>
+          </p:nvPr>
+        </p:nvSpPr>
+        <p:spPr/>
+        <p:txBody>
+          <a:bodyPr/>
+          <a:lstStyle/>
+          <a:p>
+            <a:fld id="{D712715C-60D8-4442-95C1-470452B8606C}" type="slidenum">
+              <a:rPr kumimoji="1" lang="zh-CN" altLang="en-US" smtClean="0"/>
+            </a:fld>
+            <a:endParaRPr kumimoji="1" lang="zh-CN" altLang="en-US"/>
+          </a:p>
+        </p:txBody>
+      </p:sp>
+    </p:spTree>
+  </p:cSld>
+  <p:clrMapOvr>
+    <a:masterClrMapping/>
+  </p:clrMapOvr>
+</p:notes>
+</file>
+
+<file path=ppt/notesSlides/notesSlide26.xml><?xml version="1.0" encoding="utf-8"?>
+<p:notes xmlns:a="http://schemas.openxmlformats.org/drawingml/2006/main" xmlns:r="http://schemas.openxmlformats.org/officeDocument/2006/relationships" xmlns:p="http://schemas.openxmlformats.org/presentationml/2006/main">
+  <p:cSld>
+    <p:spTree>
+      <p:nvGrpSpPr>
+        <p:cNvPr id="1" name=""/>
+        <p:cNvGrpSpPr/>
+        <p:nvPr/>
+      </p:nvGrpSpPr>
+      <p:grpSpPr>
+        <a:xfrm>
+          <a:off x="0" y="0"/>
+          <a:ext cx="0" cy="0"/>
+          <a:chOff x="0" y="0"/>
+          <a:chExt cx="0" cy="0"/>
+        </a:xfrm>
+      </p:grpSpPr>
+      <p:sp>
+        <p:nvSpPr>
+          <p:cNvPr id="2" name="幻灯片图像占位符 1"/>
+          <p:cNvSpPr>
+            <a:spLocks noGrp="1" noRot="1" noChangeAspect="1"/>
+          </p:cNvSpPr>
+          <p:nvPr>
+            <p:ph type="sldImg"/>
+          </p:nvPr>
+        </p:nvSpPr>
+        <p:spPr/>
+      </p:sp>
+      <p:sp>
+        <p:nvSpPr>
+          <p:cNvPr id="3" name="备注占位符 2"/>
+          <p:cNvSpPr>
+            <a:spLocks noGrp="1"/>
+          </p:cNvSpPr>
+          <p:nvPr>
+            <p:ph type="body" idx="1"/>
+          </p:nvPr>
+        </p:nvSpPr>
+        <p:spPr/>
+        <p:txBody>
+          <a:bodyPr/>
+          <a:lstStyle/>
+          <a:p>
+            <a:endParaRPr lang="zh-CN" altLang="en-US" dirty="0"/>
+          </a:p>
+        </p:txBody>
+      </p:sp>
+      <p:sp>
+        <p:nvSpPr>
+          <p:cNvPr id="4" name="灯片编号占位符 3"/>
+          <p:cNvSpPr>
+            <a:spLocks noGrp="1"/>
+          </p:cNvSpPr>
+          <p:nvPr>
+            <p:ph type="sldNum" sz="quarter" idx="10"/>
+          </p:nvPr>
+        </p:nvSpPr>
+        <p:spPr/>
+        <p:txBody>
+          <a:bodyPr/>
+          <a:lstStyle/>
+          <a:p>
+            <a:fld id="{D712715C-60D8-4442-95C1-470452B8606C}" type="slidenum">
+              <a:rPr kumimoji="1" lang="zh-CN" altLang="en-US" smtClean="0"/>
+            </a:fld>
+            <a:endParaRPr kumimoji="1" lang="zh-CN" altLang="en-US"/>
+          </a:p>
+        </p:txBody>
+      </p:sp>
+    </p:spTree>
+  </p:cSld>
+  <p:clrMapOvr>
+    <a:masterClrMapping/>
+  </p:clrMapOvr>
+</p:notes>
+</file>
+
+<file path=ppt/notesSlides/notesSlide27.xml><?xml version="1.0" encoding="utf-8"?>
+<p:notes xmlns:a="http://schemas.openxmlformats.org/drawingml/2006/main" xmlns:r="http://schemas.openxmlformats.org/officeDocument/2006/relationships" xmlns:p="http://schemas.openxmlformats.org/presentationml/2006/main">
+  <p:cSld>
+    <p:spTree>
+      <p:nvGrpSpPr>
+        <p:cNvPr id="1" name=""/>
+        <p:cNvGrpSpPr/>
+        <p:nvPr/>
+      </p:nvGrpSpPr>
+      <p:grpSpPr>
+        <a:xfrm>
+          <a:off x="0" y="0"/>
+          <a:ext cx="0" cy="0"/>
+          <a:chOff x="0" y="0"/>
+          <a:chExt cx="0" cy="0"/>
+        </a:xfrm>
+      </p:grpSpPr>
+      <p:sp>
+        <p:nvSpPr>
           <p:cNvPr id="4098" name="幻灯片图像占位符 1"/>
           <p:cNvSpPr>
             <a:spLocks noGrp="1" noRot="1" noChangeAspect="1" noTextEdit="1"/>
@@ -2403,7 +2697,7 @@
 </p:notes>
 </file>
 
-<file path=ppt/notesSlides/notesSlide25.xml><?xml version="1.0" encoding="utf-8"?>
+<file path=ppt/notesSlides/notesSlide28.xml><?xml version="1.0" encoding="utf-8"?>
 <p:notes xmlns:a="http://schemas.openxmlformats.org/drawingml/2006/main" xmlns:r="http://schemas.openxmlformats.org/officeDocument/2006/relationships" xmlns:p="http://schemas.openxmlformats.org/presentationml/2006/main">
   <p:cSld>
     <p:spTree>
@@ -2489,7 +2783,7 @@
 </p:notes>
 </file>
 
-<file path=ppt/notesSlides/notesSlide26.xml><?xml version="1.0" encoding="utf-8"?>
+<file path=ppt/notesSlides/notesSlide29.xml><?xml version="1.0" encoding="utf-8"?>
 <p:notes xmlns:a="http://schemas.openxmlformats.org/drawingml/2006/main" xmlns:r="http://schemas.openxmlformats.org/officeDocument/2006/relationships" xmlns:p="http://schemas.openxmlformats.org/presentationml/2006/main">
   <p:cSld>
     <p:spTree>
@@ -2555,235 +2849,6 @@
         <p:txBody>
           <a:bodyPr/>
           <a:lstStyle/>
-          <a:p>
-            <a:fld id="{D712715C-60D8-4442-95C1-470452B8606C}" type="slidenum">
-              <a:rPr kumimoji="1" lang="zh-CN" altLang="en-US" smtClean="0"/>
-            </a:fld>
-            <a:endParaRPr kumimoji="1" lang="zh-CN" altLang="en-US"/>
-          </a:p>
-        </p:txBody>
-      </p:sp>
-    </p:spTree>
-  </p:cSld>
-  <p:clrMapOvr>
-    <a:masterClrMapping/>
-  </p:clrMapOvr>
-</p:notes>
-</file>
-
-<file path=ppt/notesSlides/notesSlide27.xml><?xml version="1.0" encoding="utf-8"?>
-<p:notes xmlns:a="http://schemas.openxmlformats.org/drawingml/2006/main" xmlns:r="http://schemas.openxmlformats.org/officeDocument/2006/relationships" xmlns:p="http://schemas.openxmlformats.org/presentationml/2006/main">
-  <p:cSld>
-    <p:spTree>
-      <p:nvGrpSpPr>
-        <p:cNvPr id="1" name=""/>
-        <p:cNvGrpSpPr/>
-        <p:nvPr/>
-      </p:nvGrpSpPr>
-      <p:grpSpPr>
-        <a:xfrm>
-          <a:off x="0" y="0"/>
-          <a:ext cx="0" cy="0"/>
-          <a:chOff x="0" y="0"/>
-          <a:chExt cx="0" cy="0"/>
-        </a:xfrm>
-      </p:grpSpPr>
-      <p:sp>
-        <p:nvSpPr>
-          <p:cNvPr id="2" name="幻灯片图像占位符 1"/>
-          <p:cNvSpPr>
-            <a:spLocks noGrp="1" noRot="1" noChangeAspect="1"/>
-          </p:cNvSpPr>
-          <p:nvPr>
-            <p:ph type="sldImg"/>
-          </p:nvPr>
-        </p:nvSpPr>
-        <p:spPr/>
-      </p:sp>
-      <p:sp>
-        <p:nvSpPr>
-          <p:cNvPr id="3" name="备注占位符 2"/>
-          <p:cNvSpPr>
-            <a:spLocks noGrp="1"/>
-          </p:cNvSpPr>
-          <p:nvPr>
-            <p:ph type="body" idx="1"/>
-          </p:nvPr>
-        </p:nvSpPr>
-        <p:spPr/>
-        <p:txBody>
-          <a:bodyPr/>
-          <a:lstStyle/>
-          <a:p>
-            <a:endParaRPr lang="zh-CN" altLang="en-US" dirty="0"/>
-          </a:p>
-        </p:txBody>
-      </p:sp>
-      <p:sp>
-        <p:nvSpPr>
-          <p:cNvPr id="4" name="灯片编号占位符 3"/>
-          <p:cNvSpPr>
-            <a:spLocks noGrp="1"/>
-          </p:cNvSpPr>
-          <p:nvPr>
-            <p:ph type="sldNum" sz="quarter" idx="10"/>
-          </p:nvPr>
-        </p:nvSpPr>
-        <p:spPr/>
-        <p:txBody>
-          <a:bodyPr/>
-          <a:lstStyle/>
-          <a:p>
-            <a:fld id="{D712715C-60D8-4442-95C1-470452B8606C}" type="slidenum">
-              <a:rPr kumimoji="1" lang="zh-CN" altLang="en-US" smtClean="0"/>
-            </a:fld>
-            <a:endParaRPr kumimoji="1" lang="zh-CN" altLang="en-US"/>
-          </a:p>
-        </p:txBody>
-      </p:sp>
-    </p:spTree>
-  </p:cSld>
-  <p:clrMapOvr>
-    <a:masterClrMapping/>
-  </p:clrMapOvr>
-</p:notes>
-</file>
-
-<file path=ppt/notesSlides/notesSlide28.xml><?xml version="1.0" encoding="utf-8"?>
-<p:notes xmlns:a="http://schemas.openxmlformats.org/drawingml/2006/main" xmlns:r="http://schemas.openxmlformats.org/officeDocument/2006/relationships" xmlns:p="http://schemas.openxmlformats.org/presentationml/2006/main">
-  <p:cSld>
-    <p:spTree>
-      <p:nvGrpSpPr>
-        <p:cNvPr id="1" name=""/>
-        <p:cNvGrpSpPr/>
-        <p:nvPr/>
-      </p:nvGrpSpPr>
-      <p:grpSpPr>
-        <a:xfrm>
-          <a:off x="0" y="0"/>
-          <a:ext cx="0" cy="0"/>
-          <a:chOff x="0" y="0"/>
-          <a:chExt cx="0" cy="0"/>
-        </a:xfrm>
-      </p:grpSpPr>
-      <p:sp>
-        <p:nvSpPr>
-          <p:cNvPr id="2" name="幻灯片图像占位符 1"/>
-          <p:cNvSpPr>
-            <a:spLocks noGrp="1" noRot="1" noChangeAspect="1"/>
-          </p:cNvSpPr>
-          <p:nvPr>
-            <p:ph type="sldImg"/>
-          </p:nvPr>
-        </p:nvSpPr>
-        <p:spPr/>
-      </p:sp>
-      <p:sp>
-        <p:nvSpPr>
-          <p:cNvPr id="3" name="备注占位符 2"/>
-          <p:cNvSpPr>
-            <a:spLocks noGrp="1"/>
-          </p:cNvSpPr>
-          <p:nvPr>
-            <p:ph type="body" idx="1"/>
-          </p:nvPr>
-        </p:nvSpPr>
-        <p:spPr/>
-        <p:txBody>
-          <a:bodyPr/>
-          <a:lstStyle/>
-          <a:p>
-            <a:r>
-              <a:rPr lang="zh-CN" altLang="en-US" dirty="0"/>
-              <a:t> </a:t>
-            </a:r>
-            <a:endParaRPr lang="zh-CN" altLang="en-US" dirty="0"/>
-          </a:p>
-        </p:txBody>
-      </p:sp>
-      <p:sp>
-        <p:nvSpPr>
-          <p:cNvPr id="4" name="灯片编号占位符 3"/>
-          <p:cNvSpPr>
-            <a:spLocks noGrp="1"/>
-          </p:cNvSpPr>
-          <p:nvPr>
-            <p:ph type="sldNum" sz="quarter" idx="10"/>
-          </p:nvPr>
-        </p:nvSpPr>
-        <p:spPr/>
-        <p:txBody>
-          <a:bodyPr/>
-          <a:lstStyle/>
-          <a:p>
-            <a:fld id="{D712715C-60D8-4442-95C1-470452B8606C}" type="slidenum">
-              <a:rPr kumimoji="1" lang="zh-CN" altLang="en-US" smtClean="0"/>
-            </a:fld>
-            <a:endParaRPr kumimoji="1" lang="zh-CN" altLang="en-US"/>
-          </a:p>
-        </p:txBody>
-      </p:sp>
-    </p:spTree>
-  </p:cSld>
-  <p:clrMapOvr>
-    <a:masterClrMapping/>
-  </p:clrMapOvr>
-</p:notes>
-</file>
-
-<file path=ppt/notesSlides/notesSlide29.xml><?xml version="1.0" encoding="utf-8"?>
-<p:notes xmlns:a="http://schemas.openxmlformats.org/drawingml/2006/main" xmlns:r="http://schemas.openxmlformats.org/officeDocument/2006/relationships" xmlns:p="http://schemas.openxmlformats.org/presentationml/2006/main">
-  <p:cSld>
-    <p:spTree>
-      <p:nvGrpSpPr>
-        <p:cNvPr id="1" name=""/>
-        <p:cNvGrpSpPr/>
-        <p:nvPr/>
-      </p:nvGrpSpPr>
-      <p:grpSpPr/>
-      <p:sp>
-        <p:nvSpPr>
-          <p:cNvPr id="2" name="幻灯片图像占位符 1"/>
-          <p:cNvSpPr/>
-          <p:nvPr>
-            <p:ph type="sldImg" idx="2"/>
-          </p:nvPr>
-        </p:nvSpPr>
-        <p:spPr/>
-      </p:sp>
-      <p:sp>
-        <p:nvSpPr>
-          <p:cNvPr id="3" name="文本占位符 2"/>
-          <p:cNvSpPr/>
-          <p:nvPr>
-            <p:ph type="body" idx="3"/>
-          </p:nvPr>
-        </p:nvSpPr>
-        <p:spPr/>
-        <p:txBody>
-          <a:bodyPr/>
-          <a:p>
-            <a:r>
-              <a:rPr lang="zh-CN" altLang="en-US"/>
-              <a:t>在服务交换机中引入智能调用引擎</a:t>
-            </a:r>
-            <a:endParaRPr lang="zh-CN" altLang="en-US"/>
-          </a:p>
-        </p:txBody>
-      </p:sp>
-      <p:sp>
-        <p:nvSpPr>
-          <p:cNvPr id="4" name="灯片编号占位符 3"/>
-          <p:cNvSpPr>
-            <a:spLocks noGrp="1"/>
-          </p:cNvSpPr>
-          <p:nvPr>
-            <p:ph type="sldNum" sz="quarter" idx="5"/>
-          </p:nvPr>
-        </p:nvSpPr>
-        <p:spPr/>
-        <p:txBody>
-          <a:bodyPr/>
           <a:p>
             <a:fld id="{D712715C-60D8-4442-95C1-470452B8606C}" type="slidenum">
               <a:rPr kumimoji="1" lang="zh-CN" altLang="en-US" smtClean="0"/>
@@ -2866,6 +2931,235 @@
         <p:txBody>
           <a:bodyPr/>
           <a:lstStyle/>
+          <a:p>
+            <a:fld id="{D712715C-60D8-4442-95C1-470452B8606C}" type="slidenum">
+              <a:rPr kumimoji="1" lang="zh-CN" altLang="en-US" smtClean="0"/>
+            </a:fld>
+            <a:endParaRPr kumimoji="1" lang="zh-CN" altLang="en-US"/>
+          </a:p>
+        </p:txBody>
+      </p:sp>
+    </p:spTree>
+  </p:cSld>
+  <p:clrMapOvr>
+    <a:masterClrMapping/>
+  </p:clrMapOvr>
+</p:notes>
+</file>
+
+<file path=ppt/notesSlides/notesSlide30.xml><?xml version="1.0" encoding="utf-8"?>
+<p:notes xmlns:a="http://schemas.openxmlformats.org/drawingml/2006/main" xmlns:r="http://schemas.openxmlformats.org/officeDocument/2006/relationships" xmlns:p="http://schemas.openxmlformats.org/presentationml/2006/main">
+  <p:cSld>
+    <p:spTree>
+      <p:nvGrpSpPr>
+        <p:cNvPr id="1" name=""/>
+        <p:cNvGrpSpPr/>
+        <p:nvPr/>
+      </p:nvGrpSpPr>
+      <p:grpSpPr>
+        <a:xfrm>
+          <a:off x="0" y="0"/>
+          <a:ext cx="0" cy="0"/>
+          <a:chOff x="0" y="0"/>
+          <a:chExt cx="0" cy="0"/>
+        </a:xfrm>
+      </p:grpSpPr>
+      <p:sp>
+        <p:nvSpPr>
+          <p:cNvPr id="2" name="幻灯片图像占位符 1"/>
+          <p:cNvSpPr>
+            <a:spLocks noGrp="1" noRot="1" noChangeAspect="1"/>
+          </p:cNvSpPr>
+          <p:nvPr>
+            <p:ph type="sldImg"/>
+          </p:nvPr>
+        </p:nvSpPr>
+        <p:spPr/>
+      </p:sp>
+      <p:sp>
+        <p:nvSpPr>
+          <p:cNvPr id="3" name="备注占位符 2"/>
+          <p:cNvSpPr>
+            <a:spLocks noGrp="1"/>
+          </p:cNvSpPr>
+          <p:nvPr>
+            <p:ph type="body" idx="1"/>
+          </p:nvPr>
+        </p:nvSpPr>
+        <p:spPr/>
+        <p:txBody>
+          <a:bodyPr/>
+          <a:lstStyle/>
+          <a:p>
+            <a:endParaRPr lang="zh-CN" altLang="en-US" dirty="0"/>
+          </a:p>
+        </p:txBody>
+      </p:sp>
+      <p:sp>
+        <p:nvSpPr>
+          <p:cNvPr id="4" name="灯片编号占位符 3"/>
+          <p:cNvSpPr>
+            <a:spLocks noGrp="1"/>
+          </p:cNvSpPr>
+          <p:nvPr>
+            <p:ph type="sldNum" sz="quarter" idx="10"/>
+          </p:nvPr>
+        </p:nvSpPr>
+        <p:spPr/>
+        <p:txBody>
+          <a:bodyPr/>
+          <a:lstStyle/>
+          <a:p>
+            <a:fld id="{D712715C-60D8-4442-95C1-470452B8606C}" type="slidenum">
+              <a:rPr kumimoji="1" lang="zh-CN" altLang="en-US" smtClean="0"/>
+            </a:fld>
+            <a:endParaRPr kumimoji="1" lang="zh-CN" altLang="en-US"/>
+          </a:p>
+        </p:txBody>
+      </p:sp>
+    </p:spTree>
+  </p:cSld>
+  <p:clrMapOvr>
+    <a:masterClrMapping/>
+  </p:clrMapOvr>
+</p:notes>
+</file>
+
+<file path=ppt/notesSlides/notesSlide31.xml><?xml version="1.0" encoding="utf-8"?>
+<p:notes xmlns:a="http://schemas.openxmlformats.org/drawingml/2006/main" xmlns:r="http://schemas.openxmlformats.org/officeDocument/2006/relationships" xmlns:p="http://schemas.openxmlformats.org/presentationml/2006/main">
+  <p:cSld>
+    <p:spTree>
+      <p:nvGrpSpPr>
+        <p:cNvPr id="1" name=""/>
+        <p:cNvGrpSpPr/>
+        <p:nvPr/>
+      </p:nvGrpSpPr>
+      <p:grpSpPr>
+        <a:xfrm>
+          <a:off x="0" y="0"/>
+          <a:ext cx="0" cy="0"/>
+          <a:chOff x="0" y="0"/>
+          <a:chExt cx="0" cy="0"/>
+        </a:xfrm>
+      </p:grpSpPr>
+      <p:sp>
+        <p:nvSpPr>
+          <p:cNvPr id="2" name="幻灯片图像占位符 1"/>
+          <p:cNvSpPr>
+            <a:spLocks noGrp="1" noRot="1" noChangeAspect="1"/>
+          </p:cNvSpPr>
+          <p:nvPr>
+            <p:ph type="sldImg"/>
+          </p:nvPr>
+        </p:nvSpPr>
+        <p:spPr/>
+      </p:sp>
+      <p:sp>
+        <p:nvSpPr>
+          <p:cNvPr id="3" name="备注占位符 2"/>
+          <p:cNvSpPr>
+            <a:spLocks noGrp="1"/>
+          </p:cNvSpPr>
+          <p:nvPr>
+            <p:ph type="body" idx="1"/>
+          </p:nvPr>
+        </p:nvSpPr>
+        <p:spPr/>
+        <p:txBody>
+          <a:bodyPr/>
+          <a:lstStyle/>
+          <a:p>
+            <a:r>
+              <a:rPr lang="zh-CN" altLang="en-US" dirty="0"/>
+              <a:t> </a:t>
+            </a:r>
+            <a:endParaRPr lang="zh-CN" altLang="en-US" dirty="0"/>
+          </a:p>
+        </p:txBody>
+      </p:sp>
+      <p:sp>
+        <p:nvSpPr>
+          <p:cNvPr id="4" name="灯片编号占位符 3"/>
+          <p:cNvSpPr>
+            <a:spLocks noGrp="1"/>
+          </p:cNvSpPr>
+          <p:nvPr>
+            <p:ph type="sldNum" sz="quarter" idx="10"/>
+          </p:nvPr>
+        </p:nvSpPr>
+        <p:spPr/>
+        <p:txBody>
+          <a:bodyPr/>
+          <a:lstStyle/>
+          <a:p>
+            <a:fld id="{D712715C-60D8-4442-95C1-470452B8606C}" type="slidenum">
+              <a:rPr kumimoji="1" lang="zh-CN" altLang="en-US" smtClean="0"/>
+            </a:fld>
+            <a:endParaRPr kumimoji="1" lang="zh-CN" altLang="en-US"/>
+          </a:p>
+        </p:txBody>
+      </p:sp>
+    </p:spTree>
+  </p:cSld>
+  <p:clrMapOvr>
+    <a:masterClrMapping/>
+  </p:clrMapOvr>
+</p:notes>
+</file>
+
+<file path=ppt/notesSlides/notesSlide32.xml><?xml version="1.0" encoding="utf-8"?>
+<p:notes xmlns:a="http://schemas.openxmlformats.org/drawingml/2006/main" xmlns:r="http://schemas.openxmlformats.org/officeDocument/2006/relationships" xmlns:p="http://schemas.openxmlformats.org/presentationml/2006/main">
+  <p:cSld>
+    <p:spTree>
+      <p:nvGrpSpPr>
+        <p:cNvPr id="1" name=""/>
+        <p:cNvGrpSpPr/>
+        <p:nvPr/>
+      </p:nvGrpSpPr>
+      <p:grpSpPr/>
+      <p:sp>
+        <p:nvSpPr>
+          <p:cNvPr id="2" name="幻灯片图像占位符 1"/>
+          <p:cNvSpPr/>
+          <p:nvPr>
+            <p:ph type="sldImg" idx="2"/>
+          </p:nvPr>
+        </p:nvSpPr>
+        <p:spPr/>
+      </p:sp>
+      <p:sp>
+        <p:nvSpPr>
+          <p:cNvPr id="3" name="文本占位符 2"/>
+          <p:cNvSpPr/>
+          <p:nvPr>
+            <p:ph type="body" idx="3"/>
+          </p:nvPr>
+        </p:nvSpPr>
+        <p:spPr/>
+        <p:txBody>
+          <a:bodyPr/>
+          <a:p>
+            <a:r>
+              <a:rPr lang="zh-CN" altLang="en-US"/>
+              <a:t>在服务交换机中引入智能调用引擎</a:t>
+            </a:r>
+            <a:endParaRPr lang="zh-CN" altLang="en-US"/>
+          </a:p>
+        </p:txBody>
+      </p:sp>
+      <p:sp>
+        <p:nvSpPr>
+          <p:cNvPr id="4" name="灯片编号占位符 3"/>
+          <p:cNvSpPr>
+            <a:spLocks noGrp="1"/>
+          </p:cNvSpPr>
+          <p:nvPr>
+            <p:ph type="sldNum" sz="quarter" idx="5"/>
+          </p:nvPr>
+        </p:nvSpPr>
+        <p:spPr/>
+        <p:txBody>
+          <a:bodyPr/>
           <a:p>
             <a:fld id="{D712715C-60D8-4442-95C1-470452B8606C}" type="slidenum">
               <a:rPr kumimoji="1" lang="zh-CN" altLang="en-US" smtClean="0"/>
@@ -11647,61 +11941,7 @@
                 <a:latin typeface="Arial" panose="020B0604020202020204" pitchFamily="34" charset="0"/>
                 <a:ea typeface="微软雅黑" panose="020B0503020204020204" pitchFamily="34" charset="-122"/>
               </a:rPr>
-              <a:t>BERT 使用双向 transformer</a:t>
-            </a:r>
-            <a:endParaRPr lang="zh-CN" altLang="en-US" sz="1400" dirty="0" smtClean="0">
-              <a:latin typeface="Arial" panose="020B0604020202020204" pitchFamily="34" charset="0"/>
-              <a:ea typeface="微软雅黑" panose="020B0503020204020204" pitchFamily="34" charset="-122"/>
-            </a:endParaRPr>
-          </a:p>
-          <a:p>
-            <a:pPr algn="l">
-              <a:lnSpc>
-                <a:spcPct val="130000"/>
-              </a:lnSpc>
-            </a:pPr>
-            <a:r>
-              <a:rPr lang="zh-CN" altLang="en-US" sz="1400" dirty="0" smtClean="0">
-                <a:latin typeface="Arial" panose="020B0604020202020204" pitchFamily="34" charset="0"/>
-                <a:ea typeface="微软雅黑" panose="020B0503020204020204" pitchFamily="34" charset="-122"/>
-              </a:rPr>
-              <a:t>网络结构来预训练语言模型，着眼于单词左右两侧的上下文，具有更强的表达能力，在大</a:t>
-            </a:r>
-            <a:endParaRPr lang="zh-CN" altLang="en-US" sz="1400" dirty="0" smtClean="0">
-              <a:latin typeface="Arial" panose="020B0604020202020204" pitchFamily="34" charset="0"/>
-              <a:ea typeface="微软雅黑" panose="020B0503020204020204" pitchFamily="34" charset="-122"/>
-            </a:endParaRPr>
-          </a:p>
-          <a:p>
-            <a:pPr algn="l">
-              <a:lnSpc>
-                <a:spcPct val="130000"/>
-              </a:lnSpc>
-            </a:pPr>
-            <a:r>
-              <a:rPr lang="zh-CN" altLang="en-US" sz="1400" dirty="0" smtClean="0">
-                <a:latin typeface="Arial" panose="020B0604020202020204" pitchFamily="34" charset="0"/>
-                <a:ea typeface="微软雅黑" panose="020B0503020204020204" pitchFamily="34" charset="-122"/>
-              </a:rPr>
-              <a:t>型语料库中训练得到的上下文敏感的语义向量对语义消歧大有裨益，可以通过附加输出层</a:t>
-            </a:r>
-            <a:endParaRPr lang="zh-CN" altLang="en-US" sz="1400" dirty="0" smtClean="0">
-              <a:latin typeface="Arial" panose="020B0604020202020204" pitchFamily="34" charset="0"/>
-              <a:ea typeface="微软雅黑" panose="020B0503020204020204" pitchFamily="34" charset="-122"/>
-            </a:endParaRPr>
-          </a:p>
-          <a:p>
-            <a:pPr algn="l">
-              <a:lnSpc>
-                <a:spcPct val="130000"/>
-              </a:lnSpc>
-            </a:pPr>
-            <a:r>
-              <a:rPr lang="zh-CN" altLang="en-US" sz="1400" dirty="0" smtClean="0">
-                <a:latin typeface="Arial" panose="020B0604020202020204" pitchFamily="34" charset="0"/>
-                <a:ea typeface="微软雅黑" panose="020B0503020204020204" pitchFamily="34" charset="-122"/>
-              </a:rPr>
-              <a:t>对 bert 进行微调来完成模型构建</a:t>
+              <a:t>BERT 使用双向 transformer网络结构来预训练语言模型，着眼于单词左右两侧的上下文，具有更强的表达能力，在大型语料库中训练得到的上下文敏感的语义向量对语义消歧大有裨益，可以通过附加输出层对 bert 进行微调来完成模型构建</a:t>
             </a:r>
             <a:endParaRPr lang="zh-CN" altLang="en-US" sz="1400" dirty="0" smtClean="0">
               <a:latin typeface="Arial" panose="020B0604020202020204" pitchFamily="34" charset="0"/>

--- a/硕士毕业论文答辩PPT.pptx
+++ b/硕士毕业论文答辩PPT.pptx
@@ -33,18 +33,18 @@
     <p:sldId id="482" r:id="rId23"/>
     <p:sldId id="637" r:id="rId24"/>
     <p:sldId id="640" r:id="rId25"/>
-    <p:sldId id="536" r:id="rId26"/>
-    <p:sldId id="638" r:id="rId27"/>
-    <p:sldId id="639" r:id="rId28"/>
-    <p:sldId id="643" r:id="rId29"/>
-    <p:sldId id="483" r:id="rId30"/>
-    <p:sldId id="541" r:id="rId31"/>
-    <p:sldId id="335" r:id="rId32"/>
-    <p:sldId id="523" r:id="rId33"/>
-    <p:sldId id="275" r:id="rId34"/>
-    <p:sldId id="534" r:id="rId35"/>
-    <p:sldId id="498" r:id="rId36"/>
-    <p:sldId id="655" r:id="rId37"/>
+    <p:sldId id="638" r:id="rId26"/>
+    <p:sldId id="639" r:id="rId27"/>
+    <p:sldId id="643" r:id="rId28"/>
+    <p:sldId id="483" r:id="rId29"/>
+    <p:sldId id="541" r:id="rId30"/>
+    <p:sldId id="335" r:id="rId31"/>
+    <p:sldId id="523" r:id="rId32"/>
+    <p:sldId id="275" r:id="rId33"/>
+    <p:sldId id="534" r:id="rId34"/>
+    <p:sldId id="498" r:id="rId35"/>
+    <p:sldId id="655" r:id="rId36"/>
+    <p:sldId id="536" r:id="rId37"/>
   </p:sldIdLst>
   <p:sldSz cx="9144000" cy="5143500" type="screen16x9"/>
   <p:notesSz cx="6858000" cy="9144000"/>
@@ -1937,7 +1937,7 @@
           <a:p>
             <a:r>
               <a:rPr lang="zh-CN" altLang="en-US" dirty="0"/>
-              <a:t>以上是对论文主要模型的介绍，下面说一下实验情况</a:t>
+              <a:t>以上是对论文主要模型的介绍，下面展示以下实验结果</a:t>
             </a:r>
             <a:endParaRPr lang="zh-CN" altLang="en-US" dirty="0"/>
           </a:p>
@@ -1982,42 +1982,61 @@
         <p:cNvGrpSpPr/>
         <p:nvPr/>
       </p:nvGrpSpPr>
-      <p:grpSpPr>
-        <a:xfrm>
-          <a:off x="0" y="0"/>
-          <a:ext cx="0" cy="0"/>
-          <a:chOff x="0" y="0"/>
-          <a:chExt cx="0" cy="0"/>
-        </a:xfrm>
-      </p:grpSpPr>
+      <p:grpSpPr/>
       <p:sp>
         <p:nvSpPr>
           <p:cNvPr id="2" name="幻灯片图像占位符 1"/>
-          <p:cNvSpPr>
-            <a:spLocks noGrp="1" noRot="1" noChangeAspect="1"/>
-          </p:cNvSpPr>
+          <p:cNvSpPr/>
           <p:nvPr>
-            <p:ph type="sldImg"/>
+            <p:ph type="sldImg" idx="2"/>
           </p:nvPr>
         </p:nvSpPr>
         <p:spPr/>
       </p:sp>
       <p:sp>
         <p:nvSpPr>
-          <p:cNvPr id="3" name="备注占位符 2"/>
-          <p:cNvSpPr>
-            <a:spLocks noGrp="1"/>
-          </p:cNvSpPr>
+          <p:cNvPr id="3" name="文本占位符 2"/>
+          <p:cNvSpPr/>
           <p:nvPr>
-            <p:ph type="body" idx="1"/>
+            <p:ph type="body" idx="3"/>
           </p:nvPr>
         </p:nvSpPr>
         <p:spPr/>
         <p:txBody>
           <a:bodyPr/>
-          <a:lstStyle/>
           <a:p>
-            <a:endParaRPr lang="zh-CN" altLang="en-US" dirty="0"/>
+            <a:r>
+              <a:rPr lang="zh-CN" altLang="en-US"/>
+              <a:t>本文实验数据集主要来自</a:t>
+            </a:r>
+            <a:r>
+              <a:rPr lang="zh-CN" altLang="en-US" dirty="0" smtClean="0">
+                <a:latin typeface="Arial" panose="020B0604020202020204" pitchFamily="34" charset="0"/>
+                <a:ea typeface="微软雅黑" panose="020B0503020204020204" pitchFamily="34" charset="-122"/>
+                <a:sym typeface="+mn-ea"/>
+              </a:rPr>
+              <a:t>SMP2019ECDT，包含了跨界服务领域常用的八大类服务</a:t>
+            </a:r>
+            <a:endParaRPr lang="zh-CN" altLang="en-US" dirty="0" smtClean="0">
+              <a:latin typeface="Arial" panose="020B0604020202020204" pitchFamily="34" charset="0"/>
+              <a:ea typeface="微软雅黑" panose="020B0503020204020204" pitchFamily="34" charset="-122"/>
+              <a:sym typeface="+mn-ea"/>
+            </a:endParaRPr>
+          </a:p>
+          <a:p>
+            <a:r>
+              <a:rPr lang="zh-CN" altLang="en-US" dirty="0" smtClean="0">
+                <a:latin typeface="Arial" panose="020B0604020202020204" pitchFamily="34" charset="0"/>
+                <a:ea typeface="微软雅黑" panose="020B0503020204020204" pitchFamily="34" charset="-122"/>
+                <a:sym typeface="+mn-ea"/>
+              </a:rPr>
+              <a:t>这张柱状图是各类服务的数量分布</a:t>
+            </a:r>
+            <a:endParaRPr lang="zh-CN" altLang="en-US" dirty="0" smtClean="0">
+              <a:latin typeface="Arial" panose="020B0604020202020204" pitchFamily="34" charset="0"/>
+              <a:ea typeface="微软雅黑" panose="020B0503020204020204" pitchFamily="34" charset="-122"/>
+              <a:sym typeface="+mn-ea"/>
+            </a:endParaRPr>
           </a:p>
         </p:txBody>
       </p:sp>
@@ -2028,13 +2047,12 @@
             <a:spLocks noGrp="1"/>
           </p:cNvSpPr>
           <p:nvPr>
-            <p:ph type="sldNum" sz="quarter" idx="10"/>
+            <p:ph type="sldNum" sz="quarter" idx="5"/>
           </p:nvPr>
         </p:nvSpPr>
         <p:spPr/>
         <p:txBody>
           <a:bodyPr/>
-          <a:lstStyle/>
           <a:p>
             <a:fld id="{D712715C-60D8-4442-95C1-470452B8606C}" type="slidenum">
               <a:rPr kumimoji="1" lang="zh-CN" altLang="en-US" smtClean="0"/>
@@ -2060,42 +2078,71 @@
         <p:cNvGrpSpPr/>
         <p:nvPr/>
       </p:nvGrpSpPr>
-      <p:grpSpPr>
-        <a:xfrm>
-          <a:off x="0" y="0"/>
-          <a:ext cx="0" cy="0"/>
-          <a:chOff x="0" y="0"/>
-          <a:chExt cx="0" cy="0"/>
-        </a:xfrm>
-      </p:grpSpPr>
+      <p:grpSpPr/>
       <p:sp>
         <p:nvSpPr>
           <p:cNvPr id="2" name="幻灯片图像占位符 1"/>
-          <p:cNvSpPr>
-            <a:spLocks noGrp="1" noRot="1" noChangeAspect="1"/>
-          </p:cNvSpPr>
+          <p:cNvSpPr/>
           <p:nvPr>
-            <p:ph type="sldImg"/>
+            <p:ph type="sldImg" idx="2"/>
           </p:nvPr>
         </p:nvSpPr>
         <p:spPr/>
       </p:sp>
       <p:sp>
         <p:nvSpPr>
-          <p:cNvPr id="3" name="备注占位符 2"/>
-          <p:cNvSpPr>
-            <a:spLocks noGrp="1"/>
-          </p:cNvSpPr>
+          <p:cNvPr id="3" name="文本占位符 2"/>
+          <p:cNvSpPr/>
           <p:nvPr>
-            <p:ph type="body" idx="1"/>
+            <p:ph type="body" idx="3"/>
           </p:nvPr>
         </p:nvSpPr>
         <p:spPr/>
         <p:txBody>
           <a:bodyPr/>
-          <a:lstStyle/>
           <a:p>
-            <a:endParaRPr lang="zh-CN" altLang="en-US" dirty="0"/>
+            <a:r>
+              <a:rPr lang="zh-CN" altLang="en-US"/>
+              <a:t>这一页展示的是前面章节提到的模型在训练过程中各指标值的变化</a:t>
+            </a:r>
+            <a:endParaRPr lang="zh-CN" altLang="en-US"/>
+          </a:p>
+          <a:p>
+            <a:r>
+              <a:rPr lang="zh-CN" altLang="en-US"/>
+              <a:t>服务和接口分类任务指标采用准确率，语义槽填充指标采用</a:t>
+            </a:r>
+            <a:r>
+              <a:rPr lang="en-US" altLang="zh-CN"/>
+              <a:t>F1</a:t>
+            </a:r>
+            <a:r>
+              <a:rPr lang="zh-CN" altLang="en-US"/>
+              <a:t>值</a:t>
+            </a:r>
+            <a:endParaRPr lang="zh-CN" altLang="en-US"/>
+          </a:p>
+          <a:p>
+            <a:r>
+              <a:rPr lang="zh-CN" altLang="en-US"/>
+              <a:t>第四张图句子整体准确率是指输入语句的三项任务预测值都和标签一致是才会被判定是正确</a:t>
+            </a:r>
+            <a:endParaRPr lang="zh-CN" altLang="en-US"/>
+          </a:p>
+          <a:p>
+            <a:r>
+              <a:rPr lang="zh-CN" altLang="en-US"/>
+              <a:t>指标图显示引入</a:t>
+            </a:r>
+            <a:r>
+              <a:rPr lang="en-US" altLang="zh-CN"/>
+              <a:t>bert</a:t>
+            </a:r>
+            <a:r>
+              <a:rPr lang="zh-CN" altLang="en-US"/>
+              <a:t>以后模型收敛加快，同时交互式模型的性能最优异</a:t>
+            </a:r>
+            <a:endParaRPr lang="zh-CN" altLang="en-US"/>
           </a:p>
         </p:txBody>
       </p:sp>
@@ -2106,13 +2153,12 @@
             <a:spLocks noGrp="1"/>
           </p:cNvSpPr>
           <p:nvPr>
-            <p:ph type="sldNum" sz="quarter" idx="10"/>
+            <p:ph type="sldNum" sz="quarter" idx="5"/>
           </p:nvPr>
         </p:nvSpPr>
         <p:spPr/>
         <p:txBody>
           <a:bodyPr/>
-          <a:lstStyle/>
           <a:p>
             <a:fld id="{D712715C-60D8-4442-95C1-470452B8606C}" type="slidenum">
               <a:rPr kumimoji="1" lang="zh-CN" altLang="en-US" smtClean="0"/>
@@ -2172,6 +2218,39 @@
         <p:txBody>
           <a:bodyPr/>
           <a:lstStyle/>
+          <a:p>
+            <a:r>
+              <a:rPr lang="zh-CN" altLang="en-US" dirty="0"/>
+              <a:t>本页展示的是各模型在测试集上的表现</a:t>
+            </a:r>
+            <a:endParaRPr lang="zh-CN" altLang="en-US" dirty="0"/>
+          </a:p>
+          <a:p>
+            <a:r>
+              <a:rPr lang="zh-CN" altLang="en-US" dirty="0"/>
+              <a:t>可以看到，联合识别的模型实验结果整体优于单个模型，交互式联合优于单向联合</a:t>
+            </a:r>
+            <a:endParaRPr lang="zh-CN" altLang="en-US" dirty="0"/>
+          </a:p>
+          <a:p>
+            <a:r>
+              <a:rPr lang="zh-CN" altLang="en-US" dirty="0"/>
+              <a:t>引入预训练模型后句子准确率有所提升，</a:t>
+            </a:r>
+            <a:r>
+              <a:rPr lang="en-US" altLang="zh-CN" dirty="0"/>
+              <a:t>bert</a:t>
+            </a:r>
+            <a:r>
+              <a:rPr lang="zh-CN" altLang="en-US" dirty="0"/>
+              <a:t>交互式模型句子准确率达到</a:t>
+            </a:r>
+            <a:r>
+              <a:rPr lang="en-US" altLang="zh-CN" dirty="0"/>
+              <a:t>91%</a:t>
+            </a:r>
+            <a:endParaRPr lang="zh-CN" altLang="en-US" dirty="0"/>
+          </a:p>
           <a:p>
             <a:endParaRPr lang="zh-CN" altLang="en-US" dirty="0"/>
           </a:p>
@@ -2250,6 +2329,35 @@
         <p:txBody>
           <a:bodyPr/>
           <a:lstStyle/>
+          <a:p>
+            <a:r>
+              <a:rPr lang="zh-CN" altLang="en-US" dirty="0"/>
+              <a:t>本文对测试集表现最优的模型做了消融分析，结果如表</a:t>
+            </a:r>
+            <a:endParaRPr lang="zh-CN" altLang="en-US" dirty="0"/>
+          </a:p>
+          <a:p>
+            <a:r>
+              <a:rPr lang="zh-CN" altLang="en-US" dirty="0"/>
+              <a:t>首先 bert 预训练层的移除对实验结果影响巨大，各指标</a:t>
+            </a:r>
+            <a:r>
+              <a:rPr lang="zh-CN" altLang="en-US" dirty="0"/>
+              <a:t>跌幅很大</a:t>
+            </a:r>
+            <a:endParaRPr lang="zh-CN" altLang="en-US" dirty="0"/>
+          </a:p>
+          <a:p>
+            <a:r>
+              <a:rPr lang="zh-CN" altLang="en-US" dirty="0"/>
+              <a:t>删除独立的自注意力层和减少信息流向也会使</a:t>
+            </a:r>
+            <a:r>
+              <a:rPr lang="zh-CN" altLang="en-US" dirty="0"/>
+              <a:t>模型性能降低</a:t>
+            </a:r>
+            <a:endParaRPr lang="zh-CN" altLang="en-US" dirty="0"/>
+          </a:p>
           <a:p>
             <a:endParaRPr lang="zh-CN" altLang="en-US" dirty="0"/>
           </a:p>
@@ -2331,7 +2439,30 @@
           <a:p>
             <a:r>
               <a:rPr lang="zh-CN" altLang="en-US" dirty="0"/>
-              <a:t>最后进行总结与展望</a:t>
+              <a:t>最后我们对协同交互模块的堆叠层数量做了消融分析，得出的结论是对叠层数量</a:t>
+            </a:r>
+            <a:r>
+              <a:rPr lang="en-US" altLang="zh-CN" dirty="0"/>
+              <a:t>N=2</a:t>
+            </a:r>
+            <a:r>
+              <a:rPr lang="zh-CN" altLang="en-US" dirty="0"/>
+              <a:t>时效果最好</a:t>
+            </a:r>
+            <a:endParaRPr lang="zh-CN" altLang="en-US" dirty="0"/>
+          </a:p>
+          <a:p>
+            <a:r>
+              <a:rPr lang="zh-CN" altLang="en-US" dirty="0"/>
+              <a:t>猜想当</a:t>
+            </a:r>
+            <a:r>
+              <a:rPr lang="en-US" altLang="zh-CN" dirty="0"/>
+              <a:t>N</a:t>
+            </a:r>
+            <a:r>
+              <a:rPr lang="zh-CN" altLang="en-US" dirty="0"/>
+              <a:t>增大时可能出现过拟合的问题</a:t>
             </a:r>
             <a:endParaRPr lang="zh-CN" altLang="en-US" dirty="0"/>
           </a:p>
@@ -2411,6 +2542,14 @@
           <a:bodyPr/>
           <a:lstStyle/>
           <a:p>
+            <a:r>
+              <a:rPr lang="zh-CN" altLang="en-US" dirty="0"/>
+              <a:t>以上时实验结果分析，</a:t>
+            </a:r>
+            <a:r>
+              <a:rPr lang="zh-CN" altLang="en-US" dirty="0"/>
+              <a:t>最后进行总结与展望</a:t>
+            </a:r>
             <a:endParaRPr lang="zh-CN" altLang="en-US" dirty="0"/>
           </a:p>
         </p:txBody>
@@ -2464,36 +2603,19 @@
       </p:grpSpPr>
       <p:sp>
         <p:nvSpPr>
-          <p:cNvPr id="4098" name="幻灯片图像占位符 1"/>
+          <p:cNvPr id="2" name="幻灯片图像占位符 1"/>
           <p:cNvSpPr>
-            <a:spLocks noGrp="1" noRot="1" noChangeAspect="1" noTextEdit="1"/>
+            <a:spLocks noGrp="1" noRot="1" noChangeAspect="1"/>
           </p:cNvSpPr>
           <p:nvPr>
             <p:ph type="sldImg"/>
           </p:nvPr>
         </p:nvSpPr>
-        <p:spPr bwMode="auto">
-          <a:noFill/>
-          <a:ln>
-            <a:solidFill>
-              <a:srgbClr val="000000"/>
-            </a:solidFill>
-            <a:miter lim="800000"/>
-          </a:ln>
-          <a:extLst>
-            <a:ext uri="{909E8E84-426E-40DD-AFC4-6F175D3DCCD1}">
-              <a14:hiddenFill xmlns:a14="http://schemas.microsoft.com/office/drawing/2010/main">
-                <a:solidFill>
-                  <a:srgbClr val="FFFFFF"/>
-                </a:solidFill>
-              </a14:hiddenFill>
-            </a:ext>
-          </a:extLst>
-        </p:spPr>
+        <p:spPr/>
       </p:sp>
       <p:sp>
         <p:nvSpPr>
-          <p:cNvPr id="4099" name="备注占位符 2"/>
+          <p:cNvPr id="3" name="备注占位符 2"/>
           <p:cNvSpPr>
             <a:spLocks noGrp="1"/>
           </p:cNvSpPr>
@@ -2501,191 +2623,45 @@
             <p:ph type="body" idx="1"/>
           </p:nvPr>
         </p:nvSpPr>
-        <p:spPr bwMode="auto">
-          <a:noFill/>
-          <a:extLst>
-            <a:ext uri="{909E8E84-426E-40DD-AFC4-6F175D3DCCD1}">
-              <a14:hiddenFill xmlns:a14="http://schemas.microsoft.com/office/drawing/2010/main">
-                <a:solidFill>
-                  <a:srgbClr val="FFFFFF"/>
-                </a:solidFill>
-              </a14:hiddenFill>
-            </a:ext>
-            <a:ext uri="{91240B29-F687-4F45-9708-019B960494DF}">
-              <a14:hiddenLine xmlns:a14="http://schemas.microsoft.com/office/drawing/2010/main" w="9525">
-                <a:solidFill>
-                  <a:srgbClr val="000000"/>
-                </a:solidFill>
-                <a:miter lim="800000"/>
-                <a:headEnd/>
-                <a:tailEnd/>
-              </a14:hiddenLine>
-            </a:ext>
-          </a:extLst>
-        </p:spPr>
+        <p:spPr/>
         <p:txBody>
-          <a:bodyPr wrap="square" numCol="1" anchor="t" anchorCtr="0" compatLnSpc="1"/>
+          <a:bodyPr/>
           <a:lstStyle/>
           <a:p>
-            <a:pPr eaLnBrk="1" hangingPunct="1">
-              <a:spcBef>
-                <a:spcPct val="0"/>
-              </a:spcBef>
-            </a:pPr>
+            <a:r>
+              <a:rPr lang="zh-CN" altLang="en-US" dirty="0"/>
+              <a:t>首先对本文工作做一个总结，本文针对跨界服务语义理解问题提出了端到端的联合识别模型，并引入预训练模型和知识库</a:t>
+            </a:r>
+            <a:endParaRPr lang="zh-CN" altLang="en-US" dirty="0"/>
+          </a:p>
+          <a:p>
+            <a:r>
+              <a:rPr lang="zh-CN" altLang="en-US" dirty="0"/>
+              <a:t>通过比对实验和消融分析验证了模型的有效性和优越性</a:t>
+            </a:r>
             <a:endParaRPr lang="zh-CN" altLang="en-US" dirty="0"/>
           </a:p>
         </p:txBody>
       </p:sp>
       <p:sp>
         <p:nvSpPr>
-          <p:cNvPr id="4100" name="灯片编号占位符 3"/>
+          <p:cNvPr id="4" name="灯片编号占位符 3"/>
           <p:cNvSpPr>
             <a:spLocks noGrp="1"/>
           </p:cNvSpPr>
           <p:nvPr>
-            <p:ph type="sldNum" sz="quarter" idx="5"/>
+            <p:ph type="sldNum" sz="quarter" idx="10"/>
           </p:nvPr>
         </p:nvSpPr>
-        <p:spPr bwMode="auto">
-          <a:noFill/>
-          <a:extLst>
-            <a:ext uri="{909E8E84-426E-40DD-AFC4-6F175D3DCCD1}">
-              <a14:hiddenFill xmlns:a14="http://schemas.microsoft.com/office/drawing/2010/main">
-                <a:solidFill>
-                  <a:srgbClr val="FFFFFF"/>
-                </a:solidFill>
-              </a14:hiddenFill>
-            </a:ext>
-            <a:ext uri="{91240B29-F687-4F45-9708-019B960494DF}">
-              <a14:hiddenLine xmlns:a14="http://schemas.microsoft.com/office/drawing/2010/main" w="9525">
-                <a:solidFill>
-                  <a:srgbClr val="000000"/>
-                </a:solidFill>
-                <a:miter lim="800000"/>
-                <a:headEnd/>
-                <a:tailEnd/>
-              </a14:hiddenLine>
-            </a:ext>
-          </a:extLst>
-        </p:spPr>
+        <p:spPr/>
         <p:txBody>
           <a:bodyPr/>
-          <a:lstStyle>
-            <a:lvl1pPr>
-              <a:defRPr>
-                <a:solidFill>
-                  <a:schemeClr val="tx1"/>
-                </a:solidFill>
-                <a:latin typeface="Arial Narrow" panose="020B0606020202030204" pitchFamily="34" charset="0"/>
-                <a:ea typeface="宋体" panose="02010600030101010101" pitchFamily="2" charset="-122"/>
-              </a:defRPr>
-            </a:lvl1pPr>
-            <a:lvl2pPr marL="742950" indent="-285750">
-              <a:defRPr>
-                <a:solidFill>
-                  <a:schemeClr val="tx1"/>
-                </a:solidFill>
-                <a:latin typeface="Arial Narrow" panose="020B0606020202030204" pitchFamily="34" charset="0"/>
-                <a:ea typeface="宋体" panose="02010600030101010101" pitchFamily="2" charset="-122"/>
-              </a:defRPr>
-            </a:lvl2pPr>
-            <a:lvl3pPr marL="1143000" indent="-228600">
-              <a:defRPr>
-                <a:solidFill>
-                  <a:schemeClr val="tx1"/>
-                </a:solidFill>
-                <a:latin typeface="Arial Narrow" panose="020B0606020202030204" pitchFamily="34" charset="0"/>
-                <a:ea typeface="宋体" panose="02010600030101010101" pitchFamily="2" charset="-122"/>
-              </a:defRPr>
-            </a:lvl3pPr>
-            <a:lvl4pPr marL="1600200" indent="-228600">
-              <a:defRPr>
-                <a:solidFill>
-                  <a:schemeClr val="tx1"/>
-                </a:solidFill>
-                <a:latin typeface="Arial Narrow" panose="020B0606020202030204" pitchFamily="34" charset="0"/>
-                <a:ea typeface="宋体" panose="02010600030101010101" pitchFamily="2" charset="-122"/>
-              </a:defRPr>
-            </a:lvl4pPr>
-            <a:lvl5pPr marL="2057400" indent="-228600">
-              <a:defRPr>
-                <a:solidFill>
-                  <a:schemeClr val="tx1"/>
-                </a:solidFill>
-                <a:latin typeface="Arial Narrow" panose="020B0606020202030204" pitchFamily="34" charset="0"/>
-                <a:ea typeface="宋体" panose="02010600030101010101" pitchFamily="2" charset="-122"/>
-              </a:defRPr>
-            </a:lvl5pPr>
-            <a:lvl6pPr marL="2514600" indent="-228600" eaLnBrk="0" fontAlgn="base" hangingPunct="0">
-              <a:spcBef>
-                <a:spcPct val="0"/>
-              </a:spcBef>
-              <a:spcAft>
-                <a:spcPct val="0"/>
-              </a:spcAft>
-              <a:defRPr>
-                <a:solidFill>
-                  <a:schemeClr val="tx1"/>
-                </a:solidFill>
-                <a:latin typeface="Arial Narrow" panose="020B0606020202030204" pitchFamily="34" charset="0"/>
-                <a:ea typeface="宋体" panose="02010600030101010101" pitchFamily="2" charset="-122"/>
-              </a:defRPr>
-            </a:lvl6pPr>
-            <a:lvl7pPr marL="2971800" indent="-228600" eaLnBrk="0" fontAlgn="base" hangingPunct="0">
-              <a:spcBef>
-                <a:spcPct val="0"/>
-              </a:spcBef>
-              <a:spcAft>
-                <a:spcPct val="0"/>
-              </a:spcAft>
-              <a:defRPr>
-                <a:solidFill>
-                  <a:schemeClr val="tx1"/>
-                </a:solidFill>
-                <a:latin typeface="Arial Narrow" panose="020B0606020202030204" pitchFamily="34" charset="0"/>
-                <a:ea typeface="宋体" panose="02010600030101010101" pitchFamily="2" charset="-122"/>
-              </a:defRPr>
-            </a:lvl7pPr>
-            <a:lvl8pPr marL="3429000" indent="-228600" eaLnBrk="0" fontAlgn="base" hangingPunct="0">
-              <a:spcBef>
-                <a:spcPct val="0"/>
-              </a:spcBef>
-              <a:spcAft>
-                <a:spcPct val="0"/>
-              </a:spcAft>
-              <a:defRPr>
-                <a:solidFill>
-                  <a:schemeClr val="tx1"/>
-                </a:solidFill>
-                <a:latin typeface="Arial Narrow" panose="020B0606020202030204" pitchFamily="34" charset="0"/>
-                <a:ea typeface="宋体" panose="02010600030101010101" pitchFamily="2" charset="-122"/>
-              </a:defRPr>
-            </a:lvl8pPr>
-            <a:lvl9pPr marL="3886200" indent="-228600" eaLnBrk="0" fontAlgn="base" hangingPunct="0">
-              <a:spcBef>
-                <a:spcPct val="0"/>
-              </a:spcBef>
-              <a:spcAft>
-                <a:spcPct val="0"/>
-              </a:spcAft>
-              <a:defRPr>
-                <a:solidFill>
-                  <a:schemeClr val="tx1"/>
-                </a:solidFill>
-                <a:latin typeface="Arial Narrow" panose="020B0606020202030204" pitchFamily="34" charset="0"/>
-                <a:ea typeface="宋体" panose="02010600030101010101" pitchFamily="2" charset="-122"/>
-              </a:defRPr>
-            </a:lvl9pPr>
-          </a:lstStyle>
+          <a:lstStyle/>
           <a:p>
-            <a:fld id="{C9054CEC-105C-4A6A-9456-DBE647A13BE1}" type="slidenum">
-              <a:rPr lang="zh-CN" altLang="en-US" smtClean="0">
-                <a:latin typeface="Calibri" panose="020F0502020204030204" pitchFamily="34" charset="0"/>
-              </a:rPr>
+            <a:fld id="{D712715C-60D8-4442-95C1-470452B8606C}" type="slidenum">
+              <a:rPr kumimoji="1" lang="zh-CN" altLang="en-US" smtClean="0"/>
             </a:fld>
-            <a:endParaRPr lang="zh-CN" altLang="en-US">
-              <a:latin typeface="Calibri" panose="020F0502020204030204" pitchFamily="34" charset="0"/>
-            </a:endParaRPr>
+            <a:endParaRPr kumimoji="1" lang="zh-CN" altLang="en-US"/>
           </a:p>
         </p:txBody>
       </p:sp>
@@ -2716,19 +2692,36 @@
       </p:grpSpPr>
       <p:sp>
         <p:nvSpPr>
-          <p:cNvPr id="2" name="幻灯片图像占位符 1"/>
+          <p:cNvPr id="4098" name="幻灯片图像占位符 1"/>
           <p:cNvSpPr>
-            <a:spLocks noGrp="1" noRot="1" noChangeAspect="1"/>
+            <a:spLocks noGrp="1" noRot="1" noChangeAspect="1" noTextEdit="1"/>
           </p:cNvSpPr>
           <p:nvPr>
             <p:ph type="sldImg"/>
           </p:nvPr>
         </p:nvSpPr>
-        <p:spPr/>
+        <p:spPr bwMode="auto">
+          <a:noFill/>
+          <a:ln>
+            <a:solidFill>
+              <a:srgbClr val="000000"/>
+            </a:solidFill>
+            <a:miter lim="800000"/>
+          </a:ln>
+          <a:extLst>
+            <a:ext uri="{909E8E84-426E-40DD-AFC4-6F175D3DCCD1}">
+              <a14:hiddenFill xmlns:a14="http://schemas.microsoft.com/office/drawing/2010/main">
+                <a:solidFill>
+                  <a:srgbClr val="FFFFFF"/>
+                </a:solidFill>
+              </a14:hiddenFill>
+            </a:ext>
+          </a:extLst>
+        </p:spPr>
       </p:sp>
       <p:sp>
         <p:nvSpPr>
-          <p:cNvPr id="3" name="备注占位符 2"/>
+          <p:cNvPr id="4099" name="备注占位符 2"/>
           <p:cNvSpPr>
             <a:spLocks noGrp="1"/>
           </p:cNvSpPr>
@@ -2736,18 +2729,72 @@
             <p:ph type="body" idx="1"/>
           </p:nvPr>
         </p:nvSpPr>
-        <p:spPr/>
+        <p:spPr bwMode="auto">
+          <a:noFill/>
+          <a:extLst>
+            <a:ext uri="{909E8E84-426E-40DD-AFC4-6F175D3DCCD1}">
+              <a14:hiddenFill xmlns:a14="http://schemas.microsoft.com/office/drawing/2010/main">
+                <a:solidFill>
+                  <a:srgbClr val="FFFFFF"/>
+                </a:solidFill>
+              </a14:hiddenFill>
+            </a:ext>
+            <a:ext uri="{91240B29-F687-4F45-9708-019B960494DF}">
+              <a14:hiddenLine xmlns:a14="http://schemas.microsoft.com/office/drawing/2010/main" w="9525">
+                <a:solidFill>
+                  <a:srgbClr val="000000"/>
+                </a:solidFill>
+                <a:miter lim="800000"/>
+                <a:headEnd/>
+                <a:tailEnd/>
+              </a14:hiddenLine>
+            </a:ext>
+          </a:extLst>
+        </p:spPr>
         <p:txBody>
-          <a:bodyPr/>
+          <a:bodyPr wrap="square" numCol="1" anchor="t" anchorCtr="0" compatLnSpc="1"/>
           <a:lstStyle/>
           <a:p>
+            <a:pPr eaLnBrk="1" hangingPunct="1">
+              <a:spcBef>
+                <a:spcPct val="0"/>
+              </a:spcBef>
+            </a:pPr>
             <a:r>
-              <a:rPr lang="zh-CN" altLang="en-US"/>
-              <a:t>我的答辩展示</a:t>
+              <a:rPr lang="zh-CN" altLang="en-US" dirty="0"/>
+              <a:t>然后是展望，主要分三块，首先跨界服务相关数据集有限，后期可以考虑扩展；</a:t>
+            </a:r>
+            <a:endParaRPr lang="zh-CN" altLang="en-US" dirty="0"/>
+          </a:p>
+          <a:p>
+            <a:pPr eaLnBrk="1" hangingPunct="1">
+              <a:spcBef>
+                <a:spcPct val="0"/>
+              </a:spcBef>
+            </a:pPr>
+            <a:r>
+              <a:rPr lang="zh-CN" altLang="en-US" dirty="0"/>
+              <a:t>引入</a:t>
+            </a:r>
+            <a:r>
+              <a:rPr lang="en-US" altLang="zh-CN" dirty="0"/>
+              <a:t>bert</a:t>
             </a:r>
             <a:r>
               <a:rPr lang="zh-CN" altLang="en-US" dirty="0"/>
-              <a:t>到此结束，恳请各位专家批评指正</a:t>
+              <a:t>以后会带来模型参数过多的问题，可以考虑较轻量级的模型；</a:t>
+            </a:r>
+            <a:endParaRPr lang="zh-CN" altLang="en-US" dirty="0"/>
+          </a:p>
+          <a:p>
+            <a:pPr eaLnBrk="1" hangingPunct="1">
+              <a:spcBef>
+                <a:spcPct val="0"/>
+              </a:spcBef>
+            </a:pPr>
+            <a:r>
+              <a:rPr lang="zh-CN" altLang="en-US" dirty="0"/>
+              <a:t>近年来图神经网络在文本分类领域取得了不错的成绩，后续可以考虑采用此方案</a:t>
             </a:r>
             <a:endParaRPr lang="zh-CN" altLang="en-US" dirty="0"/>
           </a:p>
@@ -2755,23 +2802,154 @@
       </p:sp>
       <p:sp>
         <p:nvSpPr>
-          <p:cNvPr id="4" name="灯片编号占位符 3"/>
+          <p:cNvPr id="4100" name="灯片编号占位符 3"/>
           <p:cNvSpPr>
             <a:spLocks noGrp="1"/>
           </p:cNvSpPr>
           <p:nvPr>
-            <p:ph type="sldNum" sz="quarter" idx="10"/>
+            <p:ph type="sldNum" sz="quarter" idx="5"/>
           </p:nvPr>
         </p:nvSpPr>
-        <p:spPr/>
+        <p:spPr bwMode="auto">
+          <a:noFill/>
+          <a:extLst>
+            <a:ext uri="{909E8E84-426E-40DD-AFC4-6F175D3DCCD1}">
+              <a14:hiddenFill xmlns:a14="http://schemas.microsoft.com/office/drawing/2010/main">
+                <a:solidFill>
+                  <a:srgbClr val="FFFFFF"/>
+                </a:solidFill>
+              </a14:hiddenFill>
+            </a:ext>
+            <a:ext uri="{91240B29-F687-4F45-9708-019B960494DF}">
+              <a14:hiddenLine xmlns:a14="http://schemas.microsoft.com/office/drawing/2010/main" w="9525">
+                <a:solidFill>
+                  <a:srgbClr val="000000"/>
+                </a:solidFill>
+                <a:miter lim="800000"/>
+                <a:headEnd/>
+                <a:tailEnd/>
+              </a14:hiddenLine>
+            </a:ext>
+          </a:extLst>
+        </p:spPr>
         <p:txBody>
           <a:bodyPr/>
-          <a:lstStyle/>
+          <a:lstStyle>
+            <a:lvl1pPr>
+              <a:defRPr>
+                <a:solidFill>
+                  <a:schemeClr val="tx1"/>
+                </a:solidFill>
+                <a:latin typeface="Arial Narrow" panose="020B0606020202030204" pitchFamily="34" charset="0"/>
+                <a:ea typeface="宋体" panose="02010600030101010101" pitchFamily="2" charset="-122"/>
+              </a:defRPr>
+            </a:lvl1pPr>
+            <a:lvl2pPr marL="742950" indent="-285750">
+              <a:defRPr>
+                <a:solidFill>
+                  <a:schemeClr val="tx1"/>
+                </a:solidFill>
+                <a:latin typeface="Arial Narrow" panose="020B0606020202030204" pitchFamily="34" charset="0"/>
+                <a:ea typeface="宋体" panose="02010600030101010101" pitchFamily="2" charset="-122"/>
+              </a:defRPr>
+            </a:lvl2pPr>
+            <a:lvl3pPr marL="1143000" indent="-228600">
+              <a:defRPr>
+                <a:solidFill>
+                  <a:schemeClr val="tx1"/>
+                </a:solidFill>
+                <a:latin typeface="Arial Narrow" panose="020B0606020202030204" pitchFamily="34" charset="0"/>
+                <a:ea typeface="宋体" panose="02010600030101010101" pitchFamily="2" charset="-122"/>
+              </a:defRPr>
+            </a:lvl3pPr>
+            <a:lvl4pPr marL="1600200" indent="-228600">
+              <a:defRPr>
+                <a:solidFill>
+                  <a:schemeClr val="tx1"/>
+                </a:solidFill>
+                <a:latin typeface="Arial Narrow" panose="020B0606020202030204" pitchFamily="34" charset="0"/>
+                <a:ea typeface="宋体" panose="02010600030101010101" pitchFamily="2" charset="-122"/>
+              </a:defRPr>
+            </a:lvl4pPr>
+            <a:lvl5pPr marL="2057400" indent="-228600">
+              <a:defRPr>
+                <a:solidFill>
+                  <a:schemeClr val="tx1"/>
+                </a:solidFill>
+                <a:latin typeface="Arial Narrow" panose="020B0606020202030204" pitchFamily="34" charset="0"/>
+                <a:ea typeface="宋体" panose="02010600030101010101" pitchFamily="2" charset="-122"/>
+              </a:defRPr>
+            </a:lvl5pPr>
+            <a:lvl6pPr marL="2514600" indent="-228600" eaLnBrk="0" fontAlgn="base" hangingPunct="0">
+              <a:spcBef>
+                <a:spcPct val="0"/>
+              </a:spcBef>
+              <a:spcAft>
+                <a:spcPct val="0"/>
+              </a:spcAft>
+              <a:defRPr>
+                <a:solidFill>
+                  <a:schemeClr val="tx1"/>
+                </a:solidFill>
+                <a:latin typeface="Arial Narrow" panose="020B0606020202030204" pitchFamily="34" charset="0"/>
+                <a:ea typeface="宋体" panose="02010600030101010101" pitchFamily="2" charset="-122"/>
+              </a:defRPr>
+            </a:lvl6pPr>
+            <a:lvl7pPr marL="2971800" indent="-228600" eaLnBrk="0" fontAlgn="base" hangingPunct="0">
+              <a:spcBef>
+                <a:spcPct val="0"/>
+              </a:spcBef>
+              <a:spcAft>
+                <a:spcPct val="0"/>
+              </a:spcAft>
+              <a:defRPr>
+                <a:solidFill>
+                  <a:schemeClr val="tx1"/>
+                </a:solidFill>
+                <a:latin typeface="Arial Narrow" panose="020B0606020202030204" pitchFamily="34" charset="0"/>
+                <a:ea typeface="宋体" panose="02010600030101010101" pitchFamily="2" charset="-122"/>
+              </a:defRPr>
+            </a:lvl7pPr>
+            <a:lvl8pPr marL="3429000" indent="-228600" eaLnBrk="0" fontAlgn="base" hangingPunct="0">
+              <a:spcBef>
+                <a:spcPct val="0"/>
+              </a:spcBef>
+              <a:spcAft>
+                <a:spcPct val="0"/>
+              </a:spcAft>
+              <a:defRPr>
+                <a:solidFill>
+                  <a:schemeClr val="tx1"/>
+                </a:solidFill>
+                <a:latin typeface="Arial Narrow" panose="020B0606020202030204" pitchFamily="34" charset="0"/>
+                <a:ea typeface="宋体" panose="02010600030101010101" pitchFamily="2" charset="-122"/>
+              </a:defRPr>
+            </a:lvl8pPr>
+            <a:lvl9pPr marL="3886200" indent="-228600" eaLnBrk="0" fontAlgn="base" hangingPunct="0">
+              <a:spcBef>
+                <a:spcPct val="0"/>
+              </a:spcBef>
+              <a:spcAft>
+                <a:spcPct val="0"/>
+              </a:spcAft>
+              <a:defRPr>
+                <a:solidFill>
+                  <a:schemeClr val="tx1"/>
+                </a:solidFill>
+                <a:latin typeface="Arial Narrow" panose="020B0606020202030204" pitchFamily="34" charset="0"/>
+                <a:ea typeface="宋体" panose="02010600030101010101" pitchFamily="2" charset="-122"/>
+              </a:defRPr>
+            </a:lvl9pPr>
+          </a:lstStyle>
           <a:p>
-            <a:fld id="{D712715C-60D8-4442-95C1-470452B8606C}" type="slidenum">
-              <a:rPr kumimoji="1" lang="zh-CN" altLang="en-US" smtClean="0"/>
+            <a:fld id="{C9054CEC-105C-4A6A-9456-DBE647A13BE1}" type="slidenum">
+              <a:rPr lang="zh-CN" altLang="en-US" smtClean="0">
+                <a:latin typeface="Calibri" panose="020F0502020204030204" pitchFamily="34" charset="0"/>
+              </a:rPr>
             </a:fld>
-            <a:endParaRPr kumimoji="1" lang="zh-CN" altLang="en-US"/>
+            <a:endParaRPr lang="zh-CN" altLang="en-US">
+              <a:latin typeface="Calibri" panose="020F0502020204030204" pitchFamily="34" charset="0"/>
+            </a:endParaRPr>
           </a:p>
         </p:txBody>
       </p:sp>
@@ -2828,8 +3006,12 @@
           <a:lstStyle/>
           <a:p>
             <a:r>
+              <a:rPr lang="zh-CN" altLang="en-US"/>
+              <a:t>我的答辩展示</a:t>
+            </a:r>
+            <a:r>
               <a:rPr lang="zh-CN" altLang="en-US" dirty="0"/>
-              <a:t>问题的难点就是语义理解</a:t>
+              <a:t>到此结束，恳请各位专家批评指正</a:t>
             </a:r>
             <a:endParaRPr lang="zh-CN" altLang="en-US" dirty="0"/>
           </a:p>
@@ -2991,6 +3173,10 @@
           <a:bodyPr/>
           <a:lstStyle/>
           <a:p>
+            <a:r>
+              <a:rPr lang="zh-CN" altLang="en-US" dirty="0"/>
+              <a:t>问题的难点就是语义理解</a:t>
+            </a:r>
             <a:endParaRPr lang="zh-CN" altLang="en-US" dirty="0"/>
           </a:p>
         </p:txBody>
@@ -3026,6 +3212,84 @@
 </file>
 
 <file path=ppt/notesSlides/notesSlide31.xml><?xml version="1.0" encoding="utf-8"?>
+<p:notes xmlns:a="http://schemas.openxmlformats.org/drawingml/2006/main" xmlns:r="http://schemas.openxmlformats.org/officeDocument/2006/relationships" xmlns:p="http://schemas.openxmlformats.org/presentationml/2006/main">
+  <p:cSld>
+    <p:spTree>
+      <p:nvGrpSpPr>
+        <p:cNvPr id="1" name=""/>
+        <p:cNvGrpSpPr/>
+        <p:nvPr/>
+      </p:nvGrpSpPr>
+      <p:grpSpPr>
+        <a:xfrm>
+          <a:off x="0" y="0"/>
+          <a:ext cx="0" cy="0"/>
+          <a:chOff x="0" y="0"/>
+          <a:chExt cx="0" cy="0"/>
+        </a:xfrm>
+      </p:grpSpPr>
+      <p:sp>
+        <p:nvSpPr>
+          <p:cNvPr id="2" name="幻灯片图像占位符 1"/>
+          <p:cNvSpPr>
+            <a:spLocks noGrp="1" noRot="1" noChangeAspect="1"/>
+          </p:cNvSpPr>
+          <p:nvPr>
+            <p:ph type="sldImg"/>
+          </p:nvPr>
+        </p:nvSpPr>
+        <p:spPr/>
+      </p:sp>
+      <p:sp>
+        <p:nvSpPr>
+          <p:cNvPr id="3" name="备注占位符 2"/>
+          <p:cNvSpPr>
+            <a:spLocks noGrp="1"/>
+          </p:cNvSpPr>
+          <p:nvPr>
+            <p:ph type="body" idx="1"/>
+          </p:nvPr>
+        </p:nvSpPr>
+        <p:spPr/>
+        <p:txBody>
+          <a:bodyPr/>
+          <a:lstStyle/>
+          <a:p>
+            <a:endParaRPr lang="zh-CN" altLang="en-US" dirty="0"/>
+          </a:p>
+        </p:txBody>
+      </p:sp>
+      <p:sp>
+        <p:nvSpPr>
+          <p:cNvPr id="4" name="灯片编号占位符 3"/>
+          <p:cNvSpPr>
+            <a:spLocks noGrp="1"/>
+          </p:cNvSpPr>
+          <p:nvPr>
+            <p:ph type="sldNum" sz="quarter" idx="10"/>
+          </p:nvPr>
+        </p:nvSpPr>
+        <p:spPr/>
+        <p:txBody>
+          <a:bodyPr/>
+          <a:lstStyle/>
+          <a:p>
+            <a:fld id="{D712715C-60D8-4442-95C1-470452B8606C}" type="slidenum">
+              <a:rPr kumimoji="1" lang="zh-CN" altLang="en-US" smtClean="0"/>
+            </a:fld>
+            <a:endParaRPr kumimoji="1" lang="zh-CN" altLang="en-US"/>
+          </a:p>
+        </p:txBody>
+      </p:sp>
+    </p:spTree>
+  </p:cSld>
+  <p:clrMapOvr>
+    <a:masterClrMapping/>
+  </p:clrMapOvr>
+</p:notes>
+</file>
+
+<file path=ppt/notesSlides/notesSlide32.xml><?xml version="1.0" encoding="utf-8"?>
 <p:notes xmlns:a="http://schemas.openxmlformats.org/drawingml/2006/main" xmlns:r="http://schemas.openxmlformats.org/officeDocument/2006/relationships" xmlns:p="http://schemas.openxmlformats.org/presentationml/2006/main">
   <p:cSld>
     <p:spTree>
@@ -3107,7 +3371,7 @@
 </p:notes>
 </file>
 
-<file path=ppt/notesSlides/notesSlide32.xml><?xml version="1.0" encoding="utf-8"?>
+<file path=ppt/notesSlides/notesSlide33.xml><?xml version="1.0" encoding="utf-8"?>
 <p:notes xmlns:a="http://schemas.openxmlformats.org/drawingml/2006/main" xmlns:r="http://schemas.openxmlformats.org/officeDocument/2006/relationships" xmlns:p="http://schemas.openxmlformats.org/presentationml/2006/main">
   <p:cSld>
     <p:spTree>
@@ -3160,6 +3424,84 @@
         <p:spPr/>
         <p:txBody>
           <a:bodyPr/>
+          <a:p>
+            <a:fld id="{D712715C-60D8-4442-95C1-470452B8606C}" type="slidenum">
+              <a:rPr kumimoji="1" lang="zh-CN" altLang="en-US" smtClean="0"/>
+            </a:fld>
+            <a:endParaRPr kumimoji="1" lang="zh-CN" altLang="en-US"/>
+          </a:p>
+        </p:txBody>
+      </p:sp>
+    </p:spTree>
+  </p:cSld>
+  <p:clrMapOvr>
+    <a:masterClrMapping/>
+  </p:clrMapOvr>
+</p:notes>
+</file>
+
+<file path=ppt/notesSlides/notesSlide34.xml><?xml version="1.0" encoding="utf-8"?>
+<p:notes xmlns:a="http://schemas.openxmlformats.org/drawingml/2006/main" xmlns:r="http://schemas.openxmlformats.org/officeDocument/2006/relationships" xmlns:p="http://schemas.openxmlformats.org/presentationml/2006/main">
+  <p:cSld>
+    <p:spTree>
+      <p:nvGrpSpPr>
+        <p:cNvPr id="1" name=""/>
+        <p:cNvGrpSpPr/>
+        <p:nvPr/>
+      </p:nvGrpSpPr>
+      <p:grpSpPr>
+        <a:xfrm>
+          <a:off x="0" y="0"/>
+          <a:ext cx="0" cy="0"/>
+          <a:chOff x="0" y="0"/>
+          <a:chExt cx="0" cy="0"/>
+        </a:xfrm>
+      </p:grpSpPr>
+      <p:sp>
+        <p:nvSpPr>
+          <p:cNvPr id="2" name="幻灯片图像占位符 1"/>
+          <p:cNvSpPr>
+            <a:spLocks noGrp="1" noRot="1" noChangeAspect="1"/>
+          </p:cNvSpPr>
+          <p:nvPr>
+            <p:ph type="sldImg"/>
+          </p:nvPr>
+        </p:nvSpPr>
+        <p:spPr/>
+      </p:sp>
+      <p:sp>
+        <p:nvSpPr>
+          <p:cNvPr id="3" name="备注占位符 2"/>
+          <p:cNvSpPr>
+            <a:spLocks noGrp="1"/>
+          </p:cNvSpPr>
+          <p:nvPr>
+            <p:ph type="body" idx="1"/>
+          </p:nvPr>
+        </p:nvSpPr>
+        <p:spPr/>
+        <p:txBody>
+          <a:bodyPr/>
+          <a:lstStyle/>
+          <a:p>
+            <a:endParaRPr lang="zh-CN" altLang="en-US" dirty="0"/>
+          </a:p>
+        </p:txBody>
+      </p:sp>
+      <p:sp>
+        <p:nvSpPr>
+          <p:cNvPr id="4" name="灯片编号占位符 3"/>
+          <p:cNvSpPr>
+            <a:spLocks noGrp="1"/>
+          </p:cNvSpPr>
+          <p:nvPr>
+            <p:ph type="sldNum" sz="quarter" idx="10"/>
+          </p:nvPr>
+        </p:nvSpPr>
+        <p:spPr/>
+        <p:txBody>
+          <a:bodyPr/>
+          <a:lstStyle/>
           <a:p>
             <a:fld id="{D712715C-60D8-4442-95C1-470452B8606C}" type="slidenum">
               <a:rPr kumimoji="1" lang="zh-CN" altLang="en-US" smtClean="0"/>
@@ -19533,7 +19875,7 @@
         </p:nvSpPr>
         <p:spPr>
           <a:xfrm>
-            <a:off x="5951855" y="1407795"/>
+            <a:off x="5931535" y="1833880"/>
             <a:ext cx="2589530" cy="2327910"/>
           </a:xfrm>
           <a:prstGeom prst="rect">
@@ -19557,6 +19899,46 @@
                 <a:ea typeface="微软雅黑" panose="020B0503020204020204" pitchFamily="34" charset="-122"/>
               </a:rPr>
               <a:t>筛选了跨界服务网络系统中用户使用较多的几类服务的语料信息，包括“航班 flight”，“音乐 music”，“天气 weather”，“火车 train”，“地图map”，“股票stock”，“医疗 medical”，“新闻 news”共八大类服务</a:t>
+            </a:r>
+            <a:endParaRPr lang="zh-CN" altLang="en-US" sz="1400" dirty="0" smtClean="0">
+              <a:latin typeface="Arial" panose="020B0604020202020204" pitchFamily="34" charset="0"/>
+              <a:ea typeface="微软雅黑" panose="020B0503020204020204" pitchFamily="34" charset="-122"/>
+            </a:endParaRPr>
+          </a:p>
+        </p:txBody>
+      </p:sp>
+      <p:sp>
+        <p:nvSpPr>
+          <p:cNvPr id="4" name="文本框 3"/>
+          <p:cNvSpPr txBox="1"/>
+          <p:nvPr/>
+        </p:nvSpPr>
+        <p:spPr>
+          <a:xfrm>
+            <a:off x="6365240" y="1094740"/>
+            <a:ext cx="1448435" cy="370840"/>
+          </a:xfrm>
+          <a:prstGeom prst="rect">
+            <a:avLst/>
+          </a:prstGeom>
+          <a:noFill/>
+        </p:spPr>
+        <p:txBody>
+          <a:bodyPr wrap="none" rtlCol="0">
+            <a:spAutoFit/>
+          </a:bodyPr>
+          <a:p>
+            <a:pPr algn="l">
+              <a:lnSpc>
+                <a:spcPct val="130000"/>
+              </a:lnSpc>
+            </a:pPr>
+            <a:r>
+              <a:rPr lang="zh-CN" altLang="en-US" sz="1400" dirty="0" smtClean="0">
+                <a:latin typeface="Arial" panose="020B0604020202020204" pitchFamily="34" charset="0"/>
+                <a:ea typeface="微软雅黑" panose="020B0503020204020204" pitchFamily="34" charset="-122"/>
+              </a:rPr>
+              <a:t>SMP2019ECDT</a:t>
             </a:r>
             <a:endParaRPr lang="zh-CN" altLang="en-US" sz="1400" dirty="0" smtClean="0">
               <a:latin typeface="Arial" panose="020B0604020202020204" pitchFamily="34" charset="0"/>
@@ -20040,14 +20422,74 @@
         </p:blipFill>
         <p:spPr>
           <a:xfrm>
-            <a:off x="1666240" y="775970"/>
-            <a:ext cx="6002020" cy="4029075"/>
+            <a:off x="476250" y="753745"/>
+            <a:ext cx="6221730" cy="4176395"/>
           </a:xfrm>
           <a:prstGeom prst="rect">
             <a:avLst/>
           </a:prstGeom>
         </p:spPr>
       </p:pic>
+      <p:sp>
+        <p:nvSpPr>
+          <p:cNvPr id="4" name="文本框 3"/>
+          <p:cNvSpPr txBox="1"/>
+          <p:nvPr/>
+        </p:nvSpPr>
+        <p:spPr>
+          <a:xfrm>
+            <a:off x="6877050" y="2246630"/>
+            <a:ext cx="2090420" cy="650240"/>
+          </a:xfrm>
+          <a:prstGeom prst="rect">
+            <a:avLst/>
+          </a:prstGeom>
+          <a:noFill/>
+        </p:spPr>
+        <p:txBody>
+          <a:bodyPr wrap="none" rtlCol="0">
+            <a:spAutoFit/>
+          </a:bodyPr>
+          <a:p>
+            <a:pPr algn="l">
+              <a:lnSpc>
+                <a:spcPct val="130000"/>
+              </a:lnSpc>
+            </a:pPr>
+            <a:r>
+              <a:rPr lang="zh-CN" altLang="en-US" b="1" dirty="0">
+                <a:sym typeface="+mn-ea"/>
+              </a:rPr>
+              <a:t>bert-co-interactive模型</a:t>
+            </a:r>
+            <a:endParaRPr lang="zh-CN" altLang="en-US" b="1" dirty="0">
+              <a:sym typeface="+mn-ea"/>
+            </a:endParaRPr>
+          </a:p>
+          <a:p>
+            <a:pPr algn="l">
+              <a:lnSpc>
+                <a:spcPct val="130000"/>
+              </a:lnSpc>
+            </a:pPr>
+            <a:r>
+              <a:rPr lang="zh-CN" altLang="en-US" b="1" dirty="0">
+                <a:sym typeface="+mn-ea"/>
+              </a:rPr>
+              <a:t>收敛更快，性能更</a:t>
+            </a:r>
+            <a:r>
+              <a:rPr lang="zh-CN" altLang="en-US" b="1" dirty="0">
+                <a:sym typeface="+mn-ea"/>
+              </a:rPr>
+              <a:t>优</a:t>
+            </a:r>
+            <a:endParaRPr lang="zh-CN" altLang="en-US" b="1" dirty="0">
+              <a:sym typeface="+mn-ea"/>
+            </a:endParaRPr>
+          </a:p>
+        </p:txBody>
+      </p:sp>
     </p:spTree>
   </p:cSld>
   <p:clrMapOvr>
@@ -20060,7 +20502,7 @@
 </file>
 
 <file path=ppt/slides/slide23.xml><?xml version="1.0" encoding="utf-8"?>
-<p:sld xmlns:a="http://schemas.openxmlformats.org/drawingml/2006/main" xmlns:r="http://schemas.openxmlformats.org/officeDocument/2006/relationships" xmlns:p="http://schemas.openxmlformats.org/presentationml/2006/main" show="0">
+<p:sld xmlns:a="http://schemas.openxmlformats.org/drawingml/2006/main" xmlns:r="http://schemas.openxmlformats.org/officeDocument/2006/relationships" xmlns:p="http://schemas.openxmlformats.org/presentationml/2006/main">
   <p:cSld>
     <p:bg>
       <p:bgPr>
@@ -20086,510 +20528,6 @@
       </p:grpSpPr>
       <p:sp>
         <p:nvSpPr>
-          <p:cNvPr id="35" name="箭头3"/>
-          <p:cNvSpPr/>
-          <p:nvPr/>
-        </p:nvSpPr>
-        <p:spPr bwMode="gray">
-          <a:xfrm flipV="1">
-            <a:off x="1501073" y="4186069"/>
-            <a:ext cx="918416" cy="487438"/>
-          </a:xfrm>
-          <a:custGeom>
-            <a:avLst/>
-            <a:gdLst>
-              <a:gd name="T0" fmla="*/ 118 w 933"/>
-              <a:gd name="T1" fmla="*/ 1044 h 1182"/>
-              <a:gd name="T2" fmla="*/ 128 w 933"/>
-              <a:gd name="T3" fmla="*/ 340 h 1182"/>
-              <a:gd name="T4" fmla="*/ 264 w 933"/>
-              <a:gd name="T5" fmla="*/ 210 h 1182"/>
-              <a:gd name="T6" fmla="*/ 720 w 933"/>
-              <a:gd name="T7" fmla="*/ 202 h 1182"/>
-              <a:gd name="T8" fmla="*/ 720 w 933"/>
-              <a:gd name="T9" fmla="*/ 320 h 1182"/>
-              <a:gd name="T10" fmla="*/ 933 w 933"/>
-              <a:gd name="T11" fmla="*/ 153 h 1182"/>
-              <a:gd name="T12" fmla="*/ 712 w 933"/>
-              <a:gd name="T13" fmla="*/ 0 h 1182"/>
-              <a:gd name="T14" fmla="*/ 714 w 933"/>
-              <a:gd name="T15" fmla="*/ 92 h 1182"/>
-              <a:gd name="T16" fmla="*/ 234 w 933"/>
-              <a:gd name="T17" fmla="*/ 94 h 1182"/>
-              <a:gd name="T18" fmla="*/ 0 w 933"/>
-              <a:gd name="T19" fmla="*/ 298 h 1182"/>
-              <a:gd name="T20" fmla="*/ 0 w 933"/>
-              <a:gd name="T21" fmla="*/ 1058 h 1182"/>
-              <a:gd name="T22" fmla="*/ 118 w 933"/>
-              <a:gd name="T23" fmla="*/ 1044 h 1182"/>
-            </a:gdLst>
-            <a:ahLst/>
-            <a:cxnLst>
-              <a:cxn ang="0">
-                <a:pos x="T0" y="T1"/>
-              </a:cxn>
-              <a:cxn ang="0">
-                <a:pos x="T2" y="T3"/>
-              </a:cxn>
-              <a:cxn ang="0">
-                <a:pos x="T4" y="T5"/>
-              </a:cxn>
-              <a:cxn ang="0">
-                <a:pos x="T6" y="T7"/>
-              </a:cxn>
-              <a:cxn ang="0">
-                <a:pos x="T8" y="T9"/>
-              </a:cxn>
-              <a:cxn ang="0">
-                <a:pos x="T10" y="T11"/>
-              </a:cxn>
-              <a:cxn ang="0">
-                <a:pos x="T12" y="T13"/>
-              </a:cxn>
-              <a:cxn ang="0">
-                <a:pos x="T14" y="T15"/>
-              </a:cxn>
-              <a:cxn ang="0">
-                <a:pos x="T16" y="T17"/>
-              </a:cxn>
-              <a:cxn ang="0">
-                <a:pos x="T18" y="T19"/>
-              </a:cxn>
-              <a:cxn ang="0">
-                <a:pos x="T20" y="T21"/>
-              </a:cxn>
-              <a:cxn ang="0">
-                <a:pos x="T22" y="T23"/>
-              </a:cxn>
-            </a:cxnLst>
-            <a:rect l="0" t="0" r="r" b="b"/>
-            <a:pathLst>
-              <a:path w="933" h="1182">
-                <a:moveTo>
-                  <a:pt x="118" y="1044"/>
-                </a:moveTo>
-                <a:lnTo>
-                  <a:pt x="128" y="340"/>
-                </a:lnTo>
-                <a:cubicBezTo>
-                  <a:pt x="134" y="214"/>
-                  <a:pt x="182" y="212"/>
-                  <a:pt x="264" y="210"/>
-                </a:cubicBezTo>
-                <a:lnTo>
-                  <a:pt x="720" y="202"/>
-                </a:lnTo>
-                <a:lnTo>
-                  <a:pt x="720" y="320"/>
-                </a:lnTo>
-                <a:lnTo>
-                  <a:pt x="933" y="153"/>
-                </a:lnTo>
-                <a:lnTo>
-                  <a:pt x="712" y="0"/>
-                </a:lnTo>
-                <a:lnTo>
-                  <a:pt x="714" y="92"/>
-                </a:lnTo>
-                <a:cubicBezTo>
-                  <a:pt x="714" y="92"/>
-                  <a:pt x="406" y="94"/>
-                  <a:pt x="234" y="94"/>
-                </a:cubicBezTo>
-                <a:cubicBezTo>
-                  <a:pt x="60" y="96"/>
-                  <a:pt x="2" y="156"/>
-                  <a:pt x="0" y="298"/>
-                </a:cubicBezTo>
-                <a:lnTo>
-                  <a:pt x="0" y="1058"/>
-                </a:lnTo>
-                <a:cubicBezTo>
-                  <a:pt x="20" y="1182"/>
-                  <a:pt x="93" y="1170"/>
-                  <a:pt x="118" y="1044"/>
-                </a:cubicBezTo>
-                <a:close/>
-              </a:path>
-            </a:pathLst>
-          </a:custGeom>
-          <a:solidFill>
-            <a:schemeClr val="bg1">
-              <a:lumMod val="65000"/>
-            </a:schemeClr>
-          </a:solidFill>
-          <a:ln>
-            <a:noFill/>
-          </a:ln>
-          <a:effectLst/>
-        </p:spPr>
-        <p:txBody>
-          <a:bodyPr wrap="none" lIns="62118" tIns="31058" rIns="62118" bIns="31058" anchor="ctr">
-            <a:noAutofit/>
-          </a:bodyPr>
-          <a:lstStyle>
-            <a:defPPr>
-              <a:defRPr lang="zh-CN"/>
-            </a:defPPr>
-            <a:lvl1pPr marL="0" algn="l" defTabSz="914400" rtl="0" eaLnBrk="1" latinLnBrk="0" hangingPunct="1">
-              <a:defRPr sz="1800" kern="1200">
-                <a:solidFill>
-                  <a:schemeClr val="tx1"/>
-                </a:solidFill>
-                <a:latin typeface="+mn-lt"/>
-                <a:ea typeface="+mn-ea"/>
-                <a:cs typeface="+mn-cs"/>
-              </a:defRPr>
-            </a:lvl1pPr>
-            <a:lvl2pPr marL="457200" algn="l" defTabSz="914400" rtl="0" eaLnBrk="1" latinLnBrk="0" hangingPunct="1">
-              <a:defRPr sz="1800" kern="1200">
-                <a:solidFill>
-                  <a:schemeClr val="tx1"/>
-                </a:solidFill>
-                <a:latin typeface="+mn-lt"/>
-                <a:ea typeface="+mn-ea"/>
-                <a:cs typeface="+mn-cs"/>
-              </a:defRPr>
-            </a:lvl2pPr>
-            <a:lvl3pPr marL="914400" algn="l" defTabSz="914400" rtl="0" eaLnBrk="1" latinLnBrk="0" hangingPunct="1">
-              <a:defRPr sz="1800" kern="1200">
-                <a:solidFill>
-                  <a:schemeClr val="tx1"/>
-                </a:solidFill>
-                <a:latin typeface="+mn-lt"/>
-                <a:ea typeface="+mn-ea"/>
-                <a:cs typeface="+mn-cs"/>
-              </a:defRPr>
-            </a:lvl3pPr>
-            <a:lvl4pPr marL="1371600" algn="l" defTabSz="914400" rtl="0" eaLnBrk="1" latinLnBrk="0" hangingPunct="1">
-              <a:defRPr sz="1800" kern="1200">
-                <a:solidFill>
-                  <a:schemeClr val="tx1"/>
-                </a:solidFill>
-                <a:latin typeface="+mn-lt"/>
-                <a:ea typeface="+mn-ea"/>
-                <a:cs typeface="+mn-cs"/>
-              </a:defRPr>
-            </a:lvl4pPr>
-            <a:lvl5pPr marL="1828800" algn="l" defTabSz="914400" rtl="0" eaLnBrk="1" latinLnBrk="0" hangingPunct="1">
-              <a:defRPr sz="1800" kern="1200">
-                <a:solidFill>
-                  <a:schemeClr val="tx1"/>
-                </a:solidFill>
-                <a:latin typeface="+mn-lt"/>
-                <a:ea typeface="+mn-ea"/>
-                <a:cs typeface="+mn-cs"/>
-              </a:defRPr>
-            </a:lvl5pPr>
-            <a:lvl6pPr marL="2286000" algn="l" defTabSz="914400" rtl="0" eaLnBrk="1" latinLnBrk="0" hangingPunct="1">
-              <a:defRPr sz="1800" kern="1200">
-                <a:solidFill>
-                  <a:schemeClr val="tx1"/>
-                </a:solidFill>
-                <a:latin typeface="+mn-lt"/>
-                <a:ea typeface="+mn-ea"/>
-                <a:cs typeface="+mn-cs"/>
-              </a:defRPr>
-            </a:lvl6pPr>
-            <a:lvl7pPr marL="2743200" algn="l" defTabSz="914400" rtl="0" eaLnBrk="1" latinLnBrk="0" hangingPunct="1">
-              <a:defRPr sz="1800" kern="1200">
-                <a:solidFill>
-                  <a:schemeClr val="tx1"/>
-                </a:solidFill>
-                <a:latin typeface="+mn-lt"/>
-                <a:ea typeface="+mn-ea"/>
-                <a:cs typeface="+mn-cs"/>
-              </a:defRPr>
-            </a:lvl7pPr>
-            <a:lvl8pPr marL="3200400" algn="l" defTabSz="914400" rtl="0" eaLnBrk="1" latinLnBrk="0" hangingPunct="1">
-              <a:defRPr sz="1800" kern="1200">
-                <a:solidFill>
-                  <a:schemeClr val="tx1"/>
-                </a:solidFill>
-                <a:latin typeface="+mn-lt"/>
-                <a:ea typeface="+mn-ea"/>
-                <a:cs typeface="+mn-cs"/>
-              </a:defRPr>
-            </a:lvl8pPr>
-            <a:lvl9pPr marL="3657600" algn="l" defTabSz="914400" rtl="0" eaLnBrk="1" latinLnBrk="0" hangingPunct="1">
-              <a:defRPr sz="1800" kern="1200">
-                <a:solidFill>
-                  <a:schemeClr val="tx1"/>
-                </a:solidFill>
-                <a:latin typeface="+mn-lt"/>
-                <a:ea typeface="+mn-ea"/>
-                <a:cs typeface="+mn-cs"/>
-              </a:defRPr>
-            </a:lvl9pPr>
-          </a:lstStyle>
-          <a:p>
-            <a:pPr>
-              <a:defRPr/>
-            </a:pPr>
-            <a:endParaRPr lang="zh-CN" altLang="en-US" sz="900">
-              <a:solidFill>
-                <a:sysClr val="windowText" lastClr="000000"/>
-              </a:solidFill>
-              <a:latin typeface="Calibri" panose="020F0502020204030204"/>
-              <a:ea typeface="宋体" panose="02010600030101010101" pitchFamily="2" charset="-122"/>
-            </a:endParaRPr>
-          </a:p>
-        </p:txBody>
-      </p:sp>
-      <p:sp>
-        <p:nvSpPr>
-          <p:cNvPr id="34" name="箭头1"/>
-          <p:cNvSpPr/>
-          <p:nvPr/>
-        </p:nvSpPr>
-        <p:spPr bwMode="gray">
-          <a:xfrm>
-            <a:off x="1402422" y="3610148"/>
-            <a:ext cx="1017067" cy="487439"/>
-          </a:xfrm>
-          <a:custGeom>
-            <a:avLst/>
-            <a:gdLst>
-              <a:gd name="T0" fmla="*/ 118 w 933"/>
-              <a:gd name="T1" fmla="*/ 1044 h 1182"/>
-              <a:gd name="T2" fmla="*/ 128 w 933"/>
-              <a:gd name="T3" fmla="*/ 340 h 1182"/>
-              <a:gd name="T4" fmla="*/ 264 w 933"/>
-              <a:gd name="T5" fmla="*/ 210 h 1182"/>
-              <a:gd name="T6" fmla="*/ 720 w 933"/>
-              <a:gd name="T7" fmla="*/ 202 h 1182"/>
-              <a:gd name="T8" fmla="*/ 720 w 933"/>
-              <a:gd name="T9" fmla="*/ 320 h 1182"/>
-              <a:gd name="T10" fmla="*/ 933 w 933"/>
-              <a:gd name="T11" fmla="*/ 153 h 1182"/>
-              <a:gd name="T12" fmla="*/ 712 w 933"/>
-              <a:gd name="T13" fmla="*/ 0 h 1182"/>
-              <a:gd name="T14" fmla="*/ 714 w 933"/>
-              <a:gd name="T15" fmla="*/ 92 h 1182"/>
-              <a:gd name="T16" fmla="*/ 234 w 933"/>
-              <a:gd name="T17" fmla="*/ 94 h 1182"/>
-              <a:gd name="T18" fmla="*/ 0 w 933"/>
-              <a:gd name="T19" fmla="*/ 298 h 1182"/>
-              <a:gd name="T20" fmla="*/ 0 w 933"/>
-              <a:gd name="T21" fmla="*/ 1058 h 1182"/>
-              <a:gd name="T22" fmla="*/ 118 w 933"/>
-              <a:gd name="T23" fmla="*/ 1044 h 1182"/>
-            </a:gdLst>
-            <a:ahLst/>
-            <a:cxnLst>
-              <a:cxn ang="0">
-                <a:pos x="T0" y="T1"/>
-              </a:cxn>
-              <a:cxn ang="0">
-                <a:pos x="T2" y="T3"/>
-              </a:cxn>
-              <a:cxn ang="0">
-                <a:pos x="T4" y="T5"/>
-              </a:cxn>
-              <a:cxn ang="0">
-                <a:pos x="T6" y="T7"/>
-              </a:cxn>
-              <a:cxn ang="0">
-                <a:pos x="T8" y="T9"/>
-              </a:cxn>
-              <a:cxn ang="0">
-                <a:pos x="T10" y="T11"/>
-              </a:cxn>
-              <a:cxn ang="0">
-                <a:pos x="T12" y="T13"/>
-              </a:cxn>
-              <a:cxn ang="0">
-                <a:pos x="T14" y="T15"/>
-              </a:cxn>
-              <a:cxn ang="0">
-                <a:pos x="T16" y="T17"/>
-              </a:cxn>
-              <a:cxn ang="0">
-                <a:pos x="T18" y="T19"/>
-              </a:cxn>
-              <a:cxn ang="0">
-                <a:pos x="T20" y="T21"/>
-              </a:cxn>
-              <a:cxn ang="0">
-                <a:pos x="T22" y="T23"/>
-              </a:cxn>
-            </a:cxnLst>
-            <a:rect l="0" t="0" r="r" b="b"/>
-            <a:pathLst>
-              <a:path w="933" h="1182">
-                <a:moveTo>
-                  <a:pt x="118" y="1044"/>
-                </a:moveTo>
-                <a:lnTo>
-                  <a:pt x="128" y="340"/>
-                </a:lnTo>
-                <a:cubicBezTo>
-                  <a:pt x="134" y="214"/>
-                  <a:pt x="182" y="212"/>
-                  <a:pt x="264" y="210"/>
-                </a:cubicBezTo>
-                <a:lnTo>
-                  <a:pt x="720" y="202"/>
-                </a:lnTo>
-                <a:lnTo>
-                  <a:pt x="720" y="320"/>
-                </a:lnTo>
-                <a:lnTo>
-                  <a:pt x="933" y="153"/>
-                </a:lnTo>
-                <a:lnTo>
-                  <a:pt x="712" y="0"/>
-                </a:lnTo>
-                <a:lnTo>
-                  <a:pt x="714" y="92"/>
-                </a:lnTo>
-                <a:cubicBezTo>
-                  <a:pt x="714" y="92"/>
-                  <a:pt x="406" y="94"/>
-                  <a:pt x="234" y="94"/>
-                </a:cubicBezTo>
-                <a:cubicBezTo>
-                  <a:pt x="60" y="96"/>
-                  <a:pt x="2" y="156"/>
-                  <a:pt x="0" y="298"/>
-                </a:cubicBezTo>
-                <a:lnTo>
-                  <a:pt x="0" y="1058"/>
-                </a:lnTo>
-                <a:cubicBezTo>
-                  <a:pt x="20" y="1182"/>
-                  <a:pt x="93" y="1170"/>
-                  <a:pt x="118" y="1044"/>
-                </a:cubicBezTo>
-                <a:close/>
-              </a:path>
-            </a:pathLst>
-          </a:custGeom>
-          <a:solidFill>
-            <a:schemeClr val="bg1">
-              <a:lumMod val="65000"/>
-            </a:schemeClr>
-          </a:solidFill>
-          <a:ln>
-            <a:noFill/>
-          </a:ln>
-          <a:effectLst/>
-        </p:spPr>
-        <p:txBody>
-          <a:bodyPr wrap="none" lIns="62118" tIns="31058" rIns="62118" bIns="31058" anchor="ctr">
-            <a:noAutofit/>
-          </a:bodyPr>
-          <a:lstStyle>
-            <a:defPPr>
-              <a:defRPr lang="zh-CN"/>
-            </a:defPPr>
-            <a:lvl1pPr marL="0" algn="l" defTabSz="914400" rtl="0" eaLnBrk="1" latinLnBrk="0" hangingPunct="1">
-              <a:defRPr sz="1800" kern="1200">
-                <a:solidFill>
-                  <a:schemeClr val="tx1"/>
-                </a:solidFill>
-                <a:latin typeface="+mn-lt"/>
-                <a:ea typeface="+mn-ea"/>
-                <a:cs typeface="+mn-cs"/>
-              </a:defRPr>
-            </a:lvl1pPr>
-            <a:lvl2pPr marL="457200" algn="l" defTabSz="914400" rtl="0" eaLnBrk="1" latinLnBrk="0" hangingPunct="1">
-              <a:defRPr sz="1800" kern="1200">
-                <a:solidFill>
-                  <a:schemeClr val="tx1"/>
-                </a:solidFill>
-                <a:latin typeface="+mn-lt"/>
-                <a:ea typeface="+mn-ea"/>
-                <a:cs typeface="+mn-cs"/>
-              </a:defRPr>
-            </a:lvl2pPr>
-            <a:lvl3pPr marL="914400" algn="l" defTabSz="914400" rtl="0" eaLnBrk="1" latinLnBrk="0" hangingPunct="1">
-              <a:defRPr sz="1800" kern="1200">
-                <a:solidFill>
-                  <a:schemeClr val="tx1"/>
-                </a:solidFill>
-                <a:latin typeface="+mn-lt"/>
-                <a:ea typeface="+mn-ea"/>
-                <a:cs typeface="+mn-cs"/>
-              </a:defRPr>
-            </a:lvl3pPr>
-            <a:lvl4pPr marL="1371600" algn="l" defTabSz="914400" rtl="0" eaLnBrk="1" latinLnBrk="0" hangingPunct="1">
-              <a:defRPr sz="1800" kern="1200">
-                <a:solidFill>
-                  <a:schemeClr val="tx1"/>
-                </a:solidFill>
-                <a:latin typeface="+mn-lt"/>
-                <a:ea typeface="+mn-ea"/>
-                <a:cs typeface="+mn-cs"/>
-              </a:defRPr>
-            </a:lvl4pPr>
-            <a:lvl5pPr marL="1828800" algn="l" defTabSz="914400" rtl="0" eaLnBrk="1" latinLnBrk="0" hangingPunct="1">
-              <a:defRPr sz="1800" kern="1200">
-                <a:solidFill>
-                  <a:schemeClr val="tx1"/>
-                </a:solidFill>
-                <a:latin typeface="+mn-lt"/>
-                <a:ea typeface="+mn-ea"/>
-                <a:cs typeface="+mn-cs"/>
-              </a:defRPr>
-            </a:lvl5pPr>
-            <a:lvl6pPr marL="2286000" algn="l" defTabSz="914400" rtl="0" eaLnBrk="1" latinLnBrk="0" hangingPunct="1">
-              <a:defRPr sz="1800" kern="1200">
-                <a:solidFill>
-                  <a:schemeClr val="tx1"/>
-                </a:solidFill>
-                <a:latin typeface="+mn-lt"/>
-                <a:ea typeface="+mn-ea"/>
-                <a:cs typeface="+mn-cs"/>
-              </a:defRPr>
-            </a:lvl6pPr>
-            <a:lvl7pPr marL="2743200" algn="l" defTabSz="914400" rtl="0" eaLnBrk="1" latinLnBrk="0" hangingPunct="1">
-              <a:defRPr sz="1800" kern="1200">
-                <a:solidFill>
-                  <a:schemeClr val="tx1"/>
-                </a:solidFill>
-                <a:latin typeface="+mn-lt"/>
-                <a:ea typeface="+mn-ea"/>
-                <a:cs typeface="+mn-cs"/>
-              </a:defRPr>
-            </a:lvl7pPr>
-            <a:lvl8pPr marL="3200400" algn="l" defTabSz="914400" rtl="0" eaLnBrk="1" latinLnBrk="0" hangingPunct="1">
-              <a:defRPr sz="1800" kern="1200">
-                <a:solidFill>
-                  <a:schemeClr val="tx1"/>
-                </a:solidFill>
-                <a:latin typeface="+mn-lt"/>
-                <a:ea typeface="+mn-ea"/>
-                <a:cs typeface="+mn-cs"/>
-              </a:defRPr>
-            </a:lvl8pPr>
-            <a:lvl9pPr marL="3657600" algn="l" defTabSz="914400" rtl="0" eaLnBrk="1" latinLnBrk="0" hangingPunct="1">
-              <a:defRPr sz="1800" kern="1200">
-                <a:solidFill>
-                  <a:schemeClr val="tx1"/>
-                </a:solidFill>
-                <a:latin typeface="+mn-lt"/>
-                <a:ea typeface="+mn-ea"/>
-                <a:cs typeface="+mn-cs"/>
-              </a:defRPr>
-            </a:lvl9pPr>
-          </a:lstStyle>
-          <a:p>
-            <a:pPr>
-              <a:defRPr/>
-            </a:pPr>
-            <a:endParaRPr lang="zh-CN" altLang="en-US" sz="900">
-              <a:solidFill>
-                <a:sysClr val="windowText" lastClr="000000"/>
-              </a:solidFill>
-              <a:latin typeface="Calibri" panose="020F0502020204030204"/>
-              <a:ea typeface="宋体" panose="02010600030101010101" pitchFamily="2" charset="-122"/>
-            </a:endParaRPr>
-          </a:p>
-        </p:txBody>
-      </p:sp>
-      <p:sp>
-        <p:nvSpPr>
           <p:cNvPr id="82" name="矩形 81"/>
           <p:cNvSpPr>
             <a:spLocks noChangeArrowheads="1"/>
@@ -20599,7 +20537,7 @@
         <p:spPr bwMode="auto">
           <a:xfrm>
             <a:off x="476188" y="177842"/>
-            <a:ext cx="2425660" cy="461663"/>
+            <a:ext cx="3771900" cy="459105"/>
           </a:xfrm>
           <a:prstGeom prst="rect">
             <a:avLst/>
@@ -20788,7 +20726,7 @@
             <a:r>
               <a:rPr lang="zh-CN" altLang="en-US" sz="2400" b="1" dirty="0">
                 <a:solidFill>
-                  <a:schemeClr val="accent1"/>
+                  <a:schemeClr val="tx1"/>
                 </a:solidFill>
                 <a:latin typeface="Arial" panose="020B0604020202020204" pitchFamily="34" charset="0"/>
               </a:rPr>
@@ -20797,7 +20735,7 @@
             <a:r>
               <a:rPr lang="en-US" altLang="zh-CN" sz="2400" b="1" dirty="0">
                 <a:solidFill>
-                  <a:schemeClr val="accent1"/>
+                  <a:schemeClr val="tx1"/>
                 </a:solidFill>
                 <a:latin typeface="Arial" panose="020B0604020202020204" pitchFamily="34" charset="0"/>
               </a:rPr>
@@ -20806,15 +20744,24 @@
             <a:r>
               <a:rPr lang="zh-CN" altLang="en-US" sz="1800" b="1" dirty="0">
                 <a:solidFill>
-                  <a:schemeClr val="accent1"/>
+                  <a:schemeClr val="tx1"/>
                 </a:solidFill>
                 <a:latin typeface="Arial" panose="020B0604020202020204" pitchFamily="34" charset="0"/>
               </a:rPr>
-              <a:t>实验设定</a:t>
+              <a:t>在测试</a:t>
             </a:r>
-            <a:endParaRPr lang="zh-CN" altLang="en-US" sz="2400" b="1" dirty="0">
+            <a:r>
+              <a:rPr lang="zh-CN" altLang="en-US" sz="1800" b="1" dirty="0">
+                <a:solidFill>
+                  <a:schemeClr val="tx1"/>
+                </a:solidFill>
+                <a:latin typeface="Arial" panose="020B0604020202020204" pitchFamily="34" charset="0"/>
+              </a:rPr>
+              <a:t>集上算法的性能</a:t>
+            </a:r>
+            <a:endParaRPr lang="zh-CN" altLang="en-US" sz="1800" b="1" dirty="0">
               <a:solidFill>
-                <a:schemeClr val="accent1"/>
+                <a:schemeClr val="tx1"/>
               </a:solidFill>
               <a:latin typeface="Arial" panose="020B0604020202020204" pitchFamily="34" charset="0"/>
             </a:endParaRPr>
@@ -20831,7 +20778,7 @@
         </p:nvSpPr>
         <p:spPr bwMode="auto">
           <a:xfrm rot="5400000">
-            <a:off x="-39787" y="157290"/>
+            <a:off x="-39787" y="157925"/>
             <a:ext cx="581159" cy="501585"/>
           </a:xfrm>
           <a:prstGeom prst="triangle">
@@ -20840,7 +20787,7 @@
             </a:avLst>
           </a:prstGeom>
           <a:solidFill>
-            <a:schemeClr val="accent1"/>
+            <a:schemeClr val="tx1"/>
           </a:solidFill>
           <a:ln>
             <a:noFill/>
@@ -21014,2656 +20961,150 @@
           </a:p>
         </p:txBody>
       </p:sp>
-      <p:grpSp>
-        <p:nvGrpSpPr>
-          <p:cNvPr id="9" name="组合 8"/>
-          <p:cNvGrpSpPr/>
-          <p:nvPr/>
-        </p:nvGrpSpPr>
-        <p:grpSpPr>
+      <p:pic>
+        <p:nvPicPr>
+          <p:cNvPr id="2" name="图片 1"/>
+          <p:cNvPicPr>
+            <a:picLocks noChangeAspect="1"/>
+          </p:cNvPicPr>
+          <p:nvPr>
+            <p:custDataLst>
+              <p:tags r:id="rId1"/>
+            </p:custDataLst>
+          </p:nvPr>
+        </p:nvPicPr>
+        <p:blipFill>
+          <a:blip r:embed="rId2"/>
+          <a:stretch>
+            <a:fillRect/>
+          </a:stretch>
+        </p:blipFill>
+        <p:spPr>
           <a:xfrm>
-            <a:off x="830584" y="719979"/>
-            <a:ext cx="7287506" cy="2459801"/>
-            <a:chOff x="828641" y="1004716"/>
-            <a:chExt cx="7287506" cy="2459801"/>
+            <a:off x="405130" y="966470"/>
+            <a:ext cx="6923405" cy="3211195"/>
           </a:xfrm>
-        </p:grpSpPr>
-        <p:grpSp>
-          <p:nvGrpSpPr>
-            <p:cNvPr id="10" name="组合 9"/>
-            <p:cNvGrpSpPr/>
-            <p:nvPr/>
-          </p:nvGrpSpPr>
-          <p:grpSpPr>
-            <a:xfrm>
-              <a:off x="828641" y="1225614"/>
-              <a:ext cx="1581810" cy="2132590"/>
-              <a:chOff x="828641" y="1225614"/>
-              <a:chExt cx="1581810" cy="2132590"/>
-            </a:xfrm>
-          </p:grpSpPr>
-          <p:grpSp>
-            <p:nvGrpSpPr>
-              <p:cNvPr id="20" name="组合 19"/>
-              <p:cNvGrpSpPr/>
-              <p:nvPr/>
-            </p:nvGrpSpPr>
-            <p:grpSpPr>
-              <a:xfrm>
-                <a:off x="1329929" y="1225614"/>
-                <a:ext cx="1080522" cy="2132590"/>
-                <a:chOff x="1329929" y="1225614"/>
-                <a:chExt cx="1080522" cy="2132590"/>
-              </a:xfrm>
-            </p:grpSpPr>
-            <p:sp>
-              <p:nvSpPr>
-                <p:cNvPr id="22" name="箭头3"/>
-                <p:cNvSpPr/>
-                <p:nvPr/>
-              </p:nvSpPr>
-              <p:spPr bwMode="gray">
-                <a:xfrm flipV="1">
-                  <a:off x="1329929" y="2217673"/>
-                  <a:ext cx="1080000" cy="1140531"/>
-                </a:xfrm>
-                <a:custGeom>
-                  <a:avLst/>
-                  <a:gdLst>
-                    <a:gd name="T0" fmla="*/ 118 w 933"/>
-                    <a:gd name="T1" fmla="*/ 1044 h 1182"/>
-                    <a:gd name="T2" fmla="*/ 128 w 933"/>
-                    <a:gd name="T3" fmla="*/ 340 h 1182"/>
-                    <a:gd name="T4" fmla="*/ 264 w 933"/>
-                    <a:gd name="T5" fmla="*/ 210 h 1182"/>
-                    <a:gd name="T6" fmla="*/ 720 w 933"/>
-                    <a:gd name="T7" fmla="*/ 202 h 1182"/>
-                    <a:gd name="T8" fmla="*/ 720 w 933"/>
-                    <a:gd name="T9" fmla="*/ 320 h 1182"/>
-                    <a:gd name="T10" fmla="*/ 933 w 933"/>
-                    <a:gd name="T11" fmla="*/ 153 h 1182"/>
-                    <a:gd name="T12" fmla="*/ 712 w 933"/>
-                    <a:gd name="T13" fmla="*/ 0 h 1182"/>
-                    <a:gd name="T14" fmla="*/ 714 w 933"/>
-                    <a:gd name="T15" fmla="*/ 92 h 1182"/>
-                    <a:gd name="T16" fmla="*/ 234 w 933"/>
-                    <a:gd name="T17" fmla="*/ 94 h 1182"/>
-                    <a:gd name="T18" fmla="*/ 0 w 933"/>
-                    <a:gd name="T19" fmla="*/ 298 h 1182"/>
-                    <a:gd name="T20" fmla="*/ 0 w 933"/>
-                    <a:gd name="T21" fmla="*/ 1058 h 1182"/>
-                    <a:gd name="T22" fmla="*/ 118 w 933"/>
-                    <a:gd name="T23" fmla="*/ 1044 h 1182"/>
-                  </a:gdLst>
-                  <a:ahLst/>
-                  <a:cxnLst>
-                    <a:cxn ang="0">
-                      <a:pos x="T0" y="T1"/>
-                    </a:cxn>
-                    <a:cxn ang="0">
-                      <a:pos x="T2" y="T3"/>
-                    </a:cxn>
-                    <a:cxn ang="0">
-                      <a:pos x="T4" y="T5"/>
-                    </a:cxn>
-                    <a:cxn ang="0">
-                      <a:pos x="T6" y="T7"/>
-                    </a:cxn>
-                    <a:cxn ang="0">
-                      <a:pos x="T8" y="T9"/>
-                    </a:cxn>
-                    <a:cxn ang="0">
-                      <a:pos x="T10" y="T11"/>
-                    </a:cxn>
-                    <a:cxn ang="0">
-                      <a:pos x="T12" y="T13"/>
-                    </a:cxn>
-                    <a:cxn ang="0">
-                      <a:pos x="T14" y="T15"/>
-                    </a:cxn>
-                    <a:cxn ang="0">
-                      <a:pos x="T16" y="T17"/>
-                    </a:cxn>
-                    <a:cxn ang="0">
-                      <a:pos x="T18" y="T19"/>
-                    </a:cxn>
-                    <a:cxn ang="0">
-                      <a:pos x="T20" y="T21"/>
-                    </a:cxn>
-                    <a:cxn ang="0">
-                      <a:pos x="T22" y="T23"/>
-                    </a:cxn>
-                  </a:cxnLst>
-                  <a:rect l="0" t="0" r="r" b="b"/>
-                  <a:pathLst>
-                    <a:path w="933" h="1182">
-                      <a:moveTo>
-                        <a:pt x="118" y="1044"/>
-                      </a:moveTo>
-                      <a:lnTo>
-                        <a:pt x="128" y="340"/>
-                      </a:lnTo>
-                      <a:cubicBezTo>
-                        <a:pt x="134" y="214"/>
-                        <a:pt x="182" y="212"/>
-                        <a:pt x="264" y="210"/>
-                      </a:cubicBezTo>
-                      <a:lnTo>
-                        <a:pt x="720" y="202"/>
-                      </a:lnTo>
-                      <a:lnTo>
-                        <a:pt x="720" y="320"/>
-                      </a:lnTo>
-                      <a:lnTo>
-                        <a:pt x="933" y="153"/>
-                      </a:lnTo>
-                      <a:lnTo>
-                        <a:pt x="712" y="0"/>
-                      </a:lnTo>
-                      <a:lnTo>
-                        <a:pt x="714" y="92"/>
-                      </a:lnTo>
-                      <a:cubicBezTo>
-                        <a:pt x="714" y="92"/>
-                        <a:pt x="406" y="94"/>
-                        <a:pt x="234" y="94"/>
-                      </a:cubicBezTo>
-                      <a:cubicBezTo>
-                        <a:pt x="60" y="96"/>
-                        <a:pt x="2" y="156"/>
-                        <a:pt x="0" y="298"/>
-                      </a:cubicBezTo>
-                      <a:lnTo>
-                        <a:pt x="0" y="1058"/>
-                      </a:lnTo>
-                      <a:cubicBezTo>
-                        <a:pt x="20" y="1182"/>
-                        <a:pt x="93" y="1170"/>
-                        <a:pt x="118" y="1044"/>
-                      </a:cubicBezTo>
-                      <a:close/>
-                    </a:path>
-                  </a:pathLst>
-                </a:custGeom>
-                <a:solidFill>
-                  <a:schemeClr val="bg1">
-                    <a:lumMod val="65000"/>
-                  </a:schemeClr>
-                </a:solidFill>
-                <a:ln>
-                  <a:noFill/>
-                </a:ln>
-                <a:effectLst/>
-              </p:spPr>
-              <p:txBody>
-                <a:bodyPr wrap="none" lIns="62118" tIns="31058" rIns="62118" bIns="31058" anchor="ctr">
-                  <a:noAutofit/>
-                </a:bodyPr>
-                <a:lstStyle>
-                  <a:defPPr>
-                    <a:defRPr lang="zh-CN"/>
-                  </a:defPPr>
-                  <a:lvl1pPr marL="0" algn="l" defTabSz="914400" rtl="0" eaLnBrk="1" latinLnBrk="0" hangingPunct="1">
-                    <a:defRPr sz="1800" kern="1200">
-                      <a:solidFill>
-                        <a:schemeClr val="tx1"/>
-                      </a:solidFill>
-                      <a:latin typeface="+mn-lt"/>
-                      <a:ea typeface="+mn-ea"/>
-                      <a:cs typeface="+mn-cs"/>
-                    </a:defRPr>
-                  </a:lvl1pPr>
-                  <a:lvl2pPr marL="457200" algn="l" defTabSz="914400" rtl="0" eaLnBrk="1" latinLnBrk="0" hangingPunct="1">
-                    <a:defRPr sz="1800" kern="1200">
-                      <a:solidFill>
-                        <a:schemeClr val="tx1"/>
-                      </a:solidFill>
-                      <a:latin typeface="+mn-lt"/>
-                      <a:ea typeface="+mn-ea"/>
-                      <a:cs typeface="+mn-cs"/>
-                    </a:defRPr>
-                  </a:lvl2pPr>
-                  <a:lvl3pPr marL="914400" algn="l" defTabSz="914400" rtl="0" eaLnBrk="1" latinLnBrk="0" hangingPunct="1">
-                    <a:defRPr sz="1800" kern="1200">
-                      <a:solidFill>
-                        <a:schemeClr val="tx1"/>
-                      </a:solidFill>
-                      <a:latin typeface="+mn-lt"/>
-                      <a:ea typeface="+mn-ea"/>
-                      <a:cs typeface="+mn-cs"/>
-                    </a:defRPr>
-                  </a:lvl3pPr>
-                  <a:lvl4pPr marL="1371600" algn="l" defTabSz="914400" rtl="0" eaLnBrk="1" latinLnBrk="0" hangingPunct="1">
-                    <a:defRPr sz="1800" kern="1200">
-                      <a:solidFill>
-                        <a:schemeClr val="tx1"/>
-                      </a:solidFill>
-                      <a:latin typeface="+mn-lt"/>
-                      <a:ea typeface="+mn-ea"/>
-                      <a:cs typeface="+mn-cs"/>
-                    </a:defRPr>
-                  </a:lvl4pPr>
-                  <a:lvl5pPr marL="1828800" algn="l" defTabSz="914400" rtl="0" eaLnBrk="1" latinLnBrk="0" hangingPunct="1">
-                    <a:defRPr sz="1800" kern="1200">
-                      <a:solidFill>
-                        <a:schemeClr val="tx1"/>
-                      </a:solidFill>
-                      <a:latin typeface="+mn-lt"/>
-                      <a:ea typeface="+mn-ea"/>
-                      <a:cs typeface="+mn-cs"/>
-                    </a:defRPr>
-                  </a:lvl5pPr>
-                  <a:lvl6pPr marL="2286000" algn="l" defTabSz="914400" rtl="0" eaLnBrk="1" latinLnBrk="0" hangingPunct="1">
-                    <a:defRPr sz="1800" kern="1200">
-                      <a:solidFill>
-                        <a:schemeClr val="tx1"/>
-                      </a:solidFill>
-                      <a:latin typeface="+mn-lt"/>
-                      <a:ea typeface="+mn-ea"/>
-                      <a:cs typeface="+mn-cs"/>
-                    </a:defRPr>
-                  </a:lvl6pPr>
-                  <a:lvl7pPr marL="2743200" algn="l" defTabSz="914400" rtl="0" eaLnBrk="1" latinLnBrk="0" hangingPunct="1">
-                    <a:defRPr sz="1800" kern="1200">
-                      <a:solidFill>
-                        <a:schemeClr val="tx1"/>
-                      </a:solidFill>
-                      <a:latin typeface="+mn-lt"/>
-                      <a:ea typeface="+mn-ea"/>
-                      <a:cs typeface="+mn-cs"/>
-                    </a:defRPr>
-                  </a:lvl7pPr>
-                  <a:lvl8pPr marL="3200400" algn="l" defTabSz="914400" rtl="0" eaLnBrk="1" latinLnBrk="0" hangingPunct="1">
-                    <a:defRPr sz="1800" kern="1200">
-                      <a:solidFill>
-                        <a:schemeClr val="tx1"/>
-                      </a:solidFill>
-                      <a:latin typeface="+mn-lt"/>
-                      <a:ea typeface="+mn-ea"/>
-                      <a:cs typeface="+mn-cs"/>
-                    </a:defRPr>
-                  </a:lvl8pPr>
-                  <a:lvl9pPr marL="3657600" algn="l" defTabSz="914400" rtl="0" eaLnBrk="1" latinLnBrk="0" hangingPunct="1">
-                    <a:defRPr sz="1800" kern="1200">
-                      <a:solidFill>
-                        <a:schemeClr val="tx1"/>
-                      </a:solidFill>
-                      <a:latin typeface="+mn-lt"/>
-                      <a:ea typeface="+mn-ea"/>
-                      <a:cs typeface="+mn-cs"/>
-                    </a:defRPr>
-                  </a:lvl9pPr>
-                </a:lstStyle>
-                <a:p>
-                  <a:pPr>
-                    <a:defRPr/>
-                  </a:pPr>
-                  <a:endParaRPr lang="zh-CN" altLang="en-US" sz="900">
-                    <a:solidFill>
-                      <a:sysClr val="windowText" lastClr="000000"/>
-                    </a:solidFill>
-                    <a:latin typeface="Calibri" panose="020F0502020204030204"/>
-                    <a:ea typeface="宋体" panose="02010600030101010101" pitchFamily="2" charset="-122"/>
-                  </a:endParaRPr>
-                </a:p>
-              </p:txBody>
-            </p:sp>
-            <p:sp>
-              <p:nvSpPr>
-                <p:cNvPr id="23" name="箭头1"/>
-                <p:cNvSpPr/>
-                <p:nvPr/>
-              </p:nvSpPr>
-              <p:spPr bwMode="gray">
-                <a:xfrm>
-                  <a:off x="1330451" y="1225614"/>
-                  <a:ext cx="1080000" cy="1321191"/>
-                </a:xfrm>
-                <a:custGeom>
-                  <a:avLst/>
-                  <a:gdLst>
-                    <a:gd name="T0" fmla="*/ 118 w 933"/>
-                    <a:gd name="T1" fmla="*/ 1044 h 1182"/>
-                    <a:gd name="T2" fmla="*/ 128 w 933"/>
-                    <a:gd name="T3" fmla="*/ 340 h 1182"/>
-                    <a:gd name="T4" fmla="*/ 264 w 933"/>
-                    <a:gd name="T5" fmla="*/ 210 h 1182"/>
-                    <a:gd name="T6" fmla="*/ 720 w 933"/>
-                    <a:gd name="T7" fmla="*/ 202 h 1182"/>
-                    <a:gd name="T8" fmla="*/ 720 w 933"/>
-                    <a:gd name="T9" fmla="*/ 320 h 1182"/>
-                    <a:gd name="T10" fmla="*/ 933 w 933"/>
-                    <a:gd name="T11" fmla="*/ 153 h 1182"/>
-                    <a:gd name="T12" fmla="*/ 712 w 933"/>
-                    <a:gd name="T13" fmla="*/ 0 h 1182"/>
-                    <a:gd name="T14" fmla="*/ 714 w 933"/>
-                    <a:gd name="T15" fmla="*/ 92 h 1182"/>
-                    <a:gd name="T16" fmla="*/ 234 w 933"/>
-                    <a:gd name="T17" fmla="*/ 94 h 1182"/>
-                    <a:gd name="T18" fmla="*/ 0 w 933"/>
-                    <a:gd name="T19" fmla="*/ 298 h 1182"/>
-                    <a:gd name="T20" fmla="*/ 0 w 933"/>
-                    <a:gd name="T21" fmla="*/ 1058 h 1182"/>
-                    <a:gd name="T22" fmla="*/ 118 w 933"/>
-                    <a:gd name="T23" fmla="*/ 1044 h 1182"/>
-                  </a:gdLst>
-                  <a:ahLst/>
-                  <a:cxnLst>
-                    <a:cxn ang="0">
-                      <a:pos x="T0" y="T1"/>
-                    </a:cxn>
-                    <a:cxn ang="0">
-                      <a:pos x="T2" y="T3"/>
-                    </a:cxn>
-                    <a:cxn ang="0">
-                      <a:pos x="T4" y="T5"/>
-                    </a:cxn>
-                    <a:cxn ang="0">
-                      <a:pos x="T6" y="T7"/>
-                    </a:cxn>
-                    <a:cxn ang="0">
-                      <a:pos x="T8" y="T9"/>
-                    </a:cxn>
-                    <a:cxn ang="0">
-                      <a:pos x="T10" y="T11"/>
-                    </a:cxn>
-                    <a:cxn ang="0">
-                      <a:pos x="T12" y="T13"/>
-                    </a:cxn>
-                    <a:cxn ang="0">
-                      <a:pos x="T14" y="T15"/>
-                    </a:cxn>
-                    <a:cxn ang="0">
-                      <a:pos x="T16" y="T17"/>
-                    </a:cxn>
-                    <a:cxn ang="0">
-                      <a:pos x="T18" y="T19"/>
-                    </a:cxn>
-                    <a:cxn ang="0">
-                      <a:pos x="T20" y="T21"/>
-                    </a:cxn>
-                    <a:cxn ang="0">
-                      <a:pos x="T22" y="T23"/>
-                    </a:cxn>
-                  </a:cxnLst>
-                  <a:rect l="0" t="0" r="r" b="b"/>
-                  <a:pathLst>
-                    <a:path w="933" h="1182">
-                      <a:moveTo>
-                        <a:pt x="118" y="1044"/>
-                      </a:moveTo>
-                      <a:lnTo>
-                        <a:pt x="128" y="340"/>
-                      </a:lnTo>
-                      <a:cubicBezTo>
-                        <a:pt x="134" y="214"/>
-                        <a:pt x="182" y="212"/>
-                        <a:pt x="264" y="210"/>
-                      </a:cubicBezTo>
-                      <a:lnTo>
-                        <a:pt x="720" y="202"/>
-                      </a:lnTo>
-                      <a:lnTo>
-                        <a:pt x="720" y="320"/>
-                      </a:lnTo>
-                      <a:lnTo>
-                        <a:pt x="933" y="153"/>
-                      </a:lnTo>
-                      <a:lnTo>
-                        <a:pt x="712" y="0"/>
-                      </a:lnTo>
-                      <a:lnTo>
-                        <a:pt x="714" y="92"/>
-                      </a:lnTo>
-                      <a:cubicBezTo>
-                        <a:pt x="714" y="92"/>
-                        <a:pt x="406" y="94"/>
-                        <a:pt x="234" y="94"/>
-                      </a:cubicBezTo>
-                      <a:cubicBezTo>
-                        <a:pt x="60" y="96"/>
-                        <a:pt x="2" y="156"/>
-                        <a:pt x="0" y="298"/>
-                      </a:cubicBezTo>
-                      <a:lnTo>
-                        <a:pt x="0" y="1058"/>
-                      </a:lnTo>
-                      <a:cubicBezTo>
-                        <a:pt x="20" y="1182"/>
-                        <a:pt x="93" y="1170"/>
-                        <a:pt x="118" y="1044"/>
-                      </a:cubicBezTo>
-                      <a:close/>
-                    </a:path>
-                  </a:pathLst>
-                </a:custGeom>
-                <a:solidFill>
-                  <a:schemeClr val="bg1">
-                    <a:lumMod val="65000"/>
-                  </a:schemeClr>
-                </a:solidFill>
-                <a:ln>
-                  <a:noFill/>
-                </a:ln>
-                <a:effectLst/>
-              </p:spPr>
-              <p:txBody>
-                <a:bodyPr wrap="none" lIns="62118" tIns="31058" rIns="62118" bIns="31058" anchor="ctr">
-                  <a:noAutofit/>
-                </a:bodyPr>
-                <a:lstStyle>
-                  <a:defPPr>
-                    <a:defRPr lang="zh-CN"/>
-                  </a:defPPr>
-                  <a:lvl1pPr marL="0" algn="l" defTabSz="914400" rtl="0" eaLnBrk="1" latinLnBrk="0" hangingPunct="1">
-                    <a:defRPr sz="1800" kern="1200">
-                      <a:solidFill>
-                        <a:schemeClr val="tx1"/>
-                      </a:solidFill>
-                      <a:latin typeface="+mn-lt"/>
-                      <a:ea typeface="+mn-ea"/>
-                      <a:cs typeface="+mn-cs"/>
-                    </a:defRPr>
-                  </a:lvl1pPr>
-                  <a:lvl2pPr marL="457200" algn="l" defTabSz="914400" rtl="0" eaLnBrk="1" latinLnBrk="0" hangingPunct="1">
-                    <a:defRPr sz="1800" kern="1200">
-                      <a:solidFill>
-                        <a:schemeClr val="tx1"/>
-                      </a:solidFill>
-                      <a:latin typeface="+mn-lt"/>
-                      <a:ea typeface="+mn-ea"/>
-                      <a:cs typeface="+mn-cs"/>
-                    </a:defRPr>
-                  </a:lvl2pPr>
-                  <a:lvl3pPr marL="914400" algn="l" defTabSz="914400" rtl="0" eaLnBrk="1" latinLnBrk="0" hangingPunct="1">
-                    <a:defRPr sz="1800" kern="1200">
-                      <a:solidFill>
-                        <a:schemeClr val="tx1"/>
-                      </a:solidFill>
-                      <a:latin typeface="+mn-lt"/>
-                      <a:ea typeface="+mn-ea"/>
-                      <a:cs typeface="+mn-cs"/>
-                    </a:defRPr>
-                  </a:lvl3pPr>
-                  <a:lvl4pPr marL="1371600" algn="l" defTabSz="914400" rtl="0" eaLnBrk="1" latinLnBrk="0" hangingPunct="1">
-                    <a:defRPr sz="1800" kern="1200">
-                      <a:solidFill>
-                        <a:schemeClr val="tx1"/>
-                      </a:solidFill>
-                      <a:latin typeface="+mn-lt"/>
-                      <a:ea typeface="+mn-ea"/>
-                      <a:cs typeface="+mn-cs"/>
-                    </a:defRPr>
-                  </a:lvl4pPr>
-                  <a:lvl5pPr marL="1828800" algn="l" defTabSz="914400" rtl="0" eaLnBrk="1" latinLnBrk="0" hangingPunct="1">
-                    <a:defRPr sz="1800" kern="1200">
-                      <a:solidFill>
-                        <a:schemeClr val="tx1"/>
-                      </a:solidFill>
-                      <a:latin typeface="+mn-lt"/>
-                      <a:ea typeface="+mn-ea"/>
-                      <a:cs typeface="+mn-cs"/>
-                    </a:defRPr>
-                  </a:lvl5pPr>
-                  <a:lvl6pPr marL="2286000" algn="l" defTabSz="914400" rtl="0" eaLnBrk="1" latinLnBrk="0" hangingPunct="1">
-                    <a:defRPr sz="1800" kern="1200">
-                      <a:solidFill>
-                        <a:schemeClr val="tx1"/>
-                      </a:solidFill>
-                      <a:latin typeface="+mn-lt"/>
-                      <a:ea typeface="+mn-ea"/>
-                      <a:cs typeface="+mn-cs"/>
-                    </a:defRPr>
-                  </a:lvl6pPr>
-                  <a:lvl7pPr marL="2743200" algn="l" defTabSz="914400" rtl="0" eaLnBrk="1" latinLnBrk="0" hangingPunct="1">
-                    <a:defRPr sz="1800" kern="1200">
-                      <a:solidFill>
-                        <a:schemeClr val="tx1"/>
-                      </a:solidFill>
-                      <a:latin typeface="+mn-lt"/>
-                      <a:ea typeface="+mn-ea"/>
-                      <a:cs typeface="+mn-cs"/>
-                    </a:defRPr>
-                  </a:lvl7pPr>
-                  <a:lvl8pPr marL="3200400" algn="l" defTabSz="914400" rtl="0" eaLnBrk="1" latinLnBrk="0" hangingPunct="1">
-                    <a:defRPr sz="1800" kern="1200">
-                      <a:solidFill>
-                        <a:schemeClr val="tx1"/>
-                      </a:solidFill>
-                      <a:latin typeface="+mn-lt"/>
-                      <a:ea typeface="+mn-ea"/>
-                      <a:cs typeface="+mn-cs"/>
-                    </a:defRPr>
-                  </a:lvl8pPr>
-                  <a:lvl9pPr marL="3657600" algn="l" defTabSz="914400" rtl="0" eaLnBrk="1" latinLnBrk="0" hangingPunct="1">
-                    <a:defRPr sz="1800" kern="1200">
-                      <a:solidFill>
-                        <a:schemeClr val="tx1"/>
-                      </a:solidFill>
-                      <a:latin typeface="+mn-lt"/>
-                      <a:ea typeface="+mn-ea"/>
-                      <a:cs typeface="+mn-cs"/>
-                    </a:defRPr>
-                  </a:lvl9pPr>
-                </a:lstStyle>
-                <a:p>
-                  <a:pPr>
-                    <a:defRPr/>
-                  </a:pPr>
-                  <a:endParaRPr lang="zh-CN" altLang="en-US" sz="900">
-                    <a:solidFill>
-                      <a:sysClr val="windowText" lastClr="000000"/>
-                    </a:solidFill>
-                    <a:latin typeface="Calibri" panose="020F0502020204030204"/>
-                    <a:ea typeface="宋体" panose="02010600030101010101" pitchFamily="2" charset="-122"/>
-                  </a:endParaRPr>
-                </a:p>
-              </p:txBody>
-            </p:sp>
-            <p:sp>
-              <p:nvSpPr>
-                <p:cNvPr id="25" name="箭头3"/>
-                <p:cNvSpPr/>
-                <p:nvPr/>
-              </p:nvSpPr>
-              <p:spPr bwMode="gray">
-                <a:xfrm flipV="1">
-                  <a:off x="1329929" y="1352317"/>
-                  <a:ext cx="1080000" cy="1140531"/>
-                </a:xfrm>
-                <a:custGeom>
-                  <a:avLst/>
-                  <a:gdLst>
-                    <a:gd name="T0" fmla="*/ 118 w 933"/>
-                    <a:gd name="T1" fmla="*/ 1044 h 1182"/>
-                    <a:gd name="T2" fmla="*/ 128 w 933"/>
-                    <a:gd name="T3" fmla="*/ 340 h 1182"/>
-                    <a:gd name="T4" fmla="*/ 264 w 933"/>
-                    <a:gd name="T5" fmla="*/ 210 h 1182"/>
-                    <a:gd name="T6" fmla="*/ 720 w 933"/>
-                    <a:gd name="T7" fmla="*/ 202 h 1182"/>
-                    <a:gd name="T8" fmla="*/ 720 w 933"/>
-                    <a:gd name="T9" fmla="*/ 320 h 1182"/>
-                    <a:gd name="T10" fmla="*/ 933 w 933"/>
-                    <a:gd name="T11" fmla="*/ 153 h 1182"/>
-                    <a:gd name="T12" fmla="*/ 712 w 933"/>
-                    <a:gd name="T13" fmla="*/ 0 h 1182"/>
-                    <a:gd name="T14" fmla="*/ 714 w 933"/>
-                    <a:gd name="T15" fmla="*/ 92 h 1182"/>
-                    <a:gd name="T16" fmla="*/ 234 w 933"/>
-                    <a:gd name="T17" fmla="*/ 94 h 1182"/>
-                    <a:gd name="T18" fmla="*/ 0 w 933"/>
-                    <a:gd name="T19" fmla="*/ 298 h 1182"/>
-                    <a:gd name="T20" fmla="*/ 0 w 933"/>
-                    <a:gd name="T21" fmla="*/ 1058 h 1182"/>
-                    <a:gd name="T22" fmla="*/ 118 w 933"/>
-                    <a:gd name="T23" fmla="*/ 1044 h 1182"/>
-                  </a:gdLst>
-                  <a:ahLst/>
-                  <a:cxnLst>
-                    <a:cxn ang="0">
-                      <a:pos x="T0" y="T1"/>
-                    </a:cxn>
-                    <a:cxn ang="0">
-                      <a:pos x="T2" y="T3"/>
-                    </a:cxn>
-                    <a:cxn ang="0">
-                      <a:pos x="T4" y="T5"/>
-                    </a:cxn>
-                    <a:cxn ang="0">
-                      <a:pos x="T6" y="T7"/>
-                    </a:cxn>
-                    <a:cxn ang="0">
-                      <a:pos x="T8" y="T9"/>
-                    </a:cxn>
-                    <a:cxn ang="0">
-                      <a:pos x="T10" y="T11"/>
-                    </a:cxn>
-                    <a:cxn ang="0">
-                      <a:pos x="T12" y="T13"/>
-                    </a:cxn>
-                    <a:cxn ang="0">
-                      <a:pos x="T14" y="T15"/>
-                    </a:cxn>
-                    <a:cxn ang="0">
-                      <a:pos x="T16" y="T17"/>
-                    </a:cxn>
-                    <a:cxn ang="0">
-                      <a:pos x="T18" y="T19"/>
-                    </a:cxn>
-                    <a:cxn ang="0">
-                      <a:pos x="T20" y="T21"/>
-                    </a:cxn>
-                    <a:cxn ang="0">
-                      <a:pos x="T22" y="T23"/>
-                    </a:cxn>
-                  </a:cxnLst>
-                  <a:rect l="0" t="0" r="r" b="b"/>
-                  <a:pathLst>
-                    <a:path w="933" h="1182">
-                      <a:moveTo>
-                        <a:pt x="118" y="1044"/>
-                      </a:moveTo>
-                      <a:lnTo>
-                        <a:pt x="128" y="340"/>
-                      </a:lnTo>
-                      <a:cubicBezTo>
-                        <a:pt x="134" y="214"/>
-                        <a:pt x="182" y="212"/>
-                        <a:pt x="264" y="210"/>
-                      </a:cubicBezTo>
-                      <a:lnTo>
-                        <a:pt x="720" y="202"/>
-                      </a:lnTo>
-                      <a:lnTo>
-                        <a:pt x="720" y="320"/>
-                      </a:lnTo>
-                      <a:lnTo>
-                        <a:pt x="933" y="153"/>
-                      </a:lnTo>
-                      <a:lnTo>
-                        <a:pt x="712" y="0"/>
-                      </a:lnTo>
-                      <a:lnTo>
-                        <a:pt x="714" y="92"/>
-                      </a:lnTo>
-                      <a:cubicBezTo>
-                        <a:pt x="714" y="92"/>
-                        <a:pt x="406" y="94"/>
-                        <a:pt x="234" y="94"/>
-                      </a:cubicBezTo>
-                      <a:cubicBezTo>
-                        <a:pt x="60" y="96"/>
-                        <a:pt x="2" y="156"/>
-                        <a:pt x="0" y="298"/>
-                      </a:cubicBezTo>
-                      <a:lnTo>
-                        <a:pt x="0" y="1058"/>
-                      </a:lnTo>
-                      <a:cubicBezTo>
-                        <a:pt x="20" y="1182"/>
-                        <a:pt x="93" y="1170"/>
-                        <a:pt x="118" y="1044"/>
-                      </a:cubicBezTo>
-                      <a:close/>
-                    </a:path>
-                  </a:pathLst>
-                </a:custGeom>
-                <a:solidFill>
-                  <a:schemeClr val="bg1">
-                    <a:lumMod val="65000"/>
-                  </a:schemeClr>
-                </a:solidFill>
-                <a:ln>
-                  <a:noFill/>
-                </a:ln>
-                <a:effectLst/>
-              </p:spPr>
-              <p:txBody>
-                <a:bodyPr wrap="none" lIns="62118" tIns="31058" rIns="62118" bIns="31058" anchor="ctr">
-                  <a:noAutofit/>
-                </a:bodyPr>
-                <a:lstStyle>
-                  <a:defPPr>
-                    <a:defRPr lang="zh-CN"/>
-                  </a:defPPr>
-                  <a:lvl1pPr marL="0" algn="l" defTabSz="914400" rtl="0" eaLnBrk="1" latinLnBrk="0" hangingPunct="1">
-                    <a:defRPr sz="1800" kern="1200">
-                      <a:solidFill>
-                        <a:schemeClr val="tx1"/>
-                      </a:solidFill>
-                      <a:latin typeface="+mn-lt"/>
-                      <a:ea typeface="+mn-ea"/>
-                      <a:cs typeface="+mn-cs"/>
-                    </a:defRPr>
-                  </a:lvl1pPr>
-                  <a:lvl2pPr marL="457200" algn="l" defTabSz="914400" rtl="0" eaLnBrk="1" latinLnBrk="0" hangingPunct="1">
-                    <a:defRPr sz="1800" kern="1200">
-                      <a:solidFill>
-                        <a:schemeClr val="tx1"/>
-                      </a:solidFill>
-                      <a:latin typeface="+mn-lt"/>
-                      <a:ea typeface="+mn-ea"/>
-                      <a:cs typeface="+mn-cs"/>
-                    </a:defRPr>
-                  </a:lvl2pPr>
-                  <a:lvl3pPr marL="914400" algn="l" defTabSz="914400" rtl="0" eaLnBrk="1" latinLnBrk="0" hangingPunct="1">
-                    <a:defRPr sz="1800" kern="1200">
-                      <a:solidFill>
-                        <a:schemeClr val="tx1"/>
-                      </a:solidFill>
-                      <a:latin typeface="+mn-lt"/>
-                      <a:ea typeface="+mn-ea"/>
-                      <a:cs typeface="+mn-cs"/>
-                    </a:defRPr>
-                  </a:lvl3pPr>
-                  <a:lvl4pPr marL="1371600" algn="l" defTabSz="914400" rtl="0" eaLnBrk="1" latinLnBrk="0" hangingPunct="1">
-                    <a:defRPr sz="1800" kern="1200">
-                      <a:solidFill>
-                        <a:schemeClr val="tx1"/>
-                      </a:solidFill>
-                      <a:latin typeface="+mn-lt"/>
-                      <a:ea typeface="+mn-ea"/>
-                      <a:cs typeface="+mn-cs"/>
-                    </a:defRPr>
-                  </a:lvl4pPr>
-                  <a:lvl5pPr marL="1828800" algn="l" defTabSz="914400" rtl="0" eaLnBrk="1" latinLnBrk="0" hangingPunct="1">
-                    <a:defRPr sz="1800" kern="1200">
-                      <a:solidFill>
-                        <a:schemeClr val="tx1"/>
-                      </a:solidFill>
-                      <a:latin typeface="+mn-lt"/>
-                      <a:ea typeface="+mn-ea"/>
-                      <a:cs typeface="+mn-cs"/>
-                    </a:defRPr>
-                  </a:lvl5pPr>
-                  <a:lvl6pPr marL="2286000" algn="l" defTabSz="914400" rtl="0" eaLnBrk="1" latinLnBrk="0" hangingPunct="1">
-                    <a:defRPr sz="1800" kern="1200">
-                      <a:solidFill>
-                        <a:schemeClr val="tx1"/>
-                      </a:solidFill>
-                      <a:latin typeface="+mn-lt"/>
-                      <a:ea typeface="+mn-ea"/>
-                      <a:cs typeface="+mn-cs"/>
-                    </a:defRPr>
-                  </a:lvl6pPr>
-                  <a:lvl7pPr marL="2743200" algn="l" defTabSz="914400" rtl="0" eaLnBrk="1" latinLnBrk="0" hangingPunct="1">
-                    <a:defRPr sz="1800" kern="1200">
-                      <a:solidFill>
-                        <a:schemeClr val="tx1"/>
-                      </a:solidFill>
-                      <a:latin typeface="+mn-lt"/>
-                      <a:ea typeface="+mn-ea"/>
-                      <a:cs typeface="+mn-cs"/>
-                    </a:defRPr>
-                  </a:lvl7pPr>
-                  <a:lvl8pPr marL="3200400" algn="l" defTabSz="914400" rtl="0" eaLnBrk="1" latinLnBrk="0" hangingPunct="1">
-                    <a:defRPr sz="1800" kern="1200">
-                      <a:solidFill>
-                        <a:schemeClr val="tx1"/>
-                      </a:solidFill>
-                      <a:latin typeface="+mn-lt"/>
-                      <a:ea typeface="+mn-ea"/>
-                      <a:cs typeface="+mn-cs"/>
-                    </a:defRPr>
-                  </a:lvl8pPr>
-                  <a:lvl9pPr marL="3657600" algn="l" defTabSz="914400" rtl="0" eaLnBrk="1" latinLnBrk="0" hangingPunct="1">
-                    <a:defRPr sz="1800" kern="1200">
-                      <a:solidFill>
-                        <a:schemeClr val="tx1"/>
-                      </a:solidFill>
-                      <a:latin typeface="+mn-lt"/>
-                      <a:ea typeface="+mn-ea"/>
-                      <a:cs typeface="+mn-cs"/>
-                    </a:defRPr>
-                  </a:lvl9pPr>
-                </a:lstStyle>
-                <a:p>
-                  <a:pPr>
-                    <a:defRPr/>
-                  </a:pPr>
-                  <a:endParaRPr lang="zh-CN" altLang="en-US" sz="900" dirty="0">
-                    <a:solidFill>
-                      <a:sysClr val="windowText" lastClr="000000"/>
-                    </a:solidFill>
-                    <a:latin typeface="Calibri" panose="020F0502020204030204"/>
-                    <a:ea typeface="宋体" panose="02010600030101010101" pitchFamily="2" charset="-122"/>
-                  </a:endParaRPr>
-                </a:p>
-              </p:txBody>
-            </p:sp>
-          </p:grpSp>
-          <p:sp>
-            <p:nvSpPr>
-              <p:cNvPr id="21" name="Oval 19"/>
-              <p:cNvSpPr>
-                <a:spLocks noChangeArrowheads="1"/>
-              </p:cNvSpPr>
-              <p:nvPr/>
-            </p:nvSpPr>
-            <p:spPr bwMode="auto">
-              <a:xfrm>
-                <a:off x="828641" y="1829348"/>
-                <a:ext cx="1124436" cy="1125841"/>
-              </a:xfrm>
-              <a:prstGeom prst="ellipse">
-                <a:avLst/>
-              </a:prstGeom>
-              <a:solidFill>
-                <a:schemeClr val="accent1"/>
-              </a:solidFill>
-              <a:ln w="9525">
-                <a:noFill/>
-                <a:round/>
-              </a:ln>
-              <a:effectLst/>
-            </p:spPr>
-            <p:txBody>
-              <a:bodyPr lIns="62118" tIns="31058" rIns="62118" bIns="31058" anchor="ctr"/>
-              <a:lstStyle/>
-              <a:p>
-                <a:pPr algn="ctr">
-                  <a:lnSpc>
-                    <a:spcPct val="120000"/>
-                  </a:lnSpc>
-                  <a:defRPr/>
-                </a:pPr>
-                <a:r>
-                  <a:rPr lang="zh-CN" altLang="en-US" sz="1900" b="1" kern="0" dirty="0">
-                    <a:solidFill>
-                      <a:schemeClr val="bg1"/>
-                    </a:solidFill>
-                    <a:latin typeface="Arial" panose="020B0604020202020204" pitchFamily="34" charset="0"/>
-                    <a:ea typeface="微软雅黑" panose="020B0503020204020204" pitchFamily="34" charset="-122"/>
-                  </a:rPr>
-                  <a:t>基础算法</a:t>
-                </a:r>
-                <a:endParaRPr lang="zh-CN" altLang="en-US" sz="1900" b="1" kern="0" dirty="0">
-                  <a:solidFill>
-                    <a:schemeClr val="bg1"/>
-                  </a:solidFill>
-                  <a:latin typeface="Arial" panose="020B0604020202020204" pitchFamily="34" charset="0"/>
-                  <a:ea typeface="微软雅黑" panose="020B0503020204020204" pitchFamily="34" charset="-122"/>
-                </a:endParaRPr>
-              </a:p>
-            </p:txBody>
-          </p:sp>
-        </p:grpSp>
-        <p:grpSp>
-          <p:nvGrpSpPr>
-            <p:cNvPr id="11" name="组合 10"/>
-            <p:cNvGrpSpPr/>
-            <p:nvPr/>
-          </p:nvGrpSpPr>
-          <p:grpSpPr>
-            <a:xfrm>
-              <a:off x="2385827" y="1004716"/>
-              <a:ext cx="5730320" cy="2459801"/>
-              <a:chOff x="2305532" y="1004716"/>
-              <a:chExt cx="5730320" cy="2459801"/>
-            </a:xfrm>
-          </p:grpSpPr>
-          <p:sp>
-            <p:nvSpPr>
-              <p:cNvPr id="12" name="文本1"/>
-              <p:cNvSpPr>
-                <a:spLocks noChangeArrowheads="1"/>
-              </p:cNvSpPr>
-              <p:nvPr/>
-            </p:nvSpPr>
-            <p:spPr bwMode="gray">
-              <a:xfrm>
-                <a:off x="3602544" y="1028561"/>
-                <a:ext cx="4433306" cy="581161"/>
-              </a:xfrm>
-              <a:prstGeom prst="rect">
-                <a:avLst/>
-              </a:prstGeom>
-              <a:noFill/>
-              <a:ln w="15875" cap="flat" cmpd="sng" algn="ctr">
-                <a:solidFill>
-                  <a:schemeClr val="accent1"/>
-                </a:solidFill>
-                <a:prstDash val="solid"/>
-              </a:ln>
-              <a:effectLst/>
-            </p:spPr>
-            <p:txBody>
-              <a:bodyPr lIns="62118" tIns="31058" rIns="62118" bIns="31058" anchor="ctr"/>
-              <a:lstStyle>
-                <a:defPPr>
-                  <a:defRPr lang="zh-CN"/>
-                </a:defPPr>
-                <a:lvl1pPr marL="0" algn="l" defTabSz="914400" rtl="0" eaLnBrk="1" latinLnBrk="0" hangingPunct="1">
-                  <a:defRPr sz="1800" kern="1200">
-                    <a:solidFill>
-                      <a:schemeClr val="tx1"/>
-                    </a:solidFill>
-                    <a:latin typeface="+mn-lt"/>
-                    <a:ea typeface="+mn-ea"/>
-                    <a:cs typeface="+mn-cs"/>
-                  </a:defRPr>
-                </a:lvl1pPr>
-                <a:lvl2pPr marL="457200" algn="l" defTabSz="914400" rtl="0" eaLnBrk="1" latinLnBrk="0" hangingPunct="1">
-                  <a:defRPr sz="1800" kern="1200">
-                    <a:solidFill>
-                      <a:schemeClr val="tx1"/>
-                    </a:solidFill>
-                    <a:latin typeface="+mn-lt"/>
-                    <a:ea typeface="+mn-ea"/>
-                    <a:cs typeface="+mn-cs"/>
-                  </a:defRPr>
-                </a:lvl2pPr>
-                <a:lvl3pPr marL="914400" algn="l" defTabSz="914400" rtl="0" eaLnBrk="1" latinLnBrk="0" hangingPunct="1">
-                  <a:defRPr sz="1800" kern="1200">
-                    <a:solidFill>
-                      <a:schemeClr val="tx1"/>
-                    </a:solidFill>
-                    <a:latin typeface="+mn-lt"/>
-                    <a:ea typeface="+mn-ea"/>
-                    <a:cs typeface="+mn-cs"/>
-                  </a:defRPr>
-                </a:lvl3pPr>
-                <a:lvl4pPr marL="1371600" algn="l" defTabSz="914400" rtl="0" eaLnBrk="1" latinLnBrk="0" hangingPunct="1">
-                  <a:defRPr sz="1800" kern="1200">
-                    <a:solidFill>
-                      <a:schemeClr val="tx1"/>
-                    </a:solidFill>
-                    <a:latin typeface="+mn-lt"/>
-                    <a:ea typeface="+mn-ea"/>
-                    <a:cs typeface="+mn-cs"/>
-                  </a:defRPr>
-                </a:lvl4pPr>
-                <a:lvl5pPr marL="1828800" algn="l" defTabSz="914400" rtl="0" eaLnBrk="1" latinLnBrk="0" hangingPunct="1">
-                  <a:defRPr sz="1800" kern="1200">
-                    <a:solidFill>
-                      <a:schemeClr val="tx1"/>
-                    </a:solidFill>
-                    <a:latin typeface="+mn-lt"/>
-                    <a:ea typeface="+mn-ea"/>
-                    <a:cs typeface="+mn-cs"/>
-                  </a:defRPr>
-                </a:lvl5pPr>
-                <a:lvl6pPr marL="2286000" algn="l" defTabSz="914400" rtl="0" eaLnBrk="1" latinLnBrk="0" hangingPunct="1">
-                  <a:defRPr sz="1800" kern="1200">
-                    <a:solidFill>
-                      <a:schemeClr val="tx1"/>
-                    </a:solidFill>
-                    <a:latin typeface="+mn-lt"/>
-                    <a:ea typeface="+mn-ea"/>
-                    <a:cs typeface="+mn-cs"/>
-                  </a:defRPr>
-                </a:lvl6pPr>
-                <a:lvl7pPr marL="2743200" algn="l" defTabSz="914400" rtl="0" eaLnBrk="1" latinLnBrk="0" hangingPunct="1">
-                  <a:defRPr sz="1800" kern="1200">
-                    <a:solidFill>
-                      <a:schemeClr val="tx1"/>
-                    </a:solidFill>
-                    <a:latin typeface="+mn-lt"/>
-                    <a:ea typeface="+mn-ea"/>
-                    <a:cs typeface="+mn-cs"/>
-                  </a:defRPr>
-                </a:lvl7pPr>
-                <a:lvl8pPr marL="3200400" algn="l" defTabSz="914400" rtl="0" eaLnBrk="1" latinLnBrk="0" hangingPunct="1">
-                  <a:defRPr sz="1800" kern="1200">
-                    <a:solidFill>
-                      <a:schemeClr val="tx1"/>
-                    </a:solidFill>
-                    <a:latin typeface="+mn-lt"/>
-                    <a:ea typeface="+mn-ea"/>
-                    <a:cs typeface="+mn-cs"/>
-                  </a:defRPr>
-                </a:lvl8pPr>
-                <a:lvl9pPr marL="3657600" algn="l" defTabSz="914400" rtl="0" eaLnBrk="1" latinLnBrk="0" hangingPunct="1">
-                  <a:defRPr sz="1800" kern="1200">
-                    <a:solidFill>
-                      <a:schemeClr val="tx1"/>
-                    </a:solidFill>
-                    <a:latin typeface="+mn-lt"/>
-                    <a:ea typeface="+mn-ea"/>
-                    <a:cs typeface="+mn-cs"/>
-                  </a:defRPr>
-                </a:lvl9pPr>
-              </a:lstStyle>
-              <a:p>
-                <a:pPr fontAlgn="base">
-                  <a:lnSpc>
-                    <a:spcPct val="120000"/>
-                  </a:lnSpc>
-                  <a:spcBef>
-                    <a:spcPct val="0"/>
-                  </a:spcBef>
-                  <a:spcAft>
-                    <a:spcPct val="0"/>
-                  </a:spcAft>
-                  <a:defRPr/>
-                </a:pPr>
-                <a:r>
-                  <a:rPr lang="zh-CN" altLang="en-US" sz="1200" dirty="0">
-                    <a:solidFill>
-                      <a:schemeClr val="tx1">
-                        <a:lumMod val="75000"/>
-                        <a:lumOff val="25000"/>
-                      </a:schemeClr>
-                    </a:solidFill>
-                    <a:latin typeface="微软雅黑" panose="020B0503020204020204" pitchFamily="34" charset="-122"/>
-                    <a:ea typeface="微软雅黑" panose="020B0503020204020204" pitchFamily="34" charset="-122"/>
-                  </a:rPr>
-                  <a:t>一阶方法，完全不考虑标签之间的关联信息</a:t>
-                </a:r>
-                <a:endParaRPr lang="zh-CN" altLang="zh-CN" sz="1200" dirty="0">
-                  <a:solidFill>
-                    <a:schemeClr val="tx1">
-                      <a:lumMod val="75000"/>
-                      <a:lumOff val="25000"/>
-                    </a:schemeClr>
-                  </a:solidFill>
-                  <a:latin typeface="微软雅黑" panose="020B0503020204020204" pitchFamily="34" charset="-122"/>
-                  <a:ea typeface="微软雅黑" panose="020B0503020204020204" pitchFamily="34" charset="-122"/>
-                </a:endParaRPr>
-              </a:p>
-            </p:txBody>
-          </p:sp>
-          <p:sp>
-            <p:nvSpPr>
-              <p:cNvPr id="13" name="标题1"/>
-              <p:cNvSpPr>
-                <a:spLocks noChangeArrowheads="1"/>
-              </p:cNvSpPr>
-              <p:nvPr/>
-            </p:nvSpPr>
-            <p:spPr bwMode="gray">
-              <a:xfrm>
-                <a:off x="2305533" y="1004716"/>
-                <a:ext cx="1017068" cy="628852"/>
-              </a:xfrm>
-              <a:prstGeom prst="rect">
-                <a:avLst/>
-              </a:prstGeom>
-              <a:solidFill>
-                <a:schemeClr val="accent1"/>
-              </a:solidFill>
-              <a:ln w="25400" cap="flat" cmpd="sng" algn="ctr">
-                <a:noFill/>
-                <a:prstDash val="solid"/>
-              </a:ln>
-              <a:effectLst/>
-            </p:spPr>
-            <p:txBody>
-              <a:bodyPr lIns="62118" tIns="31058" rIns="62118" bIns="31058" anchor="ctr"/>
-              <a:lstStyle>
-                <a:defPPr>
-                  <a:defRPr lang="zh-CN"/>
-                </a:defPPr>
-                <a:lvl1pPr marL="0" algn="l" defTabSz="914400" rtl="0" eaLnBrk="1" latinLnBrk="0" hangingPunct="1">
-                  <a:defRPr sz="1800" kern="1200">
-                    <a:solidFill>
-                      <a:schemeClr val="tx1"/>
-                    </a:solidFill>
-                    <a:latin typeface="+mn-lt"/>
-                    <a:ea typeface="+mn-ea"/>
-                    <a:cs typeface="+mn-cs"/>
-                  </a:defRPr>
-                </a:lvl1pPr>
-                <a:lvl2pPr marL="457200" algn="l" defTabSz="914400" rtl="0" eaLnBrk="1" latinLnBrk="0" hangingPunct="1">
-                  <a:defRPr sz="1800" kern="1200">
-                    <a:solidFill>
-                      <a:schemeClr val="tx1"/>
-                    </a:solidFill>
-                    <a:latin typeface="+mn-lt"/>
-                    <a:ea typeface="+mn-ea"/>
-                    <a:cs typeface="+mn-cs"/>
-                  </a:defRPr>
-                </a:lvl2pPr>
-                <a:lvl3pPr marL="914400" algn="l" defTabSz="914400" rtl="0" eaLnBrk="1" latinLnBrk="0" hangingPunct="1">
-                  <a:defRPr sz="1800" kern="1200">
-                    <a:solidFill>
-                      <a:schemeClr val="tx1"/>
-                    </a:solidFill>
-                    <a:latin typeface="+mn-lt"/>
-                    <a:ea typeface="+mn-ea"/>
-                    <a:cs typeface="+mn-cs"/>
-                  </a:defRPr>
-                </a:lvl3pPr>
-                <a:lvl4pPr marL="1371600" algn="l" defTabSz="914400" rtl="0" eaLnBrk="1" latinLnBrk="0" hangingPunct="1">
-                  <a:defRPr sz="1800" kern="1200">
-                    <a:solidFill>
-                      <a:schemeClr val="tx1"/>
-                    </a:solidFill>
-                    <a:latin typeface="+mn-lt"/>
-                    <a:ea typeface="+mn-ea"/>
-                    <a:cs typeface="+mn-cs"/>
-                  </a:defRPr>
-                </a:lvl4pPr>
-                <a:lvl5pPr marL="1828800" algn="l" defTabSz="914400" rtl="0" eaLnBrk="1" latinLnBrk="0" hangingPunct="1">
-                  <a:defRPr sz="1800" kern="1200">
-                    <a:solidFill>
-                      <a:schemeClr val="tx1"/>
-                    </a:solidFill>
-                    <a:latin typeface="+mn-lt"/>
-                    <a:ea typeface="+mn-ea"/>
-                    <a:cs typeface="+mn-cs"/>
-                  </a:defRPr>
-                </a:lvl5pPr>
-                <a:lvl6pPr marL="2286000" algn="l" defTabSz="914400" rtl="0" eaLnBrk="1" latinLnBrk="0" hangingPunct="1">
-                  <a:defRPr sz="1800" kern="1200">
-                    <a:solidFill>
-                      <a:schemeClr val="tx1"/>
-                    </a:solidFill>
-                    <a:latin typeface="+mn-lt"/>
-                    <a:ea typeface="+mn-ea"/>
-                    <a:cs typeface="+mn-cs"/>
-                  </a:defRPr>
-                </a:lvl6pPr>
-                <a:lvl7pPr marL="2743200" algn="l" defTabSz="914400" rtl="0" eaLnBrk="1" latinLnBrk="0" hangingPunct="1">
-                  <a:defRPr sz="1800" kern="1200">
-                    <a:solidFill>
-                      <a:schemeClr val="tx1"/>
-                    </a:solidFill>
-                    <a:latin typeface="+mn-lt"/>
-                    <a:ea typeface="+mn-ea"/>
-                    <a:cs typeface="+mn-cs"/>
-                  </a:defRPr>
-                </a:lvl7pPr>
-                <a:lvl8pPr marL="3200400" algn="l" defTabSz="914400" rtl="0" eaLnBrk="1" latinLnBrk="0" hangingPunct="1">
-                  <a:defRPr sz="1800" kern="1200">
-                    <a:solidFill>
-                      <a:schemeClr val="tx1"/>
-                    </a:solidFill>
-                    <a:latin typeface="+mn-lt"/>
-                    <a:ea typeface="+mn-ea"/>
-                    <a:cs typeface="+mn-cs"/>
-                  </a:defRPr>
-                </a:lvl8pPr>
-                <a:lvl9pPr marL="3657600" algn="l" defTabSz="914400" rtl="0" eaLnBrk="1" latinLnBrk="0" hangingPunct="1">
-                  <a:defRPr sz="1800" kern="1200">
-                    <a:solidFill>
-                      <a:schemeClr val="tx1"/>
-                    </a:solidFill>
-                    <a:latin typeface="+mn-lt"/>
-                    <a:ea typeface="+mn-ea"/>
-                    <a:cs typeface="+mn-cs"/>
-                  </a:defRPr>
-                </a:lvl9pPr>
-              </a:lstStyle>
-              <a:p>
-                <a:pPr algn="ctr" fontAlgn="base">
-                  <a:lnSpc>
-                    <a:spcPct val="120000"/>
-                  </a:lnSpc>
-                  <a:spcBef>
-                    <a:spcPct val="0"/>
-                  </a:spcBef>
-                  <a:spcAft>
-                    <a:spcPct val="0"/>
-                  </a:spcAft>
-                  <a:defRPr/>
-                </a:pPr>
-                <a:r>
-                  <a:rPr lang="en-US" altLang="zh-CN" sz="1600" b="1" dirty="0">
-                    <a:solidFill>
-                      <a:sysClr val="window" lastClr="FFFFFF">
-                        <a:lumMod val="95000"/>
-                      </a:sysClr>
-                    </a:solidFill>
-                    <a:latin typeface="微软雅黑" panose="020B0503020204020204" pitchFamily="34" charset="-122"/>
-                    <a:ea typeface="微软雅黑" panose="020B0503020204020204" pitchFamily="34" charset="-122"/>
-                  </a:rPr>
-                  <a:t>BR</a:t>
-                </a:r>
-                <a:endParaRPr lang="zh-CN" altLang="zh-CN" sz="1600" b="1" dirty="0">
-                  <a:solidFill>
-                    <a:sysClr val="window" lastClr="FFFFFF">
-                      <a:lumMod val="95000"/>
-                    </a:sysClr>
-                  </a:solidFill>
-                  <a:latin typeface="微软雅黑" panose="020B0503020204020204" pitchFamily="34" charset="-122"/>
-                  <a:ea typeface="微软雅黑" panose="020B0503020204020204" pitchFamily="34" charset="-122"/>
-                </a:endParaRPr>
-              </a:p>
-            </p:txBody>
-          </p:sp>
-          <p:sp>
-            <p:nvSpPr>
-              <p:cNvPr id="14" name="标题1"/>
-              <p:cNvSpPr>
-                <a:spLocks noChangeArrowheads="1"/>
-              </p:cNvSpPr>
-              <p:nvPr/>
-            </p:nvSpPr>
-            <p:spPr bwMode="gray">
-              <a:xfrm>
-                <a:off x="2305532" y="2919966"/>
-                <a:ext cx="1017070" cy="544551"/>
-              </a:xfrm>
-              <a:prstGeom prst="rect">
-                <a:avLst/>
-              </a:prstGeom>
-              <a:solidFill>
-                <a:schemeClr val="accent1"/>
-              </a:solidFill>
-              <a:ln w="25400" cap="flat" cmpd="sng" algn="ctr">
-                <a:noFill/>
-                <a:prstDash val="solid"/>
-              </a:ln>
-              <a:effectLst/>
-            </p:spPr>
-            <p:txBody>
-              <a:bodyPr lIns="62118" tIns="31058" rIns="62118" bIns="31058" anchor="ctr"/>
-              <a:lstStyle>
-                <a:defPPr>
-                  <a:defRPr lang="zh-CN"/>
-                </a:defPPr>
-                <a:lvl1pPr marL="0" algn="l" defTabSz="914400" rtl="0" eaLnBrk="1" latinLnBrk="0" hangingPunct="1">
-                  <a:defRPr sz="1800" kern="1200">
-                    <a:solidFill>
-                      <a:schemeClr val="tx1"/>
-                    </a:solidFill>
-                    <a:latin typeface="+mn-lt"/>
-                    <a:ea typeface="+mn-ea"/>
-                    <a:cs typeface="+mn-cs"/>
-                  </a:defRPr>
-                </a:lvl1pPr>
-                <a:lvl2pPr marL="457200" algn="l" defTabSz="914400" rtl="0" eaLnBrk="1" latinLnBrk="0" hangingPunct="1">
-                  <a:defRPr sz="1800" kern="1200">
-                    <a:solidFill>
-                      <a:schemeClr val="tx1"/>
-                    </a:solidFill>
-                    <a:latin typeface="+mn-lt"/>
-                    <a:ea typeface="+mn-ea"/>
-                    <a:cs typeface="+mn-cs"/>
-                  </a:defRPr>
-                </a:lvl2pPr>
-                <a:lvl3pPr marL="914400" algn="l" defTabSz="914400" rtl="0" eaLnBrk="1" latinLnBrk="0" hangingPunct="1">
-                  <a:defRPr sz="1800" kern="1200">
-                    <a:solidFill>
-                      <a:schemeClr val="tx1"/>
-                    </a:solidFill>
-                    <a:latin typeface="+mn-lt"/>
-                    <a:ea typeface="+mn-ea"/>
-                    <a:cs typeface="+mn-cs"/>
-                  </a:defRPr>
-                </a:lvl3pPr>
-                <a:lvl4pPr marL="1371600" algn="l" defTabSz="914400" rtl="0" eaLnBrk="1" latinLnBrk="0" hangingPunct="1">
-                  <a:defRPr sz="1800" kern="1200">
-                    <a:solidFill>
-                      <a:schemeClr val="tx1"/>
-                    </a:solidFill>
-                    <a:latin typeface="+mn-lt"/>
-                    <a:ea typeface="+mn-ea"/>
-                    <a:cs typeface="+mn-cs"/>
-                  </a:defRPr>
-                </a:lvl4pPr>
-                <a:lvl5pPr marL="1828800" algn="l" defTabSz="914400" rtl="0" eaLnBrk="1" latinLnBrk="0" hangingPunct="1">
-                  <a:defRPr sz="1800" kern="1200">
-                    <a:solidFill>
-                      <a:schemeClr val="tx1"/>
-                    </a:solidFill>
-                    <a:latin typeface="+mn-lt"/>
-                    <a:ea typeface="+mn-ea"/>
-                    <a:cs typeface="+mn-cs"/>
-                  </a:defRPr>
-                </a:lvl5pPr>
-                <a:lvl6pPr marL="2286000" algn="l" defTabSz="914400" rtl="0" eaLnBrk="1" latinLnBrk="0" hangingPunct="1">
-                  <a:defRPr sz="1800" kern="1200">
-                    <a:solidFill>
-                      <a:schemeClr val="tx1"/>
-                    </a:solidFill>
-                    <a:latin typeface="+mn-lt"/>
-                    <a:ea typeface="+mn-ea"/>
-                    <a:cs typeface="+mn-cs"/>
-                  </a:defRPr>
-                </a:lvl6pPr>
-                <a:lvl7pPr marL="2743200" algn="l" defTabSz="914400" rtl="0" eaLnBrk="1" latinLnBrk="0" hangingPunct="1">
-                  <a:defRPr sz="1800" kern="1200">
-                    <a:solidFill>
-                      <a:schemeClr val="tx1"/>
-                    </a:solidFill>
-                    <a:latin typeface="+mn-lt"/>
-                    <a:ea typeface="+mn-ea"/>
-                    <a:cs typeface="+mn-cs"/>
-                  </a:defRPr>
-                </a:lvl7pPr>
-                <a:lvl8pPr marL="3200400" algn="l" defTabSz="914400" rtl="0" eaLnBrk="1" latinLnBrk="0" hangingPunct="1">
-                  <a:defRPr sz="1800" kern="1200">
-                    <a:solidFill>
-                      <a:schemeClr val="tx1"/>
-                    </a:solidFill>
-                    <a:latin typeface="+mn-lt"/>
-                    <a:ea typeface="+mn-ea"/>
-                    <a:cs typeface="+mn-cs"/>
-                  </a:defRPr>
-                </a:lvl8pPr>
-                <a:lvl9pPr marL="3657600" algn="l" defTabSz="914400" rtl="0" eaLnBrk="1" latinLnBrk="0" hangingPunct="1">
-                  <a:defRPr sz="1800" kern="1200">
-                    <a:solidFill>
-                      <a:schemeClr val="tx1"/>
-                    </a:solidFill>
-                    <a:latin typeface="+mn-lt"/>
-                    <a:ea typeface="+mn-ea"/>
-                    <a:cs typeface="+mn-cs"/>
-                  </a:defRPr>
-                </a:lvl9pPr>
-              </a:lstStyle>
-              <a:p>
-                <a:pPr algn="ctr" fontAlgn="base">
-                  <a:lnSpc>
-                    <a:spcPct val="120000"/>
-                  </a:lnSpc>
-                  <a:spcBef>
-                    <a:spcPct val="0"/>
-                  </a:spcBef>
-                  <a:spcAft>
-                    <a:spcPct val="0"/>
-                  </a:spcAft>
-                  <a:defRPr/>
-                </a:pPr>
-                <a:r>
-                  <a:rPr lang="en-US" altLang="zh-CN" sz="1600" b="1" dirty="0">
-                    <a:solidFill>
-                      <a:sysClr val="window" lastClr="FFFFFF">
-                        <a:lumMod val="95000"/>
-                      </a:sysClr>
-                    </a:solidFill>
-                    <a:latin typeface="微软雅黑" panose="020B0503020204020204" pitchFamily="34" charset="-122"/>
-                    <a:ea typeface="微软雅黑" panose="020B0503020204020204" pitchFamily="34" charset="-122"/>
-                  </a:rPr>
-                  <a:t>C2AE</a:t>
-                </a:r>
-                <a:endParaRPr lang="zh-CN" altLang="zh-CN" sz="1600" b="1" dirty="0">
-                  <a:solidFill>
-                    <a:sysClr val="window" lastClr="FFFFFF">
-                      <a:lumMod val="95000"/>
-                    </a:sysClr>
-                  </a:solidFill>
-                  <a:latin typeface="微软雅黑" panose="020B0503020204020204" pitchFamily="34" charset="-122"/>
-                  <a:ea typeface="微软雅黑" panose="020B0503020204020204" pitchFamily="34" charset="-122"/>
-                </a:endParaRPr>
-              </a:p>
-            </p:txBody>
-          </p:sp>
-          <p:sp>
-            <p:nvSpPr>
-              <p:cNvPr id="15" name="标题1"/>
-              <p:cNvSpPr>
-                <a:spLocks noChangeArrowheads="1"/>
-              </p:cNvSpPr>
-              <p:nvPr/>
-            </p:nvSpPr>
-            <p:spPr bwMode="gray">
-              <a:xfrm>
-                <a:off x="2311076" y="1994293"/>
-                <a:ext cx="1017068" cy="642601"/>
-              </a:xfrm>
-              <a:prstGeom prst="rect">
-                <a:avLst/>
-              </a:prstGeom>
-              <a:solidFill>
-                <a:schemeClr val="accent1"/>
-              </a:solidFill>
-              <a:ln w="25400" cap="flat" cmpd="sng" algn="ctr">
-                <a:noFill/>
-                <a:prstDash val="solid"/>
-              </a:ln>
-              <a:effectLst/>
-            </p:spPr>
-            <p:txBody>
-              <a:bodyPr lIns="62118" tIns="31058" rIns="62118" bIns="31058" anchor="ctr"/>
-              <a:lstStyle>
-                <a:defPPr>
-                  <a:defRPr lang="zh-CN"/>
-                </a:defPPr>
-                <a:lvl1pPr marL="0" algn="l" defTabSz="914400" rtl="0" eaLnBrk="1" latinLnBrk="0" hangingPunct="1">
-                  <a:defRPr sz="1800" kern="1200">
-                    <a:solidFill>
-                      <a:schemeClr val="tx1"/>
-                    </a:solidFill>
-                    <a:latin typeface="+mn-lt"/>
-                    <a:ea typeface="+mn-ea"/>
-                    <a:cs typeface="+mn-cs"/>
-                  </a:defRPr>
-                </a:lvl1pPr>
-                <a:lvl2pPr marL="457200" algn="l" defTabSz="914400" rtl="0" eaLnBrk="1" latinLnBrk="0" hangingPunct="1">
-                  <a:defRPr sz="1800" kern="1200">
-                    <a:solidFill>
-                      <a:schemeClr val="tx1"/>
-                    </a:solidFill>
-                    <a:latin typeface="+mn-lt"/>
-                    <a:ea typeface="+mn-ea"/>
-                    <a:cs typeface="+mn-cs"/>
-                  </a:defRPr>
-                </a:lvl2pPr>
-                <a:lvl3pPr marL="914400" algn="l" defTabSz="914400" rtl="0" eaLnBrk="1" latinLnBrk="0" hangingPunct="1">
-                  <a:defRPr sz="1800" kern="1200">
-                    <a:solidFill>
-                      <a:schemeClr val="tx1"/>
-                    </a:solidFill>
-                    <a:latin typeface="+mn-lt"/>
-                    <a:ea typeface="+mn-ea"/>
-                    <a:cs typeface="+mn-cs"/>
-                  </a:defRPr>
-                </a:lvl3pPr>
-                <a:lvl4pPr marL="1371600" algn="l" defTabSz="914400" rtl="0" eaLnBrk="1" latinLnBrk="0" hangingPunct="1">
-                  <a:defRPr sz="1800" kern="1200">
-                    <a:solidFill>
-                      <a:schemeClr val="tx1"/>
-                    </a:solidFill>
-                    <a:latin typeface="+mn-lt"/>
-                    <a:ea typeface="+mn-ea"/>
-                    <a:cs typeface="+mn-cs"/>
-                  </a:defRPr>
-                </a:lvl4pPr>
-                <a:lvl5pPr marL="1828800" algn="l" defTabSz="914400" rtl="0" eaLnBrk="1" latinLnBrk="0" hangingPunct="1">
-                  <a:defRPr sz="1800" kern="1200">
-                    <a:solidFill>
-                      <a:schemeClr val="tx1"/>
-                    </a:solidFill>
-                    <a:latin typeface="+mn-lt"/>
-                    <a:ea typeface="+mn-ea"/>
-                    <a:cs typeface="+mn-cs"/>
-                  </a:defRPr>
-                </a:lvl5pPr>
-                <a:lvl6pPr marL="2286000" algn="l" defTabSz="914400" rtl="0" eaLnBrk="1" latinLnBrk="0" hangingPunct="1">
-                  <a:defRPr sz="1800" kern="1200">
-                    <a:solidFill>
-                      <a:schemeClr val="tx1"/>
-                    </a:solidFill>
-                    <a:latin typeface="+mn-lt"/>
-                    <a:ea typeface="+mn-ea"/>
-                    <a:cs typeface="+mn-cs"/>
-                  </a:defRPr>
-                </a:lvl6pPr>
-                <a:lvl7pPr marL="2743200" algn="l" defTabSz="914400" rtl="0" eaLnBrk="1" latinLnBrk="0" hangingPunct="1">
-                  <a:defRPr sz="1800" kern="1200">
-                    <a:solidFill>
-                      <a:schemeClr val="tx1"/>
-                    </a:solidFill>
-                    <a:latin typeface="+mn-lt"/>
-                    <a:ea typeface="+mn-ea"/>
-                    <a:cs typeface="+mn-cs"/>
-                  </a:defRPr>
-                </a:lvl7pPr>
-                <a:lvl8pPr marL="3200400" algn="l" defTabSz="914400" rtl="0" eaLnBrk="1" latinLnBrk="0" hangingPunct="1">
-                  <a:defRPr sz="1800" kern="1200">
-                    <a:solidFill>
-                      <a:schemeClr val="tx1"/>
-                    </a:solidFill>
-                    <a:latin typeface="+mn-lt"/>
-                    <a:ea typeface="+mn-ea"/>
-                    <a:cs typeface="+mn-cs"/>
-                  </a:defRPr>
-                </a:lvl8pPr>
-                <a:lvl9pPr marL="3657600" algn="l" defTabSz="914400" rtl="0" eaLnBrk="1" latinLnBrk="0" hangingPunct="1">
-                  <a:defRPr sz="1800" kern="1200">
-                    <a:solidFill>
-                      <a:schemeClr val="tx1"/>
-                    </a:solidFill>
-                    <a:latin typeface="+mn-lt"/>
-                    <a:ea typeface="+mn-ea"/>
-                    <a:cs typeface="+mn-cs"/>
-                  </a:defRPr>
-                </a:lvl9pPr>
-              </a:lstStyle>
-              <a:p>
-                <a:pPr algn="ctr" fontAlgn="base">
-                  <a:lnSpc>
-                    <a:spcPct val="120000"/>
-                  </a:lnSpc>
-                  <a:spcBef>
-                    <a:spcPct val="0"/>
-                  </a:spcBef>
-                  <a:spcAft>
-                    <a:spcPct val="0"/>
-                  </a:spcAft>
-                  <a:defRPr/>
-                </a:pPr>
-                <a:r>
-                  <a:rPr lang="en-US" altLang="zh-CN" sz="1600" b="1" dirty="0">
-                    <a:solidFill>
-                      <a:sysClr val="window" lastClr="FFFFFF">
-                        <a:lumMod val="95000"/>
-                      </a:sysClr>
-                    </a:solidFill>
-                    <a:latin typeface="微软雅黑" panose="020B0503020204020204" pitchFamily="34" charset="-122"/>
-                    <a:ea typeface="微软雅黑" panose="020B0503020204020204" pitchFamily="34" charset="-122"/>
-                  </a:rPr>
-                  <a:t>CPLST</a:t>
-                </a:r>
-                <a:endParaRPr lang="zh-CN" altLang="zh-CN" sz="1600" b="1" dirty="0">
-                  <a:solidFill>
-                    <a:sysClr val="window" lastClr="FFFFFF">
-                      <a:lumMod val="95000"/>
-                    </a:sysClr>
-                  </a:solidFill>
-                  <a:latin typeface="微软雅黑" panose="020B0503020204020204" pitchFamily="34" charset="-122"/>
-                  <a:ea typeface="微软雅黑" panose="020B0503020204020204" pitchFamily="34" charset="-122"/>
-                </a:endParaRPr>
-              </a:p>
-            </p:txBody>
-          </p:sp>
-          <p:sp>
-            <p:nvSpPr>
-              <p:cNvPr id="17" name="文本1"/>
-              <p:cNvSpPr>
-                <a:spLocks noChangeArrowheads="1"/>
-              </p:cNvSpPr>
-              <p:nvPr/>
-            </p:nvSpPr>
-            <p:spPr bwMode="gray">
-              <a:xfrm>
-                <a:off x="3602545" y="2029904"/>
-                <a:ext cx="4433306" cy="516901"/>
-              </a:xfrm>
-              <a:prstGeom prst="rect">
-                <a:avLst/>
-              </a:prstGeom>
-              <a:noFill/>
-              <a:ln w="15875" cap="flat" cmpd="sng" algn="ctr">
-                <a:solidFill>
-                  <a:schemeClr val="accent1"/>
-                </a:solidFill>
-                <a:prstDash val="solid"/>
-              </a:ln>
-              <a:effectLst/>
-            </p:spPr>
-            <p:txBody>
-              <a:bodyPr lIns="62118" tIns="31058" rIns="62118" bIns="31058" anchor="ctr"/>
-              <a:lstStyle>
-                <a:defPPr>
-                  <a:defRPr lang="zh-CN"/>
-                </a:defPPr>
-                <a:lvl1pPr marL="0" algn="l" defTabSz="914400" rtl="0" eaLnBrk="1" latinLnBrk="0" hangingPunct="1">
-                  <a:defRPr sz="1800" kern="1200">
-                    <a:solidFill>
-                      <a:schemeClr val="tx1"/>
-                    </a:solidFill>
-                    <a:latin typeface="+mn-lt"/>
-                    <a:ea typeface="+mn-ea"/>
-                    <a:cs typeface="+mn-cs"/>
-                  </a:defRPr>
-                </a:lvl1pPr>
-                <a:lvl2pPr marL="457200" algn="l" defTabSz="914400" rtl="0" eaLnBrk="1" latinLnBrk="0" hangingPunct="1">
-                  <a:defRPr sz="1800" kern="1200">
-                    <a:solidFill>
-                      <a:schemeClr val="tx1"/>
-                    </a:solidFill>
-                    <a:latin typeface="+mn-lt"/>
-                    <a:ea typeface="+mn-ea"/>
-                    <a:cs typeface="+mn-cs"/>
-                  </a:defRPr>
-                </a:lvl2pPr>
-                <a:lvl3pPr marL="914400" algn="l" defTabSz="914400" rtl="0" eaLnBrk="1" latinLnBrk="0" hangingPunct="1">
-                  <a:defRPr sz="1800" kern="1200">
-                    <a:solidFill>
-                      <a:schemeClr val="tx1"/>
-                    </a:solidFill>
-                    <a:latin typeface="+mn-lt"/>
-                    <a:ea typeface="+mn-ea"/>
-                    <a:cs typeface="+mn-cs"/>
-                  </a:defRPr>
-                </a:lvl3pPr>
-                <a:lvl4pPr marL="1371600" algn="l" defTabSz="914400" rtl="0" eaLnBrk="1" latinLnBrk="0" hangingPunct="1">
-                  <a:defRPr sz="1800" kern="1200">
-                    <a:solidFill>
-                      <a:schemeClr val="tx1"/>
-                    </a:solidFill>
-                    <a:latin typeface="+mn-lt"/>
-                    <a:ea typeface="+mn-ea"/>
-                    <a:cs typeface="+mn-cs"/>
-                  </a:defRPr>
-                </a:lvl4pPr>
-                <a:lvl5pPr marL="1828800" algn="l" defTabSz="914400" rtl="0" eaLnBrk="1" latinLnBrk="0" hangingPunct="1">
-                  <a:defRPr sz="1800" kern="1200">
-                    <a:solidFill>
-                      <a:schemeClr val="tx1"/>
-                    </a:solidFill>
-                    <a:latin typeface="+mn-lt"/>
-                    <a:ea typeface="+mn-ea"/>
-                    <a:cs typeface="+mn-cs"/>
-                  </a:defRPr>
-                </a:lvl5pPr>
-                <a:lvl6pPr marL="2286000" algn="l" defTabSz="914400" rtl="0" eaLnBrk="1" latinLnBrk="0" hangingPunct="1">
-                  <a:defRPr sz="1800" kern="1200">
-                    <a:solidFill>
-                      <a:schemeClr val="tx1"/>
-                    </a:solidFill>
-                    <a:latin typeface="+mn-lt"/>
-                    <a:ea typeface="+mn-ea"/>
-                    <a:cs typeface="+mn-cs"/>
-                  </a:defRPr>
-                </a:lvl6pPr>
-                <a:lvl7pPr marL="2743200" algn="l" defTabSz="914400" rtl="0" eaLnBrk="1" latinLnBrk="0" hangingPunct="1">
-                  <a:defRPr sz="1800" kern="1200">
-                    <a:solidFill>
-                      <a:schemeClr val="tx1"/>
-                    </a:solidFill>
-                    <a:latin typeface="+mn-lt"/>
-                    <a:ea typeface="+mn-ea"/>
-                    <a:cs typeface="+mn-cs"/>
-                  </a:defRPr>
-                </a:lvl7pPr>
-                <a:lvl8pPr marL="3200400" algn="l" defTabSz="914400" rtl="0" eaLnBrk="1" latinLnBrk="0" hangingPunct="1">
-                  <a:defRPr sz="1800" kern="1200">
-                    <a:solidFill>
-                      <a:schemeClr val="tx1"/>
-                    </a:solidFill>
-                    <a:latin typeface="+mn-lt"/>
-                    <a:ea typeface="+mn-ea"/>
-                    <a:cs typeface="+mn-cs"/>
-                  </a:defRPr>
-                </a:lvl8pPr>
-                <a:lvl9pPr marL="3657600" algn="l" defTabSz="914400" rtl="0" eaLnBrk="1" latinLnBrk="0" hangingPunct="1">
-                  <a:defRPr sz="1800" kern="1200">
-                    <a:solidFill>
-                      <a:schemeClr val="tx1"/>
-                    </a:solidFill>
-                    <a:latin typeface="+mn-lt"/>
-                    <a:ea typeface="+mn-ea"/>
-                    <a:cs typeface="+mn-cs"/>
-                  </a:defRPr>
-                </a:lvl9pPr>
-              </a:lstStyle>
-              <a:p>
-                <a:pPr fontAlgn="base">
-                  <a:lnSpc>
-                    <a:spcPct val="120000"/>
-                  </a:lnSpc>
-                  <a:spcBef>
-                    <a:spcPct val="0"/>
-                  </a:spcBef>
-                  <a:spcAft>
-                    <a:spcPct val="0"/>
-                  </a:spcAft>
-                  <a:defRPr/>
-                </a:pPr>
-                <a:r>
-                  <a:rPr lang="zh-CN" altLang="en-US" sz="1200" dirty="0">
-                    <a:solidFill>
-                      <a:schemeClr val="tx1">
-                        <a:lumMod val="75000"/>
-                        <a:lumOff val="25000"/>
-                      </a:schemeClr>
-                    </a:solidFill>
-                    <a:latin typeface="微软雅黑" panose="020B0503020204020204" pitchFamily="34" charset="-122"/>
-                    <a:ea typeface="微软雅黑" panose="020B0503020204020204" pitchFamily="34" charset="-122"/>
-                  </a:rPr>
-                  <a:t>高阶方法，使用</a:t>
-                </a:r>
-                <a:r>
-                  <a:rPr lang="en-US" altLang="zh-CN" sz="1200" dirty="0">
-                    <a:solidFill>
-                      <a:schemeClr val="tx1">
-                        <a:lumMod val="75000"/>
-                        <a:lumOff val="25000"/>
-                      </a:schemeClr>
-                    </a:solidFill>
-                    <a:latin typeface="微软雅黑" panose="020B0503020204020204" pitchFamily="34" charset="-122"/>
-                    <a:ea typeface="微软雅黑" panose="020B0503020204020204" pitchFamily="34" charset="-122"/>
-                  </a:rPr>
-                  <a:t>PCA</a:t>
-                </a:r>
-                <a:r>
-                  <a:rPr lang="zh-CN" altLang="en-US" sz="1200" dirty="0">
-                    <a:solidFill>
-                      <a:schemeClr val="tx1">
-                        <a:lumMod val="75000"/>
-                        <a:lumOff val="25000"/>
-                      </a:schemeClr>
-                    </a:solidFill>
-                    <a:latin typeface="微软雅黑" panose="020B0503020204020204" pitchFamily="34" charset="-122"/>
-                    <a:ea typeface="微软雅黑" panose="020B0503020204020204" pitchFamily="34" charset="-122"/>
-                  </a:rPr>
-                  <a:t>来将标签嵌入到隐空间</a:t>
-                </a:r>
-                <a:endParaRPr lang="zh-CN" altLang="zh-CN" sz="1200" dirty="0">
-                  <a:solidFill>
-                    <a:schemeClr val="tx1">
-                      <a:lumMod val="75000"/>
-                      <a:lumOff val="25000"/>
-                    </a:schemeClr>
-                  </a:solidFill>
-                  <a:latin typeface="微软雅黑" panose="020B0503020204020204" pitchFamily="34" charset="-122"/>
-                  <a:ea typeface="微软雅黑" panose="020B0503020204020204" pitchFamily="34" charset="-122"/>
-                </a:endParaRPr>
-              </a:p>
-            </p:txBody>
-          </p:sp>
-          <p:sp>
-            <p:nvSpPr>
-              <p:cNvPr id="19" name="文本1"/>
-              <p:cNvSpPr>
-                <a:spLocks noChangeArrowheads="1"/>
-              </p:cNvSpPr>
-              <p:nvPr/>
-            </p:nvSpPr>
-            <p:spPr bwMode="gray">
-              <a:xfrm>
-                <a:off x="3602545" y="2929152"/>
-                <a:ext cx="4433307" cy="516902"/>
-              </a:xfrm>
-              <a:prstGeom prst="rect">
-                <a:avLst/>
-              </a:prstGeom>
-              <a:noFill/>
-              <a:ln w="15875" cap="flat" cmpd="sng" algn="ctr">
-                <a:solidFill>
-                  <a:schemeClr val="accent1"/>
-                </a:solidFill>
-                <a:prstDash val="solid"/>
-              </a:ln>
-              <a:effectLst/>
-            </p:spPr>
-            <p:txBody>
-              <a:bodyPr lIns="62118" tIns="31058" rIns="62118" bIns="31058" anchor="ctr"/>
-              <a:lstStyle>
-                <a:defPPr>
-                  <a:defRPr lang="zh-CN"/>
-                </a:defPPr>
-                <a:lvl1pPr marL="0" algn="l" defTabSz="914400" rtl="0" eaLnBrk="1" latinLnBrk="0" hangingPunct="1">
-                  <a:defRPr sz="1800" kern="1200">
-                    <a:solidFill>
-                      <a:schemeClr val="tx1"/>
-                    </a:solidFill>
-                    <a:latin typeface="+mn-lt"/>
-                    <a:ea typeface="+mn-ea"/>
-                    <a:cs typeface="+mn-cs"/>
-                  </a:defRPr>
-                </a:lvl1pPr>
-                <a:lvl2pPr marL="457200" algn="l" defTabSz="914400" rtl="0" eaLnBrk="1" latinLnBrk="0" hangingPunct="1">
-                  <a:defRPr sz="1800" kern="1200">
-                    <a:solidFill>
-                      <a:schemeClr val="tx1"/>
-                    </a:solidFill>
-                    <a:latin typeface="+mn-lt"/>
-                    <a:ea typeface="+mn-ea"/>
-                    <a:cs typeface="+mn-cs"/>
-                  </a:defRPr>
-                </a:lvl2pPr>
-                <a:lvl3pPr marL="914400" algn="l" defTabSz="914400" rtl="0" eaLnBrk="1" latinLnBrk="0" hangingPunct="1">
-                  <a:defRPr sz="1800" kern="1200">
-                    <a:solidFill>
-                      <a:schemeClr val="tx1"/>
-                    </a:solidFill>
-                    <a:latin typeface="+mn-lt"/>
-                    <a:ea typeface="+mn-ea"/>
-                    <a:cs typeface="+mn-cs"/>
-                  </a:defRPr>
-                </a:lvl3pPr>
-                <a:lvl4pPr marL="1371600" algn="l" defTabSz="914400" rtl="0" eaLnBrk="1" latinLnBrk="0" hangingPunct="1">
-                  <a:defRPr sz="1800" kern="1200">
-                    <a:solidFill>
-                      <a:schemeClr val="tx1"/>
-                    </a:solidFill>
-                    <a:latin typeface="+mn-lt"/>
-                    <a:ea typeface="+mn-ea"/>
-                    <a:cs typeface="+mn-cs"/>
-                  </a:defRPr>
-                </a:lvl4pPr>
-                <a:lvl5pPr marL="1828800" algn="l" defTabSz="914400" rtl="0" eaLnBrk="1" latinLnBrk="0" hangingPunct="1">
-                  <a:defRPr sz="1800" kern="1200">
-                    <a:solidFill>
-                      <a:schemeClr val="tx1"/>
-                    </a:solidFill>
-                    <a:latin typeface="+mn-lt"/>
-                    <a:ea typeface="+mn-ea"/>
-                    <a:cs typeface="+mn-cs"/>
-                  </a:defRPr>
-                </a:lvl5pPr>
-                <a:lvl6pPr marL="2286000" algn="l" defTabSz="914400" rtl="0" eaLnBrk="1" latinLnBrk="0" hangingPunct="1">
-                  <a:defRPr sz="1800" kern="1200">
-                    <a:solidFill>
-                      <a:schemeClr val="tx1"/>
-                    </a:solidFill>
-                    <a:latin typeface="+mn-lt"/>
-                    <a:ea typeface="+mn-ea"/>
-                    <a:cs typeface="+mn-cs"/>
-                  </a:defRPr>
-                </a:lvl6pPr>
-                <a:lvl7pPr marL="2743200" algn="l" defTabSz="914400" rtl="0" eaLnBrk="1" latinLnBrk="0" hangingPunct="1">
-                  <a:defRPr sz="1800" kern="1200">
-                    <a:solidFill>
-                      <a:schemeClr val="tx1"/>
-                    </a:solidFill>
-                    <a:latin typeface="+mn-lt"/>
-                    <a:ea typeface="+mn-ea"/>
-                    <a:cs typeface="+mn-cs"/>
-                  </a:defRPr>
-                </a:lvl7pPr>
-                <a:lvl8pPr marL="3200400" algn="l" defTabSz="914400" rtl="0" eaLnBrk="1" latinLnBrk="0" hangingPunct="1">
-                  <a:defRPr sz="1800" kern="1200">
-                    <a:solidFill>
-                      <a:schemeClr val="tx1"/>
-                    </a:solidFill>
-                    <a:latin typeface="+mn-lt"/>
-                    <a:ea typeface="+mn-ea"/>
-                    <a:cs typeface="+mn-cs"/>
-                  </a:defRPr>
-                </a:lvl8pPr>
-                <a:lvl9pPr marL="3657600" algn="l" defTabSz="914400" rtl="0" eaLnBrk="1" latinLnBrk="0" hangingPunct="1">
-                  <a:defRPr sz="1800" kern="1200">
-                    <a:solidFill>
-                      <a:schemeClr val="tx1"/>
-                    </a:solidFill>
-                    <a:latin typeface="+mn-lt"/>
-                    <a:ea typeface="+mn-ea"/>
-                    <a:cs typeface="+mn-cs"/>
-                  </a:defRPr>
-                </a:lvl9pPr>
-              </a:lstStyle>
-              <a:p>
-                <a:pPr fontAlgn="base">
-                  <a:lnSpc>
-                    <a:spcPct val="120000"/>
-                  </a:lnSpc>
-                  <a:spcBef>
-                    <a:spcPct val="0"/>
-                  </a:spcBef>
-                  <a:spcAft>
-                    <a:spcPct val="0"/>
-                  </a:spcAft>
-                  <a:defRPr/>
-                </a:pPr>
-                <a:r>
-                  <a:rPr lang="zh-CN" altLang="en-US" sz="1200" dirty="0">
-                    <a:solidFill>
-                      <a:schemeClr val="tx1">
-                        <a:lumMod val="75000"/>
-                        <a:lumOff val="25000"/>
-                      </a:schemeClr>
-                    </a:solidFill>
-                    <a:latin typeface="微软雅黑" panose="020B0503020204020204" pitchFamily="34" charset="-122"/>
-                    <a:ea typeface="微软雅黑" panose="020B0503020204020204" pitchFamily="34" charset="-122"/>
-                  </a:rPr>
-                  <a:t>高阶方法，使用</a:t>
-                </a:r>
-                <a:r>
-                  <a:rPr lang="en-US" altLang="zh-CN" sz="1200" dirty="0" err="1">
-                    <a:solidFill>
-                      <a:schemeClr val="tx1">
-                        <a:lumMod val="75000"/>
-                        <a:lumOff val="25000"/>
-                      </a:schemeClr>
-                    </a:solidFill>
-                    <a:latin typeface="微软雅黑" panose="020B0503020204020204" pitchFamily="34" charset="-122"/>
-                    <a:ea typeface="微软雅黑" panose="020B0503020204020204" pitchFamily="34" charset="-122"/>
-                  </a:rPr>
-                  <a:t>AutoEncoder</a:t>
-                </a:r>
-                <a:r>
-                  <a:rPr lang="zh-CN" altLang="en-US" sz="1200" dirty="0">
-                    <a:solidFill>
-                      <a:schemeClr val="tx1">
-                        <a:lumMod val="75000"/>
-                        <a:lumOff val="25000"/>
-                      </a:schemeClr>
-                    </a:solidFill>
-                    <a:latin typeface="微软雅黑" panose="020B0503020204020204" pitchFamily="34" charset="-122"/>
-                    <a:ea typeface="微软雅黑" panose="020B0503020204020204" pitchFamily="34" charset="-122"/>
-                  </a:rPr>
-                  <a:t>来将标签嵌入到隐空间</a:t>
-                </a:r>
-                <a:endParaRPr lang="zh-CN" altLang="zh-CN" sz="1200" dirty="0">
-                  <a:solidFill>
-                    <a:schemeClr val="tx1">
-                      <a:lumMod val="75000"/>
-                      <a:lumOff val="25000"/>
-                    </a:schemeClr>
-                  </a:solidFill>
-                  <a:latin typeface="微软雅黑" panose="020B0503020204020204" pitchFamily="34" charset="-122"/>
-                  <a:ea typeface="微软雅黑" panose="020B0503020204020204" pitchFamily="34" charset="-122"/>
-                </a:endParaRPr>
-              </a:p>
-            </p:txBody>
-          </p:sp>
-        </p:grpSp>
-      </p:grpSp>
+          <a:prstGeom prst="rect">
+            <a:avLst/>
+          </a:prstGeom>
+        </p:spPr>
+      </p:pic>
       <p:sp>
         <p:nvSpPr>
-          <p:cNvPr id="30" name="Oval 19"/>
-          <p:cNvSpPr>
-            <a:spLocks noChangeArrowheads="1"/>
-          </p:cNvSpPr>
+          <p:cNvPr id="4" name="文本框 3"/>
+          <p:cNvSpPr txBox="1"/>
           <p:nvPr/>
         </p:nvSpPr>
-        <p:spPr bwMode="auto">
+        <p:spPr>
           <a:xfrm>
-            <a:off x="804567" y="3652186"/>
-            <a:ext cx="1124436" cy="1125841"/>
+            <a:off x="7437755" y="1950085"/>
+            <a:ext cx="1400810" cy="370840"/>
           </a:xfrm>
-          <a:prstGeom prst="ellipse">
+          <a:prstGeom prst="rect">
             <a:avLst/>
           </a:prstGeom>
-          <a:solidFill>
-            <a:schemeClr val="accent1"/>
-          </a:solidFill>
-          <a:ln w="9525">
-            <a:noFill/>
-            <a:round/>
-          </a:ln>
-          <a:effectLst/>
+          <a:noFill/>
         </p:spPr>
         <p:txBody>
-          <a:bodyPr lIns="62118" tIns="31058" rIns="62118" bIns="31058" anchor="ctr"/>
-          <a:lstStyle/>
+          <a:bodyPr wrap="square" rtlCol="0">
+            <a:spAutoFit/>
+          </a:bodyPr>
           <a:p>
-            <a:pPr algn="ctr">
+            <a:pPr algn="l">
               <a:lnSpc>
-                <a:spcPct val="120000"/>
+                <a:spcPct val="130000"/>
               </a:lnSpc>
-              <a:defRPr/>
             </a:pPr>
             <a:r>
-              <a:rPr lang="zh-CN" altLang="en-US" sz="1900" b="1" kern="0" dirty="0">
-                <a:solidFill>
-                  <a:schemeClr val="bg1"/>
-                </a:solidFill>
-                <a:latin typeface="Arial" panose="020B0604020202020204" pitchFamily="34" charset="0"/>
-                <a:ea typeface="微软雅黑" panose="020B0503020204020204" pitchFamily="34" charset="-122"/>
+              <a:rPr lang="zh-CN" altLang="en-US" b="1" dirty="0">
+                <a:sym typeface="+mn-ea"/>
               </a:rPr>
-              <a:t>对比算法</a:t>
+              <a:t>联合优于单个</a:t>
             </a:r>
-            <a:endParaRPr lang="zh-CN" altLang="en-US" sz="1900" b="1" kern="0" dirty="0">
-              <a:solidFill>
-                <a:schemeClr val="bg1"/>
-              </a:solidFill>
-              <a:latin typeface="Arial" panose="020B0604020202020204" pitchFamily="34" charset="0"/>
-              <a:ea typeface="微软雅黑" panose="020B0503020204020204" pitchFamily="34" charset="-122"/>
+            <a:endParaRPr lang="zh-CN" altLang="en-US" b="1" dirty="0">
+              <a:sym typeface="+mn-ea"/>
             </a:endParaRPr>
           </a:p>
         </p:txBody>
       </p:sp>
       <p:sp>
         <p:nvSpPr>
-          <p:cNvPr id="32" name="标题1"/>
-          <p:cNvSpPr>
-            <a:spLocks noChangeArrowheads="1"/>
-          </p:cNvSpPr>
+          <p:cNvPr id="3" name="文本框 2"/>
+          <p:cNvSpPr txBox="1"/>
           <p:nvPr/>
         </p:nvSpPr>
-        <p:spPr bwMode="gray">
+        <p:spPr>
           <a:xfrm>
-            <a:off x="2412394" y="3484440"/>
-            <a:ext cx="1017068" cy="459510"/>
+            <a:off x="7437755" y="2269490"/>
+            <a:ext cx="1400810" cy="370840"/>
           </a:xfrm>
           <a:prstGeom prst="rect">
             <a:avLst/>
           </a:prstGeom>
-          <a:solidFill>
-            <a:schemeClr val="accent1"/>
-          </a:solidFill>
-          <a:ln w="25400" cap="flat" cmpd="sng" algn="ctr">
-            <a:noFill/>
-            <a:prstDash val="solid"/>
-          </a:ln>
-          <a:effectLst/>
+          <a:noFill/>
         </p:spPr>
         <p:txBody>
-          <a:bodyPr lIns="62118" tIns="31058" rIns="62118" bIns="31058" anchor="ctr"/>
-          <a:lstStyle>
-            <a:defPPr>
-              <a:defRPr lang="zh-CN"/>
-            </a:defPPr>
-            <a:lvl1pPr marL="0" algn="l" defTabSz="914400" rtl="0" eaLnBrk="1" latinLnBrk="0" hangingPunct="1">
-              <a:defRPr sz="1800" kern="1200">
-                <a:solidFill>
-                  <a:schemeClr val="tx1"/>
-                </a:solidFill>
-                <a:latin typeface="+mn-lt"/>
-                <a:ea typeface="+mn-ea"/>
-                <a:cs typeface="+mn-cs"/>
-              </a:defRPr>
-            </a:lvl1pPr>
-            <a:lvl2pPr marL="457200" algn="l" defTabSz="914400" rtl="0" eaLnBrk="1" latinLnBrk="0" hangingPunct="1">
-              <a:defRPr sz="1800" kern="1200">
-                <a:solidFill>
-                  <a:schemeClr val="tx1"/>
-                </a:solidFill>
-                <a:latin typeface="+mn-lt"/>
-                <a:ea typeface="+mn-ea"/>
-                <a:cs typeface="+mn-cs"/>
-              </a:defRPr>
-            </a:lvl2pPr>
-            <a:lvl3pPr marL="914400" algn="l" defTabSz="914400" rtl="0" eaLnBrk="1" latinLnBrk="0" hangingPunct="1">
-              <a:defRPr sz="1800" kern="1200">
-                <a:solidFill>
-                  <a:schemeClr val="tx1"/>
-                </a:solidFill>
-                <a:latin typeface="+mn-lt"/>
-                <a:ea typeface="+mn-ea"/>
-                <a:cs typeface="+mn-cs"/>
-              </a:defRPr>
-            </a:lvl3pPr>
-            <a:lvl4pPr marL="1371600" algn="l" defTabSz="914400" rtl="0" eaLnBrk="1" latinLnBrk="0" hangingPunct="1">
-              <a:defRPr sz="1800" kern="1200">
-                <a:solidFill>
-                  <a:schemeClr val="tx1"/>
-                </a:solidFill>
-                <a:latin typeface="+mn-lt"/>
-                <a:ea typeface="+mn-ea"/>
-                <a:cs typeface="+mn-cs"/>
-              </a:defRPr>
-            </a:lvl4pPr>
-            <a:lvl5pPr marL="1828800" algn="l" defTabSz="914400" rtl="0" eaLnBrk="1" latinLnBrk="0" hangingPunct="1">
-              <a:defRPr sz="1800" kern="1200">
-                <a:solidFill>
-                  <a:schemeClr val="tx1"/>
-                </a:solidFill>
-                <a:latin typeface="+mn-lt"/>
-                <a:ea typeface="+mn-ea"/>
-                <a:cs typeface="+mn-cs"/>
-              </a:defRPr>
-            </a:lvl5pPr>
-            <a:lvl6pPr marL="2286000" algn="l" defTabSz="914400" rtl="0" eaLnBrk="1" latinLnBrk="0" hangingPunct="1">
-              <a:defRPr sz="1800" kern="1200">
-                <a:solidFill>
-                  <a:schemeClr val="tx1"/>
-                </a:solidFill>
-                <a:latin typeface="+mn-lt"/>
-                <a:ea typeface="+mn-ea"/>
-                <a:cs typeface="+mn-cs"/>
-              </a:defRPr>
-            </a:lvl6pPr>
-            <a:lvl7pPr marL="2743200" algn="l" defTabSz="914400" rtl="0" eaLnBrk="1" latinLnBrk="0" hangingPunct="1">
-              <a:defRPr sz="1800" kern="1200">
-                <a:solidFill>
-                  <a:schemeClr val="tx1"/>
-                </a:solidFill>
-                <a:latin typeface="+mn-lt"/>
-                <a:ea typeface="+mn-ea"/>
-                <a:cs typeface="+mn-cs"/>
-              </a:defRPr>
-            </a:lvl7pPr>
-            <a:lvl8pPr marL="3200400" algn="l" defTabSz="914400" rtl="0" eaLnBrk="1" latinLnBrk="0" hangingPunct="1">
-              <a:defRPr sz="1800" kern="1200">
-                <a:solidFill>
-                  <a:schemeClr val="tx1"/>
-                </a:solidFill>
-                <a:latin typeface="+mn-lt"/>
-                <a:ea typeface="+mn-ea"/>
-                <a:cs typeface="+mn-cs"/>
-              </a:defRPr>
-            </a:lvl8pPr>
-            <a:lvl9pPr marL="3657600" algn="l" defTabSz="914400" rtl="0" eaLnBrk="1" latinLnBrk="0" hangingPunct="1">
-              <a:defRPr sz="1800" kern="1200">
-                <a:solidFill>
-                  <a:schemeClr val="tx1"/>
-                </a:solidFill>
-                <a:latin typeface="+mn-lt"/>
-                <a:ea typeface="+mn-ea"/>
-                <a:cs typeface="+mn-cs"/>
-              </a:defRPr>
-            </a:lvl9pPr>
-          </a:lstStyle>
+          <a:bodyPr wrap="square" rtlCol="0">
+            <a:spAutoFit/>
+          </a:bodyPr>
           <a:p>
-            <a:pPr algn="ctr" fontAlgn="base">
+            <a:pPr algn="l">
               <a:lnSpc>
-                <a:spcPct val="120000"/>
+                <a:spcPct val="130000"/>
               </a:lnSpc>
-              <a:spcBef>
-                <a:spcPct val="0"/>
-              </a:spcBef>
-              <a:spcAft>
-                <a:spcPct val="0"/>
-              </a:spcAft>
-              <a:defRPr/>
             </a:pPr>
             <a:r>
-              <a:rPr lang="en-US" altLang="zh-CN" sz="1600" b="1" dirty="0">
-                <a:solidFill>
-                  <a:sysClr val="window" lastClr="FFFFFF">
-                    <a:lumMod val="95000"/>
-                  </a:sysClr>
-                </a:solidFill>
-                <a:latin typeface="微软雅黑" panose="020B0503020204020204" pitchFamily="34" charset="-122"/>
-                <a:ea typeface="微软雅黑" panose="020B0503020204020204" pitchFamily="34" charset="-122"/>
+              <a:rPr lang="zh-CN" altLang="en-US" b="1" dirty="0">
+                <a:sym typeface="+mn-ea"/>
               </a:rPr>
-              <a:t>ML-</a:t>
+              <a:t>交互优于单向</a:t>
             </a:r>
-            <a:r>
-              <a:rPr lang="en-US" altLang="zh-CN" sz="1600" b="1" dirty="0" err="1">
-                <a:solidFill>
-                  <a:sysClr val="window" lastClr="FFFFFF">
-                    <a:lumMod val="95000"/>
-                  </a:sysClr>
-                </a:solidFill>
-                <a:latin typeface="微软雅黑" panose="020B0503020204020204" pitchFamily="34" charset="-122"/>
-                <a:ea typeface="微软雅黑" panose="020B0503020204020204" pitchFamily="34" charset="-122"/>
-              </a:rPr>
-              <a:t>kNN</a:t>
-            </a:r>
-            <a:endParaRPr lang="zh-CN" altLang="zh-CN" sz="1600" b="1" dirty="0">
-              <a:solidFill>
-                <a:sysClr val="window" lastClr="FFFFFF">
-                  <a:lumMod val="95000"/>
-                </a:sysClr>
-              </a:solidFill>
-              <a:latin typeface="微软雅黑" panose="020B0503020204020204" pitchFamily="34" charset="-122"/>
-              <a:ea typeface="微软雅黑" panose="020B0503020204020204" pitchFamily="34" charset="-122"/>
+            <a:endParaRPr lang="zh-CN" altLang="en-US" b="1" dirty="0">
+              <a:sym typeface="+mn-ea"/>
             </a:endParaRPr>
           </a:p>
         </p:txBody>
       </p:sp>
       <p:sp>
         <p:nvSpPr>
-          <p:cNvPr id="33" name="标题1"/>
-          <p:cNvSpPr>
-            <a:spLocks noChangeArrowheads="1"/>
-          </p:cNvSpPr>
+          <p:cNvPr id="5" name="文本框 4"/>
+          <p:cNvSpPr txBox="1"/>
           <p:nvPr/>
         </p:nvSpPr>
-        <p:spPr bwMode="gray">
+        <p:spPr>
           <a:xfrm>
-            <a:off x="2411871" y="4379479"/>
-            <a:ext cx="1017068" cy="459510"/>
-          </a:xfrm>
-          <a:prstGeom prst="rect">
-            <a:avLst/>
-          </a:prstGeom>
-          <a:solidFill>
-            <a:schemeClr val="accent1"/>
-          </a:solidFill>
-          <a:ln w="25400" cap="flat" cmpd="sng" algn="ctr">
-            <a:noFill/>
-            <a:prstDash val="solid"/>
-          </a:ln>
-          <a:effectLst/>
-        </p:spPr>
-        <p:txBody>
-          <a:bodyPr lIns="62118" tIns="31058" rIns="62118" bIns="31058" anchor="ctr"/>
-          <a:lstStyle>
-            <a:defPPr>
-              <a:defRPr lang="zh-CN"/>
-            </a:defPPr>
-            <a:lvl1pPr marL="0" algn="l" defTabSz="914400" rtl="0" eaLnBrk="1" latinLnBrk="0" hangingPunct="1">
-              <a:defRPr sz="1800" kern="1200">
-                <a:solidFill>
-                  <a:schemeClr val="tx1"/>
-                </a:solidFill>
-                <a:latin typeface="+mn-lt"/>
-                <a:ea typeface="+mn-ea"/>
-                <a:cs typeface="+mn-cs"/>
-              </a:defRPr>
-            </a:lvl1pPr>
-            <a:lvl2pPr marL="457200" algn="l" defTabSz="914400" rtl="0" eaLnBrk="1" latinLnBrk="0" hangingPunct="1">
-              <a:defRPr sz="1800" kern="1200">
-                <a:solidFill>
-                  <a:schemeClr val="tx1"/>
-                </a:solidFill>
-                <a:latin typeface="+mn-lt"/>
-                <a:ea typeface="+mn-ea"/>
-                <a:cs typeface="+mn-cs"/>
-              </a:defRPr>
-            </a:lvl2pPr>
-            <a:lvl3pPr marL="914400" algn="l" defTabSz="914400" rtl="0" eaLnBrk="1" latinLnBrk="0" hangingPunct="1">
-              <a:defRPr sz="1800" kern="1200">
-                <a:solidFill>
-                  <a:schemeClr val="tx1"/>
-                </a:solidFill>
-                <a:latin typeface="+mn-lt"/>
-                <a:ea typeface="+mn-ea"/>
-                <a:cs typeface="+mn-cs"/>
-              </a:defRPr>
-            </a:lvl3pPr>
-            <a:lvl4pPr marL="1371600" algn="l" defTabSz="914400" rtl="0" eaLnBrk="1" latinLnBrk="0" hangingPunct="1">
-              <a:defRPr sz="1800" kern="1200">
-                <a:solidFill>
-                  <a:schemeClr val="tx1"/>
-                </a:solidFill>
-                <a:latin typeface="+mn-lt"/>
-                <a:ea typeface="+mn-ea"/>
-                <a:cs typeface="+mn-cs"/>
-              </a:defRPr>
-            </a:lvl4pPr>
-            <a:lvl5pPr marL="1828800" algn="l" defTabSz="914400" rtl="0" eaLnBrk="1" latinLnBrk="0" hangingPunct="1">
-              <a:defRPr sz="1800" kern="1200">
-                <a:solidFill>
-                  <a:schemeClr val="tx1"/>
-                </a:solidFill>
-                <a:latin typeface="+mn-lt"/>
-                <a:ea typeface="+mn-ea"/>
-                <a:cs typeface="+mn-cs"/>
-              </a:defRPr>
-            </a:lvl5pPr>
-            <a:lvl6pPr marL="2286000" algn="l" defTabSz="914400" rtl="0" eaLnBrk="1" latinLnBrk="0" hangingPunct="1">
-              <a:defRPr sz="1800" kern="1200">
-                <a:solidFill>
-                  <a:schemeClr val="tx1"/>
-                </a:solidFill>
-                <a:latin typeface="+mn-lt"/>
-                <a:ea typeface="+mn-ea"/>
-                <a:cs typeface="+mn-cs"/>
-              </a:defRPr>
-            </a:lvl6pPr>
-            <a:lvl7pPr marL="2743200" algn="l" defTabSz="914400" rtl="0" eaLnBrk="1" latinLnBrk="0" hangingPunct="1">
-              <a:defRPr sz="1800" kern="1200">
-                <a:solidFill>
-                  <a:schemeClr val="tx1"/>
-                </a:solidFill>
-                <a:latin typeface="+mn-lt"/>
-                <a:ea typeface="+mn-ea"/>
-                <a:cs typeface="+mn-cs"/>
-              </a:defRPr>
-            </a:lvl7pPr>
-            <a:lvl8pPr marL="3200400" algn="l" defTabSz="914400" rtl="0" eaLnBrk="1" latinLnBrk="0" hangingPunct="1">
-              <a:defRPr sz="1800" kern="1200">
-                <a:solidFill>
-                  <a:schemeClr val="tx1"/>
-                </a:solidFill>
-                <a:latin typeface="+mn-lt"/>
-                <a:ea typeface="+mn-ea"/>
-                <a:cs typeface="+mn-cs"/>
-              </a:defRPr>
-            </a:lvl8pPr>
-            <a:lvl9pPr marL="3657600" algn="l" defTabSz="914400" rtl="0" eaLnBrk="1" latinLnBrk="0" hangingPunct="1">
-              <a:defRPr sz="1800" kern="1200">
-                <a:solidFill>
-                  <a:schemeClr val="tx1"/>
-                </a:solidFill>
-                <a:latin typeface="+mn-lt"/>
-                <a:ea typeface="+mn-ea"/>
-                <a:cs typeface="+mn-cs"/>
-              </a:defRPr>
-            </a:lvl9pPr>
-          </a:lstStyle>
-          <a:p>
-            <a:pPr algn="ctr" fontAlgn="base">
-              <a:lnSpc>
-                <a:spcPct val="120000"/>
-              </a:lnSpc>
-              <a:spcBef>
-                <a:spcPct val="0"/>
-              </a:spcBef>
-              <a:spcAft>
-                <a:spcPct val="0"/>
-              </a:spcAft>
-              <a:defRPr/>
-            </a:pPr>
-            <a:r>
-              <a:rPr lang="en-US" altLang="zh-CN" sz="1600" b="1" dirty="0">
-                <a:solidFill>
-                  <a:sysClr val="window" lastClr="FFFFFF">
-                    <a:lumMod val="95000"/>
-                  </a:sysClr>
-                </a:solidFill>
-                <a:latin typeface="微软雅黑" panose="020B0503020204020204" pitchFamily="34" charset="-122"/>
-                <a:ea typeface="微软雅黑" panose="020B0503020204020204" pitchFamily="34" charset="-122"/>
-              </a:rPr>
-              <a:t>LM-</a:t>
-            </a:r>
-            <a:r>
-              <a:rPr lang="en-US" altLang="zh-CN" sz="1600" b="1" dirty="0" err="1">
-                <a:solidFill>
-                  <a:sysClr val="window" lastClr="FFFFFF">
-                    <a:lumMod val="95000"/>
-                  </a:sysClr>
-                </a:solidFill>
-                <a:latin typeface="微软雅黑" panose="020B0503020204020204" pitchFamily="34" charset="-122"/>
-                <a:ea typeface="微软雅黑" panose="020B0503020204020204" pitchFamily="34" charset="-122"/>
-              </a:rPr>
-              <a:t>kNN</a:t>
-            </a:r>
-            <a:endParaRPr lang="zh-CN" altLang="zh-CN" sz="1600" b="1" dirty="0">
-              <a:solidFill>
-                <a:sysClr val="window" lastClr="FFFFFF">
-                  <a:lumMod val="95000"/>
-                </a:sysClr>
-              </a:solidFill>
-              <a:latin typeface="微软雅黑" panose="020B0503020204020204" pitchFamily="34" charset="-122"/>
-              <a:ea typeface="微软雅黑" panose="020B0503020204020204" pitchFamily="34" charset="-122"/>
-            </a:endParaRPr>
-          </a:p>
-        </p:txBody>
-      </p:sp>
-      <p:sp>
-        <p:nvSpPr>
-          <p:cNvPr id="36" name="文本1"/>
-          <p:cNvSpPr>
-            <a:spLocks noChangeArrowheads="1"/>
-          </p:cNvSpPr>
-          <p:nvPr/>
-        </p:nvSpPr>
-        <p:spPr bwMode="gray">
-          <a:xfrm>
-            <a:off x="3695936" y="3443582"/>
-            <a:ext cx="4433307" cy="516902"/>
+            <a:off x="7437755" y="2640330"/>
+            <a:ext cx="1400810" cy="370840"/>
           </a:xfrm>
           <a:prstGeom prst="rect">
             <a:avLst/>
           </a:prstGeom>
           <a:noFill/>
-          <a:ln w="15875" cap="flat" cmpd="sng" algn="ctr">
-            <a:solidFill>
-              <a:schemeClr val="accent1"/>
-            </a:solidFill>
-            <a:prstDash val="solid"/>
-          </a:ln>
-          <a:effectLst/>
         </p:spPr>
         <p:txBody>
-          <a:bodyPr lIns="62118" tIns="31058" rIns="62118" bIns="31058" anchor="ctr"/>
-          <a:lstStyle>
-            <a:defPPr>
-              <a:defRPr lang="zh-CN"/>
-            </a:defPPr>
-            <a:lvl1pPr marL="0" algn="l" defTabSz="914400" rtl="0" eaLnBrk="1" latinLnBrk="0" hangingPunct="1">
-              <a:defRPr sz="1800" kern="1200">
-                <a:solidFill>
-                  <a:schemeClr val="tx1"/>
-                </a:solidFill>
-                <a:latin typeface="+mn-lt"/>
-                <a:ea typeface="+mn-ea"/>
-                <a:cs typeface="+mn-cs"/>
-              </a:defRPr>
-            </a:lvl1pPr>
-            <a:lvl2pPr marL="457200" algn="l" defTabSz="914400" rtl="0" eaLnBrk="1" latinLnBrk="0" hangingPunct="1">
-              <a:defRPr sz="1800" kern="1200">
-                <a:solidFill>
-                  <a:schemeClr val="tx1"/>
-                </a:solidFill>
-                <a:latin typeface="+mn-lt"/>
-                <a:ea typeface="+mn-ea"/>
-                <a:cs typeface="+mn-cs"/>
-              </a:defRPr>
-            </a:lvl2pPr>
-            <a:lvl3pPr marL="914400" algn="l" defTabSz="914400" rtl="0" eaLnBrk="1" latinLnBrk="0" hangingPunct="1">
-              <a:defRPr sz="1800" kern="1200">
-                <a:solidFill>
-                  <a:schemeClr val="tx1"/>
-                </a:solidFill>
-                <a:latin typeface="+mn-lt"/>
-                <a:ea typeface="+mn-ea"/>
-                <a:cs typeface="+mn-cs"/>
-              </a:defRPr>
-            </a:lvl3pPr>
-            <a:lvl4pPr marL="1371600" algn="l" defTabSz="914400" rtl="0" eaLnBrk="1" latinLnBrk="0" hangingPunct="1">
-              <a:defRPr sz="1800" kern="1200">
-                <a:solidFill>
-                  <a:schemeClr val="tx1"/>
-                </a:solidFill>
-                <a:latin typeface="+mn-lt"/>
-                <a:ea typeface="+mn-ea"/>
-                <a:cs typeface="+mn-cs"/>
-              </a:defRPr>
-            </a:lvl4pPr>
-            <a:lvl5pPr marL="1828800" algn="l" defTabSz="914400" rtl="0" eaLnBrk="1" latinLnBrk="0" hangingPunct="1">
-              <a:defRPr sz="1800" kern="1200">
-                <a:solidFill>
-                  <a:schemeClr val="tx1"/>
-                </a:solidFill>
-                <a:latin typeface="+mn-lt"/>
-                <a:ea typeface="+mn-ea"/>
-                <a:cs typeface="+mn-cs"/>
-              </a:defRPr>
-            </a:lvl5pPr>
-            <a:lvl6pPr marL="2286000" algn="l" defTabSz="914400" rtl="0" eaLnBrk="1" latinLnBrk="0" hangingPunct="1">
-              <a:defRPr sz="1800" kern="1200">
-                <a:solidFill>
-                  <a:schemeClr val="tx1"/>
-                </a:solidFill>
-                <a:latin typeface="+mn-lt"/>
-                <a:ea typeface="+mn-ea"/>
-                <a:cs typeface="+mn-cs"/>
-              </a:defRPr>
-            </a:lvl6pPr>
-            <a:lvl7pPr marL="2743200" algn="l" defTabSz="914400" rtl="0" eaLnBrk="1" latinLnBrk="0" hangingPunct="1">
-              <a:defRPr sz="1800" kern="1200">
-                <a:solidFill>
-                  <a:schemeClr val="tx1"/>
-                </a:solidFill>
-                <a:latin typeface="+mn-lt"/>
-                <a:ea typeface="+mn-ea"/>
-                <a:cs typeface="+mn-cs"/>
-              </a:defRPr>
-            </a:lvl7pPr>
-            <a:lvl8pPr marL="3200400" algn="l" defTabSz="914400" rtl="0" eaLnBrk="1" latinLnBrk="0" hangingPunct="1">
-              <a:defRPr sz="1800" kern="1200">
-                <a:solidFill>
-                  <a:schemeClr val="tx1"/>
-                </a:solidFill>
-                <a:latin typeface="+mn-lt"/>
-                <a:ea typeface="+mn-ea"/>
-                <a:cs typeface="+mn-cs"/>
-              </a:defRPr>
-            </a:lvl8pPr>
-            <a:lvl9pPr marL="3657600" algn="l" defTabSz="914400" rtl="0" eaLnBrk="1" latinLnBrk="0" hangingPunct="1">
-              <a:defRPr sz="1800" kern="1200">
-                <a:solidFill>
-                  <a:schemeClr val="tx1"/>
-                </a:solidFill>
-                <a:latin typeface="+mn-lt"/>
-                <a:ea typeface="+mn-ea"/>
-                <a:cs typeface="+mn-cs"/>
-              </a:defRPr>
-            </a:lvl9pPr>
-          </a:lstStyle>
+          <a:bodyPr wrap="square" rtlCol="0">
+            <a:spAutoFit/>
+          </a:bodyPr>
           <a:p>
-            <a:pPr fontAlgn="base">
+            <a:pPr algn="l">
               <a:lnSpc>
-                <a:spcPct val="120000"/>
+                <a:spcPct val="130000"/>
               </a:lnSpc>
-              <a:spcBef>
-                <a:spcPct val="0"/>
-              </a:spcBef>
-              <a:spcAft>
-                <a:spcPct val="0"/>
-              </a:spcAft>
-              <a:defRPr/>
             </a:pPr>
             <a:r>
-              <a:rPr lang="zh-CN" altLang="en-US" sz="1200" dirty="0">
-                <a:solidFill>
-                  <a:schemeClr val="tx1">
-                    <a:lumMod val="75000"/>
-                    <a:lumOff val="25000"/>
-                  </a:schemeClr>
-                </a:solidFill>
-                <a:latin typeface="微软雅黑" panose="020B0503020204020204" pitchFamily="34" charset="-122"/>
-                <a:ea typeface="微软雅黑" panose="020B0503020204020204" pitchFamily="34" charset="-122"/>
+              <a:rPr lang="en-US" altLang="zh-CN" b="1" dirty="0">
+                <a:sym typeface="+mn-ea"/>
               </a:rPr>
-              <a:t>一阶方法，使用</a:t>
+              <a:t>bert</a:t>
             </a:r>
             <a:r>
-              <a:rPr lang="en-US" altLang="zh-CN" sz="1200" dirty="0">
-                <a:solidFill>
-                  <a:schemeClr val="tx1">
-                    <a:lumMod val="75000"/>
-                    <a:lumOff val="25000"/>
-                  </a:schemeClr>
-                </a:solidFill>
-                <a:latin typeface="微软雅黑" panose="020B0503020204020204" pitchFamily="34" charset="-122"/>
-                <a:ea typeface="微软雅黑" panose="020B0503020204020204" pitchFamily="34" charset="-122"/>
+              <a:rPr lang="zh-CN" altLang="en-US" b="1" dirty="0">
+                <a:sym typeface="+mn-ea"/>
               </a:rPr>
-              <a:t>k-NN</a:t>
+              <a:t>带来提升</a:t>
             </a:r>
-            <a:r>
-              <a:rPr lang="zh-CN" altLang="en-US" sz="1200" dirty="0">
-                <a:solidFill>
-                  <a:schemeClr val="tx1">
-                    <a:lumMod val="75000"/>
-                    <a:lumOff val="25000"/>
-                  </a:schemeClr>
-                </a:solidFill>
-                <a:latin typeface="微软雅黑" panose="020B0503020204020204" pitchFamily="34" charset="-122"/>
-                <a:ea typeface="微软雅黑" panose="020B0503020204020204" pitchFamily="34" charset="-122"/>
-              </a:rPr>
-              <a:t>分类</a:t>
-            </a:r>
-            <a:endParaRPr lang="zh-CN" altLang="zh-CN" sz="1200" dirty="0">
-              <a:solidFill>
-                <a:schemeClr val="tx1">
-                  <a:lumMod val="75000"/>
-                  <a:lumOff val="25000"/>
-                </a:schemeClr>
-              </a:solidFill>
-              <a:latin typeface="微软雅黑" panose="020B0503020204020204" pitchFamily="34" charset="-122"/>
-              <a:ea typeface="微软雅黑" panose="020B0503020204020204" pitchFamily="34" charset="-122"/>
-            </a:endParaRPr>
-          </a:p>
-        </p:txBody>
-      </p:sp>
-      <p:sp>
-        <p:nvSpPr>
-          <p:cNvPr id="37" name="文本1"/>
-          <p:cNvSpPr>
-            <a:spLocks noChangeArrowheads="1"/>
-          </p:cNvSpPr>
-          <p:nvPr/>
-        </p:nvSpPr>
-        <p:spPr bwMode="gray">
-          <a:xfrm>
-            <a:off x="3699655" y="4331960"/>
-            <a:ext cx="4433307" cy="516902"/>
-          </a:xfrm>
-          <a:prstGeom prst="rect">
-            <a:avLst/>
-          </a:prstGeom>
-          <a:noFill/>
-          <a:ln w="15875" cap="flat" cmpd="sng" algn="ctr">
-            <a:solidFill>
-              <a:schemeClr val="accent1"/>
-            </a:solidFill>
-            <a:prstDash val="solid"/>
-          </a:ln>
-          <a:effectLst/>
-        </p:spPr>
-        <p:txBody>
-          <a:bodyPr lIns="62118" tIns="31058" rIns="62118" bIns="31058" anchor="ctr"/>
-          <a:lstStyle>
-            <a:defPPr>
-              <a:defRPr lang="zh-CN"/>
-            </a:defPPr>
-            <a:lvl1pPr marL="0" algn="l" defTabSz="914400" rtl="0" eaLnBrk="1" latinLnBrk="0" hangingPunct="1">
-              <a:defRPr sz="1800" kern="1200">
-                <a:solidFill>
-                  <a:schemeClr val="tx1"/>
-                </a:solidFill>
-                <a:latin typeface="+mn-lt"/>
-                <a:ea typeface="+mn-ea"/>
-                <a:cs typeface="+mn-cs"/>
-              </a:defRPr>
-            </a:lvl1pPr>
-            <a:lvl2pPr marL="457200" algn="l" defTabSz="914400" rtl="0" eaLnBrk="1" latinLnBrk="0" hangingPunct="1">
-              <a:defRPr sz="1800" kern="1200">
-                <a:solidFill>
-                  <a:schemeClr val="tx1"/>
-                </a:solidFill>
-                <a:latin typeface="+mn-lt"/>
-                <a:ea typeface="+mn-ea"/>
-                <a:cs typeface="+mn-cs"/>
-              </a:defRPr>
-            </a:lvl2pPr>
-            <a:lvl3pPr marL="914400" algn="l" defTabSz="914400" rtl="0" eaLnBrk="1" latinLnBrk="0" hangingPunct="1">
-              <a:defRPr sz="1800" kern="1200">
-                <a:solidFill>
-                  <a:schemeClr val="tx1"/>
-                </a:solidFill>
-                <a:latin typeface="+mn-lt"/>
-                <a:ea typeface="+mn-ea"/>
-                <a:cs typeface="+mn-cs"/>
-              </a:defRPr>
-            </a:lvl3pPr>
-            <a:lvl4pPr marL="1371600" algn="l" defTabSz="914400" rtl="0" eaLnBrk="1" latinLnBrk="0" hangingPunct="1">
-              <a:defRPr sz="1800" kern="1200">
-                <a:solidFill>
-                  <a:schemeClr val="tx1"/>
-                </a:solidFill>
-                <a:latin typeface="+mn-lt"/>
-                <a:ea typeface="+mn-ea"/>
-                <a:cs typeface="+mn-cs"/>
-              </a:defRPr>
-            </a:lvl4pPr>
-            <a:lvl5pPr marL="1828800" algn="l" defTabSz="914400" rtl="0" eaLnBrk="1" latinLnBrk="0" hangingPunct="1">
-              <a:defRPr sz="1800" kern="1200">
-                <a:solidFill>
-                  <a:schemeClr val="tx1"/>
-                </a:solidFill>
-                <a:latin typeface="+mn-lt"/>
-                <a:ea typeface="+mn-ea"/>
-                <a:cs typeface="+mn-cs"/>
-              </a:defRPr>
-            </a:lvl5pPr>
-            <a:lvl6pPr marL="2286000" algn="l" defTabSz="914400" rtl="0" eaLnBrk="1" latinLnBrk="0" hangingPunct="1">
-              <a:defRPr sz="1800" kern="1200">
-                <a:solidFill>
-                  <a:schemeClr val="tx1"/>
-                </a:solidFill>
-                <a:latin typeface="+mn-lt"/>
-                <a:ea typeface="+mn-ea"/>
-                <a:cs typeface="+mn-cs"/>
-              </a:defRPr>
-            </a:lvl6pPr>
-            <a:lvl7pPr marL="2743200" algn="l" defTabSz="914400" rtl="0" eaLnBrk="1" latinLnBrk="0" hangingPunct="1">
-              <a:defRPr sz="1800" kern="1200">
-                <a:solidFill>
-                  <a:schemeClr val="tx1"/>
-                </a:solidFill>
-                <a:latin typeface="+mn-lt"/>
-                <a:ea typeface="+mn-ea"/>
-                <a:cs typeface="+mn-cs"/>
-              </a:defRPr>
-            </a:lvl7pPr>
-            <a:lvl8pPr marL="3200400" algn="l" defTabSz="914400" rtl="0" eaLnBrk="1" latinLnBrk="0" hangingPunct="1">
-              <a:defRPr sz="1800" kern="1200">
-                <a:solidFill>
-                  <a:schemeClr val="tx1"/>
-                </a:solidFill>
-                <a:latin typeface="+mn-lt"/>
-                <a:ea typeface="+mn-ea"/>
-                <a:cs typeface="+mn-cs"/>
-              </a:defRPr>
-            </a:lvl8pPr>
-            <a:lvl9pPr marL="3657600" algn="l" defTabSz="914400" rtl="0" eaLnBrk="1" latinLnBrk="0" hangingPunct="1">
-              <a:defRPr sz="1800" kern="1200">
-                <a:solidFill>
-                  <a:schemeClr val="tx1"/>
-                </a:solidFill>
-                <a:latin typeface="+mn-lt"/>
-                <a:ea typeface="+mn-ea"/>
-                <a:cs typeface="+mn-cs"/>
-              </a:defRPr>
-            </a:lvl9pPr>
-          </a:lstStyle>
-          <a:p>
-            <a:pPr fontAlgn="base">
-              <a:lnSpc>
-                <a:spcPct val="120000"/>
-              </a:lnSpc>
-              <a:spcBef>
-                <a:spcPct val="0"/>
-              </a:spcBef>
-              <a:spcAft>
-                <a:spcPct val="0"/>
-              </a:spcAft>
-              <a:defRPr/>
-            </a:pPr>
-            <a:r>
-              <a:rPr lang="zh-CN" altLang="en-US" sz="1200" dirty="0">
-                <a:solidFill>
-                  <a:schemeClr val="tx1">
-                    <a:lumMod val="75000"/>
-                    <a:lumOff val="25000"/>
-                  </a:schemeClr>
-                </a:solidFill>
-                <a:latin typeface="微软雅黑" panose="020B0503020204020204" pitchFamily="34" charset="-122"/>
-                <a:ea typeface="微软雅黑" panose="020B0503020204020204" pitchFamily="34" charset="-122"/>
-              </a:rPr>
-              <a:t>高阶方法，将标签与特征嵌入之后，再使用</a:t>
-            </a:r>
-            <a:r>
-              <a:rPr lang="en-US" altLang="zh-CN" sz="1200" dirty="0">
-                <a:solidFill>
-                  <a:schemeClr val="tx1">
-                    <a:lumMod val="75000"/>
-                    <a:lumOff val="25000"/>
-                  </a:schemeClr>
-                </a:solidFill>
-                <a:latin typeface="微软雅黑" panose="020B0503020204020204" pitchFamily="34" charset="-122"/>
-                <a:ea typeface="微软雅黑" panose="020B0503020204020204" pitchFamily="34" charset="-122"/>
-              </a:rPr>
-              <a:t>k-NN</a:t>
-            </a:r>
-            <a:r>
-              <a:rPr lang="zh-CN" altLang="en-US" sz="1200" dirty="0">
-                <a:solidFill>
-                  <a:schemeClr val="tx1">
-                    <a:lumMod val="75000"/>
-                    <a:lumOff val="25000"/>
-                  </a:schemeClr>
-                </a:solidFill>
-                <a:latin typeface="微软雅黑" panose="020B0503020204020204" pitchFamily="34" charset="-122"/>
-                <a:ea typeface="微软雅黑" panose="020B0503020204020204" pitchFamily="34" charset="-122"/>
-              </a:rPr>
-              <a:t>分类</a:t>
-            </a:r>
-            <a:endParaRPr lang="zh-CN" altLang="zh-CN" sz="1200" dirty="0">
-              <a:solidFill>
-                <a:schemeClr val="tx1">
-                  <a:lumMod val="75000"/>
-                  <a:lumOff val="25000"/>
-                </a:schemeClr>
-              </a:solidFill>
-              <a:latin typeface="微软雅黑" panose="020B0503020204020204" pitchFamily="34" charset="-122"/>
-              <a:ea typeface="微软雅黑" panose="020B0503020204020204" pitchFamily="34" charset="-122"/>
+            <a:endParaRPr lang="zh-CN" altLang="en-US" b="1" dirty="0">
+              <a:sym typeface="+mn-ea"/>
             </a:endParaRPr>
           </a:p>
         </p:txBody>
@@ -23713,7 +21154,7 @@
         <p:spPr bwMode="auto">
           <a:xfrm>
             <a:off x="476188" y="177842"/>
-            <a:ext cx="3810655" cy="461663"/>
+            <a:ext cx="4556760" cy="459105"/>
           </a:xfrm>
           <a:prstGeom prst="rect">
             <a:avLst/>
@@ -23896,7 +21337,7 @@
             </a:lvl9pPr>
           </a:lstStyle>
           <a:p>
-            <a:pPr>
+            <a:pPr algn="l">
               <a:buNone/>
             </a:pPr>
             <a:r>
@@ -23919,12 +21360,18 @@
             </a:r>
             <a:r>
               <a:rPr lang="zh-CN" altLang="en-US" sz="1800" b="1" dirty="0">
+                <a:sym typeface="+mn-ea"/>
+              </a:rPr>
+              <a:t>bert-co-interactive</a:t>
+            </a:r>
+            <a:r>
+              <a:rPr lang="zh-CN" altLang="en-US" sz="1800" b="1" dirty="0">
                 <a:solidFill>
                   <a:schemeClr val="tx1"/>
                 </a:solidFill>
                 <a:latin typeface="Arial" panose="020B0604020202020204" pitchFamily="34" charset="0"/>
               </a:rPr>
-              <a:t>在数据集上算法的性能</a:t>
+              <a:t>消融分析</a:t>
             </a:r>
             <a:endParaRPr lang="zh-CN" altLang="en-US" sz="1800" b="1" dirty="0">
               <a:solidFill>
@@ -24130,32 +21577,78 @@
       </p:sp>
       <p:pic>
         <p:nvPicPr>
-          <p:cNvPr id="2" name="图片 1"/>
+          <p:cNvPr id="3" name="图片 2"/>
           <p:cNvPicPr>
             <a:picLocks noChangeAspect="1"/>
           </p:cNvPicPr>
-          <p:nvPr>
-            <p:custDataLst>
-              <p:tags r:id="rId1"/>
-            </p:custDataLst>
-          </p:nvPr>
+          <p:nvPr/>
         </p:nvPicPr>
         <p:blipFill>
-          <a:blip r:embed="rId2"/>
+          <a:blip r:embed="rId1"/>
           <a:stretch>
             <a:fillRect/>
           </a:stretch>
         </p:blipFill>
         <p:spPr>
           <a:xfrm>
-            <a:off x="1110615" y="966470"/>
-            <a:ext cx="6923405" cy="3211195"/>
+            <a:off x="476250" y="969010"/>
+            <a:ext cx="6729730" cy="3205480"/>
           </a:xfrm>
           <a:prstGeom prst="rect">
             <a:avLst/>
           </a:prstGeom>
         </p:spPr>
       </p:pic>
+      <p:sp>
+        <p:nvSpPr>
+          <p:cNvPr id="4" name="文本框 3"/>
+          <p:cNvSpPr txBox="1"/>
+          <p:nvPr/>
+        </p:nvSpPr>
+        <p:spPr>
+          <a:xfrm>
+            <a:off x="7205980" y="2134870"/>
+            <a:ext cx="1824355" cy="929640"/>
+          </a:xfrm>
+          <a:prstGeom prst="rect">
+            <a:avLst/>
+          </a:prstGeom>
+          <a:noFill/>
+        </p:spPr>
+        <p:txBody>
+          <a:bodyPr wrap="square" rtlCol="0">
+            <a:spAutoFit/>
+          </a:bodyPr>
+          <a:p>
+            <a:pPr algn="l">
+              <a:lnSpc>
+                <a:spcPct val="130000"/>
+              </a:lnSpc>
+            </a:pPr>
+            <a:r>
+              <a:rPr lang="zh-CN" altLang="en-US" b="1" dirty="0">
+                <a:sym typeface="+mn-ea"/>
+              </a:rPr>
+              <a:t>消去</a:t>
+            </a:r>
+            <a:r>
+              <a:rPr lang="en-US" altLang="zh-CN" b="1" dirty="0">
+                <a:sym typeface="+mn-ea"/>
+              </a:rPr>
+              <a:t>bert,attention,</a:t>
+            </a:r>
+            <a:r>
+              <a:rPr lang="zh-CN" altLang="en-US" b="1" dirty="0">
+                <a:sym typeface="+mn-ea"/>
+              </a:rPr>
+              <a:t>信息流均对结果造成影响</a:t>
+            </a:r>
+            <a:endParaRPr lang="zh-CN" altLang="en-US" b="1" dirty="0">
+              <a:sym typeface="+mn-ea"/>
+            </a:endParaRPr>
+          </a:p>
+        </p:txBody>
+      </p:sp>
     </p:spTree>
   </p:cSld>
   <p:clrMapOvr>
@@ -24201,7 +21694,7 @@
         <p:spPr bwMode="auto">
           <a:xfrm>
             <a:off x="476188" y="177842"/>
-            <a:ext cx="2400300" cy="459105"/>
+            <a:ext cx="5126990" cy="459105"/>
           </a:xfrm>
           <a:prstGeom prst="rect">
             <a:avLst/>
@@ -24404,6 +21897,18 @@
                 <a:latin typeface="Arial" panose="020B0604020202020204" pitchFamily="34" charset="0"/>
               </a:rPr>
               <a:t>|</a:t>
+            </a:r>
+            <a:r>
+              <a:rPr lang="zh-CN" altLang="en-US" sz="1800" b="1" dirty="0">
+                <a:sym typeface="+mn-ea"/>
+              </a:rPr>
+              <a:t>co-interactive堆叠</a:t>
+            </a:r>
+            <a:r>
+              <a:rPr lang="zh-CN" altLang="en-US" sz="1800" b="1" dirty="0">
+                <a:sym typeface="+mn-ea"/>
+              </a:rPr>
+              <a:t>层数量</a:t>
             </a:r>
             <a:r>
               <a:rPr lang="zh-CN" altLang="en-US" sz="1800" b="1" dirty="0">
@@ -24618,496 +22123,6 @@
       </p:sp>
       <p:pic>
         <p:nvPicPr>
-          <p:cNvPr id="3" name="图片 2"/>
-          <p:cNvPicPr>
-            <a:picLocks noChangeAspect="1"/>
-          </p:cNvPicPr>
-          <p:nvPr/>
-        </p:nvPicPr>
-        <p:blipFill>
-          <a:blip r:embed="rId1"/>
-          <a:stretch>
-            <a:fillRect/>
-          </a:stretch>
-        </p:blipFill>
-        <p:spPr>
-          <a:xfrm>
-            <a:off x="1207135" y="969010"/>
-            <a:ext cx="6729730" cy="3205480"/>
-          </a:xfrm>
-          <a:prstGeom prst="rect">
-            <a:avLst/>
-          </a:prstGeom>
-        </p:spPr>
-      </p:pic>
-    </p:spTree>
-  </p:cSld>
-  <p:clrMapOvr>
-    <a:masterClrMapping/>
-  </p:clrMapOvr>
-  <p:transition spd="slow" advTm="0"/>
-</p:sld>
-</file>
-
-<file path=ppt/slides/slide26.xml><?xml version="1.0" encoding="utf-8"?>
-<p:sld xmlns:a="http://schemas.openxmlformats.org/drawingml/2006/main" xmlns:r="http://schemas.openxmlformats.org/officeDocument/2006/relationships" xmlns:p="http://schemas.openxmlformats.org/presentationml/2006/main">
-  <p:cSld>
-    <p:bg>
-      <p:bgPr>
-        <a:solidFill>
-          <a:schemeClr val="bg1"/>
-        </a:solidFill>
-        <a:effectLst/>
-      </p:bgPr>
-    </p:bg>
-    <p:spTree>
-      <p:nvGrpSpPr>
-        <p:cNvPr id="1" name=""/>
-        <p:cNvGrpSpPr/>
-        <p:nvPr/>
-      </p:nvGrpSpPr>
-      <p:grpSpPr>
-        <a:xfrm>
-          <a:off x="0" y="0"/>
-          <a:ext cx="0" cy="0"/>
-          <a:chOff x="0" y="0"/>
-          <a:chExt cx="0" cy="0"/>
-        </a:xfrm>
-      </p:grpSpPr>
-      <p:sp>
-        <p:nvSpPr>
-          <p:cNvPr id="82" name="矩形 81"/>
-          <p:cNvSpPr>
-            <a:spLocks noChangeArrowheads="1"/>
-          </p:cNvSpPr>
-          <p:nvPr/>
-        </p:nvSpPr>
-        <p:spPr bwMode="auto">
-          <a:xfrm>
-            <a:off x="476188" y="177842"/>
-            <a:ext cx="3983990" cy="459105"/>
-          </a:xfrm>
-          <a:prstGeom prst="rect">
-            <a:avLst/>
-          </a:prstGeom>
-          <a:noFill/>
-          <a:ln>
-            <a:noFill/>
-          </a:ln>
-          <a:extLst>
-            <a:ext uri="{909E8E84-426E-40DD-AFC4-6F175D3DCCD1}">
-              <a14:hiddenFill xmlns:a14="http://schemas.microsoft.com/office/drawing/2010/main">
-                <a:solidFill>
-                  <a:srgbClr val="FFFFFF"/>
-                </a:solidFill>
-              </a14:hiddenFill>
-            </a:ext>
-            <a:ext uri="{91240B29-F687-4F45-9708-019B960494DF}">
-              <a14:hiddenLine xmlns:a14="http://schemas.microsoft.com/office/drawing/2010/main" w="9525">
-                <a:solidFill>
-                  <a:srgbClr val="000000"/>
-                </a:solidFill>
-                <a:miter lim="800000"/>
-                <a:headEnd/>
-                <a:tailEnd/>
-              </a14:hiddenLine>
-            </a:ext>
-          </a:extLst>
-        </p:spPr>
-        <p:txBody>
-          <a:bodyPr wrap="none" lIns="91438" tIns="45719" rIns="91438" bIns="45719">
-            <a:spAutoFit/>
-          </a:bodyPr>
-          <a:lstStyle>
-            <a:lvl1pPr>
-              <a:spcBef>
-                <a:spcPct val="20000"/>
-              </a:spcBef>
-              <a:buFont typeface="Arial" panose="020B0604020202020204" pitchFamily="34" charset="0"/>
-              <a:buChar char="•"/>
-              <a:defRPr sz="3200">
-                <a:solidFill>
-                  <a:schemeClr val="tx1"/>
-                </a:solidFill>
-                <a:latin typeface="微软雅黑" panose="020B0503020204020204" pitchFamily="34" charset="-122"/>
-                <a:ea typeface="微软雅黑" panose="020B0503020204020204" pitchFamily="34" charset="-122"/>
-                <a:sym typeface="Calibri" panose="020F0502020204030204" pitchFamily="34" charset="0"/>
-              </a:defRPr>
-            </a:lvl1pPr>
-            <a:lvl2pPr marL="742950" indent="-285750">
-              <a:spcBef>
-                <a:spcPct val="20000"/>
-              </a:spcBef>
-              <a:buFont typeface="Arial" panose="020B0604020202020204" pitchFamily="34" charset="0"/>
-              <a:buChar char="–"/>
-              <a:defRPr sz="2800">
-                <a:solidFill>
-                  <a:schemeClr val="tx1"/>
-                </a:solidFill>
-                <a:latin typeface="微软雅黑" panose="020B0503020204020204" pitchFamily="34" charset="-122"/>
-                <a:ea typeface="微软雅黑" panose="020B0503020204020204" pitchFamily="34" charset="-122"/>
-                <a:sym typeface="Calibri" panose="020F0502020204030204" pitchFamily="34" charset="0"/>
-              </a:defRPr>
-            </a:lvl2pPr>
-            <a:lvl3pPr marL="1143000" indent="-228600">
-              <a:spcBef>
-                <a:spcPct val="20000"/>
-              </a:spcBef>
-              <a:buFont typeface="Arial" panose="020B0604020202020204" pitchFamily="34" charset="0"/>
-              <a:buChar char="•"/>
-              <a:defRPr sz="2400">
-                <a:solidFill>
-                  <a:schemeClr val="tx1"/>
-                </a:solidFill>
-                <a:latin typeface="微软雅黑" panose="020B0503020204020204" pitchFamily="34" charset="-122"/>
-                <a:ea typeface="微软雅黑" panose="020B0503020204020204" pitchFamily="34" charset="-122"/>
-                <a:sym typeface="Calibri" panose="020F0502020204030204" pitchFamily="34" charset="0"/>
-              </a:defRPr>
-            </a:lvl3pPr>
-            <a:lvl4pPr marL="1600200" indent="-228600">
-              <a:spcBef>
-                <a:spcPct val="20000"/>
-              </a:spcBef>
-              <a:buFont typeface="Arial" panose="020B0604020202020204" pitchFamily="34" charset="0"/>
-              <a:buChar char="–"/>
-              <a:defRPr sz="2000">
-                <a:solidFill>
-                  <a:schemeClr val="tx1"/>
-                </a:solidFill>
-                <a:latin typeface="微软雅黑" panose="020B0503020204020204" pitchFamily="34" charset="-122"/>
-                <a:ea typeface="微软雅黑" panose="020B0503020204020204" pitchFamily="34" charset="-122"/>
-                <a:sym typeface="Calibri" panose="020F0502020204030204" pitchFamily="34" charset="0"/>
-              </a:defRPr>
-            </a:lvl4pPr>
-            <a:lvl5pPr marL="2057400" indent="-228600">
-              <a:spcBef>
-                <a:spcPct val="20000"/>
-              </a:spcBef>
-              <a:buFont typeface="Arial" panose="020B0604020202020204" pitchFamily="34" charset="0"/>
-              <a:buChar char="»"/>
-              <a:defRPr sz="2000">
-                <a:solidFill>
-                  <a:schemeClr val="tx1"/>
-                </a:solidFill>
-                <a:latin typeface="微软雅黑" panose="020B0503020204020204" pitchFamily="34" charset="-122"/>
-                <a:ea typeface="微软雅黑" panose="020B0503020204020204" pitchFamily="34" charset="-122"/>
-                <a:sym typeface="Calibri" panose="020F0502020204030204" pitchFamily="34" charset="0"/>
-              </a:defRPr>
-            </a:lvl5pPr>
-            <a:lvl6pPr marL="2514600" indent="-228600" eaLnBrk="0" fontAlgn="base" hangingPunct="0">
-              <a:spcBef>
-                <a:spcPct val="20000"/>
-              </a:spcBef>
-              <a:spcAft>
-                <a:spcPct val="0"/>
-              </a:spcAft>
-              <a:buFont typeface="Arial" panose="020B0604020202020204" pitchFamily="34" charset="0"/>
-              <a:buChar char="»"/>
-              <a:defRPr sz="2000">
-                <a:solidFill>
-                  <a:schemeClr val="tx1"/>
-                </a:solidFill>
-                <a:latin typeface="微软雅黑" panose="020B0503020204020204" pitchFamily="34" charset="-122"/>
-                <a:ea typeface="微软雅黑" panose="020B0503020204020204" pitchFamily="34" charset="-122"/>
-                <a:sym typeface="Calibri" panose="020F0502020204030204" pitchFamily="34" charset="0"/>
-              </a:defRPr>
-            </a:lvl6pPr>
-            <a:lvl7pPr marL="2971800" indent="-228600" eaLnBrk="0" fontAlgn="base" hangingPunct="0">
-              <a:spcBef>
-                <a:spcPct val="20000"/>
-              </a:spcBef>
-              <a:spcAft>
-                <a:spcPct val="0"/>
-              </a:spcAft>
-              <a:buFont typeface="Arial" panose="020B0604020202020204" pitchFamily="34" charset="0"/>
-              <a:buChar char="»"/>
-              <a:defRPr sz="2000">
-                <a:solidFill>
-                  <a:schemeClr val="tx1"/>
-                </a:solidFill>
-                <a:latin typeface="微软雅黑" panose="020B0503020204020204" pitchFamily="34" charset="-122"/>
-                <a:ea typeface="微软雅黑" panose="020B0503020204020204" pitchFamily="34" charset="-122"/>
-                <a:sym typeface="Calibri" panose="020F0502020204030204" pitchFamily="34" charset="0"/>
-              </a:defRPr>
-            </a:lvl7pPr>
-            <a:lvl8pPr marL="3429000" indent="-228600" eaLnBrk="0" fontAlgn="base" hangingPunct="0">
-              <a:spcBef>
-                <a:spcPct val="20000"/>
-              </a:spcBef>
-              <a:spcAft>
-                <a:spcPct val="0"/>
-              </a:spcAft>
-              <a:buFont typeface="Arial" panose="020B0604020202020204" pitchFamily="34" charset="0"/>
-              <a:buChar char="»"/>
-              <a:defRPr sz="2000">
-                <a:solidFill>
-                  <a:schemeClr val="tx1"/>
-                </a:solidFill>
-                <a:latin typeface="微软雅黑" panose="020B0503020204020204" pitchFamily="34" charset="-122"/>
-                <a:ea typeface="微软雅黑" panose="020B0503020204020204" pitchFamily="34" charset="-122"/>
-                <a:sym typeface="Calibri" panose="020F0502020204030204" pitchFamily="34" charset="0"/>
-              </a:defRPr>
-            </a:lvl8pPr>
-            <a:lvl9pPr marL="3886200" indent="-228600" eaLnBrk="0" fontAlgn="base" hangingPunct="0">
-              <a:spcBef>
-                <a:spcPct val="20000"/>
-              </a:spcBef>
-              <a:spcAft>
-                <a:spcPct val="0"/>
-              </a:spcAft>
-              <a:buFont typeface="Arial" panose="020B0604020202020204" pitchFamily="34" charset="0"/>
-              <a:buChar char="»"/>
-              <a:defRPr sz="2000">
-                <a:solidFill>
-                  <a:schemeClr val="tx1"/>
-                </a:solidFill>
-                <a:latin typeface="微软雅黑" panose="020B0503020204020204" pitchFamily="34" charset="-122"/>
-                <a:ea typeface="微软雅黑" panose="020B0503020204020204" pitchFamily="34" charset="-122"/>
-                <a:sym typeface="Calibri" panose="020F0502020204030204" pitchFamily="34" charset="0"/>
-              </a:defRPr>
-            </a:lvl9pPr>
-          </a:lstStyle>
-          <a:p>
-            <a:pPr algn="l">
-              <a:buNone/>
-            </a:pPr>
-            <a:r>
-              <a:rPr lang="zh-CN" altLang="en-US" sz="2400" b="1" dirty="0">
-                <a:solidFill>
-                  <a:schemeClr val="tx1"/>
-                </a:solidFill>
-                <a:latin typeface="Arial" panose="020B0604020202020204" pitchFamily="34" charset="0"/>
-              </a:rPr>
-              <a:t>实验结果</a:t>
-            </a:r>
-            <a:r>
-              <a:rPr lang="en-US" altLang="zh-CN" sz="2400" b="1" dirty="0">
-                <a:solidFill>
-                  <a:schemeClr val="tx1"/>
-                </a:solidFill>
-                <a:latin typeface="Arial" panose="020B0604020202020204" pitchFamily="34" charset="0"/>
-              </a:rPr>
-              <a:t>|</a:t>
-            </a:r>
-            <a:r>
-              <a:rPr lang="zh-CN" altLang="en-US" sz="1800" b="1" dirty="0">
-                <a:sym typeface="+mn-ea"/>
-              </a:rPr>
-              <a:t>co-interactive</a:t>
-            </a:r>
-            <a:r>
-              <a:rPr lang="zh-CN" altLang="en-US" sz="1800" b="1" dirty="0">
-                <a:solidFill>
-                  <a:schemeClr val="tx1"/>
-                </a:solidFill>
-                <a:latin typeface="Arial" panose="020B0604020202020204" pitchFamily="34" charset="0"/>
-              </a:rPr>
-              <a:t>消融分析</a:t>
-            </a:r>
-            <a:endParaRPr lang="zh-CN" altLang="en-US" sz="1800" b="1" dirty="0">
-              <a:solidFill>
-                <a:schemeClr val="tx1"/>
-              </a:solidFill>
-              <a:latin typeface="Arial" panose="020B0604020202020204" pitchFamily="34" charset="0"/>
-            </a:endParaRPr>
-          </a:p>
-        </p:txBody>
-      </p:sp>
-      <p:sp>
-        <p:nvSpPr>
-          <p:cNvPr id="83" name="等腰三角形 82"/>
-          <p:cNvSpPr>
-            <a:spLocks noChangeArrowheads="1"/>
-          </p:cNvSpPr>
-          <p:nvPr/>
-        </p:nvSpPr>
-        <p:spPr bwMode="auto">
-          <a:xfrm rot="5400000">
-            <a:off x="-39787" y="157925"/>
-            <a:ext cx="581159" cy="501585"/>
-          </a:xfrm>
-          <a:prstGeom prst="triangle">
-            <a:avLst>
-              <a:gd name="adj" fmla="val 50000"/>
-            </a:avLst>
-          </a:prstGeom>
-          <a:solidFill>
-            <a:schemeClr val="tx1"/>
-          </a:solidFill>
-          <a:ln>
-            <a:noFill/>
-          </a:ln>
-        </p:spPr>
-        <p:txBody>
-          <a:bodyPr lIns="91438" tIns="45719" rIns="91438" bIns="45719" anchor="ctr"/>
-          <a:lstStyle>
-            <a:lvl1pPr>
-              <a:spcBef>
-                <a:spcPct val="20000"/>
-              </a:spcBef>
-              <a:buFont typeface="Arial" panose="020B0604020202020204" pitchFamily="34" charset="0"/>
-              <a:buChar char="•"/>
-              <a:defRPr sz="3200">
-                <a:solidFill>
-                  <a:schemeClr val="tx1"/>
-                </a:solidFill>
-                <a:latin typeface="微软雅黑" panose="020B0503020204020204" pitchFamily="34" charset="-122"/>
-                <a:ea typeface="微软雅黑" panose="020B0503020204020204" pitchFamily="34" charset="-122"/>
-                <a:sym typeface="Calibri" panose="020F0502020204030204" pitchFamily="34" charset="0"/>
-              </a:defRPr>
-            </a:lvl1pPr>
-            <a:lvl2pPr marL="742950" indent="-285750">
-              <a:spcBef>
-                <a:spcPct val="20000"/>
-              </a:spcBef>
-              <a:buFont typeface="Arial" panose="020B0604020202020204" pitchFamily="34" charset="0"/>
-              <a:buChar char="–"/>
-              <a:defRPr sz="2800">
-                <a:solidFill>
-                  <a:schemeClr val="tx1"/>
-                </a:solidFill>
-                <a:latin typeface="微软雅黑" panose="020B0503020204020204" pitchFamily="34" charset="-122"/>
-                <a:ea typeface="微软雅黑" panose="020B0503020204020204" pitchFamily="34" charset="-122"/>
-                <a:sym typeface="Calibri" panose="020F0502020204030204" pitchFamily="34" charset="0"/>
-              </a:defRPr>
-            </a:lvl2pPr>
-            <a:lvl3pPr marL="1143000" indent="-228600">
-              <a:spcBef>
-                <a:spcPct val="20000"/>
-              </a:spcBef>
-              <a:buFont typeface="Arial" panose="020B0604020202020204" pitchFamily="34" charset="0"/>
-              <a:buChar char="•"/>
-              <a:defRPr sz="2400">
-                <a:solidFill>
-                  <a:schemeClr val="tx1"/>
-                </a:solidFill>
-                <a:latin typeface="微软雅黑" panose="020B0503020204020204" pitchFamily="34" charset="-122"/>
-                <a:ea typeface="微软雅黑" panose="020B0503020204020204" pitchFamily="34" charset="-122"/>
-                <a:sym typeface="Calibri" panose="020F0502020204030204" pitchFamily="34" charset="0"/>
-              </a:defRPr>
-            </a:lvl3pPr>
-            <a:lvl4pPr marL="1600200" indent="-228600">
-              <a:spcBef>
-                <a:spcPct val="20000"/>
-              </a:spcBef>
-              <a:buFont typeface="Arial" panose="020B0604020202020204" pitchFamily="34" charset="0"/>
-              <a:buChar char="–"/>
-              <a:defRPr sz="2000">
-                <a:solidFill>
-                  <a:schemeClr val="tx1"/>
-                </a:solidFill>
-                <a:latin typeface="微软雅黑" panose="020B0503020204020204" pitchFamily="34" charset="-122"/>
-                <a:ea typeface="微软雅黑" panose="020B0503020204020204" pitchFamily="34" charset="-122"/>
-                <a:sym typeface="Calibri" panose="020F0502020204030204" pitchFamily="34" charset="0"/>
-              </a:defRPr>
-            </a:lvl4pPr>
-            <a:lvl5pPr marL="2057400" indent="-228600">
-              <a:spcBef>
-                <a:spcPct val="20000"/>
-              </a:spcBef>
-              <a:buFont typeface="Arial" panose="020B0604020202020204" pitchFamily="34" charset="0"/>
-              <a:buChar char="»"/>
-              <a:defRPr sz="2000">
-                <a:solidFill>
-                  <a:schemeClr val="tx1"/>
-                </a:solidFill>
-                <a:latin typeface="微软雅黑" panose="020B0503020204020204" pitchFamily="34" charset="-122"/>
-                <a:ea typeface="微软雅黑" panose="020B0503020204020204" pitchFamily="34" charset="-122"/>
-                <a:sym typeface="Calibri" panose="020F0502020204030204" pitchFamily="34" charset="0"/>
-              </a:defRPr>
-            </a:lvl5pPr>
-            <a:lvl6pPr marL="2514600" indent="-228600" eaLnBrk="0" fontAlgn="base" hangingPunct="0">
-              <a:spcBef>
-                <a:spcPct val="20000"/>
-              </a:spcBef>
-              <a:spcAft>
-                <a:spcPct val="0"/>
-              </a:spcAft>
-              <a:buFont typeface="Arial" panose="020B0604020202020204" pitchFamily="34" charset="0"/>
-              <a:buChar char="»"/>
-              <a:defRPr sz="2000">
-                <a:solidFill>
-                  <a:schemeClr val="tx1"/>
-                </a:solidFill>
-                <a:latin typeface="微软雅黑" panose="020B0503020204020204" pitchFamily="34" charset="-122"/>
-                <a:ea typeface="微软雅黑" panose="020B0503020204020204" pitchFamily="34" charset="-122"/>
-                <a:sym typeface="Calibri" panose="020F0502020204030204" pitchFamily="34" charset="0"/>
-              </a:defRPr>
-            </a:lvl6pPr>
-            <a:lvl7pPr marL="2971800" indent="-228600" eaLnBrk="0" fontAlgn="base" hangingPunct="0">
-              <a:spcBef>
-                <a:spcPct val="20000"/>
-              </a:spcBef>
-              <a:spcAft>
-                <a:spcPct val="0"/>
-              </a:spcAft>
-              <a:buFont typeface="Arial" panose="020B0604020202020204" pitchFamily="34" charset="0"/>
-              <a:buChar char="»"/>
-              <a:defRPr sz="2000">
-                <a:solidFill>
-                  <a:schemeClr val="tx1"/>
-                </a:solidFill>
-                <a:latin typeface="微软雅黑" panose="020B0503020204020204" pitchFamily="34" charset="-122"/>
-                <a:ea typeface="微软雅黑" panose="020B0503020204020204" pitchFamily="34" charset="-122"/>
-                <a:sym typeface="Calibri" panose="020F0502020204030204" pitchFamily="34" charset="0"/>
-              </a:defRPr>
-            </a:lvl7pPr>
-            <a:lvl8pPr marL="3429000" indent="-228600" eaLnBrk="0" fontAlgn="base" hangingPunct="0">
-              <a:spcBef>
-                <a:spcPct val="20000"/>
-              </a:spcBef>
-              <a:spcAft>
-                <a:spcPct val="0"/>
-              </a:spcAft>
-              <a:buFont typeface="Arial" panose="020B0604020202020204" pitchFamily="34" charset="0"/>
-              <a:buChar char="»"/>
-              <a:defRPr sz="2000">
-                <a:solidFill>
-                  <a:schemeClr val="tx1"/>
-                </a:solidFill>
-                <a:latin typeface="微软雅黑" panose="020B0503020204020204" pitchFamily="34" charset="-122"/>
-                <a:ea typeface="微软雅黑" panose="020B0503020204020204" pitchFamily="34" charset="-122"/>
-                <a:sym typeface="Calibri" panose="020F0502020204030204" pitchFamily="34" charset="0"/>
-              </a:defRPr>
-            </a:lvl8pPr>
-            <a:lvl9pPr marL="3886200" indent="-228600" eaLnBrk="0" fontAlgn="base" hangingPunct="0">
-              <a:spcBef>
-                <a:spcPct val="20000"/>
-              </a:spcBef>
-              <a:spcAft>
-                <a:spcPct val="0"/>
-              </a:spcAft>
-              <a:buFont typeface="Arial" panose="020B0604020202020204" pitchFamily="34" charset="0"/>
-              <a:buChar char="»"/>
-              <a:defRPr sz="2000">
-                <a:solidFill>
-                  <a:schemeClr val="tx1"/>
-                </a:solidFill>
-                <a:latin typeface="微软雅黑" panose="020B0503020204020204" pitchFamily="34" charset="-122"/>
-                <a:ea typeface="微软雅黑" panose="020B0503020204020204" pitchFamily="34" charset="-122"/>
-                <a:sym typeface="Calibri" panose="020F0502020204030204" pitchFamily="34" charset="0"/>
-              </a:defRPr>
-            </a:lvl9pPr>
-          </a:lstStyle>
-          <a:p>
-            <a:pPr algn="ctr" eaLnBrk="1" hangingPunct="1">
-              <a:spcBef>
-                <a:spcPct val="0"/>
-              </a:spcBef>
-              <a:buFont typeface="Arial" panose="020B0604020202020204" pitchFamily="34" charset="0"/>
-              <a:buNone/>
-            </a:pPr>
-            <a:endParaRPr lang="zh-CN" altLang="zh-CN" sz="1800">
-              <a:solidFill>
-                <a:srgbClr val="FFFFFF"/>
-              </a:solidFill>
-              <a:sym typeface="微软雅黑" panose="020B0503020204020204" pitchFamily="34" charset="-122"/>
-            </a:endParaRPr>
-          </a:p>
-        </p:txBody>
-      </p:sp>
-      <p:pic>
-        <p:nvPicPr>
           <p:cNvPr id="2" name="图片 1"/>
           <p:cNvPicPr>
             <a:picLocks noChangeAspect="1"/>
@@ -25122,14 +22137,64 @@
         </p:blipFill>
         <p:spPr>
           <a:xfrm>
-            <a:off x="1978025" y="796290"/>
-            <a:ext cx="5187950" cy="3550285"/>
+            <a:off x="501650" y="844550"/>
+            <a:ext cx="5808345" cy="3975100"/>
           </a:xfrm>
           <a:prstGeom prst="rect">
             <a:avLst/>
           </a:prstGeom>
         </p:spPr>
       </p:pic>
+      <p:sp>
+        <p:nvSpPr>
+          <p:cNvPr id="4" name="文本框 3"/>
+          <p:cNvSpPr txBox="1"/>
+          <p:nvPr/>
+        </p:nvSpPr>
+        <p:spPr>
+          <a:xfrm>
+            <a:off x="6605270" y="2106295"/>
+            <a:ext cx="1824355" cy="650240"/>
+          </a:xfrm>
+          <a:prstGeom prst="rect">
+            <a:avLst/>
+          </a:prstGeom>
+          <a:noFill/>
+        </p:spPr>
+        <p:txBody>
+          <a:bodyPr wrap="square" rtlCol="0">
+            <a:spAutoFit/>
+          </a:bodyPr>
+          <a:p>
+            <a:pPr algn="l">
+              <a:lnSpc>
+                <a:spcPct val="130000"/>
+              </a:lnSpc>
+            </a:pPr>
+            <a:r>
+              <a:rPr lang="zh-CN" altLang="en-US" b="1" dirty="0">
+                <a:sym typeface="+mn-ea"/>
+              </a:rPr>
+              <a:t>对叠层数量</a:t>
+            </a:r>
+            <a:r>
+              <a:rPr lang="en-US" altLang="zh-CN" b="1" dirty="0">
+                <a:sym typeface="+mn-ea"/>
+              </a:rPr>
+              <a:t>N=2</a:t>
+            </a:r>
+            <a:r>
+              <a:rPr lang="zh-CN" altLang="en-US" b="1" dirty="0">
+                <a:sym typeface="+mn-ea"/>
+              </a:rPr>
+              <a:t>时效果最好</a:t>
+            </a:r>
+            <a:endParaRPr lang="zh-CN" altLang="en-US" b="1" dirty="0">
+              <a:sym typeface="+mn-ea"/>
+            </a:endParaRPr>
+          </a:p>
+        </p:txBody>
+      </p:sp>
     </p:spTree>
   </p:cSld>
   <p:clrMapOvr>
@@ -25139,7 +22204,7 @@
 </p:sld>
 </file>
 
-<file path=ppt/slides/slide27.xml><?xml version="1.0" encoding="utf-8"?>
+<file path=ppt/slides/slide26.xml><?xml version="1.0" encoding="utf-8"?>
 <p:sld xmlns:a="http://schemas.openxmlformats.org/drawingml/2006/main" xmlns:r="http://schemas.openxmlformats.org/officeDocument/2006/relationships" xmlns:p="http://schemas.openxmlformats.org/presentationml/2006/main">
   <p:cSld>
     <p:bg>
@@ -25355,7 +22420,7 @@
 </p:sld>
 </file>
 
-<file path=ppt/slides/slide28.xml><?xml version="1.0" encoding="utf-8"?>
+<file path=ppt/slides/slide27.xml><?xml version="1.0" encoding="utf-8"?>
 <p:sld xmlns:a="http://schemas.openxmlformats.org/drawingml/2006/main" xmlns:r="http://schemas.openxmlformats.org/officeDocument/2006/relationships" xmlns:p="http://schemas.openxmlformats.org/presentationml/2006/main">
   <p:cSld>
     <p:bg>
@@ -26584,7 +23649,7 @@
 </p:sld>
 </file>
 
-<file path=ppt/slides/slide29.xml><?xml version="1.0" encoding="utf-8"?>
+<file path=ppt/slides/slide28.xml><?xml version="1.0" encoding="utf-8"?>
 <p:sld xmlns:a="http://schemas.openxmlformats.org/drawingml/2006/main" xmlns:r="http://schemas.openxmlformats.org/officeDocument/2006/relationships" xmlns:p="http://schemas.openxmlformats.org/presentationml/2006/main">
   <p:cSld>
     <p:bg>
@@ -29438,223 +26503,7 @@
 </p:sld>
 </file>
 
-<file path=ppt/slides/slide3.xml><?xml version="1.0" encoding="utf-8"?>
-<p:sld xmlns:a="http://schemas.openxmlformats.org/drawingml/2006/main" xmlns:r="http://schemas.openxmlformats.org/officeDocument/2006/relationships" xmlns:p="http://schemas.openxmlformats.org/presentationml/2006/main">
-  <p:cSld>
-    <p:bg>
-      <p:bgPr>
-        <a:solidFill>
-          <a:schemeClr val="bg1"/>
-        </a:solidFill>
-        <a:effectLst/>
-      </p:bgPr>
-    </p:bg>
-    <p:spTree>
-      <p:nvGrpSpPr>
-        <p:cNvPr id="1" name=""/>
-        <p:cNvGrpSpPr/>
-        <p:nvPr/>
-      </p:nvGrpSpPr>
-      <p:grpSpPr>
-        <a:xfrm>
-          <a:off x="0" y="0"/>
-          <a:ext cx="0" cy="0"/>
-          <a:chOff x="0" y="0"/>
-          <a:chExt cx="0" cy="0"/>
-        </a:xfrm>
-      </p:grpSpPr>
-      <p:sp>
-        <p:nvSpPr>
-          <p:cNvPr id="35" name="梯形 34"/>
-          <p:cNvSpPr/>
-          <p:nvPr/>
-        </p:nvSpPr>
-        <p:spPr>
-          <a:xfrm rot="16200000">
-            <a:off x="5584648" y="-338488"/>
-            <a:ext cx="1718803" cy="5399903"/>
-          </a:xfrm>
-          <a:prstGeom prst="trapezoid">
-            <a:avLst>
-              <a:gd name="adj" fmla="val 16935"/>
-            </a:avLst>
-          </a:prstGeom>
-          <a:solidFill>
-            <a:schemeClr val="tx1"/>
-          </a:solidFill>
-          <a:ln>
-            <a:noFill/>
-          </a:ln>
-        </p:spPr>
-        <p:style>
-          <a:lnRef idx="2">
-            <a:schemeClr val="accent1">
-              <a:shade val="50000"/>
-            </a:schemeClr>
-          </a:lnRef>
-          <a:fillRef idx="1">
-            <a:schemeClr val="accent1"/>
-          </a:fillRef>
-          <a:effectRef idx="0">
-            <a:schemeClr val="accent1"/>
-          </a:effectRef>
-          <a:fontRef idx="minor">
-            <a:schemeClr val="lt1"/>
-          </a:fontRef>
-        </p:style>
-        <p:txBody>
-          <a:bodyPr lIns="68580" tIns="34290" rIns="68580" bIns="34290" rtlCol="0" anchor="ctr"/>
-          <a:lstStyle/>
-          <a:p>
-            <a:pPr lvl="0" algn="ctr"/>
-            <a:endParaRPr lang="zh-CN" altLang="en-US" sz="1800"/>
-          </a:p>
-        </p:txBody>
-      </p:sp>
-      <p:sp>
-        <p:nvSpPr>
-          <p:cNvPr id="37" name="梯形 36"/>
-          <p:cNvSpPr/>
-          <p:nvPr/>
-        </p:nvSpPr>
-        <p:spPr>
-          <a:xfrm rot="5400000">
-            <a:off x="998730" y="477602"/>
-            <a:ext cx="1758050" cy="3755509"/>
-          </a:xfrm>
-          <a:prstGeom prst="trapezoid">
-            <a:avLst>
-              <a:gd name="adj" fmla="val 17865"/>
-            </a:avLst>
-          </a:prstGeom>
-          <a:solidFill>
-            <a:schemeClr val="bg1">
-              <a:lumMod val="50000"/>
-              <a:alpha val="80000"/>
-            </a:schemeClr>
-          </a:solidFill>
-          <a:ln>
-            <a:noFill/>
-          </a:ln>
-        </p:spPr>
-        <p:style>
-          <a:lnRef idx="2">
-            <a:schemeClr val="accent1">
-              <a:shade val="50000"/>
-            </a:schemeClr>
-          </a:lnRef>
-          <a:fillRef idx="1">
-            <a:schemeClr val="accent1"/>
-          </a:fillRef>
-          <a:effectRef idx="0">
-            <a:schemeClr val="accent1"/>
-          </a:effectRef>
-          <a:fontRef idx="minor">
-            <a:schemeClr val="lt1"/>
-          </a:fontRef>
-        </p:style>
-        <p:txBody>
-          <a:bodyPr lIns="68580" tIns="34290" rIns="68580" bIns="34290" rtlCol="0" anchor="ctr"/>
-          <a:lstStyle/>
-          <a:p>
-            <a:pPr lvl="0" algn="ctr"/>
-            <a:endParaRPr lang="zh-CN" altLang="en-US" sz="1800"/>
-          </a:p>
-        </p:txBody>
-      </p:sp>
-      <p:sp>
-        <p:nvSpPr>
-          <p:cNvPr id="27" name="文本框 2"/>
-          <p:cNvSpPr txBox="1"/>
-          <p:nvPr/>
-        </p:nvSpPr>
-        <p:spPr>
-          <a:xfrm>
-            <a:off x="2796809" y="1917123"/>
-            <a:ext cx="872675" cy="900246"/>
-          </a:xfrm>
-          <a:prstGeom prst="rect">
-            <a:avLst/>
-          </a:prstGeom>
-          <a:noFill/>
-        </p:spPr>
-        <p:txBody>
-          <a:bodyPr wrap="none" lIns="68580" tIns="34290" rIns="68580" bIns="34290" rtlCol="0">
-            <a:spAutoFit/>
-          </a:bodyPr>
-          <a:lstStyle/>
-          <a:p>
-            <a:r>
-              <a:rPr lang="en-US" altLang="zh-CN" b="1" dirty="0">
-                <a:solidFill>
-                  <a:schemeClr val="bg1"/>
-                </a:solidFill>
-              </a:rPr>
-              <a:t>Part</a:t>
-            </a:r>
-            <a:r>
-              <a:rPr lang="en-US" altLang="zh-CN" sz="5400" b="1" dirty="0">
-                <a:solidFill>
-                  <a:schemeClr val="bg1"/>
-                </a:solidFill>
-              </a:rPr>
-              <a:t>1</a:t>
-            </a:r>
-            <a:endParaRPr lang="zh-CN" altLang="en-US" sz="5400" b="1" dirty="0">
-              <a:solidFill>
-                <a:schemeClr val="bg1"/>
-              </a:solidFill>
-            </a:endParaRPr>
-          </a:p>
-        </p:txBody>
-      </p:sp>
-      <p:sp>
-        <p:nvSpPr>
-          <p:cNvPr id="29" name="矩形 28"/>
-          <p:cNvSpPr/>
-          <p:nvPr/>
-        </p:nvSpPr>
-        <p:spPr>
-          <a:xfrm>
-            <a:off x="4170626" y="2049839"/>
-            <a:ext cx="1061829" cy="623248"/>
-          </a:xfrm>
-          <a:prstGeom prst="rect">
-            <a:avLst/>
-          </a:prstGeom>
-        </p:spPr>
-        <p:txBody>
-          <a:bodyPr wrap="none" lIns="68580" tIns="34290" rIns="68580" bIns="34290">
-            <a:spAutoFit/>
-          </a:bodyPr>
-          <a:lstStyle/>
-          <a:p>
-            <a:r>
-              <a:rPr lang="zh-CN" altLang="en-US" sz="3600" b="1" dirty="0">
-                <a:solidFill>
-                  <a:schemeClr val="bg1"/>
-                </a:solidFill>
-              </a:rPr>
-              <a:t>绪论</a:t>
-            </a:r>
-            <a:endParaRPr lang="zh-CN" altLang="en-US" sz="3600" b="1" dirty="0">
-              <a:solidFill>
-                <a:schemeClr val="bg1"/>
-              </a:solidFill>
-            </a:endParaRPr>
-          </a:p>
-        </p:txBody>
-      </p:sp>
-    </p:spTree>
-  </p:cSld>
-  <p:clrMapOvr>
-    <a:masterClrMapping/>
-  </p:clrMapOvr>
-  <p:transition spd="slow" advTm="0"/>
-</p:sld>
-</file>
-
-<file path=ppt/slides/slide30.xml><?xml version="1.0" encoding="utf-8"?>
+<file path=ppt/slides/slide29.xml><?xml version="1.0" encoding="utf-8"?>
 <p:sld xmlns:a="http://schemas.openxmlformats.org/drawingml/2006/main" xmlns:r="http://schemas.openxmlformats.org/officeDocument/2006/relationships" xmlns:p="http://schemas.openxmlformats.org/presentationml/2006/main">
   <p:cSld>
     <p:bg>
@@ -30717,7 +27566,223 @@
 </p:sld>
 </file>
 
-<file path=ppt/slides/slide31.xml><?xml version="1.0" encoding="utf-8"?>
+<file path=ppt/slides/slide3.xml><?xml version="1.0" encoding="utf-8"?>
+<p:sld xmlns:a="http://schemas.openxmlformats.org/drawingml/2006/main" xmlns:r="http://schemas.openxmlformats.org/officeDocument/2006/relationships" xmlns:p="http://schemas.openxmlformats.org/presentationml/2006/main">
+  <p:cSld>
+    <p:bg>
+      <p:bgPr>
+        <a:solidFill>
+          <a:schemeClr val="bg1"/>
+        </a:solidFill>
+        <a:effectLst/>
+      </p:bgPr>
+    </p:bg>
+    <p:spTree>
+      <p:nvGrpSpPr>
+        <p:cNvPr id="1" name=""/>
+        <p:cNvGrpSpPr/>
+        <p:nvPr/>
+      </p:nvGrpSpPr>
+      <p:grpSpPr>
+        <a:xfrm>
+          <a:off x="0" y="0"/>
+          <a:ext cx="0" cy="0"/>
+          <a:chOff x="0" y="0"/>
+          <a:chExt cx="0" cy="0"/>
+        </a:xfrm>
+      </p:grpSpPr>
+      <p:sp>
+        <p:nvSpPr>
+          <p:cNvPr id="35" name="梯形 34"/>
+          <p:cNvSpPr/>
+          <p:nvPr/>
+        </p:nvSpPr>
+        <p:spPr>
+          <a:xfrm rot="16200000">
+            <a:off x="5584648" y="-338488"/>
+            <a:ext cx="1718803" cy="5399903"/>
+          </a:xfrm>
+          <a:prstGeom prst="trapezoid">
+            <a:avLst>
+              <a:gd name="adj" fmla="val 16935"/>
+            </a:avLst>
+          </a:prstGeom>
+          <a:solidFill>
+            <a:schemeClr val="tx1"/>
+          </a:solidFill>
+          <a:ln>
+            <a:noFill/>
+          </a:ln>
+        </p:spPr>
+        <p:style>
+          <a:lnRef idx="2">
+            <a:schemeClr val="accent1">
+              <a:shade val="50000"/>
+            </a:schemeClr>
+          </a:lnRef>
+          <a:fillRef idx="1">
+            <a:schemeClr val="accent1"/>
+          </a:fillRef>
+          <a:effectRef idx="0">
+            <a:schemeClr val="accent1"/>
+          </a:effectRef>
+          <a:fontRef idx="minor">
+            <a:schemeClr val="lt1"/>
+          </a:fontRef>
+        </p:style>
+        <p:txBody>
+          <a:bodyPr lIns="68580" tIns="34290" rIns="68580" bIns="34290" rtlCol="0" anchor="ctr"/>
+          <a:lstStyle/>
+          <a:p>
+            <a:pPr lvl="0" algn="ctr"/>
+            <a:endParaRPr lang="zh-CN" altLang="en-US" sz="1800"/>
+          </a:p>
+        </p:txBody>
+      </p:sp>
+      <p:sp>
+        <p:nvSpPr>
+          <p:cNvPr id="37" name="梯形 36"/>
+          <p:cNvSpPr/>
+          <p:nvPr/>
+        </p:nvSpPr>
+        <p:spPr>
+          <a:xfrm rot="5400000">
+            <a:off x="998730" y="477602"/>
+            <a:ext cx="1758050" cy="3755509"/>
+          </a:xfrm>
+          <a:prstGeom prst="trapezoid">
+            <a:avLst>
+              <a:gd name="adj" fmla="val 17865"/>
+            </a:avLst>
+          </a:prstGeom>
+          <a:solidFill>
+            <a:schemeClr val="bg1">
+              <a:lumMod val="50000"/>
+              <a:alpha val="80000"/>
+            </a:schemeClr>
+          </a:solidFill>
+          <a:ln>
+            <a:noFill/>
+          </a:ln>
+        </p:spPr>
+        <p:style>
+          <a:lnRef idx="2">
+            <a:schemeClr val="accent1">
+              <a:shade val="50000"/>
+            </a:schemeClr>
+          </a:lnRef>
+          <a:fillRef idx="1">
+            <a:schemeClr val="accent1"/>
+          </a:fillRef>
+          <a:effectRef idx="0">
+            <a:schemeClr val="accent1"/>
+          </a:effectRef>
+          <a:fontRef idx="minor">
+            <a:schemeClr val="lt1"/>
+          </a:fontRef>
+        </p:style>
+        <p:txBody>
+          <a:bodyPr lIns="68580" tIns="34290" rIns="68580" bIns="34290" rtlCol="0" anchor="ctr"/>
+          <a:lstStyle/>
+          <a:p>
+            <a:pPr lvl="0" algn="ctr"/>
+            <a:endParaRPr lang="zh-CN" altLang="en-US" sz="1800"/>
+          </a:p>
+        </p:txBody>
+      </p:sp>
+      <p:sp>
+        <p:nvSpPr>
+          <p:cNvPr id="27" name="文本框 2"/>
+          <p:cNvSpPr txBox="1"/>
+          <p:nvPr/>
+        </p:nvSpPr>
+        <p:spPr>
+          <a:xfrm>
+            <a:off x="2796809" y="1917123"/>
+            <a:ext cx="872675" cy="900246"/>
+          </a:xfrm>
+          <a:prstGeom prst="rect">
+            <a:avLst/>
+          </a:prstGeom>
+          <a:noFill/>
+        </p:spPr>
+        <p:txBody>
+          <a:bodyPr wrap="none" lIns="68580" tIns="34290" rIns="68580" bIns="34290" rtlCol="0">
+            <a:spAutoFit/>
+          </a:bodyPr>
+          <a:lstStyle/>
+          <a:p>
+            <a:r>
+              <a:rPr lang="en-US" altLang="zh-CN" b="1" dirty="0">
+                <a:solidFill>
+                  <a:schemeClr val="bg1"/>
+                </a:solidFill>
+              </a:rPr>
+              <a:t>Part</a:t>
+            </a:r>
+            <a:r>
+              <a:rPr lang="en-US" altLang="zh-CN" sz="5400" b="1" dirty="0">
+                <a:solidFill>
+                  <a:schemeClr val="bg1"/>
+                </a:solidFill>
+              </a:rPr>
+              <a:t>1</a:t>
+            </a:r>
+            <a:endParaRPr lang="zh-CN" altLang="en-US" sz="5400" b="1" dirty="0">
+              <a:solidFill>
+                <a:schemeClr val="bg1"/>
+              </a:solidFill>
+            </a:endParaRPr>
+          </a:p>
+        </p:txBody>
+      </p:sp>
+      <p:sp>
+        <p:nvSpPr>
+          <p:cNvPr id="29" name="矩形 28"/>
+          <p:cNvSpPr/>
+          <p:nvPr/>
+        </p:nvSpPr>
+        <p:spPr>
+          <a:xfrm>
+            <a:off x="4170626" y="2049839"/>
+            <a:ext cx="1061829" cy="623248"/>
+          </a:xfrm>
+          <a:prstGeom prst="rect">
+            <a:avLst/>
+          </a:prstGeom>
+        </p:spPr>
+        <p:txBody>
+          <a:bodyPr wrap="none" lIns="68580" tIns="34290" rIns="68580" bIns="34290">
+            <a:spAutoFit/>
+          </a:bodyPr>
+          <a:lstStyle/>
+          <a:p>
+            <a:r>
+              <a:rPr lang="zh-CN" altLang="en-US" sz="3600" b="1" dirty="0">
+                <a:solidFill>
+                  <a:schemeClr val="bg1"/>
+                </a:solidFill>
+              </a:rPr>
+              <a:t>绪论</a:t>
+            </a:r>
+            <a:endParaRPr lang="zh-CN" altLang="en-US" sz="3600" b="1" dirty="0">
+              <a:solidFill>
+                <a:schemeClr val="bg1"/>
+              </a:solidFill>
+            </a:endParaRPr>
+          </a:p>
+        </p:txBody>
+      </p:sp>
+    </p:spTree>
+  </p:cSld>
+  <p:clrMapOvr>
+    <a:masterClrMapping/>
+  </p:clrMapOvr>
+  <p:transition spd="slow" advTm="0"/>
+</p:sld>
+</file>
+
+<file path=ppt/slides/slide30.xml><?xml version="1.0" encoding="utf-8"?>
 <p:sld xmlns:a="http://schemas.openxmlformats.org/drawingml/2006/main" xmlns:r="http://schemas.openxmlformats.org/officeDocument/2006/relationships" xmlns:p="http://schemas.openxmlformats.org/presentationml/2006/main" show="0">
   <p:cSld>
     <p:bg>
@@ -31944,7 +29009,7 @@
 </p:sld>
 </file>
 
-<file path=ppt/slides/slide32.xml><?xml version="1.0" encoding="utf-8"?>
+<file path=ppt/slides/slide31.xml><?xml version="1.0" encoding="utf-8"?>
 <p:sld xmlns:a="http://schemas.openxmlformats.org/drawingml/2006/main" xmlns:r="http://schemas.openxmlformats.org/officeDocument/2006/relationships" xmlns:p="http://schemas.openxmlformats.org/presentationml/2006/main" show="0">
   <p:cSld>
     <p:bg>
@@ -33220,7 +30285,7 @@
 </p:sld>
 </file>
 
-<file path=ppt/slides/slide33.xml><?xml version="1.0" encoding="utf-8"?>
+<file path=ppt/slides/slide32.xml><?xml version="1.0" encoding="utf-8"?>
 <p:sld xmlns:a="http://schemas.openxmlformats.org/drawingml/2006/main" xmlns:r="http://schemas.openxmlformats.org/officeDocument/2006/relationships" xmlns:p="http://schemas.openxmlformats.org/presentationml/2006/main" show="0">
   <p:cSld>
     <p:bg>
@@ -34558,7 +31623,7 @@
 </p:sld>
 </file>
 
-<file path=ppt/slides/slide34.xml><?xml version="1.0" encoding="utf-8"?>
+<file path=ppt/slides/slide33.xml><?xml version="1.0" encoding="utf-8"?>
 <p:sld xmlns:a="http://schemas.openxmlformats.org/drawingml/2006/main" xmlns:r="http://schemas.openxmlformats.org/officeDocument/2006/relationships" xmlns:p="http://schemas.openxmlformats.org/presentationml/2006/main" show="0">
   <p:cSld>
     <p:bg>
@@ -35030,6 +32095,3624 @@
   <p:transition spd="slow" advClick="0" advTm="0">
     <p:wipe/>
   </p:transition>
+</p:sld>
+</file>
+
+<file path=ppt/slides/slide34.xml><?xml version="1.0" encoding="utf-8"?>
+<p:sld xmlns:a="http://schemas.openxmlformats.org/drawingml/2006/main" xmlns:r="http://schemas.openxmlformats.org/officeDocument/2006/relationships" xmlns:p="http://schemas.openxmlformats.org/presentationml/2006/main" show="0">
+  <p:cSld>
+    <p:bg>
+      <p:bgPr>
+        <a:solidFill>
+          <a:schemeClr val="bg1"/>
+        </a:solidFill>
+        <a:effectLst/>
+      </p:bgPr>
+    </p:bg>
+    <p:spTree>
+      <p:nvGrpSpPr>
+        <p:cNvPr id="1" name=""/>
+        <p:cNvGrpSpPr/>
+        <p:nvPr/>
+      </p:nvGrpSpPr>
+      <p:grpSpPr>
+        <a:xfrm>
+          <a:off x="0" y="0"/>
+          <a:ext cx="0" cy="0"/>
+          <a:chOff x="0" y="0"/>
+          <a:chExt cx="0" cy="0"/>
+        </a:xfrm>
+      </p:grpSpPr>
+      <p:sp>
+        <p:nvSpPr>
+          <p:cNvPr id="35" name="箭头3"/>
+          <p:cNvSpPr/>
+          <p:nvPr/>
+        </p:nvSpPr>
+        <p:spPr bwMode="gray">
+          <a:xfrm flipV="1">
+            <a:off x="1501073" y="4186069"/>
+            <a:ext cx="918416" cy="487438"/>
+          </a:xfrm>
+          <a:custGeom>
+            <a:avLst/>
+            <a:gdLst>
+              <a:gd name="T0" fmla="*/ 118 w 933"/>
+              <a:gd name="T1" fmla="*/ 1044 h 1182"/>
+              <a:gd name="T2" fmla="*/ 128 w 933"/>
+              <a:gd name="T3" fmla="*/ 340 h 1182"/>
+              <a:gd name="T4" fmla="*/ 264 w 933"/>
+              <a:gd name="T5" fmla="*/ 210 h 1182"/>
+              <a:gd name="T6" fmla="*/ 720 w 933"/>
+              <a:gd name="T7" fmla="*/ 202 h 1182"/>
+              <a:gd name="T8" fmla="*/ 720 w 933"/>
+              <a:gd name="T9" fmla="*/ 320 h 1182"/>
+              <a:gd name="T10" fmla="*/ 933 w 933"/>
+              <a:gd name="T11" fmla="*/ 153 h 1182"/>
+              <a:gd name="T12" fmla="*/ 712 w 933"/>
+              <a:gd name="T13" fmla="*/ 0 h 1182"/>
+              <a:gd name="T14" fmla="*/ 714 w 933"/>
+              <a:gd name="T15" fmla="*/ 92 h 1182"/>
+              <a:gd name="T16" fmla="*/ 234 w 933"/>
+              <a:gd name="T17" fmla="*/ 94 h 1182"/>
+              <a:gd name="T18" fmla="*/ 0 w 933"/>
+              <a:gd name="T19" fmla="*/ 298 h 1182"/>
+              <a:gd name="T20" fmla="*/ 0 w 933"/>
+              <a:gd name="T21" fmla="*/ 1058 h 1182"/>
+              <a:gd name="T22" fmla="*/ 118 w 933"/>
+              <a:gd name="T23" fmla="*/ 1044 h 1182"/>
+            </a:gdLst>
+            <a:ahLst/>
+            <a:cxnLst>
+              <a:cxn ang="0">
+                <a:pos x="T0" y="T1"/>
+              </a:cxn>
+              <a:cxn ang="0">
+                <a:pos x="T2" y="T3"/>
+              </a:cxn>
+              <a:cxn ang="0">
+                <a:pos x="T4" y="T5"/>
+              </a:cxn>
+              <a:cxn ang="0">
+                <a:pos x="T6" y="T7"/>
+              </a:cxn>
+              <a:cxn ang="0">
+                <a:pos x="T8" y="T9"/>
+              </a:cxn>
+              <a:cxn ang="0">
+                <a:pos x="T10" y="T11"/>
+              </a:cxn>
+              <a:cxn ang="0">
+                <a:pos x="T12" y="T13"/>
+              </a:cxn>
+              <a:cxn ang="0">
+                <a:pos x="T14" y="T15"/>
+              </a:cxn>
+              <a:cxn ang="0">
+                <a:pos x="T16" y="T17"/>
+              </a:cxn>
+              <a:cxn ang="0">
+                <a:pos x="T18" y="T19"/>
+              </a:cxn>
+              <a:cxn ang="0">
+                <a:pos x="T20" y="T21"/>
+              </a:cxn>
+              <a:cxn ang="0">
+                <a:pos x="T22" y="T23"/>
+              </a:cxn>
+            </a:cxnLst>
+            <a:rect l="0" t="0" r="r" b="b"/>
+            <a:pathLst>
+              <a:path w="933" h="1182">
+                <a:moveTo>
+                  <a:pt x="118" y="1044"/>
+                </a:moveTo>
+                <a:lnTo>
+                  <a:pt x="128" y="340"/>
+                </a:lnTo>
+                <a:cubicBezTo>
+                  <a:pt x="134" y="214"/>
+                  <a:pt x="182" y="212"/>
+                  <a:pt x="264" y="210"/>
+                </a:cubicBezTo>
+                <a:lnTo>
+                  <a:pt x="720" y="202"/>
+                </a:lnTo>
+                <a:lnTo>
+                  <a:pt x="720" y="320"/>
+                </a:lnTo>
+                <a:lnTo>
+                  <a:pt x="933" y="153"/>
+                </a:lnTo>
+                <a:lnTo>
+                  <a:pt x="712" y="0"/>
+                </a:lnTo>
+                <a:lnTo>
+                  <a:pt x="714" y="92"/>
+                </a:lnTo>
+                <a:cubicBezTo>
+                  <a:pt x="714" y="92"/>
+                  <a:pt x="406" y="94"/>
+                  <a:pt x="234" y="94"/>
+                </a:cubicBezTo>
+                <a:cubicBezTo>
+                  <a:pt x="60" y="96"/>
+                  <a:pt x="2" y="156"/>
+                  <a:pt x="0" y="298"/>
+                </a:cubicBezTo>
+                <a:lnTo>
+                  <a:pt x="0" y="1058"/>
+                </a:lnTo>
+                <a:cubicBezTo>
+                  <a:pt x="20" y="1182"/>
+                  <a:pt x="93" y="1170"/>
+                  <a:pt x="118" y="1044"/>
+                </a:cubicBezTo>
+                <a:close/>
+              </a:path>
+            </a:pathLst>
+          </a:custGeom>
+          <a:solidFill>
+            <a:schemeClr val="bg1">
+              <a:lumMod val="65000"/>
+            </a:schemeClr>
+          </a:solidFill>
+          <a:ln>
+            <a:noFill/>
+          </a:ln>
+          <a:effectLst/>
+        </p:spPr>
+        <p:txBody>
+          <a:bodyPr wrap="none" lIns="62118" tIns="31058" rIns="62118" bIns="31058" anchor="ctr">
+            <a:noAutofit/>
+          </a:bodyPr>
+          <a:lstStyle>
+            <a:defPPr>
+              <a:defRPr lang="zh-CN"/>
+            </a:defPPr>
+            <a:lvl1pPr marL="0" algn="l" defTabSz="914400" rtl="0" eaLnBrk="1" latinLnBrk="0" hangingPunct="1">
+              <a:defRPr sz="1800" kern="1200">
+                <a:solidFill>
+                  <a:schemeClr val="tx1"/>
+                </a:solidFill>
+                <a:latin typeface="+mn-lt"/>
+                <a:ea typeface="+mn-ea"/>
+                <a:cs typeface="+mn-cs"/>
+              </a:defRPr>
+            </a:lvl1pPr>
+            <a:lvl2pPr marL="457200" algn="l" defTabSz="914400" rtl="0" eaLnBrk="1" latinLnBrk="0" hangingPunct="1">
+              <a:defRPr sz="1800" kern="1200">
+                <a:solidFill>
+                  <a:schemeClr val="tx1"/>
+                </a:solidFill>
+                <a:latin typeface="+mn-lt"/>
+                <a:ea typeface="+mn-ea"/>
+                <a:cs typeface="+mn-cs"/>
+              </a:defRPr>
+            </a:lvl2pPr>
+            <a:lvl3pPr marL="914400" algn="l" defTabSz="914400" rtl="0" eaLnBrk="1" latinLnBrk="0" hangingPunct="1">
+              <a:defRPr sz="1800" kern="1200">
+                <a:solidFill>
+                  <a:schemeClr val="tx1"/>
+                </a:solidFill>
+                <a:latin typeface="+mn-lt"/>
+                <a:ea typeface="+mn-ea"/>
+                <a:cs typeface="+mn-cs"/>
+              </a:defRPr>
+            </a:lvl3pPr>
+            <a:lvl4pPr marL="1371600" algn="l" defTabSz="914400" rtl="0" eaLnBrk="1" latinLnBrk="0" hangingPunct="1">
+              <a:defRPr sz="1800" kern="1200">
+                <a:solidFill>
+                  <a:schemeClr val="tx1"/>
+                </a:solidFill>
+                <a:latin typeface="+mn-lt"/>
+                <a:ea typeface="+mn-ea"/>
+                <a:cs typeface="+mn-cs"/>
+              </a:defRPr>
+            </a:lvl4pPr>
+            <a:lvl5pPr marL="1828800" algn="l" defTabSz="914400" rtl="0" eaLnBrk="1" latinLnBrk="0" hangingPunct="1">
+              <a:defRPr sz="1800" kern="1200">
+                <a:solidFill>
+                  <a:schemeClr val="tx1"/>
+                </a:solidFill>
+                <a:latin typeface="+mn-lt"/>
+                <a:ea typeface="+mn-ea"/>
+                <a:cs typeface="+mn-cs"/>
+              </a:defRPr>
+            </a:lvl5pPr>
+            <a:lvl6pPr marL="2286000" algn="l" defTabSz="914400" rtl="0" eaLnBrk="1" latinLnBrk="0" hangingPunct="1">
+              <a:defRPr sz="1800" kern="1200">
+                <a:solidFill>
+                  <a:schemeClr val="tx1"/>
+                </a:solidFill>
+                <a:latin typeface="+mn-lt"/>
+                <a:ea typeface="+mn-ea"/>
+                <a:cs typeface="+mn-cs"/>
+              </a:defRPr>
+            </a:lvl6pPr>
+            <a:lvl7pPr marL="2743200" algn="l" defTabSz="914400" rtl="0" eaLnBrk="1" latinLnBrk="0" hangingPunct="1">
+              <a:defRPr sz="1800" kern="1200">
+                <a:solidFill>
+                  <a:schemeClr val="tx1"/>
+                </a:solidFill>
+                <a:latin typeface="+mn-lt"/>
+                <a:ea typeface="+mn-ea"/>
+                <a:cs typeface="+mn-cs"/>
+              </a:defRPr>
+            </a:lvl7pPr>
+            <a:lvl8pPr marL="3200400" algn="l" defTabSz="914400" rtl="0" eaLnBrk="1" latinLnBrk="0" hangingPunct="1">
+              <a:defRPr sz="1800" kern="1200">
+                <a:solidFill>
+                  <a:schemeClr val="tx1"/>
+                </a:solidFill>
+                <a:latin typeface="+mn-lt"/>
+                <a:ea typeface="+mn-ea"/>
+                <a:cs typeface="+mn-cs"/>
+              </a:defRPr>
+            </a:lvl8pPr>
+            <a:lvl9pPr marL="3657600" algn="l" defTabSz="914400" rtl="0" eaLnBrk="1" latinLnBrk="0" hangingPunct="1">
+              <a:defRPr sz="1800" kern="1200">
+                <a:solidFill>
+                  <a:schemeClr val="tx1"/>
+                </a:solidFill>
+                <a:latin typeface="+mn-lt"/>
+                <a:ea typeface="+mn-ea"/>
+                <a:cs typeface="+mn-cs"/>
+              </a:defRPr>
+            </a:lvl9pPr>
+          </a:lstStyle>
+          <a:p>
+            <a:pPr>
+              <a:defRPr/>
+            </a:pPr>
+            <a:endParaRPr lang="zh-CN" altLang="en-US" sz="900">
+              <a:solidFill>
+                <a:sysClr val="windowText" lastClr="000000"/>
+              </a:solidFill>
+              <a:latin typeface="Calibri" panose="020F0502020204030204"/>
+              <a:ea typeface="宋体" panose="02010600030101010101" pitchFamily="2" charset="-122"/>
+            </a:endParaRPr>
+          </a:p>
+        </p:txBody>
+      </p:sp>
+      <p:sp>
+        <p:nvSpPr>
+          <p:cNvPr id="34" name="箭头1"/>
+          <p:cNvSpPr/>
+          <p:nvPr/>
+        </p:nvSpPr>
+        <p:spPr bwMode="gray">
+          <a:xfrm>
+            <a:off x="1402422" y="3610148"/>
+            <a:ext cx="1017067" cy="487439"/>
+          </a:xfrm>
+          <a:custGeom>
+            <a:avLst/>
+            <a:gdLst>
+              <a:gd name="T0" fmla="*/ 118 w 933"/>
+              <a:gd name="T1" fmla="*/ 1044 h 1182"/>
+              <a:gd name="T2" fmla="*/ 128 w 933"/>
+              <a:gd name="T3" fmla="*/ 340 h 1182"/>
+              <a:gd name="T4" fmla="*/ 264 w 933"/>
+              <a:gd name="T5" fmla="*/ 210 h 1182"/>
+              <a:gd name="T6" fmla="*/ 720 w 933"/>
+              <a:gd name="T7" fmla="*/ 202 h 1182"/>
+              <a:gd name="T8" fmla="*/ 720 w 933"/>
+              <a:gd name="T9" fmla="*/ 320 h 1182"/>
+              <a:gd name="T10" fmla="*/ 933 w 933"/>
+              <a:gd name="T11" fmla="*/ 153 h 1182"/>
+              <a:gd name="T12" fmla="*/ 712 w 933"/>
+              <a:gd name="T13" fmla="*/ 0 h 1182"/>
+              <a:gd name="T14" fmla="*/ 714 w 933"/>
+              <a:gd name="T15" fmla="*/ 92 h 1182"/>
+              <a:gd name="T16" fmla="*/ 234 w 933"/>
+              <a:gd name="T17" fmla="*/ 94 h 1182"/>
+              <a:gd name="T18" fmla="*/ 0 w 933"/>
+              <a:gd name="T19" fmla="*/ 298 h 1182"/>
+              <a:gd name="T20" fmla="*/ 0 w 933"/>
+              <a:gd name="T21" fmla="*/ 1058 h 1182"/>
+              <a:gd name="T22" fmla="*/ 118 w 933"/>
+              <a:gd name="T23" fmla="*/ 1044 h 1182"/>
+            </a:gdLst>
+            <a:ahLst/>
+            <a:cxnLst>
+              <a:cxn ang="0">
+                <a:pos x="T0" y="T1"/>
+              </a:cxn>
+              <a:cxn ang="0">
+                <a:pos x="T2" y="T3"/>
+              </a:cxn>
+              <a:cxn ang="0">
+                <a:pos x="T4" y="T5"/>
+              </a:cxn>
+              <a:cxn ang="0">
+                <a:pos x="T6" y="T7"/>
+              </a:cxn>
+              <a:cxn ang="0">
+                <a:pos x="T8" y="T9"/>
+              </a:cxn>
+              <a:cxn ang="0">
+                <a:pos x="T10" y="T11"/>
+              </a:cxn>
+              <a:cxn ang="0">
+                <a:pos x="T12" y="T13"/>
+              </a:cxn>
+              <a:cxn ang="0">
+                <a:pos x="T14" y="T15"/>
+              </a:cxn>
+              <a:cxn ang="0">
+                <a:pos x="T16" y="T17"/>
+              </a:cxn>
+              <a:cxn ang="0">
+                <a:pos x="T18" y="T19"/>
+              </a:cxn>
+              <a:cxn ang="0">
+                <a:pos x="T20" y="T21"/>
+              </a:cxn>
+              <a:cxn ang="0">
+                <a:pos x="T22" y="T23"/>
+              </a:cxn>
+            </a:cxnLst>
+            <a:rect l="0" t="0" r="r" b="b"/>
+            <a:pathLst>
+              <a:path w="933" h="1182">
+                <a:moveTo>
+                  <a:pt x="118" y="1044"/>
+                </a:moveTo>
+                <a:lnTo>
+                  <a:pt x="128" y="340"/>
+                </a:lnTo>
+                <a:cubicBezTo>
+                  <a:pt x="134" y="214"/>
+                  <a:pt x="182" y="212"/>
+                  <a:pt x="264" y="210"/>
+                </a:cubicBezTo>
+                <a:lnTo>
+                  <a:pt x="720" y="202"/>
+                </a:lnTo>
+                <a:lnTo>
+                  <a:pt x="720" y="320"/>
+                </a:lnTo>
+                <a:lnTo>
+                  <a:pt x="933" y="153"/>
+                </a:lnTo>
+                <a:lnTo>
+                  <a:pt x="712" y="0"/>
+                </a:lnTo>
+                <a:lnTo>
+                  <a:pt x="714" y="92"/>
+                </a:lnTo>
+                <a:cubicBezTo>
+                  <a:pt x="714" y="92"/>
+                  <a:pt x="406" y="94"/>
+                  <a:pt x="234" y="94"/>
+                </a:cubicBezTo>
+                <a:cubicBezTo>
+                  <a:pt x="60" y="96"/>
+                  <a:pt x="2" y="156"/>
+                  <a:pt x="0" y="298"/>
+                </a:cubicBezTo>
+                <a:lnTo>
+                  <a:pt x="0" y="1058"/>
+                </a:lnTo>
+                <a:cubicBezTo>
+                  <a:pt x="20" y="1182"/>
+                  <a:pt x="93" y="1170"/>
+                  <a:pt x="118" y="1044"/>
+                </a:cubicBezTo>
+                <a:close/>
+              </a:path>
+            </a:pathLst>
+          </a:custGeom>
+          <a:solidFill>
+            <a:schemeClr val="bg1">
+              <a:lumMod val="65000"/>
+            </a:schemeClr>
+          </a:solidFill>
+          <a:ln>
+            <a:noFill/>
+          </a:ln>
+          <a:effectLst/>
+        </p:spPr>
+        <p:txBody>
+          <a:bodyPr wrap="none" lIns="62118" tIns="31058" rIns="62118" bIns="31058" anchor="ctr">
+            <a:noAutofit/>
+          </a:bodyPr>
+          <a:lstStyle>
+            <a:defPPr>
+              <a:defRPr lang="zh-CN"/>
+            </a:defPPr>
+            <a:lvl1pPr marL="0" algn="l" defTabSz="914400" rtl="0" eaLnBrk="1" latinLnBrk="0" hangingPunct="1">
+              <a:defRPr sz="1800" kern="1200">
+                <a:solidFill>
+                  <a:schemeClr val="tx1"/>
+                </a:solidFill>
+                <a:latin typeface="+mn-lt"/>
+                <a:ea typeface="+mn-ea"/>
+                <a:cs typeface="+mn-cs"/>
+              </a:defRPr>
+            </a:lvl1pPr>
+            <a:lvl2pPr marL="457200" algn="l" defTabSz="914400" rtl="0" eaLnBrk="1" latinLnBrk="0" hangingPunct="1">
+              <a:defRPr sz="1800" kern="1200">
+                <a:solidFill>
+                  <a:schemeClr val="tx1"/>
+                </a:solidFill>
+                <a:latin typeface="+mn-lt"/>
+                <a:ea typeface="+mn-ea"/>
+                <a:cs typeface="+mn-cs"/>
+              </a:defRPr>
+            </a:lvl2pPr>
+            <a:lvl3pPr marL="914400" algn="l" defTabSz="914400" rtl="0" eaLnBrk="1" latinLnBrk="0" hangingPunct="1">
+              <a:defRPr sz="1800" kern="1200">
+                <a:solidFill>
+                  <a:schemeClr val="tx1"/>
+                </a:solidFill>
+                <a:latin typeface="+mn-lt"/>
+                <a:ea typeface="+mn-ea"/>
+                <a:cs typeface="+mn-cs"/>
+              </a:defRPr>
+            </a:lvl3pPr>
+            <a:lvl4pPr marL="1371600" algn="l" defTabSz="914400" rtl="0" eaLnBrk="1" latinLnBrk="0" hangingPunct="1">
+              <a:defRPr sz="1800" kern="1200">
+                <a:solidFill>
+                  <a:schemeClr val="tx1"/>
+                </a:solidFill>
+                <a:latin typeface="+mn-lt"/>
+                <a:ea typeface="+mn-ea"/>
+                <a:cs typeface="+mn-cs"/>
+              </a:defRPr>
+            </a:lvl4pPr>
+            <a:lvl5pPr marL="1828800" algn="l" defTabSz="914400" rtl="0" eaLnBrk="1" latinLnBrk="0" hangingPunct="1">
+              <a:defRPr sz="1800" kern="1200">
+                <a:solidFill>
+                  <a:schemeClr val="tx1"/>
+                </a:solidFill>
+                <a:latin typeface="+mn-lt"/>
+                <a:ea typeface="+mn-ea"/>
+                <a:cs typeface="+mn-cs"/>
+              </a:defRPr>
+            </a:lvl5pPr>
+            <a:lvl6pPr marL="2286000" algn="l" defTabSz="914400" rtl="0" eaLnBrk="1" latinLnBrk="0" hangingPunct="1">
+              <a:defRPr sz="1800" kern="1200">
+                <a:solidFill>
+                  <a:schemeClr val="tx1"/>
+                </a:solidFill>
+                <a:latin typeface="+mn-lt"/>
+                <a:ea typeface="+mn-ea"/>
+                <a:cs typeface="+mn-cs"/>
+              </a:defRPr>
+            </a:lvl6pPr>
+            <a:lvl7pPr marL="2743200" algn="l" defTabSz="914400" rtl="0" eaLnBrk="1" latinLnBrk="0" hangingPunct="1">
+              <a:defRPr sz="1800" kern="1200">
+                <a:solidFill>
+                  <a:schemeClr val="tx1"/>
+                </a:solidFill>
+                <a:latin typeface="+mn-lt"/>
+                <a:ea typeface="+mn-ea"/>
+                <a:cs typeface="+mn-cs"/>
+              </a:defRPr>
+            </a:lvl7pPr>
+            <a:lvl8pPr marL="3200400" algn="l" defTabSz="914400" rtl="0" eaLnBrk="1" latinLnBrk="0" hangingPunct="1">
+              <a:defRPr sz="1800" kern="1200">
+                <a:solidFill>
+                  <a:schemeClr val="tx1"/>
+                </a:solidFill>
+                <a:latin typeface="+mn-lt"/>
+                <a:ea typeface="+mn-ea"/>
+                <a:cs typeface="+mn-cs"/>
+              </a:defRPr>
+            </a:lvl8pPr>
+            <a:lvl9pPr marL="3657600" algn="l" defTabSz="914400" rtl="0" eaLnBrk="1" latinLnBrk="0" hangingPunct="1">
+              <a:defRPr sz="1800" kern="1200">
+                <a:solidFill>
+                  <a:schemeClr val="tx1"/>
+                </a:solidFill>
+                <a:latin typeface="+mn-lt"/>
+                <a:ea typeface="+mn-ea"/>
+                <a:cs typeface="+mn-cs"/>
+              </a:defRPr>
+            </a:lvl9pPr>
+          </a:lstStyle>
+          <a:p>
+            <a:pPr>
+              <a:defRPr/>
+            </a:pPr>
+            <a:endParaRPr lang="zh-CN" altLang="en-US" sz="900">
+              <a:solidFill>
+                <a:sysClr val="windowText" lastClr="000000"/>
+              </a:solidFill>
+              <a:latin typeface="Calibri" panose="020F0502020204030204"/>
+              <a:ea typeface="宋体" panose="02010600030101010101" pitchFamily="2" charset="-122"/>
+            </a:endParaRPr>
+          </a:p>
+        </p:txBody>
+      </p:sp>
+      <p:sp>
+        <p:nvSpPr>
+          <p:cNvPr id="82" name="矩形 81"/>
+          <p:cNvSpPr>
+            <a:spLocks noChangeArrowheads="1"/>
+          </p:cNvSpPr>
+          <p:nvPr/>
+        </p:nvSpPr>
+        <p:spPr bwMode="auto">
+          <a:xfrm>
+            <a:off x="476188" y="177842"/>
+            <a:ext cx="2425660" cy="461663"/>
+          </a:xfrm>
+          <a:prstGeom prst="rect">
+            <a:avLst/>
+          </a:prstGeom>
+          <a:noFill/>
+          <a:ln>
+            <a:noFill/>
+          </a:ln>
+          <a:extLst>
+            <a:ext uri="{909E8E84-426E-40DD-AFC4-6F175D3DCCD1}">
+              <a14:hiddenFill xmlns:a14="http://schemas.microsoft.com/office/drawing/2010/main">
+                <a:solidFill>
+                  <a:srgbClr val="FFFFFF"/>
+                </a:solidFill>
+              </a14:hiddenFill>
+            </a:ext>
+            <a:ext uri="{91240B29-F687-4F45-9708-019B960494DF}">
+              <a14:hiddenLine xmlns:a14="http://schemas.microsoft.com/office/drawing/2010/main" w="9525">
+                <a:solidFill>
+                  <a:srgbClr val="000000"/>
+                </a:solidFill>
+                <a:miter lim="800000"/>
+                <a:headEnd/>
+                <a:tailEnd/>
+              </a14:hiddenLine>
+            </a:ext>
+          </a:extLst>
+        </p:spPr>
+        <p:txBody>
+          <a:bodyPr wrap="none" lIns="91438" tIns="45719" rIns="91438" bIns="45719">
+            <a:spAutoFit/>
+          </a:bodyPr>
+          <a:lstStyle>
+            <a:lvl1pPr>
+              <a:spcBef>
+                <a:spcPct val="20000"/>
+              </a:spcBef>
+              <a:buFont typeface="Arial" panose="020B0604020202020204" pitchFamily="34" charset="0"/>
+              <a:buChar char="•"/>
+              <a:defRPr sz="3200">
+                <a:solidFill>
+                  <a:schemeClr val="tx1"/>
+                </a:solidFill>
+                <a:latin typeface="微软雅黑" panose="020B0503020204020204" pitchFamily="34" charset="-122"/>
+                <a:ea typeface="微软雅黑" panose="020B0503020204020204" pitchFamily="34" charset="-122"/>
+                <a:sym typeface="Calibri" panose="020F0502020204030204" pitchFamily="34" charset="0"/>
+              </a:defRPr>
+            </a:lvl1pPr>
+            <a:lvl2pPr marL="742950" indent="-285750">
+              <a:spcBef>
+                <a:spcPct val="20000"/>
+              </a:spcBef>
+              <a:buFont typeface="Arial" panose="020B0604020202020204" pitchFamily="34" charset="0"/>
+              <a:buChar char="–"/>
+              <a:defRPr sz="2800">
+                <a:solidFill>
+                  <a:schemeClr val="tx1"/>
+                </a:solidFill>
+                <a:latin typeface="微软雅黑" panose="020B0503020204020204" pitchFamily="34" charset="-122"/>
+                <a:ea typeface="微软雅黑" panose="020B0503020204020204" pitchFamily="34" charset="-122"/>
+                <a:sym typeface="Calibri" panose="020F0502020204030204" pitchFamily="34" charset="0"/>
+              </a:defRPr>
+            </a:lvl2pPr>
+            <a:lvl3pPr marL="1143000" indent="-228600">
+              <a:spcBef>
+                <a:spcPct val="20000"/>
+              </a:spcBef>
+              <a:buFont typeface="Arial" panose="020B0604020202020204" pitchFamily="34" charset="0"/>
+              <a:buChar char="•"/>
+              <a:defRPr sz="2400">
+                <a:solidFill>
+                  <a:schemeClr val="tx1"/>
+                </a:solidFill>
+                <a:latin typeface="微软雅黑" panose="020B0503020204020204" pitchFamily="34" charset="-122"/>
+                <a:ea typeface="微软雅黑" panose="020B0503020204020204" pitchFamily="34" charset="-122"/>
+                <a:sym typeface="Calibri" panose="020F0502020204030204" pitchFamily="34" charset="0"/>
+              </a:defRPr>
+            </a:lvl3pPr>
+            <a:lvl4pPr marL="1600200" indent="-228600">
+              <a:spcBef>
+                <a:spcPct val="20000"/>
+              </a:spcBef>
+              <a:buFont typeface="Arial" panose="020B0604020202020204" pitchFamily="34" charset="0"/>
+              <a:buChar char="–"/>
+              <a:defRPr sz="2000">
+                <a:solidFill>
+                  <a:schemeClr val="tx1"/>
+                </a:solidFill>
+                <a:latin typeface="微软雅黑" panose="020B0503020204020204" pitchFamily="34" charset="-122"/>
+                <a:ea typeface="微软雅黑" panose="020B0503020204020204" pitchFamily="34" charset="-122"/>
+                <a:sym typeface="Calibri" panose="020F0502020204030204" pitchFamily="34" charset="0"/>
+              </a:defRPr>
+            </a:lvl4pPr>
+            <a:lvl5pPr marL="2057400" indent="-228600">
+              <a:spcBef>
+                <a:spcPct val="20000"/>
+              </a:spcBef>
+              <a:buFont typeface="Arial" panose="020B0604020202020204" pitchFamily="34" charset="0"/>
+              <a:buChar char="»"/>
+              <a:defRPr sz="2000">
+                <a:solidFill>
+                  <a:schemeClr val="tx1"/>
+                </a:solidFill>
+                <a:latin typeface="微软雅黑" panose="020B0503020204020204" pitchFamily="34" charset="-122"/>
+                <a:ea typeface="微软雅黑" panose="020B0503020204020204" pitchFamily="34" charset="-122"/>
+                <a:sym typeface="Calibri" panose="020F0502020204030204" pitchFamily="34" charset="0"/>
+              </a:defRPr>
+            </a:lvl5pPr>
+            <a:lvl6pPr marL="2514600" indent="-228600" eaLnBrk="0" fontAlgn="base" hangingPunct="0">
+              <a:spcBef>
+                <a:spcPct val="20000"/>
+              </a:spcBef>
+              <a:spcAft>
+                <a:spcPct val="0"/>
+              </a:spcAft>
+              <a:buFont typeface="Arial" panose="020B0604020202020204" pitchFamily="34" charset="0"/>
+              <a:buChar char="»"/>
+              <a:defRPr sz="2000">
+                <a:solidFill>
+                  <a:schemeClr val="tx1"/>
+                </a:solidFill>
+                <a:latin typeface="微软雅黑" panose="020B0503020204020204" pitchFamily="34" charset="-122"/>
+                <a:ea typeface="微软雅黑" panose="020B0503020204020204" pitchFamily="34" charset="-122"/>
+                <a:sym typeface="Calibri" panose="020F0502020204030204" pitchFamily="34" charset="0"/>
+              </a:defRPr>
+            </a:lvl6pPr>
+            <a:lvl7pPr marL="2971800" indent="-228600" eaLnBrk="0" fontAlgn="base" hangingPunct="0">
+              <a:spcBef>
+                <a:spcPct val="20000"/>
+              </a:spcBef>
+              <a:spcAft>
+                <a:spcPct val="0"/>
+              </a:spcAft>
+              <a:buFont typeface="Arial" panose="020B0604020202020204" pitchFamily="34" charset="0"/>
+              <a:buChar char="»"/>
+              <a:defRPr sz="2000">
+                <a:solidFill>
+                  <a:schemeClr val="tx1"/>
+                </a:solidFill>
+                <a:latin typeface="微软雅黑" panose="020B0503020204020204" pitchFamily="34" charset="-122"/>
+                <a:ea typeface="微软雅黑" panose="020B0503020204020204" pitchFamily="34" charset="-122"/>
+                <a:sym typeface="Calibri" panose="020F0502020204030204" pitchFamily="34" charset="0"/>
+              </a:defRPr>
+            </a:lvl7pPr>
+            <a:lvl8pPr marL="3429000" indent="-228600" eaLnBrk="0" fontAlgn="base" hangingPunct="0">
+              <a:spcBef>
+                <a:spcPct val="20000"/>
+              </a:spcBef>
+              <a:spcAft>
+                <a:spcPct val="0"/>
+              </a:spcAft>
+              <a:buFont typeface="Arial" panose="020B0604020202020204" pitchFamily="34" charset="0"/>
+              <a:buChar char="»"/>
+              <a:defRPr sz="2000">
+                <a:solidFill>
+                  <a:schemeClr val="tx1"/>
+                </a:solidFill>
+                <a:latin typeface="微软雅黑" panose="020B0503020204020204" pitchFamily="34" charset="-122"/>
+                <a:ea typeface="微软雅黑" panose="020B0503020204020204" pitchFamily="34" charset="-122"/>
+                <a:sym typeface="Calibri" panose="020F0502020204030204" pitchFamily="34" charset="0"/>
+              </a:defRPr>
+            </a:lvl8pPr>
+            <a:lvl9pPr marL="3886200" indent="-228600" eaLnBrk="0" fontAlgn="base" hangingPunct="0">
+              <a:spcBef>
+                <a:spcPct val="20000"/>
+              </a:spcBef>
+              <a:spcAft>
+                <a:spcPct val="0"/>
+              </a:spcAft>
+              <a:buFont typeface="Arial" panose="020B0604020202020204" pitchFamily="34" charset="0"/>
+              <a:buChar char="»"/>
+              <a:defRPr sz="2000">
+                <a:solidFill>
+                  <a:schemeClr val="tx1"/>
+                </a:solidFill>
+                <a:latin typeface="微软雅黑" panose="020B0503020204020204" pitchFamily="34" charset="-122"/>
+                <a:ea typeface="微软雅黑" panose="020B0503020204020204" pitchFamily="34" charset="-122"/>
+                <a:sym typeface="Calibri" panose="020F0502020204030204" pitchFamily="34" charset="0"/>
+              </a:defRPr>
+            </a:lvl9pPr>
+          </a:lstStyle>
+          <a:p>
+            <a:pPr>
+              <a:buNone/>
+            </a:pPr>
+            <a:r>
+              <a:rPr lang="zh-CN" altLang="en-US" sz="2400" b="1" dirty="0">
+                <a:solidFill>
+                  <a:schemeClr val="accent1"/>
+                </a:solidFill>
+                <a:latin typeface="Arial" panose="020B0604020202020204" pitchFamily="34" charset="0"/>
+              </a:rPr>
+              <a:t>实验结果</a:t>
+            </a:r>
+            <a:r>
+              <a:rPr lang="en-US" altLang="zh-CN" sz="2400" b="1" dirty="0">
+                <a:solidFill>
+                  <a:schemeClr val="accent1"/>
+                </a:solidFill>
+                <a:latin typeface="Arial" panose="020B0604020202020204" pitchFamily="34" charset="0"/>
+              </a:rPr>
+              <a:t>|</a:t>
+            </a:r>
+            <a:r>
+              <a:rPr lang="zh-CN" altLang="en-US" sz="1800" b="1" dirty="0">
+                <a:solidFill>
+                  <a:schemeClr val="accent1"/>
+                </a:solidFill>
+                <a:latin typeface="Arial" panose="020B0604020202020204" pitchFamily="34" charset="0"/>
+              </a:rPr>
+              <a:t>实验设定</a:t>
+            </a:r>
+            <a:endParaRPr lang="zh-CN" altLang="en-US" sz="2400" b="1" dirty="0">
+              <a:solidFill>
+                <a:schemeClr val="accent1"/>
+              </a:solidFill>
+              <a:latin typeface="Arial" panose="020B0604020202020204" pitchFamily="34" charset="0"/>
+            </a:endParaRPr>
+          </a:p>
+        </p:txBody>
+      </p:sp>
+      <p:sp>
+        <p:nvSpPr>
+          <p:cNvPr id="83" name="等腰三角形 82"/>
+          <p:cNvSpPr>
+            <a:spLocks noChangeArrowheads="1"/>
+          </p:cNvSpPr>
+          <p:nvPr/>
+        </p:nvSpPr>
+        <p:spPr bwMode="auto">
+          <a:xfrm rot="5400000">
+            <a:off x="-39787" y="157290"/>
+            <a:ext cx="581159" cy="501585"/>
+          </a:xfrm>
+          <a:prstGeom prst="triangle">
+            <a:avLst>
+              <a:gd name="adj" fmla="val 50000"/>
+            </a:avLst>
+          </a:prstGeom>
+          <a:solidFill>
+            <a:schemeClr val="accent1"/>
+          </a:solidFill>
+          <a:ln>
+            <a:noFill/>
+          </a:ln>
+        </p:spPr>
+        <p:txBody>
+          <a:bodyPr lIns="91438" tIns="45719" rIns="91438" bIns="45719" anchor="ctr"/>
+          <a:lstStyle>
+            <a:lvl1pPr>
+              <a:spcBef>
+                <a:spcPct val="20000"/>
+              </a:spcBef>
+              <a:buFont typeface="Arial" panose="020B0604020202020204" pitchFamily="34" charset="0"/>
+              <a:buChar char="•"/>
+              <a:defRPr sz="3200">
+                <a:solidFill>
+                  <a:schemeClr val="tx1"/>
+                </a:solidFill>
+                <a:latin typeface="微软雅黑" panose="020B0503020204020204" pitchFamily="34" charset="-122"/>
+                <a:ea typeface="微软雅黑" panose="020B0503020204020204" pitchFamily="34" charset="-122"/>
+                <a:sym typeface="Calibri" panose="020F0502020204030204" pitchFamily="34" charset="0"/>
+              </a:defRPr>
+            </a:lvl1pPr>
+            <a:lvl2pPr marL="742950" indent="-285750">
+              <a:spcBef>
+                <a:spcPct val="20000"/>
+              </a:spcBef>
+              <a:buFont typeface="Arial" panose="020B0604020202020204" pitchFamily="34" charset="0"/>
+              <a:buChar char="–"/>
+              <a:defRPr sz="2800">
+                <a:solidFill>
+                  <a:schemeClr val="tx1"/>
+                </a:solidFill>
+                <a:latin typeface="微软雅黑" panose="020B0503020204020204" pitchFamily="34" charset="-122"/>
+                <a:ea typeface="微软雅黑" panose="020B0503020204020204" pitchFamily="34" charset="-122"/>
+                <a:sym typeface="Calibri" panose="020F0502020204030204" pitchFamily="34" charset="0"/>
+              </a:defRPr>
+            </a:lvl2pPr>
+            <a:lvl3pPr marL="1143000" indent="-228600">
+              <a:spcBef>
+                <a:spcPct val="20000"/>
+              </a:spcBef>
+              <a:buFont typeface="Arial" panose="020B0604020202020204" pitchFamily="34" charset="0"/>
+              <a:buChar char="•"/>
+              <a:defRPr sz="2400">
+                <a:solidFill>
+                  <a:schemeClr val="tx1"/>
+                </a:solidFill>
+                <a:latin typeface="微软雅黑" panose="020B0503020204020204" pitchFamily="34" charset="-122"/>
+                <a:ea typeface="微软雅黑" panose="020B0503020204020204" pitchFamily="34" charset="-122"/>
+                <a:sym typeface="Calibri" panose="020F0502020204030204" pitchFamily="34" charset="0"/>
+              </a:defRPr>
+            </a:lvl3pPr>
+            <a:lvl4pPr marL="1600200" indent="-228600">
+              <a:spcBef>
+                <a:spcPct val="20000"/>
+              </a:spcBef>
+              <a:buFont typeface="Arial" panose="020B0604020202020204" pitchFamily="34" charset="0"/>
+              <a:buChar char="–"/>
+              <a:defRPr sz="2000">
+                <a:solidFill>
+                  <a:schemeClr val="tx1"/>
+                </a:solidFill>
+                <a:latin typeface="微软雅黑" panose="020B0503020204020204" pitchFamily="34" charset="-122"/>
+                <a:ea typeface="微软雅黑" panose="020B0503020204020204" pitchFamily="34" charset="-122"/>
+                <a:sym typeface="Calibri" panose="020F0502020204030204" pitchFamily="34" charset="0"/>
+              </a:defRPr>
+            </a:lvl4pPr>
+            <a:lvl5pPr marL="2057400" indent="-228600">
+              <a:spcBef>
+                <a:spcPct val="20000"/>
+              </a:spcBef>
+              <a:buFont typeface="Arial" panose="020B0604020202020204" pitchFamily="34" charset="0"/>
+              <a:buChar char="»"/>
+              <a:defRPr sz="2000">
+                <a:solidFill>
+                  <a:schemeClr val="tx1"/>
+                </a:solidFill>
+                <a:latin typeface="微软雅黑" panose="020B0503020204020204" pitchFamily="34" charset="-122"/>
+                <a:ea typeface="微软雅黑" panose="020B0503020204020204" pitchFamily="34" charset="-122"/>
+                <a:sym typeface="Calibri" panose="020F0502020204030204" pitchFamily="34" charset="0"/>
+              </a:defRPr>
+            </a:lvl5pPr>
+            <a:lvl6pPr marL="2514600" indent="-228600" eaLnBrk="0" fontAlgn="base" hangingPunct="0">
+              <a:spcBef>
+                <a:spcPct val="20000"/>
+              </a:spcBef>
+              <a:spcAft>
+                <a:spcPct val="0"/>
+              </a:spcAft>
+              <a:buFont typeface="Arial" panose="020B0604020202020204" pitchFamily="34" charset="0"/>
+              <a:buChar char="»"/>
+              <a:defRPr sz="2000">
+                <a:solidFill>
+                  <a:schemeClr val="tx1"/>
+                </a:solidFill>
+                <a:latin typeface="微软雅黑" panose="020B0503020204020204" pitchFamily="34" charset="-122"/>
+                <a:ea typeface="微软雅黑" panose="020B0503020204020204" pitchFamily="34" charset="-122"/>
+                <a:sym typeface="Calibri" panose="020F0502020204030204" pitchFamily="34" charset="0"/>
+              </a:defRPr>
+            </a:lvl6pPr>
+            <a:lvl7pPr marL="2971800" indent="-228600" eaLnBrk="0" fontAlgn="base" hangingPunct="0">
+              <a:spcBef>
+                <a:spcPct val="20000"/>
+              </a:spcBef>
+              <a:spcAft>
+                <a:spcPct val="0"/>
+              </a:spcAft>
+              <a:buFont typeface="Arial" panose="020B0604020202020204" pitchFamily="34" charset="0"/>
+              <a:buChar char="»"/>
+              <a:defRPr sz="2000">
+                <a:solidFill>
+                  <a:schemeClr val="tx1"/>
+                </a:solidFill>
+                <a:latin typeface="微软雅黑" panose="020B0503020204020204" pitchFamily="34" charset="-122"/>
+                <a:ea typeface="微软雅黑" panose="020B0503020204020204" pitchFamily="34" charset="-122"/>
+                <a:sym typeface="Calibri" panose="020F0502020204030204" pitchFamily="34" charset="0"/>
+              </a:defRPr>
+            </a:lvl7pPr>
+            <a:lvl8pPr marL="3429000" indent="-228600" eaLnBrk="0" fontAlgn="base" hangingPunct="0">
+              <a:spcBef>
+                <a:spcPct val="20000"/>
+              </a:spcBef>
+              <a:spcAft>
+                <a:spcPct val="0"/>
+              </a:spcAft>
+              <a:buFont typeface="Arial" panose="020B0604020202020204" pitchFamily="34" charset="0"/>
+              <a:buChar char="»"/>
+              <a:defRPr sz="2000">
+                <a:solidFill>
+                  <a:schemeClr val="tx1"/>
+                </a:solidFill>
+                <a:latin typeface="微软雅黑" panose="020B0503020204020204" pitchFamily="34" charset="-122"/>
+                <a:ea typeface="微软雅黑" panose="020B0503020204020204" pitchFamily="34" charset="-122"/>
+                <a:sym typeface="Calibri" panose="020F0502020204030204" pitchFamily="34" charset="0"/>
+              </a:defRPr>
+            </a:lvl8pPr>
+            <a:lvl9pPr marL="3886200" indent="-228600" eaLnBrk="0" fontAlgn="base" hangingPunct="0">
+              <a:spcBef>
+                <a:spcPct val="20000"/>
+              </a:spcBef>
+              <a:spcAft>
+                <a:spcPct val="0"/>
+              </a:spcAft>
+              <a:buFont typeface="Arial" panose="020B0604020202020204" pitchFamily="34" charset="0"/>
+              <a:buChar char="»"/>
+              <a:defRPr sz="2000">
+                <a:solidFill>
+                  <a:schemeClr val="tx1"/>
+                </a:solidFill>
+                <a:latin typeface="微软雅黑" panose="020B0503020204020204" pitchFamily="34" charset="-122"/>
+                <a:ea typeface="微软雅黑" panose="020B0503020204020204" pitchFamily="34" charset="-122"/>
+                <a:sym typeface="Calibri" panose="020F0502020204030204" pitchFamily="34" charset="0"/>
+              </a:defRPr>
+            </a:lvl9pPr>
+          </a:lstStyle>
+          <a:p>
+            <a:pPr algn="ctr" eaLnBrk="1" hangingPunct="1">
+              <a:spcBef>
+                <a:spcPct val="0"/>
+              </a:spcBef>
+              <a:buFont typeface="Arial" panose="020B0604020202020204" pitchFamily="34" charset="0"/>
+              <a:buNone/>
+            </a:pPr>
+            <a:endParaRPr lang="zh-CN" altLang="zh-CN" sz="1800">
+              <a:solidFill>
+                <a:srgbClr val="FFFFFF"/>
+              </a:solidFill>
+              <a:sym typeface="微软雅黑" panose="020B0503020204020204" pitchFamily="34" charset="-122"/>
+            </a:endParaRPr>
+          </a:p>
+        </p:txBody>
+      </p:sp>
+      <p:grpSp>
+        <p:nvGrpSpPr>
+          <p:cNvPr id="9" name="组合 8"/>
+          <p:cNvGrpSpPr/>
+          <p:nvPr/>
+        </p:nvGrpSpPr>
+        <p:grpSpPr>
+          <a:xfrm>
+            <a:off x="830584" y="719979"/>
+            <a:ext cx="7287506" cy="2459801"/>
+            <a:chOff x="828641" y="1004716"/>
+            <a:chExt cx="7287506" cy="2459801"/>
+          </a:xfrm>
+        </p:grpSpPr>
+        <p:grpSp>
+          <p:nvGrpSpPr>
+            <p:cNvPr id="10" name="组合 9"/>
+            <p:cNvGrpSpPr/>
+            <p:nvPr/>
+          </p:nvGrpSpPr>
+          <p:grpSpPr>
+            <a:xfrm>
+              <a:off x="828641" y="1225614"/>
+              <a:ext cx="1581810" cy="2132590"/>
+              <a:chOff x="828641" y="1225614"/>
+              <a:chExt cx="1581810" cy="2132590"/>
+            </a:xfrm>
+          </p:grpSpPr>
+          <p:grpSp>
+            <p:nvGrpSpPr>
+              <p:cNvPr id="20" name="组合 19"/>
+              <p:cNvGrpSpPr/>
+              <p:nvPr/>
+            </p:nvGrpSpPr>
+            <p:grpSpPr>
+              <a:xfrm>
+                <a:off x="1329929" y="1225614"/>
+                <a:ext cx="1080522" cy="2132590"/>
+                <a:chOff x="1329929" y="1225614"/>
+                <a:chExt cx="1080522" cy="2132590"/>
+              </a:xfrm>
+            </p:grpSpPr>
+            <p:sp>
+              <p:nvSpPr>
+                <p:cNvPr id="22" name="箭头3"/>
+                <p:cNvSpPr/>
+                <p:nvPr/>
+              </p:nvSpPr>
+              <p:spPr bwMode="gray">
+                <a:xfrm flipV="1">
+                  <a:off x="1329929" y="2217673"/>
+                  <a:ext cx="1080000" cy="1140531"/>
+                </a:xfrm>
+                <a:custGeom>
+                  <a:avLst/>
+                  <a:gdLst>
+                    <a:gd name="T0" fmla="*/ 118 w 933"/>
+                    <a:gd name="T1" fmla="*/ 1044 h 1182"/>
+                    <a:gd name="T2" fmla="*/ 128 w 933"/>
+                    <a:gd name="T3" fmla="*/ 340 h 1182"/>
+                    <a:gd name="T4" fmla="*/ 264 w 933"/>
+                    <a:gd name="T5" fmla="*/ 210 h 1182"/>
+                    <a:gd name="T6" fmla="*/ 720 w 933"/>
+                    <a:gd name="T7" fmla="*/ 202 h 1182"/>
+                    <a:gd name="T8" fmla="*/ 720 w 933"/>
+                    <a:gd name="T9" fmla="*/ 320 h 1182"/>
+                    <a:gd name="T10" fmla="*/ 933 w 933"/>
+                    <a:gd name="T11" fmla="*/ 153 h 1182"/>
+                    <a:gd name="T12" fmla="*/ 712 w 933"/>
+                    <a:gd name="T13" fmla="*/ 0 h 1182"/>
+                    <a:gd name="T14" fmla="*/ 714 w 933"/>
+                    <a:gd name="T15" fmla="*/ 92 h 1182"/>
+                    <a:gd name="T16" fmla="*/ 234 w 933"/>
+                    <a:gd name="T17" fmla="*/ 94 h 1182"/>
+                    <a:gd name="T18" fmla="*/ 0 w 933"/>
+                    <a:gd name="T19" fmla="*/ 298 h 1182"/>
+                    <a:gd name="T20" fmla="*/ 0 w 933"/>
+                    <a:gd name="T21" fmla="*/ 1058 h 1182"/>
+                    <a:gd name="T22" fmla="*/ 118 w 933"/>
+                    <a:gd name="T23" fmla="*/ 1044 h 1182"/>
+                  </a:gdLst>
+                  <a:ahLst/>
+                  <a:cxnLst>
+                    <a:cxn ang="0">
+                      <a:pos x="T0" y="T1"/>
+                    </a:cxn>
+                    <a:cxn ang="0">
+                      <a:pos x="T2" y="T3"/>
+                    </a:cxn>
+                    <a:cxn ang="0">
+                      <a:pos x="T4" y="T5"/>
+                    </a:cxn>
+                    <a:cxn ang="0">
+                      <a:pos x="T6" y="T7"/>
+                    </a:cxn>
+                    <a:cxn ang="0">
+                      <a:pos x="T8" y="T9"/>
+                    </a:cxn>
+                    <a:cxn ang="0">
+                      <a:pos x="T10" y="T11"/>
+                    </a:cxn>
+                    <a:cxn ang="0">
+                      <a:pos x="T12" y="T13"/>
+                    </a:cxn>
+                    <a:cxn ang="0">
+                      <a:pos x="T14" y="T15"/>
+                    </a:cxn>
+                    <a:cxn ang="0">
+                      <a:pos x="T16" y="T17"/>
+                    </a:cxn>
+                    <a:cxn ang="0">
+                      <a:pos x="T18" y="T19"/>
+                    </a:cxn>
+                    <a:cxn ang="0">
+                      <a:pos x="T20" y="T21"/>
+                    </a:cxn>
+                    <a:cxn ang="0">
+                      <a:pos x="T22" y="T23"/>
+                    </a:cxn>
+                  </a:cxnLst>
+                  <a:rect l="0" t="0" r="r" b="b"/>
+                  <a:pathLst>
+                    <a:path w="933" h="1182">
+                      <a:moveTo>
+                        <a:pt x="118" y="1044"/>
+                      </a:moveTo>
+                      <a:lnTo>
+                        <a:pt x="128" y="340"/>
+                      </a:lnTo>
+                      <a:cubicBezTo>
+                        <a:pt x="134" y="214"/>
+                        <a:pt x="182" y="212"/>
+                        <a:pt x="264" y="210"/>
+                      </a:cubicBezTo>
+                      <a:lnTo>
+                        <a:pt x="720" y="202"/>
+                      </a:lnTo>
+                      <a:lnTo>
+                        <a:pt x="720" y="320"/>
+                      </a:lnTo>
+                      <a:lnTo>
+                        <a:pt x="933" y="153"/>
+                      </a:lnTo>
+                      <a:lnTo>
+                        <a:pt x="712" y="0"/>
+                      </a:lnTo>
+                      <a:lnTo>
+                        <a:pt x="714" y="92"/>
+                      </a:lnTo>
+                      <a:cubicBezTo>
+                        <a:pt x="714" y="92"/>
+                        <a:pt x="406" y="94"/>
+                        <a:pt x="234" y="94"/>
+                      </a:cubicBezTo>
+                      <a:cubicBezTo>
+                        <a:pt x="60" y="96"/>
+                        <a:pt x="2" y="156"/>
+                        <a:pt x="0" y="298"/>
+                      </a:cubicBezTo>
+                      <a:lnTo>
+                        <a:pt x="0" y="1058"/>
+                      </a:lnTo>
+                      <a:cubicBezTo>
+                        <a:pt x="20" y="1182"/>
+                        <a:pt x="93" y="1170"/>
+                        <a:pt x="118" y="1044"/>
+                      </a:cubicBezTo>
+                      <a:close/>
+                    </a:path>
+                  </a:pathLst>
+                </a:custGeom>
+                <a:solidFill>
+                  <a:schemeClr val="bg1">
+                    <a:lumMod val="65000"/>
+                  </a:schemeClr>
+                </a:solidFill>
+                <a:ln>
+                  <a:noFill/>
+                </a:ln>
+                <a:effectLst/>
+              </p:spPr>
+              <p:txBody>
+                <a:bodyPr wrap="none" lIns="62118" tIns="31058" rIns="62118" bIns="31058" anchor="ctr">
+                  <a:noAutofit/>
+                </a:bodyPr>
+                <a:lstStyle>
+                  <a:defPPr>
+                    <a:defRPr lang="zh-CN"/>
+                  </a:defPPr>
+                  <a:lvl1pPr marL="0" algn="l" defTabSz="914400" rtl="0" eaLnBrk="1" latinLnBrk="0" hangingPunct="1">
+                    <a:defRPr sz="1800" kern="1200">
+                      <a:solidFill>
+                        <a:schemeClr val="tx1"/>
+                      </a:solidFill>
+                      <a:latin typeface="+mn-lt"/>
+                      <a:ea typeface="+mn-ea"/>
+                      <a:cs typeface="+mn-cs"/>
+                    </a:defRPr>
+                  </a:lvl1pPr>
+                  <a:lvl2pPr marL="457200" algn="l" defTabSz="914400" rtl="0" eaLnBrk="1" latinLnBrk="0" hangingPunct="1">
+                    <a:defRPr sz="1800" kern="1200">
+                      <a:solidFill>
+                        <a:schemeClr val="tx1"/>
+                      </a:solidFill>
+                      <a:latin typeface="+mn-lt"/>
+                      <a:ea typeface="+mn-ea"/>
+                      <a:cs typeface="+mn-cs"/>
+                    </a:defRPr>
+                  </a:lvl2pPr>
+                  <a:lvl3pPr marL="914400" algn="l" defTabSz="914400" rtl="0" eaLnBrk="1" latinLnBrk="0" hangingPunct="1">
+                    <a:defRPr sz="1800" kern="1200">
+                      <a:solidFill>
+                        <a:schemeClr val="tx1"/>
+                      </a:solidFill>
+                      <a:latin typeface="+mn-lt"/>
+                      <a:ea typeface="+mn-ea"/>
+                      <a:cs typeface="+mn-cs"/>
+                    </a:defRPr>
+                  </a:lvl3pPr>
+                  <a:lvl4pPr marL="1371600" algn="l" defTabSz="914400" rtl="0" eaLnBrk="1" latinLnBrk="0" hangingPunct="1">
+                    <a:defRPr sz="1800" kern="1200">
+                      <a:solidFill>
+                        <a:schemeClr val="tx1"/>
+                      </a:solidFill>
+                      <a:latin typeface="+mn-lt"/>
+                      <a:ea typeface="+mn-ea"/>
+                      <a:cs typeface="+mn-cs"/>
+                    </a:defRPr>
+                  </a:lvl4pPr>
+                  <a:lvl5pPr marL="1828800" algn="l" defTabSz="914400" rtl="0" eaLnBrk="1" latinLnBrk="0" hangingPunct="1">
+                    <a:defRPr sz="1800" kern="1200">
+                      <a:solidFill>
+                        <a:schemeClr val="tx1"/>
+                      </a:solidFill>
+                      <a:latin typeface="+mn-lt"/>
+                      <a:ea typeface="+mn-ea"/>
+                      <a:cs typeface="+mn-cs"/>
+                    </a:defRPr>
+                  </a:lvl5pPr>
+                  <a:lvl6pPr marL="2286000" algn="l" defTabSz="914400" rtl="0" eaLnBrk="1" latinLnBrk="0" hangingPunct="1">
+                    <a:defRPr sz="1800" kern="1200">
+                      <a:solidFill>
+                        <a:schemeClr val="tx1"/>
+                      </a:solidFill>
+                      <a:latin typeface="+mn-lt"/>
+                      <a:ea typeface="+mn-ea"/>
+                      <a:cs typeface="+mn-cs"/>
+                    </a:defRPr>
+                  </a:lvl6pPr>
+                  <a:lvl7pPr marL="2743200" algn="l" defTabSz="914400" rtl="0" eaLnBrk="1" latinLnBrk="0" hangingPunct="1">
+                    <a:defRPr sz="1800" kern="1200">
+                      <a:solidFill>
+                        <a:schemeClr val="tx1"/>
+                      </a:solidFill>
+                      <a:latin typeface="+mn-lt"/>
+                      <a:ea typeface="+mn-ea"/>
+                      <a:cs typeface="+mn-cs"/>
+                    </a:defRPr>
+                  </a:lvl7pPr>
+                  <a:lvl8pPr marL="3200400" algn="l" defTabSz="914400" rtl="0" eaLnBrk="1" latinLnBrk="0" hangingPunct="1">
+                    <a:defRPr sz="1800" kern="1200">
+                      <a:solidFill>
+                        <a:schemeClr val="tx1"/>
+                      </a:solidFill>
+                      <a:latin typeface="+mn-lt"/>
+                      <a:ea typeface="+mn-ea"/>
+                      <a:cs typeface="+mn-cs"/>
+                    </a:defRPr>
+                  </a:lvl8pPr>
+                  <a:lvl9pPr marL="3657600" algn="l" defTabSz="914400" rtl="0" eaLnBrk="1" latinLnBrk="0" hangingPunct="1">
+                    <a:defRPr sz="1800" kern="1200">
+                      <a:solidFill>
+                        <a:schemeClr val="tx1"/>
+                      </a:solidFill>
+                      <a:latin typeface="+mn-lt"/>
+                      <a:ea typeface="+mn-ea"/>
+                      <a:cs typeface="+mn-cs"/>
+                    </a:defRPr>
+                  </a:lvl9pPr>
+                </a:lstStyle>
+                <a:p>
+                  <a:pPr>
+                    <a:defRPr/>
+                  </a:pPr>
+                  <a:endParaRPr lang="zh-CN" altLang="en-US" sz="900">
+                    <a:solidFill>
+                      <a:sysClr val="windowText" lastClr="000000"/>
+                    </a:solidFill>
+                    <a:latin typeface="Calibri" panose="020F0502020204030204"/>
+                    <a:ea typeface="宋体" panose="02010600030101010101" pitchFamily="2" charset="-122"/>
+                  </a:endParaRPr>
+                </a:p>
+              </p:txBody>
+            </p:sp>
+            <p:sp>
+              <p:nvSpPr>
+                <p:cNvPr id="23" name="箭头1"/>
+                <p:cNvSpPr/>
+                <p:nvPr/>
+              </p:nvSpPr>
+              <p:spPr bwMode="gray">
+                <a:xfrm>
+                  <a:off x="1330451" y="1225614"/>
+                  <a:ext cx="1080000" cy="1321191"/>
+                </a:xfrm>
+                <a:custGeom>
+                  <a:avLst/>
+                  <a:gdLst>
+                    <a:gd name="T0" fmla="*/ 118 w 933"/>
+                    <a:gd name="T1" fmla="*/ 1044 h 1182"/>
+                    <a:gd name="T2" fmla="*/ 128 w 933"/>
+                    <a:gd name="T3" fmla="*/ 340 h 1182"/>
+                    <a:gd name="T4" fmla="*/ 264 w 933"/>
+                    <a:gd name="T5" fmla="*/ 210 h 1182"/>
+                    <a:gd name="T6" fmla="*/ 720 w 933"/>
+                    <a:gd name="T7" fmla="*/ 202 h 1182"/>
+                    <a:gd name="T8" fmla="*/ 720 w 933"/>
+                    <a:gd name="T9" fmla="*/ 320 h 1182"/>
+                    <a:gd name="T10" fmla="*/ 933 w 933"/>
+                    <a:gd name="T11" fmla="*/ 153 h 1182"/>
+                    <a:gd name="T12" fmla="*/ 712 w 933"/>
+                    <a:gd name="T13" fmla="*/ 0 h 1182"/>
+                    <a:gd name="T14" fmla="*/ 714 w 933"/>
+                    <a:gd name="T15" fmla="*/ 92 h 1182"/>
+                    <a:gd name="T16" fmla="*/ 234 w 933"/>
+                    <a:gd name="T17" fmla="*/ 94 h 1182"/>
+                    <a:gd name="T18" fmla="*/ 0 w 933"/>
+                    <a:gd name="T19" fmla="*/ 298 h 1182"/>
+                    <a:gd name="T20" fmla="*/ 0 w 933"/>
+                    <a:gd name="T21" fmla="*/ 1058 h 1182"/>
+                    <a:gd name="T22" fmla="*/ 118 w 933"/>
+                    <a:gd name="T23" fmla="*/ 1044 h 1182"/>
+                  </a:gdLst>
+                  <a:ahLst/>
+                  <a:cxnLst>
+                    <a:cxn ang="0">
+                      <a:pos x="T0" y="T1"/>
+                    </a:cxn>
+                    <a:cxn ang="0">
+                      <a:pos x="T2" y="T3"/>
+                    </a:cxn>
+                    <a:cxn ang="0">
+                      <a:pos x="T4" y="T5"/>
+                    </a:cxn>
+                    <a:cxn ang="0">
+                      <a:pos x="T6" y="T7"/>
+                    </a:cxn>
+                    <a:cxn ang="0">
+                      <a:pos x="T8" y="T9"/>
+                    </a:cxn>
+                    <a:cxn ang="0">
+                      <a:pos x="T10" y="T11"/>
+                    </a:cxn>
+                    <a:cxn ang="0">
+                      <a:pos x="T12" y="T13"/>
+                    </a:cxn>
+                    <a:cxn ang="0">
+                      <a:pos x="T14" y="T15"/>
+                    </a:cxn>
+                    <a:cxn ang="0">
+                      <a:pos x="T16" y="T17"/>
+                    </a:cxn>
+                    <a:cxn ang="0">
+                      <a:pos x="T18" y="T19"/>
+                    </a:cxn>
+                    <a:cxn ang="0">
+                      <a:pos x="T20" y="T21"/>
+                    </a:cxn>
+                    <a:cxn ang="0">
+                      <a:pos x="T22" y="T23"/>
+                    </a:cxn>
+                  </a:cxnLst>
+                  <a:rect l="0" t="0" r="r" b="b"/>
+                  <a:pathLst>
+                    <a:path w="933" h="1182">
+                      <a:moveTo>
+                        <a:pt x="118" y="1044"/>
+                      </a:moveTo>
+                      <a:lnTo>
+                        <a:pt x="128" y="340"/>
+                      </a:lnTo>
+                      <a:cubicBezTo>
+                        <a:pt x="134" y="214"/>
+                        <a:pt x="182" y="212"/>
+                        <a:pt x="264" y="210"/>
+                      </a:cubicBezTo>
+                      <a:lnTo>
+                        <a:pt x="720" y="202"/>
+                      </a:lnTo>
+                      <a:lnTo>
+                        <a:pt x="720" y="320"/>
+                      </a:lnTo>
+                      <a:lnTo>
+                        <a:pt x="933" y="153"/>
+                      </a:lnTo>
+                      <a:lnTo>
+                        <a:pt x="712" y="0"/>
+                      </a:lnTo>
+                      <a:lnTo>
+                        <a:pt x="714" y="92"/>
+                      </a:lnTo>
+                      <a:cubicBezTo>
+                        <a:pt x="714" y="92"/>
+                        <a:pt x="406" y="94"/>
+                        <a:pt x="234" y="94"/>
+                      </a:cubicBezTo>
+                      <a:cubicBezTo>
+                        <a:pt x="60" y="96"/>
+                        <a:pt x="2" y="156"/>
+                        <a:pt x="0" y="298"/>
+                      </a:cubicBezTo>
+                      <a:lnTo>
+                        <a:pt x="0" y="1058"/>
+                      </a:lnTo>
+                      <a:cubicBezTo>
+                        <a:pt x="20" y="1182"/>
+                        <a:pt x="93" y="1170"/>
+                        <a:pt x="118" y="1044"/>
+                      </a:cubicBezTo>
+                      <a:close/>
+                    </a:path>
+                  </a:pathLst>
+                </a:custGeom>
+                <a:solidFill>
+                  <a:schemeClr val="bg1">
+                    <a:lumMod val="65000"/>
+                  </a:schemeClr>
+                </a:solidFill>
+                <a:ln>
+                  <a:noFill/>
+                </a:ln>
+                <a:effectLst/>
+              </p:spPr>
+              <p:txBody>
+                <a:bodyPr wrap="none" lIns="62118" tIns="31058" rIns="62118" bIns="31058" anchor="ctr">
+                  <a:noAutofit/>
+                </a:bodyPr>
+                <a:lstStyle>
+                  <a:defPPr>
+                    <a:defRPr lang="zh-CN"/>
+                  </a:defPPr>
+                  <a:lvl1pPr marL="0" algn="l" defTabSz="914400" rtl="0" eaLnBrk="1" latinLnBrk="0" hangingPunct="1">
+                    <a:defRPr sz="1800" kern="1200">
+                      <a:solidFill>
+                        <a:schemeClr val="tx1"/>
+                      </a:solidFill>
+                      <a:latin typeface="+mn-lt"/>
+                      <a:ea typeface="+mn-ea"/>
+                      <a:cs typeface="+mn-cs"/>
+                    </a:defRPr>
+                  </a:lvl1pPr>
+                  <a:lvl2pPr marL="457200" algn="l" defTabSz="914400" rtl="0" eaLnBrk="1" latinLnBrk="0" hangingPunct="1">
+                    <a:defRPr sz="1800" kern="1200">
+                      <a:solidFill>
+                        <a:schemeClr val="tx1"/>
+                      </a:solidFill>
+                      <a:latin typeface="+mn-lt"/>
+                      <a:ea typeface="+mn-ea"/>
+                      <a:cs typeface="+mn-cs"/>
+                    </a:defRPr>
+                  </a:lvl2pPr>
+                  <a:lvl3pPr marL="914400" algn="l" defTabSz="914400" rtl="0" eaLnBrk="1" latinLnBrk="0" hangingPunct="1">
+                    <a:defRPr sz="1800" kern="1200">
+                      <a:solidFill>
+                        <a:schemeClr val="tx1"/>
+                      </a:solidFill>
+                      <a:latin typeface="+mn-lt"/>
+                      <a:ea typeface="+mn-ea"/>
+                      <a:cs typeface="+mn-cs"/>
+                    </a:defRPr>
+                  </a:lvl3pPr>
+                  <a:lvl4pPr marL="1371600" algn="l" defTabSz="914400" rtl="0" eaLnBrk="1" latinLnBrk="0" hangingPunct="1">
+                    <a:defRPr sz="1800" kern="1200">
+                      <a:solidFill>
+                        <a:schemeClr val="tx1"/>
+                      </a:solidFill>
+                      <a:latin typeface="+mn-lt"/>
+                      <a:ea typeface="+mn-ea"/>
+                      <a:cs typeface="+mn-cs"/>
+                    </a:defRPr>
+                  </a:lvl4pPr>
+                  <a:lvl5pPr marL="1828800" algn="l" defTabSz="914400" rtl="0" eaLnBrk="1" latinLnBrk="0" hangingPunct="1">
+                    <a:defRPr sz="1800" kern="1200">
+                      <a:solidFill>
+                        <a:schemeClr val="tx1"/>
+                      </a:solidFill>
+                      <a:latin typeface="+mn-lt"/>
+                      <a:ea typeface="+mn-ea"/>
+                      <a:cs typeface="+mn-cs"/>
+                    </a:defRPr>
+                  </a:lvl5pPr>
+                  <a:lvl6pPr marL="2286000" algn="l" defTabSz="914400" rtl="0" eaLnBrk="1" latinLnBrk="0" hangingPunct="1">
+                    <a:defRPr sz="1800" kern="1200">
+                      <a:solidFill>
+                        <a:schemeClr val="tx1"/>
+                      </a:solidFill>
+                      <a:latin typeface="+mn-lt"/>
+                      <a:ea typeface="+mn-ea"/>
+                      <a:cs typeface="+mn-cs"/>
+                    </a:defRPr>
+                  </a:lvl6pPr>
+                  <a:lvl7pPr marL="2743200" algn="l" defTabSz="914400" rtl="0" eaLnBrk="1" latinLnBrk="0" hangingPunct="1">
+                    <a:defRPr sz="1800" kern="1200">
+                      <a:solidFill>
+                        <a:schemeClr val="tx1"/>
+                      </a:solidFill>
+                      <a:latin typeface="+mn-lt"/>
+                      <a:ea typeface="+mn-ea"/>
+                      <a:cs typeface="+mn-cs"/>
+                    </a:defRPr>
+                  </a:lvl7pPr>
+                  <a:lvl8pPr marL="3200400" algn="l" defTabSz="914400" rtl="0" eaLnBrk="1" latinLnBrk="0" hangingPunct="1">
+                    <a:defRPr sz="1800" kern="1200">
+                      <a:solidFill>
+                        <a:schemeClr val="tx1"/>
+                      </a:solidFill>
+                      <a:latin typeface="+mn-lt"/>
+                      <a:ea typeface="+mn-ea"/>
+                      <a:cs typeface="+mn-cs"/>
+                    </a:defRPr>
+                  </a:lvl8pPr>
+                  <a:lvl9pPr marL="3657600" algn="l" defTabSz="914400" rtl="0" eaLnBrk="1" latinLnBrk="0" hangingPunct="1">
+                    <a:defRPr sz="1800" kern="1200">
+                      <a:solidFill>
+                        <a:schemeClr val="tx1"/>
+                      </a:solidFill>
+                      <a:latin typeface="+mn-lt"/>
+                      <a:ea typeface="+mn-ea"/>
+                      <a:cs typeface="+mn-cs"/>
+                    </a:defRPr>
+                  </a:lvl9pPr>
+                </a:lstStyle>
+                <a:p>
+                  <a:pPr>
+                    <a:defRPr/>
+                  </a:pPr>
+                  <a:endParaRPr lang="zh-CN" altLang="en-US" sz="900">
+                    <a:solidFill>
+                      <a:sysClr val="windowText" lastClr="000000"/>
+                    </a:solidFill>
+                    <a:latin typeface="Calibri" panose="020F0502020204030204"/>
+                    <a:ea typeface="宋体" panose="02010600030101010101" pitchFamily="2" charset="-122"/>
+                  </a:endParaRPr>
+                </a:p>
+              </p:txBody>
+            </p:sp>
+            <p:sp>
+              <p:nvSpPr>
+                <p:cNvPr id="25" name="箭头3"/>
+                <p:cNvSpPr/>
+                <p:nvPr/>
+              </p:nvSpPr>
+              <p:spPr bwMode="gray">
+                <a:xfrm flipV="1">
+                  <a:off x="1329929" y="1352317"/>
+                  <a:ext cx="1080000" cy="1140531"/>
+                </a:xfrm>
+                <a:custGeom>
+                  <a:avLst/>
+                  <a:gdLst>
+                    <a:gd name="T0" fmla="*/ 118 w 933"/>
+                    <a:gd name="T1" fmla="*/ 1044 h 1182"/>
+                    <a:gd name="T2" fmla="*/ 128 w 933"/>
+                    <a:gd name="T3" fmla="*/ 340 h 1182"/>
+                    <a:gd name="T4" fmla="*/ 264 w 933"/>
+                    <a:gd name="T5" fmla="*/ 210 h 1182"/>
+                    <a:gd name="T6" fmla="*/ 720 w 933"/>
+                    <a:gd name="T7" fmla="*/ 202 h 1182"/>
+                    <a:gd name="T8" fmla="*/ 720 w 933"/>
+                    <a:gd name="T9" fmla="*/ 320 h 1182"/>
+                    <a:gd name="T10" fmla="*/ 933 w 933"/>
+                    <a:gd name="T11" fmla="*/ 153 h 1182"/>
+                    <a:gd name="T12" fmla="*/ 712 w 933"/>
+                    <a:gd name="T13" fmla="*/ 0 h 1182"/>
+                    <a:gd name="T14" fmla="*/ 714 w 933"/>
+                    <a:gd name="T15" fmla="*/ 92 h 1182"/>
+                    <a:gd name="T16" fmla="*/ 234 w 933"/>
+                    <a:gd name="T17" fmla="*/ 94 h 1182"/>
+                    <a:gd name="T18" fmla="*/ 0 w 933"/>
+                    <a:gd name="T19" fmla="*/ 298 h 1182"/>
+                    <a:gd name="T20" fmla="*/ 0 w 933"/>
+                    <a:gd name="T21" fmla="*/ 1058 h 1182"/>
+                    <a:gd name="T22" fmla="*/ 118 w 933"/>
+                    <a:gd name="T23" fmla="*/ 1044 h 1182"/>
+                  </a:gdLst>
+                  <a:ahLst/>
+                  <a:cxnLst>
+                    <a:cxn ang="0">
+                      <a:pos x="T0" y="T1"/>
+                    </a:cxn>
+                    <a:cxn ang="0">
+                      <a:pos x="T2" y="T3"/>
+                    </a:cxn>
+                    <a:cxn ang="0">
+                      <a:pos x="T4" y="T5"/>
+                    </a:cxn>
+                    <a:cxn ang="0">
+                      <a:pos x="T6" y="T7"/>
+                    </a:cxn>
+                    <a:cxn ang="0">
+                      <a:pos x="T8" y="T9"/>
+                    </a:cxn>
+                    <a:cxn ang="0">
+                      <a:pos x="T10" y="T11"/>
+                    </a:cxn>
+                    <a:cxn ang="0">
+                      <a:pos x="T12" y="T13"/>
+                    </a:cxn>
+                    <a:cxn ang="0">
+                      <a:pos x="T14" y="T15"/>
+                    </a:cxn>
+                    <a:cxn ang="0">
+                      <a:pos x="T16" y="T17"/>
+                    </a:cxn>
+                    <a:cxn ang="0">
+                      <a:pos x="T18" y="T19"/>
+                    </a:cxn>
+                    <a:cxn ang="0">
+                      <a:pos x="T20" y="T21"/>
+                    </a:cxn>
+                    <a:cxn ang="0">
+                      <a:pos x="T22" y="T23"/>
+                    </a:cxn>
+                  </a:cxnLst>
+                  <a:rect l="0" t="0" r="r" b="b"/>
+                  <a:pathLst>
+                    <a:path w="933" h="1182">
+                      <a:moveTo>
+                        <a:pt x="118" y="1044"/>
+                      </a:moveTo>
+                      <a:lnTo>
+                        <a:pt x="128" y="340"/>
+                      </a:lnTo>
+                      <a:cubicBezTo>
+                        <a:pt x="134" y="214"/>
+                        <a:pt x="182" y="212"/>
+                        <a:pt x="264" y="210"/>
+                      </a:cubicBezTo>
+                      <a:lnTo>
+                        <a:pt x="720" y="202"/>
+                      </a:lnTo>
+                      <a:lnTo>
+                        <a:pt x="720" y="320"/>
+                      </a:lnTo>
+                      <a:lnTo>
+                        <a:pt x="933" y="153"/>
+                      </a:lnTo>
+                      <a:lnTo>
+                        <a:pt x="712" y="0"/>
+                      </a:lnTo>
+                      <a:lnTo>
+                        <a:pt x="714" y="92"/>
+                      </a:lnTo>
+                      <a:cubicBezTo>
+                        <a:pt x="714" y="92"/>
+                        <a:pt x="406" y="94"/>
+                        <a:pt x="234" y="94"/>
+                      </a:cubicBezTo>
+                      <a:cubicBezTo>
+                        <a:pt x="60" y="96"/>
+                        <a:pt x="2" y="156"/>
+                        <a:pt x="0" y="298"/>
+                      </a:cubicBezTo>
+                      <a:lnTo>
+                        <a:pt x="0" y="1058"/>
+                      </a:lnTo>
+                      <a:cubicBezTo>
+                        <a:pt x="20" y="1182"/>
+                        <a:pt x="93" y="1170"/>
+                        <a:pt x="118" y="1044"/>
+                      </a:cubicBezTo>
+                      <a:close/>
+                    </a:path>
+                  </a:pathLst>
+                </a:custGeom>
+                <a:solidFill>
+                  <a:schemeClr val="bg1">
+                    <a:lumMod val="65000"/>
+                  </a:schemeClr>
+                </a:solidFill>
+                <a:ln>
+                  <a:noFill/>
+                </a:ln>
+                <a:effectLst/>
+              </p:spPr>
+              <p:txBody>
+                <a:bodyPr wrap="none" lIns="62118" tIns="31058" rIns="62118" bIns="31058" anchor="ctr">
+                  <a:noAutofit/>
+                </a:bodyPr>
+                <a:lstStyle>
+                  <a:defPPr>
+                    <a:defRPr lang="zh-CN"/>
+                  </a:defPPr>
+                  <a:lvl1pPr marL="0" algn="l" defTabSz="914400" rtl="0" eaLnBrk="1" latinLnBrk="0" hangingPunct="1">
+                    <a:defRPr sz="1800" kern="1200">
+                      <a:solidFill>
+                        <a:schemeClr val="tx1"/>
+                      </a:solidFill>
+                      <a:latin typeface="+mn-lt"/>
+                      <a:ea typeface="+mn-ea"/>
+                      <a:cs typeface="+mn-cs"/>
+                    </a:defRPr>
+                  </a:lvl1pPr>
+                  <a:lvl2pPr marL="457200" algn="l" defTabSz="914400" rtl="0" eaLnBrk="1" latinLnBrk="0" hangingPunct="1">
+                    <a:defRPr sz="1800" kern="1200">
+                      <a:solidFill>
+                        <a:schemeClr val="tx1"/>
+                      </a:solidFill>
+                      <a:latin typeface="+mn-lt"/>
+                      <a:ea typeface="+mn-ea"/>
+                      <a:cs typeface="+mn-cs"/>
+                    </a:defRPr>
+                  </a:lvl2pPr>
+                  <a:lvl3pPr marL="914400" algn="l" defTabSz="914400" rtl="0" eaLnBrk="1" latinLnBrk="0" hangingPunct="1">
+                    <a:defRPr sz="1800" kern="1200">
+                      <a:solidFill>
+                        <a:schemeClr val="tx1"/>
+                      </a:solidFill>
+                      <a:latin typeface="+mn-lt"/>
+                      <a:ea typeface="+mn-ea"/>
+                      <a:cs typeface="+mn-cs"/>
+                    </a:defRPr>
+                  </a:lvl3pPr>
+                  <a:lvl4pPr marL="1371600" algn="l" defTabSz="914400" rtl="0" eaLnBrk="1" latinLnBrk="0" hangingPunct="1">
+                    <a:defRPr sz="1800" kern="1200">
+                      <a:solidFill>
+                        <a:schemeClr val="tx1"/>
+                      </a:solidFill>
+                      <a:latin typeface="+mn-lt"/>
+                      <a:ea typeface="+mn-ea"/>
+                      <a:cs typeface="+mn-cs"/>
+                    </a:defRPr>
+                  </a:lvl4pPr>
+                  <a:lvl5pPr marL="1828800" algn="l" defTabSz="914400" rtl="0" eaLnBrk="1" latinLnBrk="0" hangingPunct="1">
+                    <a:defRPr sz="1800" kern="1200">
+                      <a:solidFill>
+                        <a:schemeClr val="tx1"/>
+                      </a:solidFill>
+                      <a:latin typeface="+mn-lt"/>
+                      <a:ea typeface="+mn-ea"/>
+                      <a:cs typeface="+mn-cs"/>
+                    </a:defRPr>
+                  </a:lvl5pPr>
+                  <a:lvl6pPr marL="2286000" algn="l" defTabSz="914400" rtl="0" eaLnBrk="1" latinLnBrk="0" hangingPunct="1">
+                    <a:defRPr sz="1800" kern="1200">
+                      <a:solidFill>
+                        <a:schemeClr val="tx1"/>
+                      </a:solidFill>
+                      <a:latin typeface="+mn-lt"/>
+                      <a:ea typeface="+mn-ea"/>
+                      <a:cs typeface="+mn-cs"/>
+                    </a:defRPr>
+                  </a:lvl6pPr>
+                  <a:lvl7pPr marL="2743200" algn="l" defTabSz="914400" rtl="0" eaLnBrk="1" latinLnBrk="0" hangingPunct="1">
+                    <a:defRPr sz="1800" kern="1200">
+                      <a:solidFill>
+                        <a:schemeClr val="tx1"/>
+                      </a:solidFill>
+                      <a:latin typeface="+mn-lt"/>
+                      <a:ea typeface="+mn-ea"/>
+                      <a:cs typeface="+mn-cs"/>
+                    </a:defRPr>
+                  </a:lvl7pPr>
+                  <a:lvl8pPr marL="3200400" algn="l" defTabSz="914400" rtl="0" eaLnBrk="1" latinLnBrk="0" hangingPunct="1">
+                    <a:defRPr sz="1800" kern="1200">
+                      <a:solidFill>
+                        <a:schemeClr val="tx1"/>
+                      </a:solidFill>
+                      <a:latin typeface="+mn-lt"/>
+                      <a:ea typeface="+mn-ea"/>
+                      <a:cs typeface="+mn-cs"/>
+                    </a:defRPr>
+                  </a:lvl8pPr>
+                  <a:lvl9pPr marL="3657600" algn="l" defTabSz="914400" rtl="0" eaLnBrk="1" latinLnBrk="0" hangingPunct="1">
+                    <a:defRPr sz="1800" kern="1200">
+                      <a:solidFill>
+                        <a:schemeClr val="tx1"/>
+                      </a:solidFill>
+                      <a:latin typeface="+mn-lt"/>
+                      <a:ea typeface="+mn-ea"/>
+                      <a:cs typeface="+mn-cs"/>
+                    </a:defRPr>
+                  </a:lvl9pPr>
+                </a:lstStyle>
+                <a:p>
+                  <a:pPr>
+                    <a:defRPr/>
+                  </a:pPr>
+                  <a:endParaRPr lang="zh-CN" altLang="en-US" sz="900" dirty="0">
+                    <a:solidFill>
+                      <a:sysClr val="windowText" lastClr="000000"/>
+                    </a:solidFill>
+                    <a:latin typeface="Calibri" panose="020F0502020204030204"/>
+                    <a:ea typeface="宋体" panose="02010600030101010101" pitchFamily="2" charset="-122"/>
+                  </a:endParaRPr>
+                </a:p>
+              </p:txBody>
+            </p:sp>
+          </p:grpSp>
+          <p:sp>
+            <p:nvSpPr>
+              <p:cNvPr id="21" name="Oval 19"/>
+              <p:cNvSpPr>
+                <a:spLocks noChangeArrowheads="1"/>
+              </p:cNvSpPr>
+              <p:nvPr/>
+            </p:nvSpPr>
+            <p:spPr bwMode="auto">
+              <a:xfrm>
+                <a:off x="828641" y="1829348"/>
+                <a:ext cx="1124436" cy="1125841"/>
+              </a:xfrm>
+              <a:prstGeom prst="ellipse">
+                <a:avLst/>
+              </a:prstGeom>
+              <a:solidFill>
+                <a:schemeClr val="accent1"/>
+              </a:solidFill>
+              <a:ln w="9525">
+                <a:noFill/>
+                <a:round/>
+              </a:ln>
+              <a:effectLst/>
+            </p:spPr>
+            <p:txBody>
+              <a:bodyPr lIns="62118" tIns="31058" rIns="62118" bIns="31058" anchor="ctr"/>
+              <a:lstStyle/>
+              <a:p>
+                <a:pPr algn="ctr">
+                  <a:lnSpc>
+                    <a:spcPct val="120000"/>
+                  </a:lnSpc>
+                  <a:defRPr/>
+                </a:pPr>
+                <a:r>
+                  <a:rPr lang="zh-CN" altLang="en-US" sz="1900" b="1" kern="0" dirty="0">
+                    <a:solidFill>
+                      <a:schemeClr val="bg1"/>
+                    </a:solidFill>
+                    <a:latin typeface="Arial" panose="020B0604020202020204" pitchFamily="34" charset="0"/>
+                    <a:ea typeface="微软雅黑" panose="020B0503020204020204" pitchFamily="34" charset="-122"/>
+                  </a:rPr>
+                  <a:t>基础算法</a:t>
+                </a:r>
+                <a:endParaRPr lang="zh-CN" altLang="en-US" sz="1900" b="1" kern="0" dirty="0">
+                  <a:solidFill>
+                    <a:schemeClr val="bg1"/>
+                  </a:solidFill>
+                  <a:latin typeface="Arial" panose="020B0604020202020204" pitchFamily="34" charset="0"/>
+                  <a:ea typeface="微软雅黑" panose="020B0503020204020204" pitchFamily="34" charset="-122"/>
+                </a:endParaRPr>
+              </a:p>
+            </p:txBody>
+          </p:sp>
+        </p:grpSp>
+        <p:grpSp>
+          <p:nvGrpSpPr>
+            <p:cNvPr id="11" name="组合 10"/>
+            <p:cNvGrpSpPr/>
+            <p:nvPr/>
+          </p:nvGrpSpPr>
+          <p:grpSpPr>
+            <a:xfrm>
+              <a:off x="2385827" y="1004716"/>
+              <a:ext cx="5730320" cy="2459801"/>
+              <a:chOff x="2305532" y="1004716"/>
+              <a:chExt cx="5730320" cy="2459801"/>
+            </a:xfrm>
+          </p:grpSpPr>
+          <p:sp>
+            <p:nvSpPr>
+              <p:cNvPr id="12" name="文本1"/>
+              <p:cNvSpPr>
+                <a:spLocks noChangeArrowheads="1"/>
+              </p:cNvSpPr>
+              <p:nvPr/>
+            </p:nvSpPr>
+            <p:spPr bwMode="gray">
+              <a:xfrm>
+                <a:off x="3602544" y="1028561"/>
+                <a:ext cx="4433306" cy="581161"/>
+              </a:xfrm>
+              <a:prstGeom prst="rect">
+                <a:avLst/>
+              </a:prstGeom>
+              <a:noFill/>
+              <a:ln w="15875" cap="flat" cmpd="sng" algn="ctr">
+                <a:solidFill>
+                  <a:schemeClr val="accent1"/>
+                </a:solidFill>
+                <a:prstDash val="solid"/>
+              </a:ln>
+              <a:effectLst/>
+            </p:spPr>
+            <p:txBody>
+              <a:bodyPr lIns="62118" tIns="31058" rIns="62118" bIns="31058" anchor="ctr"/>
+              <a:lstStyle>
+                <a:defPPr>
+                  <a:defRPr lang="zh-CN"/>
+                </a:defPPr>
+                <a:lvl1pPr marL="0" algn="l" defTabSz="914400" rtl="0" eaLnBrk="1" latinLnBrk="0" hangingPunct="1">
+                  <a:defRPr sz="1800" kern="1200">
+                    <a:solidFill>
+                      <a:schemeClr val="tx1"/>
+                    </a:solidFill>
+                    <a:latin typeface="+mn-lt"/>
+                    <a:ea typeface="+mn-ea"/>
+                    <a:cs typeface="+mn-cs"/>
+                  </a:defRPr>
+                </a:lvl1pPr>
+                <a:lvl2pPr marL="457200" algn="l" defTabSz="914400" rtl="0" eaLnBrk="1" latinLnBrk="0" hangingPunct="1">
+                  <a:defRPr sz="1800" kern="1200">
+                    <a:solidFill>
+                      <a:schemeClr val="tx1"/>
+                    </a:solidFill>
+                    <a:latin typeface="+mn-lt"/>
+                    <a:ea typeface="+mn-ea"/>
+                    <a:cs typeface="+mn-cs"/>
+                  </a:defRPr>
+                </a:lvl2pPr>
+                <a:lvl3pPr marL="914400" algn="l" defTabSz="914400" rtl="0" eaLnBrk="1" latinLnBrk="0" hangingPunct="1">
+                  <a:defRPr sz="1800" kern="1200">
+                    <a:solidFill>
+                      <a:schemeClr val="tx1"/>
+                    </a:solidFill>
+                    <a:latin typeface="+mn-lt"/>
+                    <a:ea typeface="+mn-ea"/>
+                    <a:cs typeface="+mn-cs"/>
+                  </a:defRPr>
+                </a:lvl3pPr>
+                <a:lvl4pPr marL="1371600" algn="l" defTabSz="914400" rtl="0" eaLnBrk="1" latinLnBrk="0" hangingPunct="1">
+                  <a:defRPr sz="1800" kern="1200">
+                    <a:solidFill>
+                      <a:schemeClr val="tx1"/>
+                    </a:solidFill>
+                    <a:latin typeface="+mn-lt"/>
+                    <a:ea typeface="+mn-ea"/>
+                    <a:cs typeface="+mn-cs"/>
+                  </a:defRPr>
+                </a:lvl4pPr>
+                <a:lvl5pPr marL="1828800" algn="l" defTabSz="914400" rtl="0" eaLnBrk="1" latinLnBrk="0" hangingPunct="1">
+                  <a:defRPr sz="1800" kern="1200">
+                    <a:solidFill>
+                      <a:schemeClr val="tx1"/>
+                    </a:solidFill>
+                    <a:latin typeface="+mn-lt"/>
+                    <a:ea typeface="+mn-ea"/>
+                    <a:cs typeface="+mn-cs"/>
+                  </a:defRPr>
+                </a:lvl5pPr>
+                <a:lvl6pPr marL="2286000" algn="l" defTabSz="914400" rtl="0" eaLnBrk="1" latinLnBrk="0" hangingPunct="1">
+                  <a:defRPr sz="1800" kern="1200">
+                    <a:solidFill>
+                      <a:schemeClr val="tx1"/>
+                    </a:solidFill>
+                    <a:latin typeface="+mn-lt"/>
+                    <a:ea typeface="+mn-ea"/>
+                    <a:cs typeface="+mn-cs"/>
+                  </a:defRPr>
+                </a:lvl6pPr>
+                <a:lvl7pPr marL="2743200" algn="l" defTabSz="914400" rtl="0" eaLnBrk="1" latinLnBrk="0" hangingPunct="1">
+                  <a:defRPr sz="1800" kern="1200">
+                    <a:solidFill>
+                      <a:schemeClr val="tx1"/>
+                    </a:solidFill>
+                    <a:latin typeface="+mn-lt"/>
+                    <a:ea typeface="+mn-ea"/>
+                    <a:cs typeface="+mn-cs"/>
+                  </a:defRPr>
+                </a:lvl7pPr>
+                <a:lvl8pPr marL="3200400" algn="l" defTabSz="914400" rtl="0" eaLnBrk="1" latinLnBrk="0" hangingPunct="1">
+                  <a:defRPr sz="1800" kern="1200">
+                    <a:solidFill>
+                      <a:schemeClr val="tx1"/>
+                    </a:solidFill>
+                    <a:latin typeface="+mn-lt"/>
+                    <a:ea typeface="+mn-ea"/>
+                    <a:cs typeface="+mn-cs"/>
+                  </a:defRPr>
+                </a:lvl8pPr>
+                <a:lvl9pPr marL="3657600" algn="l" defTabSz="914400" rtl="0" eaLnBrk="1" latinLnBrk="0" hangingPunct="1">
+                  <a:defRPr sz="1800" kern="1200">
+                    <a:solidFill>
+                      <a:schemeClr val="tx1"/>
+                    </a:solidFill>
+                    <a:latin typeface="+mn-lt"/>
+                    <a:ea typeface="+mn-ea"/>
+                    <a:cs typeface="+mn-cs"/>
+                  </a:defRPr>
+                </a:lvl9pPr>
+              </a:lstStyle>
+              <a:p>
+                <a:pPr fontAlgn="base">
+                  <a:lnSpc>
+                    <a:spcPct val="120000"/>
+                  </a:lnSpc>
+                  <a:spcBef>
+                    <a:spcPct val="0"/>
+                  </a:spcBef>
+                  <a:spcAft>
+                    <a:spcPct val="0"/>
+                  </a:spcAft>
+                  <a:defRPr/>
+                </a:pPr>
+                <a:r>
+                  <a:rPr lang="zh-CN" altLang="en-US" sz="1200" dirty="0">
+                    <a:solidFill>
+                      <a:schemeClr val="tx1">
+                        <a:lumMod val="75000"/>
+                        <a:lumOff val="25000"/>
+                      </a:schemeClr>
+                    </a:solidFill>
+                    <a:latin typeface="微软雅黑" panose="020B0503020204020204" pitchFamily="34" charset="-122"/>
+                    <a:ea typeface="微软雅黑" panose="020B0503020204020204" pitchFamily="34" charset="-122"/>
+                  </a:rPr>
+                  <a:t>一阶方法，完全不考虑标签之间的关联信息</a:t>
+                </a:r>
+                <a:endParaRPr lang="zh-CN" altLang="zh-CN" sz="1200" dirty="0">
+                  <a:solidFill>
+                    <a:schemeClr val="tx1">
+                      <a:lumMod val="75000"/>
+                      <a:lumOff val="25000"/>
+                    </a:schemeClr>
+                  </a:solidFill>
+                  <a:latin typeface="微软雅黑" panose="020B0503020204020204" pitchFamily="34" charset="-122"/>
+                  <a:ea typeface="微软雅黑" panose="020B0503020204020204" pitchFamily="34" charset="-122"/>
+                </a:endParaRPr>
+              </a:p>
+            </p:txBody>
+          </p:sp>
+          <p:sp>
+            <p:nvSpPr>
+              <p:cNvPr id="13" name="标题1"/>
+              <p:cNvSpPr>
+                <a:spLocks noChangeArrowheads="1"/>
+              </p:cNvSpPr>
+              <p:nvPr/>
+            </p:nvSpPr>
+            <p:spPr bwMode="gray">
+              <a:xfrm>
+                <a:off x="2305533" y="1004716"/>
+                <a:ext cx="1017068" cy="628852"/>
+              </a:xfrm>
+              <a:prstGeom prst="rect">
+                <a:avLst/>
+              </a:prstGeom>
+              <a:solidFill>
+                <a:schemeClr val="accent1"/>
+              </a:solidFill>
+              <a:ln w="25400" cap="flat" cmpd="sng" algn="ctr">
+                <a:noFill/>
+                <a:prstDash val="solid"/>
+              </a:ln>
+              <a:effectLst/>
+            </p:spPr>
+            <p:txBody>
+              <a:bodyPr lIns="62118" tIns="31058" rIns="62118" bIns="31058" anchor="ctr"/>
+              <a:lstStyle>
+                <a:defPPr>
+                  <a:defRPr lang="zh-CN"/>
+                </a:defPPr>
+                <a:lvl1pPr marL="0" algn="l" defTabSz="914400" rtl="0" eaLnBrk="1" latinLnBrk="0" hangingPunct="1">
+                  <a:defRPr sz="1800" kern="1200">
+                    <a:solidFill>
+                      <a:schemeClr val="tx1"/>
+                    </a:solidFill>
+                    <a:latin typeface="+mn-lt"/>
+                    <a:ea typeface="+mn-ea"/>
+                    <a:cs typeface="+mn-cs"/>
+                  </a:defRPr>
+                </a:lvl1pPr>
+                <a:lvl2pPr marL="457200" algn="l" defTabSz="914400" rtl="0" eaLnBrk="1" latinLnBrk="0" hangingPunct="1">
+                  <a:defRPr sz="1800" kern="1200">
+                    <a:solidFill>
+                      <a:schemeClr val="tx1"/>
+                    </a:solidFill>
+                    <a:latin typeface="+mn-lt"/>
+                    <a:ea typeface="+mn-ea"/>
+                    <a:cs typeface="+mn-cs"/>
+                  </a:defRPr>
+                </a:lvl2pPr>
+                <a:lvl3pPr marL="914400" algn="l" defTabSz="914400" rtl="0" eaLnBrk="1" latinLnBrk="0" hangingPunct="1">
+                  <a:defRPr sz="1800" kern="1200">
+                    <a:solidFill>
+                      <a:schemeClr val="tx1"/>
+                    </a:solidFill>
+                    <a:latin typeface="+mn-lt"/>
+                    <a:ea typeface="+mn-ea"/>
+                    <a:cs typeface="+mn-cs"/>
+                  </a:defRPr>
+                </a:lvl3pPr>
+                <a:lvl4pPr marL="1371600" algn="l" defTabSz="914400" rtl="0" eaLnBrk="1" latinLnBrk="0" hangingPunct="1">
+                  <a:defRPr sz="1800" kern="1200">
+                    <a:solidFill>
+                      <a:schemeClr val="tx1"/>
+                    </a:solidFill>
+                    <a:latin typeface="+mn-lt"/>
+                    <a:ea typeface="+mn-ea"/>
+                    <a:cs typeface="+mn-cs"/>
+                  </a:defRPr>
+                </a:lvl4pPr>
+                <a:lvl5pPr marL="1828800" algn="l" defTabSz="914400" rtl="0" eaLnBrk="1" latinLnBrk="0" hangingPunct="1">
+                  <a:defRPr sz="1800" kern="1200">
+                    <a:solidFill>
+                      <a:schemeClr val="tx1"/>
+                    </a:solidFill>
+                    <a:latin typeface="+mn-lt"/>
+                    <a:ea typeface="+mn-ea"/>
+                    <a:cs typeface="+mn-cs"/>
+                  </a:defRPr>
+                </a:lvl5pPr>
+                <a:lvl6pPr marL="2286000" algn="l" defTabSz="914400" rtl="0" eaLnBrk="1" latinLnBrk="0" hangingPunct="1">
+                  <a:defRPr sz="1800" kern="1200">
+                    <a:solidFill>
+                      <a:schemeClr val="tx1"/>
+                    </a:solidFill>
+                    <a:latin typeface="+mn-lt"/>
+                    <a:ea typeface="+mn-ea"/>
+                    <a:cs typeface="+mn-cs"/>
+                  </a:defRPr>
+                </a:lvl6pPr>
+                <a:lvl7pPr marL="2743200" algn="l" defTabSz="914400" rtl="0" eaLnBrk="1" latinLnBrk="0" hangingPunct="1">
+                  <a:defRPr sz="1800" kern="1200">
+                    <a:solidFill>
+                      <a:schemeClr val="tx1"/>
+                    </a:solidFill>
+                    <a:latin typeface="+mn-lt"/>
+                    <a:ea typeface="+mn-ea"/>
+                    <a:cs typeface="+mn-cs"/>
+                  </a:defRPr>
+                </a:lvl7pPr>
+                <a:lvl8pPr marL="3200400" algn="l" defTabSz="914400" rtl="0" eaLnBrk="1" latinLnBrk="0" hangingPunct="1">
+                  <a:defRPr sz="1800" kern="1200">
+                    <a:solidFill>
+                      <a:schemeClr val="tx1"/>
+                    </a:solidFill>
+                    <a:latin typeface="+mn-lt"/>
+                    <a:ea typeface="+mn-ea"/>
+                    <a:cs typeface="+mn-cs"/>
+                  </a:defRPr>
+                </a:lvl8pPr>
+                <a:lvl9pPr marL="3657600" algn="l" defTabSz="914400" rtl="0" eaLnBrk="1" latinLnBrk="0" hangingPunct="1">
+                  <a:defRPr sz="1800" kern="1200">
+                    <a:solidFill>
+                      <a:schemeClr val="tx1"/>
+                    </a:solidFill>
+                    <a:latin typeface="+mn-lt"/>
+                    <a:ea typeface="+mn-ea"/>
+                    <a:cs typeface="+mn-cs"/>
+                  </a:defRPr>
+                </a:lvl9pPr>
+              </a:lstStyle>
+              <a:p>
+                <a:pPr algn="ctr" fontAlgn="base">
+                  <a:lnSpc>
+                    <a:spcPct val="120000"/>
+                  </a:lnSpc>
+                  <a:spcBef>
+                    <a:spcPct val="0"/>
+                  </a:spcBef>
+                  <a:spcAft>
+                    <a:spcPct val="0"/>
+                  </a:spcAft>
+                  <a:defRPr/>
+                </a:pPr>
+                <a:r>
+                  <a:rPr lang="en-US" altLang="zh-CN" sz="1600" b="1" dirty="0">
+                    <a:solidFill>
+                      <a:sysClr val="window" lastClr="FFFFFF">
+                        <a:lumMod val="95000"/>
+                      </a:sysClr>
+                    </a:solidFill>
+                    <a:latin typeface="微软雅黑" panose="020B0503020204020204" pitchFamily="34" charset="-122"/>
+                    <a:ea typeface="微软雅黑" panose="020B0503020204020204" pitchFamily="34" charset="-122"/>
+                  </a:rPr>
+                  <a:t>BR</a:t>
+                </a:r>
+                <a:endParaRPr lang="zh-CN" altLang="zh-CN" sz="1600" b="1" dirty="0">
+                  <a:solidFill>
+                    <a:sysClr val="window" lastClr="FFFFFF">
+                      <a:lumMod val="95000"/>
+                    </a:sysClr>
+                  </a:solidFill>
+                  <a:latin typeface="微软雅黑" panose="020B0503020204020204" pitchFamily="34" charset="-122"/>
+                  <a:ea typeface="微软雅黑" panose="020B0503020204020204" pitchFamily="34" charset="-122"/>
+                </a:endParaRPr>
+              </a:p>
+            </p:txBody>
+          </p:sp>
+          <p:sp>
+            <p:nvSpPr>
+              <p:cNvPr id="14" name="标题1"/>
+              <p:cNvSpPr>
+                <a:spLocks noChangeArrowheads="1"/>
+              </p:cNvSpPr>
+              <p:nvPr/>
+            </p:nvSpPr>
+            <p:spPr bwMode="gray">
+              <a:xfrm>
+                <a:off x="2305532" y="2919966"/>
+                <a:ext cx="1017070" cy="544551"/>
+              </a:xfrm>
+              <a:prstGeom prst="rect">
+                <a:avLst/>
+              </a:prstGeom>
+              <a:solidFill>
+                <a:schemeClr val="accent1"/>
+              </a:solidFill>
+              <a:ln w="25400" cap="flat" cmpd="sng" algn="ctr">
+                <a:noFill/>
+                <a:prstDash val="solid"/>
+              </a:ln>
+              <a:effectLst/>
+            </p:spPr>
+            <p:txBody>
+              <a:bodyPr lIns="62118" tIns="31058" rIns="62118" bIns="31058" anchor="ctr"/>
+              <a:lstStyle>
+                <a:defPPr>
+                  <a:defRPr lang="zh-CN"/>
+                </a:defPPr>
+                <a:lvl1pPr marL="0" algn="l" defTabSz="914400" rtl="0" eaLnBrk="1" latinLnBrk="0" hangingPunct="1">
+                  <a:defRPr sz="1800" kern="1200">
+                    <a:solidFill>
+                      <a:schemeClr val="tx1"/>
+                    </a:solidFill>
+                    <a:latin typeface="+mn-lt"/>
+                    <a:ea typeface="+mn-ea"/>
+                    <a:cs typeface="+mn-cs"/>
+                  </a:defRPr>
+                </a:lvl1pPr>
+                <a:lvl2pPr marL="457200" algn="l" defTabSz="914400" rtl="0" eaLnBrk="1" latinLnBrk="0" hangingPunct="1">
+                  <a:defRPr sz="1800" kern="1200">
+                    <a:solidFill>
+                      <a:schemeClr val="tx1"/>
+                    </a:solidFill>
+                    <a:latin typeface="+mn-lt"/>
+                    <a:ea typeface="+mn-ea"/>
+                    <a:cs typeface="+mn-cs"/>
+                  </a:defRPr>
+                </a:lvl2pPr>
+                <a:lvl3pPr marL="914400" algn="l" defTabSz="914400" rtl="0" eaLnBrk="1" latinLnBrk="0" hangingPunct="1">
+                  <a:defRPr sz="1800" kern="1200">
+                    <a:solidFill>
+                      <a:schemeClr val="tx1"/>
+                    </a:solidFill>
+                    <a:latin typeface="+mn-lt"/>
+                    <a:ea typeface="+mn-ea"/>
+                    <a:cs typeface="+mn-cs"/>
+                  </a:defRPr>
+                </a:lvl3pPr>
+                <a:lvl4pPr marL="1371600" algn="l" defTabSz="914400" rtl="0" eaLnBrk="1" latinLnBrk="0" hangingPunct="1">
+                  <a:defRPr sz="1800" kern="1200">
+                    <a:solidFill>
+                      <a:schemeClr val="tx1"/>
+                    </a:solidFill>
+                    <a:latin typeface="+mn-lt"/>
+                    <a:ea typeface="+mn-ea"/>
+                    <a:cs typeface="+mn-cs"/>
+                  </a:defRPr>
+                </a:lvl4pPr>
+                <a:lvl5pPr marL="1828800" algn="l" defTabSz="914400" rtl="0" eaLnBrk="1" latinLnBrk="0" hangingPunct="1">
+                  <a:defRPr sz="1800" kern="1200">
+                    <a:solidFill>
+                      <a:schemeClr val="tx1"/>
+                    </a:solidFill>
+                    <a:latin typeface="+mn-lt"/>
+                    <a:ea typeface="+mn-ea"/>
+                    <a:cs typeface="+mn-cs"/>
+                  </a:defRPr>
+                </a:lvl5pPr>
+                <a:lvl6pPr marL="2286000" algn="l" defTabSz="914400" rtl="0" eaLnBrk="1" latinLnBrk="0" hangingPunct="1">
+                  <a:defRPr sz="1800" kern="1200">
+                    <a:solidFill>
+                      <a:schemeClr val="tx1"/>
+                    </a:solidFill>
+                    <a:latin typeface="+mn-lt"/>
+                    <a:ea typeface="+mn-ea"/>
+                    <a:cs typeface="+mn-cs"/>
+                  </a:defRPr>
+                </a:lvl6pPr>
+                <a:lvl7pPr marL="2743200" algn="l" defTabSz="914400" rtl="0" eaLnBrk="1" latinLnBrk="0" hangingPunct="1">
+                  <a:defRPr sz="1800" kern="1200">
+                    <a:solidFill>
+                      <a:schemeClr val="tx1"/>
+                    </a:solidFill>
+                    <a:latin typeface="+mn-lt"/>
+                    <a:ea typeface="+mn-ea"/>
+                    <a:cs typeface="+mn-cs"/>
+                  </a:defRPr>
+                </a:lvl7pPr>
+                <a:lvl8pPr marL="3200400" algn="l" defTabSz="914400" rtl="0" eaLnBrk="1" latinLnBrk="0" hangingPunct="1">
+                  <a:defRPr sz="1800" kern="1200">
+                    <a:solidFill>
+                      <a:schemeClr val="tx1"/>
+                    </a:solidFill>
+                    <a:latin typeface="+mn-lt"/>
+                    <a:ea typeface="+mn-ea"/>
+                    <a:cs typeface="+mn-cs"/>
+                  </a:defRPr>
+                </a:lvl8pPr>
+                <a:lvl9pPr marL="3657600" algn="l" defTabSz="914400" rtl="0" eaLnBrk="1" latinLnBrk="0" hangingPunct="1">
+                  <a:defRPr sz="1800" kern="1200">
+                    <a:solidFill>
+                      <a:schemeClr val="tx1"/>
+                    </a:solidFill>
+                    <a:latin typeface="+mn-lt"/>
+                    <a:ea typeface="+mn-ea"/>
+                    <a:cs typeface="+mn-cs"/>
+                  </a:defRPr>
+                </a:lvl9pPr>
+              </a:lstStyle>
+              <a:p>
+                <a:pPr algn="ctr" fontAlgn="base">
+                  <a:lnSpc>
+                    <a:spcPct val="120000"/>
+                  </a:lnSpc>
+                  <a:spcBef>
+                    <a:spcPct val="0"/>
+                  </a:spcBef>
+                  <a:spcAft>
+                    <a:spcPct val="0"/>
+                  </a:spcAft>
+                  <a:defRPr/>
+                </a:pPr>
+                <a:r>
+                  <a:rPr lang="en-US" altLang="zh-CN" sz="1600" b="1" dirty="0">
+                    <a:solidFill>
+                      <a:sysClr val="window" lastClr="FFFFFF">
+                        <a:lumMod val="95000"/>
+                      </a:sysClr>
+                    </a:solidFill>
+                    <a:latin typeface="微软雅黑" panose="020B0503020204020204" pitchFamily="34" charset="-122"/>
+                    <a:ea typeface="微软雅黑" panose="020B0503020204020204" pitchFamily="34" charset="-122"/>
+                  </a:rPr>
+                  <a:t>C2AE</a:t>
+                </a:r>
+                <a:endParaRPr lang="zh-CN" altLang="zh-CN" sz="1600" b="1" dirty="0">
+                  <a:solidFill>
+                    <a:sysClr val="window" lastClr="FFFFFF">
+                      <a:lumMod val="95000"/>
+                    </a:sysClr>
+                  </a:solidFill>
+                  <a:latin typeface="微软雅黑" panose="020B0503020204020204" pitchFamily="34" charset="-122"/>
+                  <a:ea typeface="微软雅黑" panose="020B0503020204020204" pitchFamily="34" charset="-122"/>
+                </a:endParaRPr>
+              </a:p>
+            </p:txBody>
+          </p:sp>
+          <p:sp>
+            <p:nvSpPr>
+              <p:cNvPr id="15" name="标题1"/>
+              <p:cNvSpPr>
+                <a:spLocks noChangeArrowheads="1"/>
+              </p:cNvSpPr>
+              <p:nvPr/>
+            </p:nvSpPr>
+            <p:spPr bwMode="gray">
+              <a:xfrm>
+                <a:off x="2311076" y="1994293"/>
+                <a:ext cx="1017068" cy="642601"/>
+              </a:xfrm>
+              <a:prstGeom prst="rect">
+                <a:avLst/>
+              </a:prstGeom>
+              <a:solidFill>
+                <a:schemeClr val="accent1"/>
+              </a:solidFill>
+              <a:ln w="25400" cap="flat" cmpd="sng" algn="ctr">
+                <a:noFill/>
+                <a:prstDash val="solid"/>
+              </a:ln>
+              <a:effectLst/>
+            </p:spPr>
+            <p:txBody>
+              <a:bodyPr lIns="62118" tIns="31058" rIns="62118" bIns="31058" anchor="ctr"/>
+              <a:lstStyle>
+                <a:defPPr>
+                  <a:defRPr lang="zh-CN"/>
+                </a:defPPr>
+                <a:lvl1pPr marL="0" algn="l" defTabSz="914400" rtl="0" eaLnBrk="1" latinLnBrk="0" hangingPunct="1">
+                  <a:defRPr sz="1800" kern="1200">
+                    <a:solidFill>
+                      <a:schemeClr val="tx1"/>
+                    </a:solidFill>
+                    <a:latin typeface="+mn-lt"/>
+                    <a:ea typeface="+mn-ea"/>
+                    <a:cs typeface="+mn-cs"/>
+                  </a:defRPr>
+                </a:lvl1pPr>
+                <a:lvl2pPr marL="457200" algn="l" defTabSz="914400" rtl="0" eaLnBrk="1" latinLnBrk="0" hangingPunct="1">
+                  <a:defRPr sz="1800" kern="1200">
+                    <a:solidFill>
+                      <a:schemeClr val="tx1"/>
+                    </a:solidFill>
+                    <a:latin typeface="+mn-lt"/>
+                    <a:ea typeface="+mn-ea"/>
+                    <a:cs typeface="+mn-cs"/>
+                  </a:defRPr>
+                </a:lvl2pPr>
+                <a:lvl3pPr marL="914400" algn="l" defTabSz="914400" rtl="0" eaLnBrk="1" latinLnBrk="0" hangingPunct="1">
+                  <a:defRPr sz="1800" kern="1200">
+                    <a:solidFill>
+                      <a:schemeClr val="tx1"/>
+                    </a:solidFill>
+                    <a:latin typeface="+mn-lt"/>
+                    <a:ea typeface="+mn-ea"/>
+                    <a:cs typeface="+mn-cs"/>
+                  </a:defRPr>
+                </a:lvl3pPr>
+                <a:lvl4pPr marL="1371600" algn="l" defTabSz="914400" rtl="0" eaLnBrk="1" latinLnBrk="0" hangingPunct="1">
+                  <a:defRPr sz="1800" kern="1200">
+                    <a:solidFill>
+                      <a:schemeClr val="tx1"/>
+                    </a:solidFill>
+                    <a:latin typeface="+mn-lt"/>
+                    <a:ea typeface="+mn-ea"/>
+                    <a:cs typeface="+mn-cs"/>
+                  </a:defRPr>
+                </a:lvl4pPr>
+                <a:lvl5pPr marL="1828800" algn="l" defTabSz="914400" rtl="0" eaLnBrk="1" latinLnBrk="0" hangingPunct="1">
+                  <a:defRPr sz="1800" kern="1200">
+                    <a:solidFill>
+                      <a:schemeClr val="tx1"/>
+                    </a:solidFill>
+                    <a:latin typeface="+mn-lt"/>
+                    <a:ea typeface="+mn-ea"/>
+                    <a:cs typeface="+mn-cs"/>
+                  </a:defRPr>
+                </a:lvl5pPr>
+                <a:lvl6pPr marL="2286000" algn="l" defTabSz="914400" rtl="0" eaLnBrk="1" latinLnBrk="0" hangingPunct="1">
+                  <a:defRPr sz="1800" kern="1200">
+                    <a:solidFill>
+                      <a:schemeClr val="tx1"/>
+                    </a:solidFill>
+                    <a:latin typeface="+mn-lt"/>
+                    <a:ea typeface="+mn-ea"/>
+                    <a:cs typeface="+mn-cs"/>
+                  </a:defRPr>
+                </a:lvl6pPr>
+                <a:lvl7pPr marL="2743200" algn="l" defTabSz="914400" rtl="0" eaLnBrk="1" latinLnBrk="0" hangingPunct="1">
+                  <a:defRPr sz="1800" kern="1200">
+                    <a:solidFill>
+                      <a:schemeClr val="tx1"/>
+                    </a:solidFill>
+                    <a:latin typeface="+mn-lt"/>
+                    <a:ea typeface="+mn-ea"/>
+                    <a:cs typeface="+mn-cs"/>
+                  </a:defRPr>
+                </a:lvl7pPr>
+                <a:lvl8pPr marL="3200400" algn="l" defTabSz="914400" rtl="0" eaLnBrk="1" latinLnBrk="0" hangingPunct="1">
+                  <a:defRPr sz="1800" kern="1200">
+                    <a:solidFill>
+                      <a:schemeClr val="tx1"/>
+                    </a:solidFill>
+                    <a:latin typeface="+mn-lt"/>
+                    <a:ea typeface="+mn-ea"/>
+                    <a:cs typeface="+mn-cs"/>
+                  </a:defRPr>
+                </a:lvl8pPr>
+                <a:lvl9pPr marL="3657600" algn="l" defTabSz="914400" rtl="0" eaLnBrk="1" latinLnBrk="0" hangingPunct="1">
+                  <a:defRPr sz="1800" kern="1200">
+                    <a:solidFill>
+                      <a:schemeClr val="tx1"/>
+                    </a:solidFill>
+                    <a:latin typeface="+mn-lt"/>
+                    <a:ea typeface="+mn-ea"/>
+                    <a:cs typeface="+mn-cs"/>
+                  </a:defRPr>
+                </a:lvl9pPr>
+              </a:lstStyle>
+              <a:p>
+                <a:pPr algn="ctr" fontAlgn="base">
+                  <a:lnSpc>
+                    <a:spcPct val="120000"/>
+                  </a:lnSpc>
+                  <a:spcBef>
+                    <a:spcPct val="0"/>
+                  </a:spcBef>
+                  <a:spcAft>
+                    <a:spcPct val="0"/>
+                  </a:spcAft>
+                  <a:defRPr/>
+                </a:pPr>
+                <a:r>
+                  <a:rPr lang="en-US" altLang="zh-CN" sz="1600" b="1" dirty="0">
+                    <a:solidFill>
+                      <a:sysClr val="window" lastClr="FFFFFF">
+                        <a:lumMod val="95000"/>
+                      </a:sysClr>
+                    </a:solidFill>
+                    <a:latin typeface="微软雅黑" panose="020B0503020204020204" pitchFamily="34" charset="-122"/>
+                    <a:ea typeface="微软雅黑" panose="020B0503020204020204" pitchFamily="34" charset="-122"/>
+                  </a:rPr>
+                  <a:t>CPLST</a:t>
+                </a:r>
+                <a:endParaRPr lang="zh-CN" altLang="zh-CN" sz="1600" b="1" dirty="0">
+                  <a:solidFill>
+                    <a:sysClr val="window" lastClr="FFFFFF">
+                      <a:lumMod val="95000"/>
+                    </a:sysClr>
+                  </a:solidFill>
+                  <a:latin typeface="微软雅黑" panose="020B0503020204020204" pitchFamily="34" charset="-122"/>
+                  <a:ea typeface="微软雅黑" panose="020B0503020204020204" pitchFamily="34" charset="-122"/>
+                </a:endParaRPr>
+              </a:p>
+            </p:txBody>
+          </p:sp>
+          <p:sp>
+            <p:nvSpPr>
+              <p:cNvPr id="17" name="文本1"/>
+              <p:cNvSpPr>
+                <a:spLocks noChangeArrowheads="1"/>
+              </p:cNvSpPr>
+              <p:nvPr/>
+            </p:nvSpPr>
+            <p:spPr bwMode="gray">
+              <a:xfrm>
+                <a:off x="3602545" y="2029904"/>
+                <a:ext cx="4433306" cy="516901"/>
+              </a:xfrm>
+              <a:prstGeom prst="rect">
+                <a:avLst/>
+              </a:prstGeom>
+              <a:noFill/>
+              <a:ln w="15875" cap="flat" cmpd="sng" algn="ctr">
+                <a:solidFill>
+                  <a:schemeClr val="accent1"/>
+                </a:solidFill>
+                <a:prstDash val="solid"/>
+              </a:ln>
+              <a:effectLst/>
+            </p:spPr>
+            <p:txBody>
+              <a:bodyPr lIns="62118" tIns="31058" rIns="62118" bIns="31058" anchor="ctr"/>
+              <a:lstStyle>
+                <a:defPPr>
+                  <a:defRPr lang="zh-CN"/>
+                </a:defPPr>
+                <a:lvl1pPr marL="0" algn="l" defTabSz="914400" rtl="0" eaLnBrk="1" latinLnBrk="0" hangingPunct="1">
+                  <a:defRPr sz="1800" kern="1200">
+                    <a:solidFill>
+                      <a:schemeClr val="tx1"/>
+                    </a:solidFill>
+                    <a:latin typeface="+mn-lt"/>
+                    <a:ea typeface="+mn-ea"/>
+                    <a:cs typeface="+mn-cs"/>
+                  </a:defRPr>
+                </a:lvl1pPr>
+                <a:lvl2pPr marL="457200" algn="l" defTabSz="914400" rtl="0" eaLnBrk="1" latinLnBrk="0" hangingPunct="1">
+                  <a:defRPr sz="1800" kern="1200">
+                    <a:solidFill>
+                      <a:schemeClr val="tx1"/>
+                    </a:solidFill>
+                    <a:latin typeface="+mn-lt"/>
+                    <a:ea typeface="+mn-ea"/>
+                    <a:cs typeface="+mn-cs"/>
+                  </a:defRPr>
+                </a:lvl2pPr>
+                <a:lvl3pPr marL="914400" algn="l" defTabSz="914400" rtl="0" eaLnBrk="1" latinLnBrk="0" hangingPunct="1">
+                  <a:defRPr sz="1800" kern="1200">
+                    <a:solidFill>
+                      <a:schemeClr val="tx1"/>
+                    </a:solidFill>
+                    <a:latin typeface="+mn-lt"/>
+                    <a:ea typeface="+mn-ea"/>
+                    <a:cs typeface="+mn-cs"/>
+                  </a:defRPr>
+                </a:lvl3pPr>
+                <a:lvl4pPr marL="1371600" algn="l" defTabSz="914400" rtl="0" eaLnBrk="1" latinLnBrk="0" hangingPunct="1">
+                  <a:defRPr sz="1800" kern="1200">
+                    <a:solidFill>
+                      <a:schemeClr val="tx1"/>
+                    </a:solidFill>
+                    <a:latin typeface="+mn-lt"/>
+                    <a:ea typeface="+mn-ea"/>
+                    <a:cs typeface="+mn-cs"/>
+                  </a:defRPr>
+                </a:lvl4pPr>
+                <a:lvl5pPr marL="1828800" algn="l" defTabSz="914400" rtl="0" eaLnBrk="1" latinLnBrk="0" hangingPunct="1">
+                  <a:defRPr sz="1800" kern="1200">
+                    <a:solidFill>
+                      <a:schemeClr val="tx1"/>
+                    </a:solidFill>
+                    <a:latin typeface="+mn-lt"/>
+                    <a:ea typeface="+mn-ea"/>
+                    <a:cs typeface="+mn-cs"/>
+                  </a:defRPr>
+                </a:lvl5pPr>
+                <a:lvl6pPr marL="2286000" algn="l" defTabSz="914400" rtl="0" eaLnBrk="1" latinLnBrk="0" hangingPunct="1">
+                  <a:defRPr sz="1800" kern="1200">
+                    <a:solidFill>
+                      <a:schemeClr val="tx1"/>
+                    </a:solidFill>
+                    <a:latin typeface="+mn-lt"/>
+                    <a:ea typeface="+mn-ea"/>
+                    <a:cs typeface="+mn-cs"/>
+                  </a:defRPr>
+                </a:lvl6pPr>
+                <a:lvl7pPr marL="2743200" algn="l" defTabSz="914400" rtl="0" eaLnBrk="1" latinLnBrk="0" hangingPunct="1">
+                  <a:defRPr sz="1800" kern="1200">
+                    <a:solidFill>
+                      <a:schemeClr val="tx1"/>
+                    </a:solidFill>
+                    <a:latin typeface="+mn-lt"/>
+                    <a:ea typeface="+mn-ea"/>
+                    <a:cs typeface="+mn-cs"/>
+                  </a:defRPr>
+                </a:lvl7pPr>
+                <a:lvl8pPr marL="3200400" algn="l" defTabSz="914400" rtl="0" eaLnBrk="1" latinLnBrk="0" hangingPunct="1">
+                  <a:defRPr sz="1800" kern="1200">
+                    <a:solidFill>
+                      <a:schemeClr val="tx1"/>
+                    </a:solidFill>
+                    <a:latin typeface="+mn-lt"/>
+                    <a:ea typeface="+mn-ea"/>
+                    <a:cs typeface="+mn-cs"/>
+                  </a:defRPr>
+                </a:lvl8pPr>
+                <a:lvl9pPr marL="3657600" algn="l" defTabSz="914400" rtl="0" eaLnBrk="1" latinLnBrk="0" hangingPunct="1">
+                  <a:defRPr sz="1800" kern="1200">
+                    <a:solidFill>
+                      <a:schemeClr val="tx1"/>
+                    </a:solidFill>
+                    <a:latin typeface="+mn-lt"/>
+                    <a:ea typeface="+mn-ea"/>
+                    <a:cs typeface="+mn-cs"/>
+                  </a:defRPr>
+                </a:lvl9pPr>
+              </a:lstStyle>
+              <a:p>
+                <a:pPr fontAlgn="base">
+                  <a:lnSpc>
+                    <a:spcPct val="120000"/>
+                  </a:lnSpc>
+                  <a:spcBef>
+                    <a:spcPct val="0"/>
+                  </a:spcBef>
+                  <a:spcAft>
+                    <a:spcPct val="0"/>
+                  </a:spcAft>
+                  <a:defRPr/>
+                </a:pPr>
+                <a:r>
+                  <a:rPr lang="zh-CN" altLang="en-US" sz="1200" dirty="0">
+                    <a:solidFill>
+                      <a:schemeClr val="tx1">
+                        <a:lumMod val="75000"/>
+                        <a:lumOff val="25000"/>
+                      </a:schemeClr>
+                    </a:solidFill>
+                    <a:latin typeface="微软雅黑" panose="020B0503020204020204" pitchFamily="34" charset="-122"/>
+                    <a:ea typeface="微软雅黑" panose="020B0503020204020204" pitchFamily="34" charset="-122"/>
+                  </a:rPr>
+                  <a:t>高阶方法，使用</a:t>
+                </a:r>
+                <a:r>
+                  <a:rPr lang="en-US" altLang="zh-CN" sz="1200" dirty="0">
+                    <a:solidFill>
+                      <a:schemeClr val="tx1">
+                        <a:lumMod val="75000"/>
+                        <a:lumOff val="25000"/>
+                      </a:schemeClr>
+                    </a:solidFill>
+                    <a:latin typeface="微软雅黑" panose="020B0503020204020204" pitchFamily="34" charset="-122"/>
+                    <a:ea typeface="微软雅黑" panose="020B0503020204020204" pitchFamily="34" charset="-122"/>
+                  </a:rPr>
+                  <a:t>PCA</a:t>
+                </a:r>
+                <a:r>
+                  <a:rPr lang="zh-CN" altLang="en-US" sz="1200" dirty="0">
+                    <a:solidFill>
+                      <a:schemeClr val="tx1">
+                        <a:lumMod val="75000"/>
+                        <a:lumOff val="25000"/>
+                      </a:schemeClr>
+                    </a:solidFill>
+                    <a:latin typeface="微软雅黑" panose="020B0503020204020204" pitchFamily="34" charset="-122"/>
+                    <a:ea typeface="微软雅黑" panose="020B0503020204020204" pitchFamily="34" charset="-122"/>
+                  </a:rPr>
+                  <a:t>来将标签嵌入到隐空间</a:t>
+                </a:r>
+                <a:endParaRPr lang="zh-CN" altLang="zh-CN" sz="1200" dirty="0">
+                  <a:solidFill>
+                    <a:schemeClr val="tx1">
+                      <a:lumMod val="75000"/>
+                      <a:lumOff val="25000"/>
+                    </a:schemeClr>
+                  </a:solidFill>
+                  <a:latin typeface="微软雅黑" panose="020B0503020204020204" pitchFamily="34" charset="-122"/>
+                  <a:ea typeface="微软雅黑" panose="020B0503020204020204" pitchFamily="34" charset="-122"/>
+                </a:endParaRPr>
+              </a:p>
+            </p:txBody>
+          </p:sp>
+          <p:sp>
+            <p:nvSpPr>
+              <p:cNvPr id="19" name="文本1"/>
+              <p:cNvSpPr>
+                <a:spLocks noChangeArrowheads="1"/>
+              </p:cNvSpPr>
+              <p:nvPr/>
+            </p:nvSpPr>
+            <p:spPr bwMode="gray">
+              <a:xfrm>
+                <a:off x="3602545" y="2929152"/>
+                <a:ext cx="4433307" cy="516902"/>
+              </a:xfrm>
+              <a:prstGeom prst="rect">
+                <a:avLst/>
+              </a:prstGeom>
+              <a:noFill/>
+              <a:ln w="15875" cap="flat" cmpd="sng" algn="ctr">
+                <a:solidFill>
+                  <a:schemeClr val="accent1"/>
+                </a:solidFill>
+                <a:prstDash val="solid"/>
+              </a:ln>
+              <a:effectLst/>
+            </p:spPr>
+            <p:txBody>
+              <a:bodyPr lIns="62118" tIns="31058" rIns="62118" bIns="31058" anchor="ctr"/>
+              <a:lstStyle>
+                <a:defPPr>
+                  <a:defRPr lang="zh-CN"/>
+                </a:defPPr>
+                <a:lvl1pPr marL="0" algn="l" defTabSz="914400" rtl="0" eaLnBrk="1" latinLnBrk="0" hangingPunct="1">
+                  <a:defRPr sz="1800" kern="1200">
+                    <a:solidFill>
+                      <a:schemeClr val="tx1"/>
+                    </a:solidFill>
+                    <a:latin typeface="+mn-lt"/>
+                    <a:ea typeface="+mn-ea"/>
+                    <a:cs typeface="+mn-cs"/>
+                  </a:defRPr>
+                </a:lvl1pPr>
+                <a:lvl2pPr marL="457200" algn="l" defTabSz="914400" rtl="0" eaLnBrk="1" latinLnBrk="0" hangingPunct="1">
+                  <a:defRPr sz="1800" kern="1200">
+                    <a:solidFill>
+                      <a:schemeClr val="tx1"/>
+                    </a:solidFill>
+                    <a:latin typeface="+mn-lt"/>
+                    <a:ea typeface="+mn-ea"/>
+                    <a:cs typeface="+mn-cs"/>
+                  </a:defRPr>
+                </a:lvl2pPr>
+                <a:lvl3pPr marL="914400" algn="l" defTabSz="914400" rtl="0" eaLnBrk="1" latinLnBrk="0" hangingPunct="1">
+                  <a:defRPr sz="1800" kern="1200">
+                    <a:solidFill>
+                      <a:schemeClr val="tx1"/>
+                    </a:solidFill>
+                    <a:latin typeface="+mn-lt"/>
+                    <a:ea typeface="+mn-ea"/>
+                    <a:cs typeface="+mn-cs"/>
+                  </a:defRPr>
+                </a:lvl3pPr>
+                <a:lvl4pPr marL="1371600" algn="l" defTabSz="914400" rtl="0" eaLnBrk="1" latinLnBrk="0" hangingPunct="1">
+                  <a:defRPr sz="1800" kern="1200">
+                    <a:solidFill>
+                      <a:schemeClr val="tx1"/>
+                    </a:solidFill>
+                    <a:latin typeface="+mn-lt"/>
+                    <a:ea typeface="+mn-ea"/>
+                    <a:cs typeface="+mn-cs"/>
+                  </a:defRPr>
+                </a:lvl4pPr>
+                <a:lvl5pPr marL="1828800" algn="l" defTabSz="914400" rtl="0" eaLnBrk="1" latinLnBrk="0" hangingPunct="1">
+                  <a:defRPr sz="1800" kern="1200">
+                    <a:solidFill>
+                      <a:schemeClr val="tx1"/>
+                    </a:solidFill>
+                    <a:latin typeface="+mn-lt"/>
+                    <a:ea typeface="+mn-ea"/>
+                    <a:cs typeface="+mn-cs"/>
+                  </a:defRPr>
+                </a:lvl5pPr>
+                <a:lvl6pPr marL="2286000" algn="l" defTabSz="914400" rtl="0" eaLnBrk="1" latinLnBrk="0" hangingPunct="1">
+                  <a:defRPr sz="1800" kern="1200">
+                    <a:solidFill>
+                      <a:schemeClr val="tx1"/>
+                    </a:solidFill>
+                    <a:latin typeface="+mn-lt"/>
+                    <a:ea typeface="+mn-ea"/>
+                    <a:cs typeface="+mn-cs"/>
+                  </a:defRPr>
+                </a:lvl6pPr>
+                <a:lvl7pPr marL="2743200" algn="l" defTabSz="914400" rtl="0" eaLnBrk="1" latinLnBrk="0" hangingPunct="1">
+                  <a:defRPr sz="1800" kern="1200">
+                    <a:solidFill>
+                      <a:schemeClr val="tx1"/>
+                    </a:solidFill>
+                    <a:latin typeface="+mn-lt"/>
+                    <a:ea typeface="+mn-ea"/>
+                    <a:cs typeface="+mn-cs"/>
+                  </a:defRPr>
+                </a:lvl7pPr>
+                <a:lvl8pPr marL="3200400" algn="l" defTabSz="914400" rtl="0" eaLnBrk="1" latinLnBrk="0" hangingPunct="1">
+                  <a:defRPr sz="1800" kern="1200">
+                    <a:solidFill>
+                      <a:schemeClr val="tx1"/>
+                    </a:solidFill>
+                    <a:latin typeface="+mn-lt"/>
+                    <a:ea typeface="+mn-ea"/>
+                    <a:cs typeface="+mn-cs"/>
+                  </a:defRPr>
+                </a:lvl8pPr>
+                <a:lvl9pPr marL="3657600" algn="l" defTabSz="914400" rtl="0" eaLnBrk="1" latinLnBrk="0" hangingPunct="1">
+                  <a:defRPr sz="1800" kern="1200">
+                    <a:solidFill>
+                      <a:schemeClr val="tx1"/>
+                    </a:solidFill>
+                    <a:latin typeface="+mn-lt"/>
+                    <a:ea typeface="+mn-ea"/>
+                    <a:cs typeface="+mn-cs"/>
+                  </a:defRPr>
+                </a:lvl9pPr>
+              </a:lstStyle>
+              <a:p>
+                <a:pPr fontAlgn="base">
+                  <a:lnSpc>
+                    <a:spcPct val="120000"/>
+                  </a:lnSpc>
+                  <a:spcBef>
+                    <a:spcPct val="0"/>
+                  </a:spcBef>
+                  <a:spcAft>
+                    <a:spcPct val="0"/>
+                  </a:spcAft>
+                  <a:defRPr/>
+                </a:pPr>
+                <a:r>
+                  <a:rPr lang="zh-CN" altLang="en-US" sz="1200" dirty="0">
+                    <a:solidFill>
+                      <a:schemeClr val="tx1">
+                        <a:lumMod val="75000"/>
+                        <a:lumOff val="25000"/>
+                      </a:schemeClr>
+                    </a:solidFill>
+                    <a:latin typeface="微软雅黑" panose="020B0503020204020204" pitchFamily="34" charset="-122"/>
+                    <a:ea typeface="微软雅黑" panose="020B0503020204020204" pitchFamily="34" charset="-122"/>
+                  </a:rPr>
+                  <a:t>高阶方法，使用</a:t>
+                </a:r>
+                <a:r>
+                  <a:rPr lang="en-US" altLang="zh-CN" sz="1200" dirty="0" err="1">
+                    <a:solidFill>
+                      <a:schemeClr val="tx1">
+                        <a:lumMod val="75000"/>
+                        <a:lumOff val="25000"/>
+                      </a:schemeClr>
+                    </a:solidFill>
+                    <a:latin typeface="微软雅黑" panose="020B0503020204020204" pitchFamily="34" charset="-122"/>
+                    <a:ea typeface="微软雅黑" panose="020B0503020204020204" pitchFamily="34" charset="-122"/>
+                  </a:rPr>
+                  <a:t>AutoEncoder</a:t>
+                </a:r>
+                <a:r>
+                  <a:rPr lang="zh-CN" altLang="en-US" sz="1200" dirty="0">
+                    <a:solidFill>
+                      <a:schemeClr val="tx1">
+                        <a:lumMod val="75000"/>
+                        <a:lumOff val="25000"/>
+                      </a:schemeClr>
+                    </a:solidFill>
+                    <a:latin typeface="微软雅黑" panose="020B0503020204020204" pitchFamily="34" charset="-122"/>
+                    <a:ea typeface="微软雅黑" panose="020B0503020204020204" pitchFamily="34" charset="-122"/>
+                  </a:rPr>
+                  <a:t>来将标签嵌入到隐空间</a:t>
+                </a:r>
+                <a:endParaRPr lang="zh-CN" altLang="zh-CN" sz="1200" dirty="0">
+                  <a:solidFill>
+                    <a:schemeClr val="tx1">
+                      <a:lumMod val="75000"/>
+                      <a:lumOff val="25000"/>
+                    </a:schemeClr>
+                  </a:solidFill>
+                  <a:latin typeface="微软雅黑" panose="020B0503020204020204" pitchFamily="34" charset="-122"/>
+                  <a:ea typeface="微软雅黑" panose="020B0503020204020204" pitchFamily="34" charset="-122"/>
+                </a:endParaRPr>
+              </a:p>
+            </p:txBody>
+          </p:sp>
+        </p:grpSp>
+      </p:grpSp>
+      <p:sp>
+        <p:nvSpPr>
+          <p:cNvPr id="30" name="Oval 19"/>
+          <p:cNvSpPr>
+            <a:spLocks noChangeArrowheads="1"/>
+          </p:cNvSpPr>
+          <p:nvPr/>
+        </p:nvSpPr>
+        <p:spPr bwMode="auto">
+          <a:xfrm>
+            <a:off x="804567" y="3652186"/>
+            <a:ext cx="1124436" cy="1125841"/>
+          </a:xfrm>
+          <a:prstGeom prst="ellipse">
+            <a:avLst/>
+          </a:prstGeom>
+          <a:solidFill>
+            <a:schemeClr val="accent1"/>
+          </a:solidFill>
+          <a:ln w="9525">
+            <a:noFill/>
+            <a:round/>
+          </a:ln>
+          <a:effectLst/>
+        </p:spPr>
+        <p:txBody>
+          <a:bodyPr lIns="62118" tIns="31058" rIns="62118" bIns="31058" anchor="ctr"/>
+          <a:lstStyle/>
+          <a:p>
+            <a:pPr algn="ctr">
+              <a:lnSpc>
+                <a:spcPct val="120000"/>
+              </a:lnSpc>
+              <a:defRPr/>
+            </a:pPr>
+            <a:r>
+              <a:rPr lang="zh-CN" altLang="en-US" sz="1900" b="1" kern="0" dirty="0">
+                <a:solidFill>
+                  <a:schemeClr val="bg1"/>
+                </a:solidFill>
+                <a:latin typeface="Arial" panose="020B0604020202020204" pitchFamily="34" charset="0"/>
+                <a:ea typeface="微软雅黑" panose="020B0503020204020204" pitchFamily="34" charset="-122"/>
+              </a:rPr>
+              <a:t>对比算法</a:t>
+            </a:r>
+            <a:endParaRPr lang="zh-CN" altLang="en-US" sz="1900" b="1" kern="0" dirty="0">
+              <a:solidFill>
+                <a:schemeClr val="bg1"/>
+              </a:solidFill>
+              <a:latin typeface="Arial" panose="020B0604020202020204" pitchFamily="34" charset="0"/>
+              <a:ea typeface="微软雅黑" panose="020B0503020204020204" pitchFamily="34" charset="-122"/>
+            </a:endParaRPr>
+          </a:p>
+        </p:txBody>
+      </p:sp>
+      <p:sp>
+        <p:nvSpPr>
+          <p:cNvPr id="32" name="标题1"/>
+          <p:cNvSpPr>
+            <a:spLocks noChangeArrowheads="1"/>
+          </p:cNvSpPr>
+          <p:nvPr/>
+        </p:nvSpPr>
+        <p:spPr bwMode="gray">
+          <a:xfrm>
+            <a:off x="2412394" y="3484440"/>
+            <a:ext cx="1017068" cy="459510"/>
+          </a:xfrm>
+          <a:prstGeom prst="rect">
+            <a:avLst/>
+          </a:prstGeom>
+          <a:solidFill>
+            <a:schemeClr val="accent1"/>
+          </a:solidFill>
+          <a:ln w="25400" cap="flat" cmpd="sng" algn="ctr">
+            <a:noFill/>
+            <a:prstDash val="solid"/>
+          </a:ln>
+          <a:effectLst/>
+        </p:spPr>
+        <p:txBody>
+          <a:bodyPr lIns="62118" tIns="31058" rIns="62118" bIns="31058" anchor="ctr"/>
+          <a:lstStyle>
+            <a:defPPr>
+              <a:defRPr lang="zh-CN"/>
+            </a:defPPr>
+            <a:lvl1pPr marL="0" algn="l" defTabSz="914400" rtl="0" eaLnBrk="1" latinLnBrk="0" hangingPunct="1">
+              <a:defRPr sz="1800" kern="1200">
+                <a:solidFill>
+                  <a:schemeClr val="tx1"/>
+                </a:solidFill>
+                <a:latin typeface="+mn-lt"/>
+                <a:ea typeface="+mn-ea"/>
+                <a:cs typeface="+mn-cs"/>
+              </a:defRPr>
+            </a:lvl1pPr>
+            <a:lvl2pPr marL="457200" algn="l" defTabSz="914400" rtl="0" eaLnBrk="1" latinLnBrk="0" hangingPunct="1">
+              <a:defRPr sz="1800" kern="1200">
+                <a:solidFill>
+                  <a:schemeClr val="tx1"/>
+                </a:solidFill>
+                <a:latin typeface="+mn-lt"/>
+                <a:ea typeface="+mn-ea"/>
+                <a:cs typeface="+mn-cs"/>
+              </a:defRPr>
+            </a:lvl2pPr>
+            <a:lvl3pPr marL="914400" algn="l" defTabSz="914400" rtl="0" eaLnBrk="1" latinLnBrk="0" hangingPunct="1">
+              <a:defRPr sz="1800" kern="1200">
+                <a:solidFill>
+                  <a:schemeClr val="tx1"/>
+                </a:solidFill>
+                <a:latin typeface="+mn-lt"/>
+                <a:ea typeface="+mn-ea"/>
+                <a:cs typeface="+mn-cs"/>
+              </a:defRPr>
+            </a:lvl3pPr>
+            <a:lvl4pPr marL="1371600" algn="l" defTabSz="914400" rtl="0" eaLnBrk="1" latinLnBrk="0" hangingPunct="1">
+              <a:defRPr sz="1800" kern="1200">
+                <a:solidFill>
+                  <a:schemeClr val="tx1"/>
+                </a:solidFill>
+                <a:latin typeface="+mn-lt"/>
+                <a:ea typeface="+mn-ea"/>
+                <a:cs typeface="+mn-cs"/>
+              </a:defRPr>
+            </a:lvl4pPr>
+            <a:lvl5pPr marL="1828800" algn="l" defTabSz="914400" rtl="0" eaLnBrk="1" latinLnBrk="0" hangingPunct="1">
+              <a:defRPr sz="1800" kern="1200">
+                <a:solidFill>
+                  <a:schemeClr val="tx1"/>
+                </a:solidFill>
+                <a:latin typeface="+mn-lt"/>
+                <a:ea typeface="+mn-ea"/>
+                <a:cs typeface="+mn-cs"/>
+              </a:defRPr>
+            </a:lvl5pPr>
+            <a:lvl6pPr marL="2286000" algn="l" defTabSz="914400" rtl="0" eaLnBrk="1" latinLnBrk="0" hangingPunct="1">
+              <a:defRPr sz="1800" kern="1200">
+                <a:solidFill>
+                  <a:schemeClr val="tx1"/>
+                </a:solidFill>
+                <a:latin typeface="+mn-lt"/>
+                <a:ea typeface="+mn-ea"/>
+                <a:cs typeface="+mn-cs"/>
+              </a:defRPr>
+            </a:lvl6pPr>
+            <a:lvl7pPr marL="2743200" algn="l" defTabSz="914400" rtl="0" eaLnBrk="1" latinLnBrk="0" hangingPunct="1">
+              <a:defRPr sz="1800" kern="1200">
+                <a:solidFill>
+                  <a:schemeClr val="tx1"/>
+                </a:solidFill>
+                <a:latin typeface="+mn-lt"/>
+                <a:ea typeface="+mn-ea"/>
+                <a:cs typeface="+mn-cs"/>
+              </a:defRPr>
+            </a:lvl7pPr>
+            <a:lvl8pPr marL="3200400" algn="l" defTabSz="914400" rtl="0" eaLnBrk="1" latinLnBrk="0" hangingPunct="1">
+              <a:defRPr sz="1800" kern="1200">
+                <a:solidFill>
+                  <a:schemeClr val="tx1"/>
+                </a:solidFill>
+                <a:latin typeface="+mn-lt"/>
+                <a:ea typeface="+mn-ea"/>
+                <a:cs typeface="+mn-cs"/>
+              </a:defRPr>
+            </a:lvl8pPr>
+            <a:lvl9pPr marL="3657600" algn="l" defTabSz="914400" rtl="0" eaLnBrk="1" latinLnBrk="0" hangingPunct="1">
+              <a:defRPr sz="1800" kern="1200">
+                <a:solidFill>
+                  <a:schemeClr val="tx1"/>
+                </a:solidFill>
+                <a:latin typeface="+mn-lt"/>
+                <a:ea typeface="+mn-ea"/>
+                <a:cs typeface="+mn-cs"/>
+              </a:defRPr>
+            </a:lvl9pPr>
+          </a:lstStyle>
+          <a:p>
+            <a:pPr algn="ctr" fontAlgn="base">
+              <a:lnSpc>
+                <a:spcPct val="120000"/>
+              </a:lnSpc>
+              <a:spcBef>
+                <a:spcPct val="0"/>
+              </a:spcBef>
+              <a:spcAft>
+                <a:spcPct val="0"/>
+              </a:spcAft>
+              <a:defRPr/>
+            </a:pPr>
+            <a:r>
+              <a:rPr lang="en-US" altLang="zh-CN" sz="1600" b="1" dirty="0">
+                <a:solidFill>
+                  <a:sysClr val="window" lastClr="FFFFFF">
+                    <a:lumMod val="95000"/>
+                  </a:sysClr>
+                </a:solidFill>
+                <a:latin typeface="微软雅黑" panose="020B0503020204020204" pitchFamily="34" charset="-122"/>
+                <a:ea typeface="微软雅黑" panose="020B0503020204020204" pitchFamily="34" charset="-122"/>
+              </a:rPr>
+              <a:t>ML-</a:t>
+            </a:r>
+            <a:r>
+              <a:rPr lang="en-US" altLang="zh-CN" sz="1600" b="1" dirty="0" err="1">
+                <a:solidFill>
+                  <a:sysClr val="window" lastClr="FFFFFF">
+                    <a:lumMod val="95000"/>
+                  </a:sysClr>
+                </a:solidFill>
+                <a:latin typeface="微软雅黑" panose="020B0503020204020204" pitchFamily="34" charset="-122"/>
+                <a:ea typeface="微软雅黑" panose="020B0503020204020204" pitchFamily="34" charset="-122"/>
+              </a:rPr>
+              <a:t>kNN</a:t>
+            </a:r>
+            <a:endParaRPr lang="zh-CN" altLang="zh-CN" sz="1600" b="1" dirty="0">
+              <a:solidFill>
+                <a:sysClr val="window" lastClr="FFFFFF">
+                  <a:lumMod val="95000"/>
+                </a:sysClr>
+              </a:solidFill>
+              <a:latin typeface="微软雅黑" panose="020B0503020204020204" pitchFamily="34" charset="-122"/>
+              <a:ea typeface="微软雅黑" panose="020B0503020204020204" pitchFamily="34" charset="-122"/>
+            </a:endParaRPr>
+          </a:p>
+        </p:txBody>
+      </p:sp>
+      <p:sp>
+        <p:nvSpPr>
+          <p:cNvPr id="33" name="标题1"/>
+          <p:cNvSpPr>
+            <a:spLocks noChangeArrowheads="1"/>
+          </p:cNvSpPr>
+          <p:nvPr/>
+        </p:nvSpPr>
+        <p:spPr bwMode="gray">
+          <a:xfrm>
+            <a:off x="2411871" y="4379479"/>
+            <a:ext cx="1017068" cy="459510"/>
+          </a:xfrm>
+          <a:prstGeom prst="rect">
+            <a:avLst/>
+          </a:prstGeom>
+          <a:solidFill>
+            <a:schemeClr val="accent1"/>
+          </a:solidFill>
+          <a:ln w="25400" cap="flat" cmpd="sng" algn="ctr">
+            <a:noFill/>
+            <a:prstDash val="solid"/>
+          </a:ln>
+          <a:effectLst/>
+        </p:spPr>
+        <p:txBody>
+          <a:bodyPr lIns="62118" tIns="31058" rIns="62118" bIns="31058" anchor="ctr"/>
+          <a:lstStyle>
+            <a:defPPr>
+              <a:defRPr lang="zh-CN"/>
+            </a:defPPr>
+            <a:lvl1pPr marL="0" algn="l" defTabSz="914400" rtl="0" eaLnBrk="1" latinLnBrk="0" hangingPunct="1">
+              <a:defRPr sz="1800" kern="1200">
+                <a:solidFill>
+                  <a:schemeClr val="tx1"/>
+                </a:solidFill>
+                <a:latin typeface="+mn-lt"/>
+                <a:ea typeface="+mn-ea"/>
+                <a:cs typeface="+mn-cs"/>
+              </a:defRPr>
+            </a:lvl1pPr>
+            <a:lvl2pPr marL="457200" algn="l" defTabSz="914400" rtl="0" eaLnBrk="1" latinLnBrk="0" hangingPunct="1">
+              <a:defRPr sz="1800" kern="1200">
+                <a:solidFill>
+                  <a:schemeClr val="tx1"/>
+                </a:solidFill>
+                <a:latin typeface="+mn-lt"/>
+                <a:ea typeface="+mn-ea"/>
+                <a:cs typeface="+mn-cs"/>
+              </a:defRPr>
+            </a:lvl2pPr>
+            <a:lvl3pPr marL="914400" algn="l" defTabSz="914400" rtl="0" eaLnBrk="1" latinLnBrk="0" hangingPunct="1">
+              <a:defRPr sz="1800" kern="1200">
+                <a:solidFill>
+                  <a:schemeClr val="tx1"/>
+                </a:solidFill>
+                <a:latin typeface="+mn-lt"/>
+                <a:ea typeface="+mn-ea"/>
+                <a:cs typeface="+mn-cs"/>
+              </a:defRPr>
+            </a:lvl3pPr>
+            <a:lvl4pPr marL="1371600" algn="l" defTabSz="914400" rtl="0" eaLnBrk="1" latinLnBrk="0" hangingPunct="1">
+              <a:defRPr sz="1800" kern="1200">
+                <a:solidFill>
+                  <a:schemeClr val="tx1"/>
+                </a:solidFill>
+                <a:latin typeface="+mn-lt"/>
+                <a:ea typeface="+mn-ea"/>
+                <a:cs typeface="+mn-cs"/>
+              </a:defRPr>
+            </a:lvl4pPr>
+            <a:lvl5pPr marL="1828800" algn="l" defTabSz="914400" rtl="0" eaLnBrk="1" latinLnBrk="0" hangingPunct="1">
+              <a:defRPr sz="1800" kern="1200">
+                <a:solidFill>
+                  <a:schemeClr val="tx1"/>
+                </a:solidFill>
+                <a:latin typeface="+mn-lt"/>
+                <a:ea typeface="+mn-ea"/>
+                <a:cs typeface="+mn-cs"/>
+              </a:defRPr>
+            </a:lvl5pPr>
+            <a:lvl6pPr marL="2286000" algn="l" defTabSz="914400" rtl="0" eaLnBrk="1" latinLnBrk="0" hangingPunct="1">
+              <a:defRPr sz="1800" kern="1200">
+                <a:solidFill>
+                  <a:schemeClr val="tx1"/>
+                </a:solidFill>
+                <a:latin typeface="+mn-lt"/>
+                <a:ea typeface="+mn-ea"/>
+                <a:cs typeface="+mn-cs"/>
+              </a:defRPr>
+            </a:lvl6pPr>
+            <a:lvl7pPr marL="2743200" algn="l" defTabSz="914400" rtl="0" eaLnBrk="1" latinLnBrk="0" hangingPunct="1">
+              <a:defRPr sz="1800" kern="1200">
+                <a:solidFill>
+                  <a:schemeClr val="tx1"/>
+                </a:solidFill>
+                <a:latin typeface="+mn-lt"/>
+                <a:ea typeface="+mn-ea"/>
+                <a:cs typeface="+mn-cs"/>
+              </a:defRPr>
+            </a:lvl7pPr>
+            <a:lvl8pPr marL="3200400" algn="l" defTabSz="914400" rtl="0" eaLnBrk="1" latinLnBrk="0" hangingPunct="1">
+              <a:defRPr sz="1800" kern="1200">
+                <a:solidFill>
+                  <a:schemeClr val="tx1"/>
+                </a:solidFill>
+                <a:latin typeface="+mn-lt"/>
+                <a:ea typeface="+mn-ea"/>
+                <a:cs typeface="+mn-cs"/>
+              </a:defRPr>
+            </a:lvl8pPr>
+            <a:lvl9pPr marL="3657600" algn="l" defTabSz="914400" rtl="0" eaLnBrk="1" latinLnBrk="0" hangingPunct="1">
+              <a:defRPr sz="1800" kern="1200">
+                <a:solidFill>
+                  <a:schemeClr val="tx1"/>
+                </a:solidFill>
+                <a:latin typeface="+mn-lt"/>
+                <a:ea typeface="+mn-ea"/>
+                <a:cs typeface="+mn-cs"/>
+              </a:defRPr>
+            </a:lvl9pPr>
+          </a:lstStyle>
+          <a:p>
+            <a:pPr algn="ctr" fontAlgn="base">
+              <a:lnSpc>
+                <a:spcPct val="120000"/>
+              </a:lnSpc>
+              <a:spcBef>
+                <a:spcPct val="0"/>
+              </a:spcBef>
+              <a:spcAft>
+                <a:spcPct val="0"/>
+              </a:spcAft>
+              <a:defRPr/>
+            </a:pPr>
+            <a:r>
+              <a:rPr lang="en-US" altLang="zh-CN" sz="1600" b="1" dirty="0">
+                <a:solidFill>
+                  <a:sysClr val="window" lastClr="FFFFFF">
+                    <a:lumMod val="95000"/>
+                  </a:sysClr>
+                </a:solidFill>
+                <a:latin typeface="微软雅黑" panose="020B0503020204020204" pitchFamily="34" charset="-122"/>
+                <a:ea typeface="微软雅黑" panose="020B0503020204020204" pitchFamily="34" charset="-122"/>
+              </a:rPr>
+              <a:t>LM-</a:t>
+            </a:r>
+            <a:r>
+              <a:rPr lang="en-US" altLang="zh-CN" sz="1600" b="1" dirty="0" err="1">
+                <a:solidFill>
+                  <a:sysClr val="window" lastClr="FFFFFF">
+                    <a:lumMod val="95000"/>
+                  </a:sysClr>
+                </a:solidFill>
+                <a:latin typeface="微软雅黑" panose="020B0503020204020204" pitchFamily="34" charset="-122"/>
+                <a:ea typeface="微软雅黑" panose="020B0503020204020204" pitchFamily="34" charset="-122"/>
+              </a:rPr>
+              <a:t>kNN</a:t>
+            </a:r>
+            <a:endParaRPr lang="zh-CN" altLang="zh-CN" sz="1600" b="1" dirty="0">
+              <a:solidFill>
+                <a:sysClr val="window" lastClr="FFFFFF">
+                  <a:lumMod val="95000"/>
+                </a:sysClr>
+              </a:solidFill>
+              <a:latin typeface="微软雅黑" panose="020B0503020204020204" pitchFamily="34" charset="-122"/>
+              <a:ea typeface="微软雅黑" panose="020B0503020204020204" pitchFamily="34" charset="-122"/>
+            </a:endParaRPr>
+          </a:p>
+        </p:txBody>
+      </p:sp>
+      <p:sp>
+        <p:nvSpPr>
+          <p:cNvPr id="36" name="文本1"/>
+          <p:cNvSpPr>
+            <a:spLocks noChangeArrowheads="1"/>
+          </p:cNvSpPr>
+          <p:nvPr/>
+        </p:nvSpPr>
+        <p:spPr bwMode="gray">
+          <a:xfrm>
+            <a:off x="3695936" y="3443582"/>
+            <a:ext cx="4433307" cy="516902"/>
+          </a:xfrm>
+          <a:prstGeom prst="rect">
+            <a:avLst/>
+          </a:prstGeom>
+          <a:noFill/>
+          <a:ln w="15875" cap="flat" cmpd="sng" algn="ctr">
+            <a:solidFill>
+              <a:schemeClr val="accent1"/>
+            </a:solidFill>
+            <a:prstDash val="solid"/>
+          </a:ln>
+          <a:effectLst/>
+        </p:spPr>
+        <p:txBody>
+          <a:bodyPr lIns="62118" tIns="31058" rIns="62118" bIns="31058" anchor="ctr"/>
+          <a:lstStyle>
+            <a:defPPr>
+              <a:defRPr lang="zh-CN"/>
+            </a:defPPr>
+            <a:lvl1pPr marL="0" algn="l" defTabSz="914400" rtl="0" eaLnBrk="1" latinLnBrk="0" hangingPunct="1">
+              <a:defRPr sz="1800" kern="1200">
+                <a:solidFill>
+                  <a:schemeClr val="tx1"/>
+                </a:solidFill>
+                <a:latin typeface="+mn-lt"/>
+                <a:ea typeface="+mn-ea"/>
+                <a:cs typeface="+mn-cs"/>
+              </a:defRPr>
+            </a:lvl1pPr>
+            <a:lvl2pPr marL="457200" algn="l" defTabSz="914400" rtl="0" eaLnBrk="1" latinLnBrk="0" hangingPunct="1">
+              <a:defRPr sz="1800" kern="1200">
+                <a:solidFill>
+                  <a:schemeClr val="tx1"/>
+                </a:solidFill>
+                <a:latin typeface="+mn-lt"/>
+                <a:ea typeface="+mn-ea"/>
+                <a:cs typeface="+mn-cs"/>
+              </a:defRPr>
+            </a:lvl2pPr>
+            <a:lvl3pPr marL="914400" algn="l" defTabSz="914400" rtl="0" eaLnBrk="1" latinLnBrk="0" hangingPunct="1">
+              <a:defRPr sz="1800" kern="1200">
+                <a:solidFill>
+                  <a:schemeClr val="tx1"/>
+                </a:solidFill>
+                <a:latin typeface="+mn-lt"/>
+                <a:ea typeface="+mn-ea"/>
+                <a:cs typeface="+mn-cs"/>
+              </a:defRPr>
+            </a:lvl3pPr>
+            <a:lvl4pPr marL="1371600" algn="l" defTabSz="914400" rtl="0" eaLnBrk="1" latinLnBrk="0" hangingPunct="1">
+              <a:defRPr sz="1800" kern="1200">
+                <a:solidFill>
+                  <a:schemeClr val="tx1"/>
+                </a:solidFill>
+                <a:latin typeface="+mn-lt"/>
+                <a:ea typeface="+mn-ea"/>
+                <a:cs typeface="+mn-cs"/>
+              </a:defRPr>
+            </a:lvl4pPr>
+            <a:lvl5pPr marL="1828800" algn="l" defTabSz="914400" rtl="0" eaLnBrk="1" latinLnBrk="0" hangingPunct="1">
+              <a:defRPr sz="1800" kern="1200">
+                <a:solidFill>
+                  <a:schemeClr val="tx1"/>
+                </a:solidFill>
+                <a:latin typeface="+mn-lt"/>
+                <a:ea typeface="+mn-ea"/>
+                <a:cs typeface="+mn-cs"/>
+              </a:defRPr>
+            </a:lvl5pPr>
+            <a:lvl6pPr marL="2286000" algn="l" defTabSz="914400" rtl="0" eaLnBrk="1" latinLnBrk="0" hangingPunct="1">
+              <a:defRPr sz="1800" kern="1200">
+                <a:solidFill>
+                  <a:schemeClr val="tx1"/>
+                </a:solidFill>
+                <a:latin typeface="+mn-lt"/>
+                <a:ea typeface="+mn-ea"/>
+                <a:cs typeface="+mn-cs"/>
+              </a:defRPr>
+            </a:lvl6pPr>
+            <a:lvl7pPr marL="2743200" algn="l" defTabSz="914400" rtl="0" eaLnBrk="1" latinLnBrk="0" hangingPunct="1">
+              <a:defRPr sz="1800" kern="1200">
+                <a:solidFill>
+                  <a:schemeClr val="tx1"/>
+                </a:solidFill>
+                <a:latin typeface="+mn-lt"/>
+                <a:ea typeface="+mn-ea"/>
+                <a:cs typeface="+mn-cs"/>
+              </a:defRPr>
+            </a:lvl7pPr>
+            <a:lvl8pPr marL="3200400" algn="l" defTabSz="914400" rtl="0" eaLnBrk="1" latinLnBrk="0" hangingPunct="1">
+              <a:defRPr sz="1800" kern="1200">
+                <a:solidFill>
+                  <a:schemeClr val="tx1"/>
+                </a:solidFill>
+                <a:latin typeface="+mn-lt"/>
+                <a:ea typeface="+mn-ea"/>
+                <a:cs typeface="+mn-cs"/>
+              </a:defRPr>
+            </a:lvl8pPr>
+            <a:lvl9pPr marL="3657600" algn="l" defTabSz="914400" rtl="0" eaLnBrk="1" latinLnBrk="0" hangingPunct="1">
+              <a:defRPr sz="1800" kern="1200">
+                <a:solidFill>
+                  <a:schemeClr val="tx1"/>
+                </a:solidFill>
+                <a:latin typeface="+mn-lt"/>
+                <a:ea typeface="+mn-ea"/>
+                <a:cs typeface="+mn-cs"/>
+              </a:defRPr>
+            </a:lvl9pPr>
+          </a:lstStyle>
+          <a:p>
+            <a:pPr fontAlgn="base">
+              <a:lnSpc>
+                <a:spcPct val="120000"/>
+              </a:lnSpc>
+              <a:spcBef>
+                <a:spcPct val="0"/>
+              </a:spcBef>
+              <a:spcAft>
+                <a:spcPct val="0"/>
+              </a:spcAft>
+              <a:defRPr/>
+            </a:pPr>
+            <a:r>
+              <a:rPr lang="zh-CN" altLang="en-US" sz="1200" dirty="0">
+                <a:solidFill>
+                  <a:schemeClr val="tx1">
+                    <a:lumMod val="75000"/>
+                    <a:lumOff val="25000"/>
+                  </a:schemeClr>
+                </a:solidFill>
+                <a:latin typeface="微软雅黑" panose="020B0503020204020204" pitchFamily="34" charset="-122"/>
+                <a:ea typeface="微软雅黑" panose="020B0503020204020204" pitchFamily="34" charset="-122"/>
+              </a:rPr>
+              <a:t>一阶方法，使用</a:t>
+            </a:r>
+            <a:r>
+              <a:rPr lang="en-US" altLang="zh-CN" sz="1200" dirty="0">
+                <a:solidFill>
+                  <a:schemeClr val="tx1">
+                    <a:lumMod val="75000"/>
+                    <a:lumOff val="25000"/>
+                  </a:schemeClr>
+                </a:solidFill>
+                <a:latin typeface="微软雅黑" panose="020B0503020204020204" pitchFamily="34" charset="-122"/>
+                <a:ea typeface="微软雅黑" panose="020B0503020204020204" pitchFamily="34" charset="-122"/>
+              </a:rPr>
+              <a:t>k-NN</a:t>
+            </a:r>
+            <a:r>
+              <a:rPr lang="zh-CN" altLang="en-US" sz="1200" dirty="0">
+                <a:solidFill>
+                  <a:schemeClr val="tx1">
+                    <a:lumMod val="75000"/>
+                    <a:lumOff val="25000"/>
+                  </a:schemeClr>
+                </a:solidFill>
+                <a:latin typeface="微软雅黑" panose="020B0503020204020204" pitchFamily="34" charset="-122"/>
+                <a:ea typeface="微软雅黑" panose="020B0503020204020204" pitchFamily="34" charset="-122"/>
+              </a:rPr>
+              <a:t>分类</a:t>
+            </a:r>
+            <a:endParaRPr lang="zh-CN" altLang="zh-CN" sz="1200" dirty="0">
+              <a:solidFill>
+                <a:schemeClr val="tx1">
+                  <a:lumMod val="75000"/>
+                  <a:lumOff val="25000"/>
+                </a:schemeClr>
+              </a:solidFill>
+              <a:latin typeface="微软雅黑" panose="020B0503020204020204" pitchFamily="34" charset="-122"/>
+              <a:ea typeface="微软雅黑" panose="020B0503020204020204" pitchFamily="34" charset="-122"/>
+            </a:endParaRPr>
+          </a:p>
+        </p:txBody>
+      </p:sp>
+      <p:sp>
+        <p:nvSpPr>
+          <p:cNvPr id="37" name="文本1"/>
+          <p:cNvSpPr>
+            <a:spLocks noChangeArrowheads="1"/>
+          </p:cNvSpPr>
+          <p:nvPr/>
+        </p:nvSpPr>
+        <p:spPr bwMode="gray">
+          <a:xfrm>
+            <a:off x="3699655" y="4331960"/>
+            <a:ext cx="4433307" cy="516902"/>
+          </a:xfrm>
+          <a:prstGeom prst="rect">
+            <a:avLst/>
+          </a:prstGeom>
+          <a:noFill/>
+          <a:ln w="15875" cap="flat" cmpd="sng" algn="ctr">
+            <a:solidFill>
+              <a:schemeClr val="accent1"/>
+            </a:solidFill>
+            <a:prstDash val="solid"/>
+          </a:ln>
+          <a:effectLst/>
+        </p:spPr>
+        <p:txBody>
+          <a:bodyPr lIns="62118" tIns="31058" rIns="62118" bIns="31058" anchor="ctr"/>
+          <a:lstStyle>
+            <a:defPPr>
+              <a:defRPr lang="zh-CN"/>
+            </a:defPPr>
+            <a:lvl1pPr marL="0" algn="l" defTabSz="914400" rtl="0" eaLnBrk="1" latinLnBrk="0" hangingPunct="1">
+              <a:defRPr sz="1800" kern="1200">
+                <a:solidFill>
+                  <a:schemeClr val="tx1"/>
+                </a:solidFill>
+                <a:latin typeface="+mn-lt"/>
+                <a:ea typeface="+mn-ea"/>
+                <a:cs typeface="+mn-cs"/>
+              </a:defRPr>
+            </a:lvl1pPr>
+            <a:lvl2pPr marL="457200" algn="l" defTabSz="914400" rtl="0" eaLnBrk="1" latinLnBrk="0" hangingPunct="1">
+              <a:defRPr sz="1800" kern="1200">
+                <a:solidFill>
+                  <a:schemeClr val="tx1"/>
+                </a:solidFill>
+                <a:latin typeface="+mn-lt"/>
+                <a:ea typeface="+mn-ea"/>
+                <a:cs typeface="+mn-cs"/>
+              </a:defRPr>
+            </a:lvl2pPr>
+            <a:lvl3pPr marL="914400" algn="l" defTabSz="914400" rtl="0" eaLnBrk="1" latinLnBrk="0" hangingPunct="1">
+              <a:defRPr sz="1800" kern="1200">
+                <a:solidFill>
+                  <a:schemeClr val="tx1"/>
+                </a:solidFill>
+                <a:latin typeface="+mn-lt"/>
+                <a:ea typeface="+mn-ea"/>
+                <a:cs typeface="+mn-cs"/>
+              </a:defRPr>
+            </a:lvl3pPr>
+            <a:lvl4pPr marL="1371600" algn="l" defTabSz="914400" rtl="0" eaLnBrk="1" latinLnBrk="0" hangingPunct="1">
+              <a:defRPr sz="1800" kern="1200">
+                <a:solidFill>
+                  <a:schemeClr val="tx1"/>
+                </a:solidFill>
+                <a:latin typeface="+mn-lt"/>
+                <a:ea typeface="+mn-ea"/>
+                <a:cs typeface="+mn-cs"/>
+              </a:defRPr>
+            </a:lvl4pPr>
+            <a:lvl5pPr marL="1828800" algn="l" defTabSz="914400" rtl="0" eaLnBrk="1" latinLnBrk="0" hangingPunct="1">
+              <a:defRPr sz="1800" kern="1200">
+                <a:solidFill>
+                  <a:schemeClr val="tx1"/>
+                </a:solidFill>
+                <a:latin typeface="+mn-lt"/>
+                <a:ea typeface="+mn-ea"/>
+                <a:cs typeface="+mn-cs"/>
+              </a:defRPr>
+            </a:lvl5pPr>
+            <a:lvl6pPr marL="2286000" algn="l" defTabSz="914400" rtl="0" eaLnBrk="1" latinLnBrk="0" hangingPunct="1">
+              <a:defRPr sz="1800" kern="1200">
+                <a:solidFill>
+                  <a:schemeClr val="tx1"/>
+                </a:solidFill>
+                <a:latin typeface="+mn-lt"/>
+                <a:ea typeface="+mn-ea"/>
+                <a:cs typeface="+mn-cs"/>
+              </a:defRPr>
+            </a:lvl6pPr>
+            <a:lvl7pPr marL="2743200" algn="l" defTabSz="914400" rtl="0" eaLnBrk="1" latinLnBrk="0" hangingPunct="1">
+              <a:defRPr sz="1800" kern="1200">
+                <a:solidFill>
+                  <a:schemeClr val="tx1"/>
+                </a:solidFill>
+                <a:latin typeface="+mn-lt"/>
+                <a:ea typeface="+mn-ea"/>
+                <a:cs typeface="+mn-cs"/>
+              </a:defRPr>
+            </a:lvl7pPr>
+            <a:lvl8pPr marL="3200400" algn="l" defTabSz="914400" rtl="0" eaLnBrk="1" latinLnBrk="0" hangingPunct="1">
+              <a:defRPr sz="1800" kern="1200">
+                <a:solidFill>
+                  <a:schemeClr val="tx1"/>
+                </a:solidFill>
+                <a:latin typeface="+mn-lt"/>
+                <a:ea typeface="+mn-ea"/>
+                <a:cs typeface="+mn-cs"/>
+              </a:defRPr>
+            </a:lvl8pPr>
+            <a:lvl9pPr marL="3657600" algn="l" defTabSz="914400" rtl="0" eaLnBrk="1" latinLnBrk="0" hangingPunct="1">
+              <a:defRPr sz="1800" kern="1200">
+                <a:solidFill>
+                  <a:schemeClr val="tx1"/>
+                </a:solidFill>
+                <a:latin typeface="+mn-lt"/>
+                <a:ea typeface="+mn-ea"/>
+                <a:cs typeface="+mn-cs"/>
+              </a:defRPr>
+            </a:lvl9pPr>
+          </a:lstStyle>
+          <a:p>
+            <a:pPr fontAlgn="base">
+              <a:lnSpc>
+                <a:spcPct val="120000"/>
+              </a:lnSpc>
+              <a:spcBef>
+                <a:spcPct val="0"/>
+              </a:spcBef>
+              <a:spcAft>
+                <a:spcPct val="0"/>
+              </a:spcAft>
+              <a:defRPr/>
+            </a:pPr>
+            <a:r>
+              <a:rPr lang="zh-CN" altLang="en-US" sz="1200" dirty="0">
+                <a:solidFill>
+                  <a:schemeClr val="tx1">
+                    <a:lumMod val="75000"/>
+                    <a:lumOff val="25000"/>
+                  </a:schemeClr>
+                </a:solidFill>
+                <a:latin typeface="微软雅黑" panose="020B0503020204020204" pitchFamily="34" charset="-122"/>
+                <a:ea typeface="微软雅黑" panose="020B0503020204020204" pitchFamily="34" charset="-122"/>
+              </a:rPr>
+              <a:t>高阶方法，将标签与特征嵌入之后，再使用</a:t>
+            </a:r>
+            <a:r>
+              <a:rPr lang="en-US" altLang="zh-CN" sz="1200" dirty="0">
+                <a:solidFill>
+                  <a:schemeClr val="tx1">
+                    <a:lumMod val="75000"/>
+                    <a:lumOff val="25000"/>
+                  </a:schemeClr>
+                </a:solidFill>
+                <a:latin typeface="微软雅黑" panose="020B0503020204020204" pitchFamily="34" charset="-122"/>
+                <a:ea typeface="微软雅黑" panose="020B0503020204020204" pitchFamily="34" charset="-122"/>
+              </a:rPr>
+              <a:t>k-NN</a:t>
+            </a:r>
+            <a:r>
+              <a:rPr lang="zh-CN" altLang="en-US" sz="1200" dirty="0">
+                <a:solidFill>
+                  <a:schemeClr val="tx1">
+                    <a:lumMod val="75000"/>
+                    <a:lumOff val="25000"/>
+                  </a:schemeClr>
+                </a:solidFill>
+                <a:latin typeface="微软雅黑" panose="020B0503020204020204" pitchFamily="34" charset="-122"/>
+                <a:ea typeface="微软雅黑" panose="020B0503020204020204" pitchFamily="34" charset="-122"/>
+              </a:rPr>
+              <a:t>分类</a:t>
+            </a:r>
+            <a:endParaRPr lang="zh-CN" altLang="zh-CN" sz="1200" dirty="0">
+              <a:solidFill>
+                <a:schemeClr val="tx1">
+                  <a:lumMod val="75000"/>
+                  <a:lumOff val="25000"/>
+                </a:schemeClr>
+              </a:solidFill>
+              <a:latin typeface="微软雅黑" panose="020B0503020204020204" pitchFamily="34" charset="-122"/>
+              <a:ea typeface="微软雅黑" panose="020B0503020204020204" pitchFamily="34" charset="-122"/>
+            </a:endParaRPr>
+          </a:p>
+        </p:txBody>
+      </p:sp>
+    </p:spTree>
+  </p:cSld>
+  <p:clrMapOvr>
+    <a:masterClrMapping/>
+  </p:clrMapOvr>
+  <p:transition spd="slow" advTm="0"/>
 </p:sld>
 </file>
 

--- a/硕士毕业论文答辩PPT.pptx
+++ b/硕士毕业论文答辩PPT.pptx
@@ -822,7 +822,7 @@
             </a:r>
             <a:r>
               <a:rPr lang="zh-CN" altLang="en-US"/>
-              <a:t>编码，自注意力计算后，卷积池化传入</a:t>
+              <a:t>编码，自注意力计算，卷积池化传入</a:t>
             </a:r>
             <a:r>
               <a:rPr lang="en-US" altLang="zh-CN"/>
@@ -831,10 +831,6 @@
             <a:r>
               <a:rPr lang="zh-CN" altLang="en-US"/>
               <a:t>，最后决策得出结果</a:t>
-            </a:r>
-            <a:r>
-              <a:rPr lang="en-US" altLang="zh-CN"/>
-              <a:t>gan</a:t>
             </a:r>
             <a:endParaRPr lang="zh-CN" altLang="en-US"/>
           </a:p>
@@ -946,16 +942,31 @@
           <a:p>
             <a:r>
               <a:rPr lang="zh-CN" altLang="en-US"/>
-              <a:t>我们也是做了局部优化</a:t>
+              <a:t>这里</a:t>
+            </a:r>
+            <a:r>
+              <a:rPr lang="zh-CN" altLang="en-US"/>
+              <a:t>也做了局部优化</a:t>
             </a:r>
             <a:endParaRPr lang="zh-CN" altLang="en-US"/>
           </a:p>
           <a:p>
             <a:r>
               <a:rPr lang="zh-CN" altLang="en-US"/>
-              <a:t>这里是将传统卷积层的固定采样改为可变换卷积可变采样，原理是通过增加采样位置信息偏移量实现的</a:t>
+              <a:t>将传统卷积层的固定采样改为可变换卷积可变采样，原理是通过增加采样位置信息偏移量</a:t>
             </a:r>
             <a:endParaRPr lang="zh-CN" altLang="en-US"/>
+          </a:p>
+          <a:p>
+            <a:r>
+              <a:rPr lang="zh-CN" altLang="en-US">
+                <a:sym typeface="+mn-ea"/>
+              </a:rPr>
+              <a:t>位置信息偏移量分为动态和静态，可由训练得到</a:t>
+            </a:r>
+            <a:endParaRPr lang="zh-CN" altLang="en-US">
+              <a:sym typeface="+mn-ea"/>
+            </a:endParaRPr>
           </a:p>
         </p:txBody>
       </p:sp>
@@ -1022,7 +1033,7 @@
           <a:p>
             <a:r>
               <a:rPr lang="zh-CN" altLang="en-US"/>
-              <a:t>这一章最后一个模型是在双向</a:t>
+              <a:t>最后一个模型是在双向</a:t>
             </a:r>
             <a:r>
               <a:rPr lang="en-US" altLang="zh-CN"/>
@@ -1124,22 +1135,11 @@
           <a:p>
             <a:r>
               <a:rPr lang="zh-CN" altLang="en-US" dirty="0"/>
-              <a:t>但是在进行实验以后模型在各项指标上并不理想，仅能起到</a:t>
-            </a:r>
-            <a:r>
-              <a:rPr lang="en-US" altLang="zh-CN" dirty="0"/>
-              <a:t>baseline</a:t>
+              <a:t>在进行实验以后发现</a:t>
             </a:r>
             <a:r>
               <a:rPr lang="zh-CN" altLang="en-US" dirty="0"/>
-              <a:t>和对照的作用</a:t>
-            </a:r>
-            <a:endParaRPr lang="zh-CN" altLang="en-US" dirty="0"/>
-          </a:p>
-          <a:p>
-            <a:r>
-              <a:rPr lang="zh-CN" altLang="en-US" dirty="0"/>
-              <a:t>经过分析发现该方法存在以下问题</a:t>
+              <a:t>模型在各项指标上并不理想，经过分析发现该方法存在以下问题</a:t>
             </a:r>
             <a:endParaRPr lang="zh-CN" altLang="en-US" dirty="0"/>
           </a:p>
@@ -1177,6 +1177,10 @@
             <a:endParaRPr lang="zh-CN" altLang="en-US" dirty="0"/>
           </a:p>
           <a:p>
+            <a:r>
+              <a:rPr lang="zh-CN" altLang="en-US" dirty="0"/>
+              <a:t>最后</a:t>
+            </a:r>
             <a:r>
               <a:rPr lang="zh-CN" altLang="en-US" dirty="0"/>
               <a:t>目前模型数量较多，训练起来也很麻烦耗时</a:t>
@@ -1264,7 +1268,7 @@
           <a:p>
             <a:r>
               <a:rPr lang="zh-CN" altLang="en-US" dirty="0"/>
-              <a:t>因此在论文的第四章根据针对以上提出的问题做了改进，这也是本文较核心的一章</a:t>
+              <a:t>在论文的第四章针对以上提出的问题对模型做了改进，这也是本文较核心的一章</a:t>
             </a:r>
             <a:endParaRPr lang="zh-CN" altLang="en-US" dirty="0"/>
           </a:p>
@@ -1334,53 +1338,30 @@
           <a:p>
             <a:r>
               <a:rPr lang="zh-CN" altLang="en-US"/>
-              <a:t>首先对任务间独立这个问题做了改进提出门控联合识别模型，他是训练同一模型同时</a:t>
-            </a:r>
-            <a:r>
-              <a:rPr lang="zh-CN" altLang="en-US"/>
-              <a:t>解决</a:t>
-            </a:r>
-            <a:r>
-              <a:rPr lang="zh-CN" altLang="en-US">
-                <a:sym typeface="+mn-ea"/>
-              </a:rPr>
-              <a:t>三个子任务</a:t>
+              <a:t>首先对任务间独立这个问题提出门控联合识别模型，他是训练同一模型同时解决三个子任务</a:t>
             </a:r>
             <a:endParaRPr lang="zh-CN" altLang="en-US"/>
           </a:p>
           <a:p>
             <a:r>
               <a:rPr lang="zh-CN" altLang="en-US"/>
-              <a:t>它在服务和接口分类的结构和之前差异不大，主要是在参数提取中引入门控结构，</a:t>
+              <a:t>在服务和接口分类的结构和之前差异不大，主要是在参数提取中引入门控结构，</a:t>
             </a:r>
             <a:endParaRPr lang="zh-CN" altLang="en-US"/>
           </a:p>
           <a:p>
             <a:r>
-              <a:rPr lang="zh-CN" altLang="en-US">
-                <a:sym typeface="+mn-ea"/>
-              </a:rPr>
-              <a:t>门控结构会将服务和接口的决策信息处理后作为输入传入最终的分类器</a:t>
+              <a:rPr lang="zh-CN" altLang="en-US"/>
+              <a:t>门控结构会将服务和接口分类的决策信息处理后作为输入传入最终的分类器</a:t>
             </a:r>
-            <a:endParaRPr lang="zh-CN" altLang="en-US">
-              <a:sym typeface="+mn-ea"/>
-            </a:endParaRPr>
+            <a:endParaRPr lang="zh-CN" altLang="en-US"/>
           </a:p>
           <a:p>
             <a:r>
-              <a:rPr lang="zh-CN" altLang="en-US">
-                <a:sym typeface="+mn-ea"/>
-              </a:rPr>
-              <a:t>这样做的依据是参数填充通常高度依赖于前两个任务，进行显示的关系建模有利于提高语义槽填充的准确率</a:t>
+              <a:rPr lang="zh-CN" altLang="en-US"/>
+              <a:t>这样做的依据是参数提取通常高度依赖于前两个任务，进行显示的关系建模有利于提高语义槽填充的准确率</a:t>
             </a:r>
-            <a:endParaRPr lang="zh-CN" altLang="en-US">
-              <a:sym typeface="+mn-ea"/>
-            </a:endParaRPr>
-          </a:p>
-          <a:p>
-            <a:endParaRPr lang="zh-CN" altLang="en-US">
-              <a:sym typeface="+mn-ea"/>
-            </a:endParaRPr>
+            <a:endParaRPr lang="zh-CN" altLang="en-US"/>
           </a:p>
           <a:p>
             <a:endParaRPr lang="zh-CN" altLang="en-US"/>
@@ -1453,21 +1434,21 @@
           <a:p>
             <a:r>
               <a:rPr lang="zh-CN" altLang="en-US"/>
-              <a:t>进一步研究发现，信息流的传递不应该局限于单向它应该是多向的，因此本文又提出了交互式联合识别模型，它同样是同一模型解决三个任务</a:t>
+              <a:t>进一步研究发现，信息流的传递不应该局限于单向而应该是多向的，因此本文又提出了交互式联合识别模型，它同样是同一模型解决三个任务</a:t>
             </a:r>
             <a:endParaRPr lang="zh-CN" altLang="en-US"/>
           </a:p>
           <a:p>
             <a:r>
               <a:rPr lang="zh-CN" altLang="en-US"/>
-              <a:t>从左往右经过共享编码层，独立的自注意力层到达交互层，这一层是本模型的核心</a:t>
+              <a:t>从左往右经过共享编码层，独立的自注意力层到达交互层，交互层是本模型的核心</a:t>
             </a:r>
             <a:endParaRPr lang="zh-CN" altLang="en-US"/>
           </a:p>
           <a:p>
             <a:r>
               <a:rPr lang="zh-CN" altLang="en-US"/>
-              <a:t>交互层将其他任意两项任务的中间决策信息传入第三项任务中来影响最终的结果，同时他是可堆叠的结构保证了信息流的充分融合</a:t>
+              <a:t>它将其他任意两项任务的中间决策信息传入第三项任务中来影响最终的结果，同时他的可堆叠的结构保证了信息流的充分融合</a:t>
             </a:r>
             <a:endParaRPr lang="zh-CN" altLang="en-US"/>
           </a:p>
@@ -1481,7 +1462,7 @@
           <a:p>
             <a:r>
               <a:rPr lang="zh-CN" altLang="en-US"/>
-              <a:t>交互式联合识别也是在实验数据集上表现最优的模型</a:t>
+              <a:t>交互式联合识别是在实验数据集上表现最优的模型</a:t>
             </a:r>
             <a:endParaRPr lang="zh-CN" altLang="en-US"/>
           </a:p>
@@ -1552,16 +1533,23 @@
           <a:bodyPr/>
           <a:p>
             <a:r>
-              <a:rPr lang="zh-CN" altLang="en-US"/>
-              <a:t>针对</a:t>
+              <a:t>以上两个模型提出都是为了解决任务独立性</a:t>
             </a:r>
+          </a:p>
+          <a:p>
             <a:r>
-              <a:rPr lang="en-US" altLang="zh-CN"/>
-              <a:t>word2vec</a:t>
+              <a:t>针对word2vec编码能力弱的问题，我们引入bert预训练模型</a:t>
             </a:r>
+          </a:p>
+          <a:p>
             <a:r>
-              <a:rPr lang="zh-CN" altLang="en-US"/>
-              <a:t>编码能力弱的问题，我们引入</a:t>
+              <a:t>bert在大型语料库中训练得到上下文相关的语义向量，具有很强的表达能力，特别适用于数据量较小的场景</a:t>
+            </a:r>
+          </a:p>
+          <a:p>
+            <a:r>
+              <a:rPr lang="zh-CN"/>
+              <a:t>这是</a:t>
             </a:r>
             <a:r>
               <a:rPr lang="en-US" altLang="zh-CN"/>
@@ -1569,32 +1557,17 @@
             </a:r>
             <a:r>
               <a:rPr lang="zh-CN" altLang="en-US"/>
-              <a:t>预训练模型</a:t>
+              <a:t>直接接</a:t>
+            </a:r>
+            <a:r>
+              <a:rPr lang="en-US" altLang="zh-CN"/>
+              <a:t>softmax</a:t>
+            </a:r>
+            <a:r>
+              <a:rPr lang="zh-CN" altLang="en-US"/>
+              <a:t>的图示，在论文里主要起对照作用</a:t>
             </a:r>
             <a:endParaRPr lang="zh-CN" altLang="en-US"/>
-          </a:p>
-          <a:p>
-            <a:r>
-              <a:rPr lang="en-US" altLang="zh-CN" dirty="0" smtClean="0">
-                <a:latin typeface="Arial" panose="020B0604020202020204" pitchFamily="34" charset="0"/>
-                <a:ea typeface="微软雅黑" panose="020B0503020204020204" pitchFamily="34" charset="-122"/>
-                <a:sym typeface="+mn-ea"/>
-              </a:rPr>
-              <a:t>bert</a:t>
-            </a:r>
-            <a:r>
-              <a:rPr lang="zh-CN" altLang="en-US" dirty="0" smtClean="0">
-                <a:latin typeface="Arial" panose="020B0604020202020204" pitchFamily="34" charset="0"/>
-                <a:ea typeface="微软雅黑" panose="020B0503020204020204" pitchFamily="34" charset="-122"/>
-                <a:sym typeface="+mn-ea"/>
-              </a:rPr>
-              <a:t>在大型语料库中训练得到的上下文相关的语义向量，具有很强的表达能力，特别适用于数据量较小的场景</a:t>
-            </a:r>
-            <a:endParaRPr lang="zh-CN" altLang="en-US" dirty="0" smtClean="0">
-              <a:latin typeface="Arial" panose="020B0604020202020204" pitchFamily="34" charset="0"/>
-              <a:ea typeface="微软雅黑" panose="020B0503020204020204" pitchFamily="34" charset="-122"/>
-              <a:sym typeface="+mn-ea"/>
-            </a:endParaRPr>
           </a:p>
         </p:txBody>
       </p:sp>
@@ -1660,33 +1633,13 @@
           <a:bodyPr/>
           <a:p>
             <a:r>
-              <a:rPr lang="zh-CN" altLang="en-US"/>
-              <a:t>这是将编码层改为</a:t>
+              <a:t>然后将交互式模型的编码层改为bert，做一个简单的拼接就完成了优化</a:t>
             </a:r>
-            <a:r>
-              <a:rPr lang="en-US" altLang="zh-CN"/>
-              <a:t>bert</a:t>
-            </a:r>
-            <a:r>
-              <a:rPr lang="zh-CN" altLang="en-US"/>
-              <a:t>后的模型，就是做了一个简单的拼接</a:t>
-            </a:r>
-            <a:endParaRPr lang="zh-CN" altLang="en-US"/>
           </a:p>
           <a:p>
             <a:r>
-              <a:rPr lang="zh-CN" altLang="en-US"/>
-              <a:t>我们在实验中发现引入</a:t>
+              <a:t>在实验中发现引入bert后模型在收敛速度和准确率上都有很大提升</a:t>
             </a:r>
-            <a:r>
-              <a:rPr lang="en-US" altLang="zh-CN"/>
-              <a:t>bert</a:t>
-            </a:r>
-            <a:r>
-              <a:rPr lang="zh-CN" altLang="en-US"/>
-              <a:t>后模型在收敛速度和准确率上都有很大提升</a:t>
-            </a:r>
-            <a:endParaRPr lang="zh-CN" altLang="en-US"/>
           </a:p>
         </p:txBody>
       </p:sp>
@@ -1774,7 +1727,7 @@
           <a:p>
             <a:r>
               <a:rPr lang="zh-CN" altLang="en-US"/>
-              <a:t>再将这些概念利用注意力计算方法进行词嵌入与原有输入拼接，就可以得到结果知识库语义丰富的词向量表示</a:t>
+              <a:t>再将这些概念利用注意力计算方法进行词嵌入与原有输入拼接，就可以得到语义更丰富的词向量表示</a:t>
             </a:r>
             <a:endParaRPr lang="zh-CN" altLang="en-US"/>
           </a:p>
@@ -1937,7 +1890,11 @@
           <a:p>
             <a:r>
               <a:rPr lang="zh-CN" altLang="en-US" dirty="0"/>
-              <a:t>以上是对论文主要模型的介绍，下面展示以下实验结果</a:t>
+              <a:t>以上是对论文主要模型的介绍，下面展示一</a:t>
+            </a:r>
+            <a:r>
+              <a:rPr lang="zh-CN" altLang="en-US" dirty="0"/>
+              <a:t>下实验结果</a:t>
             </a:r>
             <a:endParaRPr lang="zh-CN" altLang="en-US" dirty="0"/>
           </a:p>
@@ -2015,7 +1972,15 @@
                 <a:ea typeface="微软雅黑" panose="020B0503020204020204" pitchFamily="34" charset="-122"/>
                 <a:sym typeface="+mn-ea"/>
               </a:rPr>
-              <a:t>SMP2019ECDT，包含了跨界服务领域常用的八大类服务</a:t>
+              <a:t>SMPECDT，用于实验的数据</a:t>
+            </a:r>
+            <a:r>
+              <a:rPr lang="zh-CN" altLang="en-US" dirty="0" smtClean="0">
+                <a:latin typeface="Arial" panose="020B0604020202020204" pitchFamily="34" charset="0"/>
+                <a:ea typeface="微软雅黑" panose="020B0503020204020204" pitchFamily="34" charset="-122"/>
+                <a:sym typeface="+mn-ea"/>
+              </a:rPr>
+              <a:t>包含了跨界服务领域常用的八大类服务</a:t>
             </a:r>
             <a:endParaRPr lang="zh-CN" altLang="en-US" dirty="0" smtClean="0">
               <a:latin typeface="Arial" panose="020B0604020202020204" pitchFamily="34" charset="0"/>
@@ -2103,44 +2068,28 @@
           <a:p>
             <a:r>
               <a:rPr lang="zh-CN" altLang="en-US"/>
-              <a:t>这一页展示的是前面章节提到的模型在训练过程中各指标值的变化</a:t>
+              <a:t>这一页展示的是前面章节提到的模型在训练集各指标值的变化</a:t>
             </a:r>
             <a:endParaRPr lang="zh-CN" altLang="en-US"/>
           </a:p>
           <a:p>
             <a:r>
               <a:rPr lang="zh-CN" altLang="en-US"/>
-              <a:t>服务和接口分类任务指标采用准确率，语义槽填充指标采用</a:t>
-            </a:r>
-            <a:r>
-              <a:rPr lang="en-US" altLang="zh-CN"/>
-              <a:t>F1</a:t>
-            </a:r>
-            <a:r>
-              <a:rPr lang="zh-CN" altLang="en-US"/>
-              <a:t>值</a:t>
+              <a:t>服务和接口分类任务指标采用准确率，语义槽填充指标采用F1值</a:t>
             </a:r>
             <a:endParaRPr lang="zh-CN" altLang="en-US"/>
           </a:p>
           <a:p>
             <a:r>
               <a:rPr lang="zh-CN" altLang="en-US"/>
-              <a:t>第四张图句子整体准确率是指输入语句的三项任务预测值都和标签一致是才会被判定是正确</a:t>
+              <a:t>第四张图句子整体准确率是指输入语句的三项任务预测值都和标签都一致才会被判定是正确</a:t>
             </a:r>
             <a:endParaRPr lang="zh-CN" altLang="en-US"/>
           </a:p>
           <a:p>
             <a:r>
               <a:rPr lang="zh-CN" altLang="en-US"/>
-              <a:t>指标图显示引入</a:t>
-            </a:r>
-            <a:r>
-              <a:rPr lang="en-US" altLang="zh-CN"/>
-              <a:t>bert</a:t>
-            </a:r>
-            <a:r>
-              <a:rPr lang="zh-CN" altLang="en-US"/>
-              <a:t>以后模型收敛加快，同时交互式模型的性能最优异</a:t>
+              <a:t>指标图显示引入bert以后模型收敛加快，同时交互式模型的性能最优异</a:t>
             </a:r>
             <a:endParaRPr lang="zh-CN" altLang="en-US"/>
           </a:p>
@@ -2228,30 +2177,15 @@
           <a:p>
             <a:r>
               <a:rPr lang="zh-CN" altLang="en-US" dirty="0"/>
-              <a:t>可以看到，联合识别的模型实验结果整体优于单个模型，交互式联合优于单向联合</a:t>
+              <a:t>可以看到，联合识别的模型实验结果整体优于单个模型，交互式联合的信息交流优于单向联合信息交流</a:t>
             </a:r>
             <a:endParaRPr lang="zh-CN" altLang="en-US" dirty="0"/>
           </a:p>
           <a:p>
             <a:r>
               <a:rPr lang="zh-CN" altLang="en-US" dirty="0"/>
-              <a:t>引入预训练模型后句子准确率有所提升，</a:t>
+              <a:t>引入预训练模型后句子准确率有所提升，最优的bert交互式模型句子准确率达到91%</a:t>
             </a:r>
-            <a:r>
-              <a:rPr lang="en-US" altLang="zh-CN" dirty="0"/>
-              <a:t>bert</a:t>
-            </a:r>
-            <a:r>
-              <a:rPr lang="zh-CN" altLang="en-US" dirty="0"/>
-              <a:t>交互式模型句子准确率达到</a:t>
-            </a:r>
-            <a:r>
-              <a:rPr lang="en-US" altLang="zh-CN" dirty="0"/>
-              <a:t>91%</a:t>
-            </a:r>
-            <a:endParaRPr lang="zh-CN" altLang="en-US" dirty="0"/>
-          </a:p>
-          <a:p>
             <a:endParaRPr lang="zh-CN" altLang="en-US" dirty="0"/>
           </a:p>
         </p:txBody>
@@ -2332,33 +2266,22 @@
           <a:p>
             <a:r>
               <a:rPr lang="zh-CN" altLang="en-US" dirty="0"/>
-              <a:t>本文对测试集表现最优的模型做了消融分析，结果如表</a:t>
+              <a:t>同时本文对测试集表现最优的模型做了消融分析，结果如表</a:t>
             </a:r>
             <a:endParaRPr lang="zh-CN" altLang="en-US" dirty="0"/>
           </a:p>
           <a:p>
             <a:r>
               <a:rPr lang="zh-CN" altLang="en-US" dirty="0"/>
-              <a:t>首先 bert 预训练层的移除对实验结果影响巨大，各指标</a:t>
-            </a:r>
-            <a:r>
-              <a:rPr lang="zh-CN" altLang="en-US" dirty="0"/>
-              <a:t>跌幅很大</a:t>
+              <a:t>首先 bert 预训练层的移除对实验结果影响巨大，各指标跌幅很大</a:t>
             </a:r>
             <a:endParaRPr lang="zh-CN" altLang="en-US" dirty="0"/>
           </a:p>
           <a:p>
             <a:r>
               <a:rPr lang="zh-CN" altLang="en-US" dirty="0"/>
-              <a:t>删除独立的自注意力层和减少信息流向也会使</a:t>
+              <a:t>然后删除独立的自注意力层和减少信息流也会使模型性能降低</a:t>
             </a:r>
-            <a:r>
-              <a:rPr lang="zh-CN" altLang="en-US" dirty="0"/>
-              <a:t>模型性能降低</a:t>
-            </a:r>
-            <a:endParaRPr lang="zh-CN" altLang="en-US" dirty="0"/>
-          </a:p>
-          <a:p>
             <a:endParaRPr lang="zh-CN" altLang="en-US" dirty="0"/>
           </a:p>
         </p:txBody>
@@ -2438,33 +2361,17 @@
           <a:lstStyle/>
           <a:p>
             <a:r>
-              <a:rPr lang="zh-CN" altLang="en-US" dirty="0"/>
-              <a:t>最后我们对协同交互模块的堆叠层数量做了消融分析，得出的结论是对叠层数量</a:t>
+              <a:rPr dirty="0"/>
+              <a:t>最后我们对协同交互模块的堆叠层数量N做了消融分析，得出的结论是堆叠层数量N=2时效果最好</a:t>
             </a:r>
-            <a:r>
-              <a:rPr lang="en-US" altLang="zh-CN" dirty="0"/>
-              <a:t>N=2</a:t>
-            </a:r>
-            <a:r>
-              <a:rPr lang="zh-CN" altLang="en-US" dirty="0"/>
-              <a:t>时效果最好</a:t>
-            </a:r>
-            <a:endParaRPr lang="zh-CN" altLang="en-US" dirty="0"/>
+            <a:endParaRPr dirty="0"/>
           </a:p>
           <a:p>
             <a:r>
-              <a:rPr lang="zh-CN" altLang="en-US" dirty="0"/>
-              <a:t>猜想当</a:t>
+              <a:rPr dirty="0"/>
+              <a:t>猜想当N过小时信息流融合不够充分，N增大时可能出现过拟合的问题</a:t>
             </a:r>
-            <a:r>
-              <a:rPr lang="en-US" altLang="zh-CN" dirty="0"/>
-              <a:t>N</a:t>
-            </a:r>
-            <a:r>
-              <a:rPr lang="zh-CN" altLang="en-US" dirty="0"/>
-              <a:t>增大时可能出现过拟合的问题</a:t>
-            </a:r>
-            <a:endParaRPr lang="zh-CN" altLang="en-US" dirty="0"/>
+            <a:endParaRPr dirty="0"/>
           </a:p>
         </p:txBody>
       </p:sp>
@@ -2544,7 +2451,11 @@
           <a:p>
             <a:r>
               <a:rPr lang="zh-CN" altLang="en-US" dirty="0"/>
-              <a:t>以上时实验结果分析，</a:t>
+              <a:t>以上是</a:t>
+            </a:r>
+            <a:r>
+              <a:rPr lang="zh-CN" altLang="en-US" dirty="0"/>
+              <a:t>实验结果分析，</a:t>
             </a:r>
             <a:r>
               <a:rPr lang="zh-CN" altLang="en-US" dirty="0"/>
@@ -2637,7 +2548,11 @@
           <a:p>
             <a:r>
               <a:rPr lang="zh-CN" altLang="en-US" dirty="0"/>
-              <a:t>通过比对实验和消融分析验证了模型的有效性和优越性</a:t>
+              <a:t>通过对比</a:t>
+            </a:r>
+            <a:r>
+              <a:rPr lang="zh-CN" altLang="en-US" dirty="0"/>
+              <a:t>实验和消融分析验证了模型的有效性和优越性</a:t>
             </a:r>
             <a:endParaRPr lang="zh-CN" altLang="en-US" dirty="0"/>
           </a:p>
@@ -2762,7 +2677,7 @@
             </a:pPr>
             <a:r>
               <a:rPr lang="zh-CN" altLang="en-US" dirty="0"/>
-              <a:t>然后是展望，主要分三块，首先跨界服务相关数据集有限，后期可以考虑扩展；</a:t>
+              <a:t>然后是展望，主要分三块，第一由于跨界服务相关数据集有限，后期可以考虑扩展数据集；</a:t>
             </a:r>
             <a:endParaRPr lang="zh-CN" altLang="en-US" dirty="0"/>
           </a:p>
@@ -2774,15 +2689,7 @@
             </a:pPr>
             <a:r>
               <a:rPr lang="zh-CN" altLang="en-US" dirty="0"/>
-              <a:t>引入</a:t>
-            </a:r>
-            <a:r>
-              <a:rPr lang="en-US" altLang="zh-CN" dirty="0"/>
-              <a:t>bert</a:t>
-            </a:r>
-            <a:r>
-              <a:rPr lang="zh-CN" altLang="en-US" dirty="0"/>
-              <a:t>以后会带来模型参数过多的问题，可以考虑较轻量级的模型；</a:t>
+              <a:t>第二引入bert以后带来模型参数过多的问题，可以考虑较轻量级的模型；</a:t>
             </a:r>
             <a:endParaRPr lang="zh-CN" altLang="en-US" dirty="0"/>
           </a:p>
@@ -2794,7 +2701,7 @@
             </a:pPr>
             <a:r>
               <a:rPr lang="zh-CN" altLang="en-US" dirty="0"/>
-              <a:t>近年来图神经网络在文本分类领域取得了不错的成绩，后续可以考虑采用此方案</a:t>
+              <a:t>最后近年来图神经网络在文本分类领域取得了不错的成绩，后续可以考虑采用此方案做尝试</a:t>
             </a:r>
             <a:endParaRPr lang="zh-CN" altLang="en-US" dirty="0"/>
           </a:p>
@@ -3560,7 +3467,7 @@
             </a:r>
             <a:r>
               <a:rPr lang="zh-CN" altLang="en-US" u="heavy"/>
-              <a:t>跨界服务网络</a:t>
+              <a:t>跨界服务</a:t>
             </a:r>
             <a:endParaRPr lang="zh-CN" altLang="en-US" u="heavy"/>
           </a:p>
@@ -3586,12 +3493,9 @@
             <a:endParaRPr lang="zh-CN" altLang="en-US" u="heavy"/>
           </a:p>
           <a:p>
-            <a:endParaRPr lang="zh-CN" altLang="en-US" u="heavy"/>
-          </a:p>
-          <a:p>
             <a:r>
               <a:rPr lang="zh-CN" altLang="en-US" u="heavy"/>
-              <a:t>互联网医疗、农村淘宝</a:t>
+              <a:t>典型的跨界服务场景有互联网医疗、农村淘宝等</a:t>
             </a:r>
             <a:endParaRPr lang="zh-CN" altLang="en-US" u="heavy"/>
           </a:p>
@@ -3664,7 +3568,7 @@
                 <a:ea typeface="微软雅黑" panose="020B0503020204020204" pitchFamily="34" charset="-122"/>
                 <a:sym typeface="+mn-ea"/>
               </a:rPr>
-              <a:t>相比传统的服务集成，跨界服务融合需开展模式、生态、环境、质量、价值等多维深度融合，导致内部服务种类繁多、数量庞大，</a:t>
+              <a:t>相比传统的服务集成，跨界服务融合需开展生态、环境、质量、价值等多维深度融合，导致内部服务种类繁多、数量庞大，</a:t>
             </a:r>
             <a:endParaRPr lang="zh-CN" altLang="en-US" dirty="0" smtClean="0">
               <a:latin typeface="Arial" panose="020B0604020202020204" pitchFamily="34" charset="0"/>
@@ -3679,7 +3583,23 @@
                 <a:ea typeface="微软雅黑" panose="020B0503020204020204" pitchFamily="34" charset="-122"/>
                 <a:sym typeface="+mn-ea"/>
               </a:rPr>
-              <a:t>用户在进入系统后，面对如此数量的服务，很难快速检索到想要的服务，面向用户的服务检索以及如何提升用户体验成为问题。</a:t>
+              <a:t>用户在进入系统后，面对数量繁多的服务，很难快速检索到想要的服务，因此如何提升用户</a:t>
+            </a:r>
+            <a:r>
+              <a:rPr lang="zh-CN" altLang="en-US" dirty="0" smtClean="0">
+                <a:latin typeface="Arial" panose="020B0604020202020204" pitchFamily="34" charset="0"/>
+                <a:ea typeface="微软雅黑" panose="020B0503020204020204" pitchFamily="34" charset="-122"/>
+                <a:sym typeface="+mn-ea"/>
+              </a:rPr>
+              <a:t>服务检索时的</a:t>
+            </a:r>
+            <a:r>
+              <a:rPr lang="zh-CN" altLang="en-US" dirty="0" smtClean="0">
+                <a:latin typeface="Arial" panose="020B0604020202020204" pitchFamily="34" charset="0"/>
+                <a:ea typeface="微软雅黑" panose="020B0503020204020204" pitchFamily="34" charset="-122"/>
+                <a:sym typeface="+mn-ea"/>
+              </a:rPr>
+              <a:t>体验成为问题。</a:t>
             </a:r>
             <a:endParaRPr lang="zh-CN" altLang="en-US" dirty="0" smtClean="0">
               <a:latin typeface="Arial" panose="020B0604020202020204" pitchFamily="34" charset="0"/>
@@ -3781,7 +3701,7 @@
                 <a:ea typeface="微软雅黑" panose="020B0503020204020204" pitchFamily="34" charset="-122"/>
                 <a:sym typeface="+mn-ea"/>
               </a:rPr>
-              <a:t>用户进入平台以后，可以输入带有自己意图的语句，如“查询成都开往杭州的火车票”，</a:t>
+              <a:t>用户进入平台以后，可以输入带有自己意图的语句，如“查询火车票”，</a:t>
             </a:r>
             <a:endParaRPr lang="zh-CN" altLang="en-US" dirty="0" smtClean="0">
               <a:latin typeface="Arial" panose="020B0604020202020204" pitchFamily="34" charset="0"/>
@@ -3796,7 +3716,7 @@
                 <a:ea typeface="微软雅黑" panose="020B0503020204020204" pitchFamily="34" charset="-122"/>
                 <a:sym typeface="+mn-ea"/>
               </a:rPr>
-              <a:t>智能服务调用引擎接受语句以后进行语义理解，识别并找出系统内部与之匹配的服务，</a:t>
+              <a:t>智能服务调用引擎接受语句以后进行语义理解，识别并找出系统内部与之匹配的服务与接口，</a:t>
             </a:r>
             <a:endParaRPr lang="zh-CN" altLang="en-US" dirty="0" smtClean="0">
               <a:latin typeface="Arial" panose="020B0604020202020204" pitchFamily="34" charset="0"/>
@@ -4132,20 +4052,31 @@
           </a:p>
           <a:p>
             <a:r>
+              <a:rPr lang="zh-CN" altLang="en-US" dirty="0"/>
+              <a:t>这两张图显示了研究现状，</a:t>
+            </a:r>
+            <a:endParaRPr lang="zh-CN" altLang="en-US" dirty="0"/>
+          </a:p>
+          <a:p>
+            <a:r>
+              <a:rPr lang="zh-CN" altLang="en-US" dirty="0"/>
+              <a:t>对文本分类</a:t>
+            </a:r>
+            <a:r>
               <a:rPr lang="en-US" altLang="zh-CN" dirty="0"/>
               <a:t>11</a:t>
             </a:r>
             <a:r>
               <a:rPr lang="zh-CN" altLang="en-US" dirty="0"/>
-              <a:t>年以前主要以</a:t>
+              <a:t>年以前主要以聚类</a:t>
             </a:r>
             <a:r>
               <a:rPr lang="en-US" altLang="zh-CN" dirty="0"/>
-              <a:t>KNN,SVM</a:t>
+              <a:t>,</a:t>
             </a:r>
             <a:r>
               <a:rPr lang="zh-CN" altLang="en-US" dirty="0"/>
-              <a:t>等机器学习方法为主，</a:t>
+              <a:t>支持向量机等机器学习方法为主，</a:t>
             </a:r>
             <a:r>
               <a:rPr lang="en-US" altLang="zh-CN" dirty="0"/>
@@ -4161,11 +4092,7 @@
             </a:r>
             <a:r>
               <a:rPr lang="zh-CN" altLang="en-US" dirty="0"/>
-              <a:t>，</a:t>
-            </a:r>
-            <a:r>
-              <a:rPr lang="en-US" altLang="zh-CN" dirty="0"/>
-              <a:t>GCN</a:t>
+              <a:t>，图神经网络</a:t>
             </a:r>
             <a:r>
               <a:rPr lang="zh-CN" altLang="en-US" dirty="0"/>
@@ -4176,22 +4103,30 @@
           <a:p>
             <a:r>
               <a:rPr lang="zh-CN" altLang="en-US" dirty="0"/>
-              <a:t>语义槽填充的方法也是有机器学习方法逐渐过渡到</a:t>
+              <a:t>语义槽填充的方法也是由机器学习方法逐渐过渡到深度学习方法，主流的是</a:t>
             </a:r>
             <a:r>
-              <a:rPr lang="en-US" altLang="zh-CN" dirty="0"/>
+              <a:rPr lang="en-US" altLang="zh-CN" dirty="0">
+                <a:sym typeface="+mn-ea"/>
+              </a:rPr>
               <a:t>LSTM+CRF</a:t>
             </a:r>
             <a:r>
-              <a:rPr lang="zh-CN" altLang="en-US" dirty="0"/>
-              <a:t>的深度学习方法</a:t>
+              <a:rPr lang="zh-CN" altLang="en-US" dirty="0">
+                <a:sym typeface="+mn-ea"/>
+              </a:rPr>
+              <a:t>结构</a:t>
             </a:r>
             <a:endParaRPr lang="zh-CN" altLang="en-US" dirty="0"/>
           </a:p>
           <a:p>
             <a:r>
               <a:rPr lang="zh-CN" altLang="en-US" dirty="0"/>
-              <a:t>论文第三章针对这三个子问题对深度学习做了局部优化提出了三个模型，目的主要起</a:t>
+              <a:t>论文第三章针对这三个子问题对深度学习方法</a:t>
+            </a:r>
+            <a:r>
+              <a:rPr lang="zh-CN" altLang="en-US" dirty="0"/>
+              <a:t>做了局部优化提出了三个模型，目的主要起</a:t>
             </a:r>
             <a:r>
               <a:rPr lang="en-US" altLang="zh-CN" dirty="0"/>
@@ -4204,6 +4139,17 @@
             <a:r>
               <a:rPr lang="zh-CN" altLang="en-US" dirty="0"/>
               <a:t>对照作用</a:t>
+            </a:r>
+            <a:endParaRPr lang="zh-CN" altLang="en-US" dirty="0"/>
+          </a:p>
+          <a:p>
+            <a:r>
+              <a:rPr lang="zh-CN" altLang="en-US" dirty="0"/>
+              <a:t>下面简单看一下这三</a:t>
+            </a:r>
+            <a:r>
+              <a:rPr lang="zh-CN" altLang="en-US" dirty="0"/>
+              <a:t>个模型</a:t>
             </a:r>
             <a:endParaRPr lang="zh-CN" altLang="en-US" dirty="0"/>
           </a:p>
